--- a/Writings/Predictions.pptx
+++ b/Writings/Predictions.pptx
@@ -13,6 +13,8 @@
     <p:sldId id="261" r:id="rId7"/>
     <p:sldId id="262" r:id="rId8"/>
     <p:sldId id="263" r:id="rId9"/>
+    <p:sldId id="264" r:id="rId10"/>
+    <p:sldId id="265" r:id="rId11"/>
   </p:sldIdLst>
   <p:sldSz cx="12192000" cy="6858000"/>
   <p:notesSz cx="6858000" cy="9144000"/>
@@ -478,7 +480,587 @@
 </c:chartSpace>
 </file>
 
+<file path=ppt/charts/chart2.xml><?xml version="1.0" encoding="utf-8"?>
+<c:chartSpace xmlns:c="http://schemas.openxmlformats.org/drawingml/2006/chart" xmlns:a="http://schemas.openxmlformats.org/drawingml/2006/main" xmlns:r="http://schemas.openxmlformats.org/officeDocument/2006/relationships" xmlns:c16r2="http://schemas.microsoft.com/office/drawing/2015/06/chart">
+  <c:date1904 val="0"/>
+  <c:lang val="en-US"/>
+  <c:roundedCorners val="0"/>
+  <mc:AlternateContent xmlns:mc="http://schemas.openxmlformats.org/markup-compatibility/2006">
+    <mc:Choice xmlns:c14="http://schemas.microsoft.com/office/drawing/2007/8/2/chart" Requires="c14">
+      <c14:style val="102"/>
+    </mc:Choice>
+    <mc:Fallback>
+      <c:style val="2"/>
+    </mc:Fallback>
+  </mc:AlternateContent>
+  <c:chart>
+    <c:autoTitleDeleted val="0"/>
+    <c:plotArea>
+      <c:layout/>
+      <c:lineChart>
+        <c:grouping val="standard"/>
+        <c:varyColors val="0"/>
+        <c:ser>
+          <c:idx val="0"/>
+          <c:order val="0"/>
+          <c:tx>
+            <c:strRef>
+              <c:f>Sheet1!$B$1</c:f>
+              <c:strCache>
+                <c:ptCount val="1"/>
+                <c:pt idx="0">
+                  <c:v>Similarity</c:v>
+                </c:pt>
+              </c:strCache>
+            </c:strRef>
+          </c:tx>
+          <c:spPr>
+            <a:ln w="38100" cap="rnd">
+              <a:solidFill>
+                <a:schemeClr val="accent1"/>
+              </a:solidFill>
+              <a:round/>
+            </a:ln>
+            <a:effectLst/>
+          </c:spPr>
+          <c:marker>
+            <c:symbol val="none"/>
+          </c:marker>
+          <c:cat>
+            <c:strRef>
+              <c:f>Sheet1!$A$2:$A$22</c:f>
+              <c:strCache>
+                <c:ptCount val="21"/>
+                <c:pt idx="0">
+                  <c:v>User 0</c:v>
+                </c:pt>
+                <c:pt idx="1">
+                  <c:v>User 1</c:v>
+                </c:pt>
+                <c:pt idx="2">
+                  <c:v>User 2</c:v>
+                </c:pt>
+                <c:pt idx="3">
+                  <c:v>User 3</c:v>
+                </c:pt>
+                <c:pt idx="4">
+                  <c:v>User 4</c:v>
+                </c:pt>
+                <c:pt idx="5">
+                  <c:v>User 5</c:v>
+                </c:pt>
+                <c:pt idx="6">
+                  <c:v>User 6</c:v>
+                </c:pt>
+                <c:pt idx="7">
+                  <c:v>User 7</c:v>
+                </c:pt>
+                <c:pt idx="8">
+                  <c:v>User 8</c:v>
+                </c:pt>
+                <c:pt idx="9">
+                  <c:v>User 9</c:v>
+                </c:pt>
+                <c:pt idx="10">
+                  <c:v>User 10</c:v>
+                </c:pt>
+                <c:pt idx="11">
+                  <c:v>User 11</c:v>
+                </c:pt>
+                <c:pt idx="12">
+                  <c:v>User 12</c:v>
+                </c:pt>
+                <c:pt idx="13">
+                  <c:v>User 13</c:v>
+                </c:pt>
+                <c:pt idx="14">
+                  <c:v>User 14</c:v>
+                </c:pt>
+                <c:pt idx="15">
+                  <c:v>User 15</c:v>
+                </c:pt>
+                <c:pt idx="16">
+                  <c:v>User 16</c:v>
+                </c:pt>
+                <c:pt idx="17">
+                  <c:v>User 17</c:v>
+                </c:pt>
+                <c:pt idx="18">
+                  <c:v>User 18</c:v>
+                </c:pt>
+                <c:pt idx="19">
+                  <c:v>User 19</c:v>
+                </c:pt>
+                <c:pt idx="20">
+                  <c:v>User 20</c:v>
+                </c:pt>
+              </c:strCache>
+            </c:strRef>
+          </c:cat>
+          <c:val>
+            <c:numRef>
+              <c:f>Sheet1!$B$2:$B$22</c:f>
+              <c:numCache>
+                <c:formatCode>General</c:formatCode>
+                <c:ptCount val="21"/>
+                <c:pt idx="0">
+                  <c:v>0.46118975752038999</c:v>
+                </c:pt>
+                <c:pt idx="1">
+                  <c:v>0.62242732423636604</c:v>
+                </c:pt>
+                <c:pt idx="2">
+                  <c:v>0.78162467900529298</c:v>
+                </c:pt>
+                <c:pt idx="3">
+                  <c:v>0.53951407155717701</c:v>
+                </c:pt>
+                <c:pt idx="4">
+                  <c:v>0.56810635865488901</c:v>
+                </c:pt>
+                <c:pt idx="5">
+                  <c:v>0.61192728129752405</c:v>
+                </c:pt>
+                <c:pt idx="6">
+                  <c:v>0.36260708070015801</c:v>
+                </c:pt>
+                <c:pt idx="7">
+                  <c:v>0.57469904509265501</c:v>
+                </c:pt>
+                <c:pt idx="8">
+                  <c:v>0.72134514595491295</c:v>
+                </c:pt>
+                <c:pt idx="9">
+                  <c:v>0.75692206890606795</c:v>
+                </c:pt>
+                <c:pt idx="10">
+                  <c:v>0.65247820471956897</c:v>
+                </c:pt>
+                <c:pt idx="11">
+                  <c:v>0.62278092274990604</c:v>
+                </c:pt>
+                <c:pt idx="12">
+                  <c:v>0.70035797700615599</c:v>
+                </c:pt>
+                <c:pt idx="13">
+                  <c:v>0.66652473698531101</c:v>
+                </c:pt>
+                <c:pt idx="14">
+                  <c:v>0.59429290978226201</c:v>
+                </c:pt>
+                <c:pt idx="15">
+                  <c:v>0.46019699431940397</c:v>
+                </c:pt>
+                <c:pt idx="16">
+                  <c:v>0.57533769673181501</c:v>
+                </c:pt>
+                <c:pt idx="17">
+                  <c:v>0.56772398093580101</c:v>
+                </c:pt>
+                <c:pt idx="18">
+                  <c:v>0.48451369749940998</c:v>
+                </c:pt>
+                <c:pt idx="19">
+                  <c:v>0.44451545291983702</c:v>
+                </c:pt>
+                <c:pt idx="20">
+                  <c:v>0.57079032899591897</c:v>
+                </c:pt>
+              </c:numCache>
+            </c:numRef>
+          </c:val>
+          <c:smooth val="0"/>
+          <c:extLst>
+            <c:ext xmlns:c16="http://schemas.microsoft.com/office/drawing/2014/chart" uri="{C3380CC4-5D6E-409C-BE32-E72D297353CC}">
+              <c16:uniqueId val="{00000000-ACE8-4C27-B8D8-A0E16B0B0C92}"/>
+            </c:ext>
+          </c:extLst>
+        </c:ser>
+        <c:ser>
+          <c:idx val="1"/>
+          <c:order val="1"/>
+          <c:tx>
+            <c:strRef>
+              <c:f>Sheet1!$C$1</c:f>
+              <c:strCache>
+                <c:ptCount val="1"/>
+                <c:pt idx="0">
+                  <c:v>Average</c:v>
+                </c:pt>
+              </c:strCache>
+            </c:strRef>
+          </c:tx>
+          <c:spPr>
+            <a:ln w="38100" cap="rnd">
+              <a:solidFill>
+                <a:schemeClr val="accent2"/>
+              </a:solidFill>
+              <a:round/>
+            </a:ln>
+            <a:effectLst/>
+          </c:spPr>
+          <c:marker>
+            <c:symbol val="none"/>
+          </c:marker>
+          <c:cat>
+            <c:strRef>
+              <c:f>Sheet1!$A$2:$A$22</c:f>
+              <c:strCache>
+                <c:ptCount val="21"/>
+                <c:pt idx="0">
+                  <c:v>User 0</c:v>
+                </c:pt>
+                <c:pt idx="1">
+                  <c:v>User 1</c:v>
+                </c:pt>
+                <c:pt idx="2">
+                  <c:v>User 2</c:v>
+                </c:pt>
+                <c:pt idx="3">
+                  <c:v>User 3</c:v>
+                </c:pt>
+                <c:pt idx="4">
+                  <c:v>User 4</c:v>
+                </c:pt>
+                <c:pt idx="5">
+                  <c:v>User 5</c:v>
+                </c:pt>
+                <c:pt idx="6">
+                  <c:v>User 6</c:v>
+                </c:pt>
+                <c:pt idx="7">
+                  <c:v>User 7</c:v>
+                </c:pt>
+                <c:pt idx="8">
+                  <c:v>User 8</c:v>
+                </c:pt>
+                <c:pt idx="9">
+                  <c:v>User 9</c:v>
+                </c:pt>
+                <c:pt idx="10">
+                  <c:v>User 10</c:v>
+                </c:pt>
+                <c:pt idx="11">
+                  <c:v>User 11</c:v>
+                </c:pt>
+                <c:pt idx="12">
+                  <c:v>User 12</c:v>
+                </c:pt>
+                <c:pt idx="13">
+                  <c:v>User 13</c:v>
+                </c:pt>
+                <c:pt idx="14">
+                  <c:v>User 14</c:v>
+                </c:pt>
+                <c:pt idx="15">
+                  <c:v>User 15</c:v>
+                </c:pt>
+                <c:pt idx="16">
+                  <c:v>User 16</c:v>
+                </c:pt>
+                <c:pt idx="17">
+                  <c:v>User 17</c:v>
+                </c:pt>
+                <c:pt idx="18">
+                  <c:v>User 18</c:v>
+                </c:pt>
+                <c:pt idx="19">
+                  <c:v>User 19</c:v>
+                </c:pt>
+                <c:pt idx="20">
+                  <c:v>User 20</c:v>
+                </c:pt>
+              </c:strCache>
+            </c:strRef>
+          </c:cat>
+          <c:val>
+            <c:numRef>
+              <c:f>Sheet1!$C$2:$C$22</c:f>
+              <c:numCache>
+                <c:formatCode>General</c:formatCode>
+                <c:ptCount val="21"/>
+                <c:pt idx="0">
+                  <c:v>0.58761312931289633</c:v>
+                </c:pt>
+                <c:pt idx="1">
+                  <c:v>0.58761312931289633</c:v>
+                </c:pt>
+                <c:pt idx="2">
+                  <c:v>0.58761312931289633</c:v>
+                </c:pt>
+                <c:pt idx="3">
+                  <c:v>0.58761312931289633</c:v>
+                </c:pt>
+                <c:pt idx="4">
+                  <c:v>0.58761312931289633</c:v>
+                </c:pt>
+                <c:pt idx="5">
+                  <c:v>0.58761312931289633</c:v>
+                </c:pt>
+                <c:pt idx="6">
+                  <c:v>0.58761312931289633</c:v>
+                </c:pt>
+                <c:pt idx="7">
+                  <c:v>0.58761312931289633</c:v>
+                </c:pt>
+                <c:pt idx="8">
+                  <c:v>0.58761312931289633</c:v>
+                </c:pt>
+                <c:pt idx="9">
+                  <c:v>0.58761312931289633</c:v>
+                </c:pt>
+                <c:pt idx="10">
+                  <c:v>0.58761312931289633</c:v>
+                </c:pt>
+                <c:pt idx="11">
+                  <c:v>0.58761312931289633</c:v>
+                </c:pt>
+                <c:pt idx="12">
+                  <c:v>0.58761312931289633</c:v>
+                </c:pt>
+                <c:pt idx="13">
+                  <c:v>0.58761312931289633</c:v>
+                </c:pt>
+                <c:pt idx="14">
+                  <c:v>0.58761312931289633</c:v>
+                </c:pt>
+                <c:pt idx="15">
+                  <c:v>0.58761312931289633</c:v>
+                </c:pt>
+                <c:pt idx="16">
+                  <c:v>0.58761312931289633</c:v>
+                </c:pt>
+                <c:pt idx="17">
+                  <c:v>0.58761312931289633</c:v>
+                </c:pt>
+                <c:pt idx="18">
+                  <c:v>0.58761312931289633</c:v>
+                </c:pt>
+                <c:pt idx="19">
+                  <c:v>0.58761312931289633</c:v>
+                </c:pt>
+                <c:pt idx="20">
+                  <c:v>0.58761312931289633</c:v>
+                </c:pt>
+              </c:numCache>
+            </c:numRef>
+          </c:val>
+          <c:smooth val="0"/>
+          <c:extLst>
+            <c:ext xmlns:c16="http://schemas.microsoft.com/office/drawing/2014/chart" uri="{C3380CC4-5D6E-409C-BE32-E72D297353CC}">
+              <c16:uniqueId val="{00000001-ACE8-4C27-B8D8-A0E16B0B0C92}"/>
+            </c:ext>
+          </c:extLst>
+        </c:ser>
+        <c:dLbls>
+          <c:showLegendKey val="0"/>
+          <c:showVal val="0"/>
+          <c:showCatName val="0"/>
+          <c:showSerName val="0"/>
+          <c:showPercent val="0"/>
+          <c:showBubbleSize val="0"/>
+        </c:dLbls>
+        <c:smooth val="0"/>
+        <c:axId val="488074232"/>
+        <c:axId val="488073272"/>
+      </c:lineChart>
+      <c:catAx>
+        <c:axId val="488074232"/>
+        <c:scaling>
+          <c:orientation val="minMax"/>
+        </c:scaling>
+        <c:delete val="0"/>
+        <c:axPos val="b"/>
+        <c:numFmt formatCode="General" sourceLinked="1"/>
+        <c:majorTickMark val="none"/>
+        <c:minorTickMark val="none"/>
+        <c:tickLblPos val="nextTo"/>
+        <c:spPr>
+          <a:noFill/>
+          <a:ln w="9525" cap="flat" cmpd="sng" algn="ctr">
+            <a:solidFill>
+              <a:schemeClr val="tx1">
+                <a:lumMod val="15000"/>
+                <a:lumOff val="85000"/>
+              </a:schemeClr>
+            </a:solidFill>
+            <a:round/>
+          </a:ln>
+          <a:effectLst/>
+        </c:spPr>
+        <c:txPr>
+          <a:bodyPr rot="-60000000" spcFirstLastPara="1" vertOverflow="ellipsis" vert="horz" wrap="square" anchor="ctr" anchorCtr="1"/>
+          <a:lstStyle/>
+          <a:p>
+            <a:pPr>
+              <a:defRPr sz="900" b="0" i="0" u="none" strike="noStrike" kern="1200" cap="none" spc="0" normalizeH="0" baseline="0">
+                <a:solidFill>
+                  <a:schemeClr val="tx1">
+                    <a:lumMod val="65000"/>
+                    <a:lumOff val="35000"/>
+                  </a:schemeClr>
+                </a:solidFill>
+                <a:latin typeface="+mn-lt"/>
+                <a:ea typeface="+mn-ea"/>
+                <a:cs typeface="+mn-cs"/>
+              </a:defRPr>
+            </a:pPr>
+            <a:endParaRPr lang="en-US"/>
+          </a:p>
+        </c:txPr>
+        <c:crossAx val="488073272"/>
+        <c:crosses val="autoZero"/>
+        <c:auto val="1"/>
+        <c:lblAlgn val="ctr"/>
+        <c:lblOffset val="100"/>
+        <c:noMultiLvlLbl val="0"/>
+      </c:catAx>
+      <c:valAx>
+        <c:axId val="488073272"/>
+        <c:scaling>
+          <c:orientation val="minMax"/>
+        </c:scaling>
+        <c:delete val="0"/>
+        <c:axPos val="l"/>
+        <c:majorGridlines>
+          <c:spPr>
+            <a:ln w="9525" cap="flat" cmpd="sng" algn="ctr">
+              <a:solidFill>
+                <a:schemeClr val="tx1">
+                  <a:lumMod val="15000"/>
+                  <a:lumOff val="85000"/>
+                </a:schemeClr>
+              </a:solidFill>
+              <a:round/>
+            </a:ln>
+            <a:effectLst/>
+          </c:spPr>
+        </c:majorGridlines>
+        <c:minorGridlines>
+          <c:spPr>
+            <a:ln w="9525" cap="flat" cmpd="sng" algn="ctr">
+              <a:solidFill>
+                <a:schemeClr val="tx1">
+                  <a:lumMod val="5000"/>
+                  <a:lumOff val="95000"/>
+                </a:schemeClr>
+              </a:solidFill>
+              <a:round/>
+            </a:ln>
+            <a:effectLst/>
+          </c:spPr>
+        </c:minorGridlines>
+        <c:numFmt formatCode="General" sourceLinked="1"/>
+        <c:majorTickMark val="none"/>
+        <c:minorTickMark val="none"/>
+        <c:tickLblPos val="nextTo"/>
+        <c:spPr>
+          <a:noFill/>
+          <a:ln>
+            <a:noFill/>
+          </a:ln>
+          <a:effectLst/>
+        </c:spPr>
+        <c:txPr>
+          <a:bodyPr rot="-60000000" spcFirstLastPara="1" vertOverflow="ellipsis" vert="horz" wrap="square" anchor="ctr" anchorCtr="1"/>
+          <a:lstStyle/>
+          <a:p>
+            <a:pPr>
+              <a:defRPr sz="900" b="0" i="0" u="none" strike="noStrike" kern="1200" baseline="0">
+                <a:solidFill>
+                  <a:schemeClr val="tx1">
+                    <a:lumMod val="65000"/>
+                    <a:lumOff val="35000"/>
+                  </a:schemeClr>
+                </a:solidFill>
+                <a:latin typeface="+mn-lt"/>
+                <a:ea typeface="+mn-ea"/>
+                <a:cs typeface="+mn-cs"/>
+              </a:defRPr>
+            </a:pPr>
+            <a:endParaRPr lang="en-US"/>
+          </a:p>
+        </c:txPr>
+        <c:crossAx val="488074232"/>
+        <c:crosses val="autoZero"/>
+        <c:crossBetween val="between"/>
+      </c:valAx>
+      <c:spPr>
+        <a:noFill/>
+        <a:ln>
+          <a:noFill/>
+        </a:ln>
+        <a:effectLst/>
+      </c:spPr>
+    </c:plotArea>
+    <c:plotVisOnly val="1"/>
+    <c:dispBlanksAs val="gap"/>
+    <c:showDLblsOverMax val="0"/>
+  </c:chart>
+  <c:spPr>
+    <a:noFill/>
+    <a:ln>
+      <a:noFill/>
+    </a:ln>
+    <a:effectLst/>
+  </c:spPr>
+  <c:txPr>
+    <a:bodyPr/>
+    <a:lstStyle/>
+    <a:p>
+      <a:pPr>
+        <a:defRPr/>
+      </a:pPr>
+      <a:endParaRPr lang="en-US"/>
+    </a:p>
+  </c:txPr>
+  <c:externalData r:id="rId3">
+    <c:autoUpdate val="0"/>
+  </c:externalData>
+</c:chartSpace>
+</file>
+
 <file path=ppt/charts/colors1.xml><?xml version="1.0" encoding="utf-8"?>
+<cs:colorStyle xmlns:cs="http://schemas.microsoft.com/office/drawing/2012/chartStyle" xmlns:a="http://schemas.openxmlformats.org/drawingml/2006/main" meth="cycle" id="10">
+  <a:schemeClr val="accent1"/>
+  <a:schemeClr val="accent2"/>
+  <a:schemeClr val="accent3"/>
+  <a:schemeClr val="accent4"/>
+  <a:schemeClr val="accent5"/>
+  <a:schemeClr val="accent6"/>
+  <cs:variation/>
+  <cs:variation>
+    <a:lumMod val="60000"/>
+  </cs:variation>
+  <cs:variation>
+    <a:lumMod val="80000"/>
+    <a:lumOff val="20000"/>
+  </cs:variation>
+  <cs:variation>
+    <a:lumMod val="80000"/>
+  </cs:variation>
+  <cs:variation>
+    <a:lumMod val="60000"/>
+    <a:lumOff val="40000"/>
+  </cs:variation>
+  <cs:variation>
+    <a:lumMod val="50000"/>
+  </cs:variation>
+  <cs:variation>
+    <a:lumMod val="70000"/>
+    <a:lumOff val="30000"/>
+  </cs:variation>
+  <cs:variation>
+    <a:lumMod val="70000"/>
+  </cs:variation>
+  <cs:variation>
+    <a:lumMod val="50000"/>
+    <a:lumOff val="50000"/>
+  </cs:variation>
+</cs:colorStyle>
+</file>
+
+<file path=ppt/charts/colors2.xml><?xml version="1.0" encoding="utf-8"?>
 <cs:colorStyle xmlns:cs="http://schemas.microsoft.com/office/drawing/2012/chartStyle" xmlns:a="http://schemas.openxmlformats.org/drawingml/2006/main" meth="cycle" id="10">
   <a:schemeClr val="accent1"/>
   <a:schemeClr val="accent2"/>
@@ -1051,6 +1633,506 @@
 </cs:chartStyle>
 </file>
 
+<file path=ppt/charts/style2.xml><?xml version="1.0" encoding="utf-8"?>
+<cs:chartStyle xmlns:cs="http://schemas.microsoft.com/office/drawing/2012/chartStyle" xmlns:a="http://schemas.openxmlformats.org/drawingml/2006/main" id="235">
+  <cs:axisTitle>
+    <cs:lnRef idx="0"/>
+    <cs:fillRef idx="0"/>
+    <cs:effectRef idx="0"/>
+    <cs:fontRef idx="minor">
+      <a:schemeClr val="tx1">
+        <a:lumMod val="65000"/>
+        <a:lumOff val="35000"/>
+      </a:schemeClr>
+    </cs:fontRef>
+    <cs:defRPr sz="900" kern="1200" cap="all"/>
+  </cs:axisTitle>
+  <cs:categoryAxis>
+    <cs:lnRef idx="0"/>
+    <cs:fillRef idx="0"/>
+    <cs:effectRef idx="0"/>
+    <cs:fontRef idx="minor">
+      <a:schemeClr val="tx1">
+        <a:lumMod val="65000"/>
+        <a:lumOff val="35000"/>
+      </a:schemeClr>
+    </cs:fontRef>
+    <cs:spPr>
+      <a:ln w="9525" cap="flat" cmpd="sng" algn="ctr">
+        <a:solidFill>
+          <a:schemeClr val="tx1">
+            <a:lumMod val="15000"/>
+            <a:lumOff val="85000"/>
+          </a:schemeClr>
+        </a:solidFill>
+        <a:round/>
+      </a:ln>
+    </cs:spPr>
+    <cs:defRPr sz="900" b="0" kern="1200" cap="none" spc="0" normalizeH="0" baseline="0"/>
+  </cs:categoryAxis>
+  <cs:chartArea mods="allowNoFillOverride allowNoLineOverride">
+    <cs:lnRef idx="0"/>
+    <cs:fillRef idx="0"/>
+    <cs:effectRef idx="0"/>
+    <cs:fontRef idx="minor">
+      <a:schemeClr val="dk1"/>
+    </cs:fontRef>
+    <cs:spPr>
+      <a:solidFill>
+        <a:schemeClr val="bg1"/>
+      </a:solidFill>
+      <a:ln w="9525" cap="flat" cmpd="sng" algn="ctr">
+        <a:solidFill>
+          <a:schemeClr val="tx1">
+            <a:lumMod val="15000"/>
+            <a:lumOff val="85000"/>
+          </a:schemeClr>
+        </a:solidFill>
+        <a:round/>
+      </a:ln>
+    </cs:spPr>
+    <cs:defRPr sz="900" kern="1200"/>
+  </cs:chartArea>
+  <cs:dataLabel>
+    <cs:lnRef idx="0"/>
+    <cs:fillRef idx="0"/>
+    <cs:effectRef idx="0"/>
+    <cs:fontRef idx="minor">
+      <a:schemeClr val="tx1">
+        <a:lumMod val="75000"/>
+        <a:lumOff val="25000"/>
+      </a:schemeClr>
+    </cs:fontRef>
+    <cs:defRPr sz="900" kern="1200"/>
+  </cs:dataLabel>
+  <cs:dataLabelCallout>
+    <cs:lnRef idx="0"/>
+    <cs:fillRef idx="0"/>
+    <cs:effectRef idx="0"/>
+    <cs:fontRef idx="minor">
+      <a:schemeClr val="dk1">
+        <a:lumMod val="75000"/>
+        <a:lumOff val="25000"/>
+      </a:schemeClr>
+    </cs:fontRef>
+    <cs:spPr>
+      <a:solidFill>
+        <a:schemeClr val="dk1">
+          <a:lumMod val="15000"/>
+          <a:lumOff val="85000"/>
+        </a:schemeClr>
+      </a:solidFill>
+    </cs:spPr>
+    <cs:defRPr sz="900" kern="1200"/>
+    <cs:bodyPr rot="0" spcFirstLastPara="1" vertOverflow="clip" horzOverflow="clip" vert="horz" wrap="square" lIns="36576" tIns="18288" rIns="36576" bIns="18288" anchor="ctr" anchorCtr="1">
+      <a:spAutoFit/>
+    </cs:bodyPr>
+  </cs:dataLabelCallout>
+  <cs:dataPoint>
+    <cs:lnRef idx="0"/>
+    <cs:fillRef idx="0">
+      <cs:styleClr val="auto"/>
+    </cs:fillRef>
+    <cs:effectRef idx="0"/>
+    <cs:fontRef idx="minor">
+      <a:schemeClr val="dk1"/>
+    </cs:fontRef>
+    <cs:spPr>
+      <a:solidFill>
+        <a:schemeClr val="phClr"/>
+      </a:solidFill>
+    </cs:spPr>
+  </cs:dataPoint>
+  <cs:dataPoint3D>
+    <cs:lnRef idx="0"/>
+    <cs:fillRef idx="0">
+      <cs:styleClr val="auto"/>
+    </cs:fillRef>
+    <cs:effectRef idx="0"/>
+    <cs:fontRef idx="minor">
+      <a:schemeClr val="dk1"/>
+    </cs:fontRef>
+    <cs:spPr>
+      <a:solidFill>
+        <a:schemeClr val="phClr"/>
+      </a:solidFill>
+    </cs:spPr>
+  </cs:dataPoint3D>
+  <cs:dataPointLine>
+    <cs:lnRef idx="0">
+      <cs:styleClr val="auto"/>
+    </cs:lnRef>
+    <cs:fillRef idx="0"/>
+    <cs:effectRef idx="0"/>
+    <cs:fontRef idx="minor">
+      <a:schemeClr val="dk1"/>
+    </cs:fontRef>
+    <cs:spPr>
+      <a:ln w="38100" cap="rnd">
+        <a:solidFill>
+          <a:schemeClr val="phClr"/>
+        </a:solidFill>
+        <a:round/>
+      </a:ln>
+    </cs:spPr>
+  </cs:dataPointLine>
+  <cs:dataPointMarker>
+    <cs:lnRef idx="0"/>
+    <cs:fillRef idx="0">
+      <cs:styleClr val="auto"/>
+    </cs:fillRef>
+    <cs:effectRef idx="0"/>
+    <cs:fontRef idx="minor">
+      <a:schemeClr val="dk1"/>
+    </cs:fontRef>
+    <cs:spPr>
+      <a:solidFill>
+        <a:schemeClr val="phClr"/>
+      </a:solidFill>
+    </cs:spPr>
+  </cs:dataPointMarker>
+  <cs:dataPointMarkerLayout symbol="circle" size="8"/>
+  <cs:dataPointWireframe>
+    <cs:lnRef idx="0">
+      <cs:styleClr val="auto"/>
+    </cs:lnRef>
+    <cs:fillRef idx="0"/>
+    <cs:effectRef idx="0"/>
+    <cs:fontRef idx="minor">
+      <a:schemeClr val="dk1"/>
+    </cs:fontRef>
+    <cs:spPr>
+      <a:ln w="9525" cap="rnd">
+        <a:solidFill>
+          <a:schemeClr val="phClr"/>
+        </a:solidFill>
+        <a:round/>
+      </a:ln>
+    </cs:spPr>
+  </cs:dataPointWireframe>
+  <cs:dataTable>
+    <cs:lnRef idx="0"/>
+    <cs:fillRef idx="0"/>
+    <cs:effectRef idx="0"/>
+    <cs:fontRef idx="minor">
+      <a:schemeClr val="tx1">
+        <a:lumMod val="65000"/>
+        <a:lumOff val="35000"/>
+      </a:schemeClr>
+    </cs:fontRef>
+    <cs:spPr>
+      <a:ln w="9525">
+        <a:solidFill>
+          <a:schemeClr val="tx1">
+            <a:lumMod val="15000"/>
+            <a:lumOff val="85000"/>
+          </a:schemeClr>
+        </a:solidFill>
+      </a:ln>
+    </cs:spPr>
+    <cs:defRPr sz="900" kern="1200"/>
+  </cs:dataTable>
+  <cs:downBar>
+    <cs:lnRef idx="0"/>
+    <cs:fillRef idx="0"/>
+    <cs:effectRef idx="0"/>
+    <cs:fontRef idx="minor">
+      <a:schemeClr val="dk1"/>
+    </cs:fontRef>
+    <cs:spPr>
+      <a:solidFill>
+        <a:schemeClr val="dk1">
+          <a:lumMod val="75000"/>
+          <a:lumOff val="25000"/>
+        </a:schemeClr>
+      </a:solidFill>
+      <a:ln w="9525">
+        <a:solidFill>
+          <a:schemeClr val="tx1">
+            <a:lumMod val="50000"/>
+            <a:lumOff val="50000"/>
+          </a:schemeClr>
+        </a:solidFill>
+      </a:ln>
+    </cs:spPr>
+  </cs:downBar>
+  <cs:dropLine>
+    <cs:lnRef idx="0"/>
+    <cs:fillRef idx="0"/>
+    <cs:effectRef idx="0"/>
+    <cs:fontRef idx="minor">
+      <a:schemeClr val="dk1"/>
+    </cs:fontRef>
+    <cs:spPr>
+      <a:ln w="9525">
+        <a:solidFill>
+          <a:schemeClr val="tx1">
+            <a:lumMod val="50000"/>
+            <a:lumOff val="50000"/>
+          </a:schemeClr>
+        </a:solidFill>
+        <a:prstDash val="dash"/>
+      </a:ln>
+    </cs:spPr>
+  </cs:dropLine>
+  <cs:errorBar>
+    <cs:lnRef idx="0"/>
+    <cs:fillRef idx="0"/>
+    <cs:effectRef idx="0"/>
+    <cs:fontRef idx="minor">
+      <a:schemeClr val="dk1"/>
+    </cs:fontRef>
+    <cs:spPr>
+      <a:ln w="9525">
+        <a:solidFill>
+          <a:schemeClr val="tx1">
+            <a:lumMod val="50000"/>
+            <a:lumOff val="50000"/>
+          </a:schemeClr>
+        </a:solidFill>
+        <a:round/>
+      </a:ln>
+    </cs:spPr>
+  </cs:errorBar>
+  <cs:floor>
+    <cs:lnRef idx="0"/>
+    <cs:fillRef idx="0"/>
+    <cs:effectRef idx="0"/>
+    <cs:fontRef idx="minor">
+      <a:schemeClr val="dk1"/>
+    </cs:fontRef>
+  </cs:floor>
+  <cs:gridlineMajor>
+    <cs:lnRef idx="0"/>
+    <cs:fillRef idx="0"/>
+    <cs:effectRef idx="0"/>
+    <cs:fontRef idx="minor">
+      <a:schemeClr val="dk1"/>
+    </cs:fontRef>
+    <cs:spPr>
+      <a:ln w="9525" cap="flat" cmpd="sng" algn="ctr">
+        <a:solidFill>
+          <a:schemeClr val="tx1">
+            <a:lumMod val="15000"/>
+            <a:lumOff val="85000"/>
+          </a:schemeClr>
+        </a:solidFill>
+        <a:round/>
+      </a:ln>
+    </cs:spPr>
+  </cs:gridlineMajor>
+  <cs:gridlineMinor>
+    <cs:lnRef idx="0"/>
+    <cs:fillRef idx="0"/>
+    <cs:effectRef idx="0"/>
+    <cs:fontRef idx="minor">
+      <a:schemeClr val="dk1"/>
+    </cs:fontRef>
+    <cs:spPr>
+      <a:ln w="9525" cap="flat" cmpd="sng" algn="ctr">
+        <a:solidFill>
+          <a:schemeClr val="tx1">
+            <a:lumMod val="5000"/>
+            <a:lumOff val="95000"/>
+          </a:schemeClr>
+        </a:solidFill>
+        <a:round/>
+      </a:ln>
+    </cs:spPr>
+  </cs:gridlineMinor>
+  <cs:hiLoLine>
+    <cs:lnRef idx="0"/>
+    <cs:fillRef idx="0"/>
+    <cs:effectRef idx="0"/>
+    <cs:fontRef idx="minor">
+      <a:schemeClr val="dk1"/>
+    </cs:fontRef>
+    <cs:spPr>
+      <a:ln w="9525">
+        <a:solidFill>
+          <a:schemeClr val="tx1">
+            <a:lumMod val="50000"/>
+            <a:lumOff val="50000"/>
+          </a:schemeClr>
+        </a:solidFill>
+        <a:prstDash val="dash"/>
+      </a:ln>
+    </cs:spPr>
+  </cs:hiLoLine>
+  <cs:leaderLine>
+    <cs:lnRef idx="0"/>
+    <cs:fillRef idx="0"/>
+    <cs:effectRef idx="0"/>
+    <cs:fontRef idx="minor">
+      <a:schemeClr val="dk1"/>
+    </cs:fontRef>
+    <cs:spPr>
+      <a:ln w="9525">
+        <a:solidFill>
+          <a:schemeClr val="tx1">
+            <a:lumMod val="35000"/>
+            <a:lumOff val="65000"/>
+          </a:schemeClr>
+        </a:solidFill>
+      </a:ln>
+    </cs:spPr>
+  </cs:leaderLine>
+  <cs:legend>
+    <cs:lnRef idx="0"/>
+    <cs:fillRef idx="0"/>
+    <cs:effectRef idx="0"/>
+    <cs:fontRef idx="minor">
+      <a:schemeClr val="tx1">
+        <a:lumMod val="65000"/>
+        <a:lumOff val="35000"/>
+      </a:schemeClr>
+    </cs:fontRef>
+    <cs:defRPr sz="900" kern="1200"/>
+  </cs:legend>
+  <cs:plotArea mods="allowNoFillOverride allowNoLineOverride">
+    <cs:lnRef idx="0"/>
+    <cs:fillRef idx="0"/>
+    <cs:effectRef idx="0"/>
+    <cs:fontRef idx="minor">
+      <a:schemeClr val="dk1"/>
+    </cs:fontRef>
+  </cs:plotArea>
+  <cs:plotArea3D mods="allowNoFillOverride allowNoLineOverride">
+    <cs:lnRef idx="0"/>
+    <cs:fillRef idx="0"/>
+    <cs:effectRef idx="0"/>
+    <cs:fontRef idx="minor">
+      <a:schemeClr val="dk1"/>
+    </cs:fontRef>
+  </cs:plotArea3D>
+  <cs:seriesAxis>
+    <cs:lnRef idx="0"/>
+    <cs:fillRef idx="0"/>
+    <cs:effectRef idx="0"/>
+    <cs:fontRef idx="minor">
+      <a:schemeClr val="tx1">
+        <a:lumMod val="65000"/>
+        <a:lumOff val="35000"/>
+      </a:schemeClr>
+    </cs:fontRef>
+    <cs:spPr>
+      <a:ln w="9525" cap="flat" cmpd="sng" algn="ctr">
+        <a:solidFill>
+          <a:schemeClr val="tx1">
+            <a:lumMod val="15000"/>
+            <a:lumOff val="85000"/>
+          </a:schemeClr>
+        </a:solidFill>
+        <a:round/>
+      </a:ln>
+    </cs:spPr>
+    <cs:defRPr sz="900" kern="1200"/>
+  </cs:seriesAxis>
+  <cs:seriesLine>
+    <cs:lnRef idx="0"/>
+    <cs:fillRef idx="0"/>
+    <cs:effectRef idx="0"/>
+    <cs:fontRef idx="minor">
+      <a:schemeClr val="dk1"/>
+    </cs:fontRef>
+    <cs:spPr>
+      <a:ln w="9525">
+        <a:solidFill>
+          <a:schemeClr val="tx1">
+            <a:lumMod val="35000"/>
+            <a:lumOff val="65000"/>
+          </a:schemeClr>
+        </a:solidFill>
+        <a:round/>
+      </a:ln>
+    </cs:spPr>
+  </cs:seriesLine>
+  <cs:title>
+    <cs:lnRef idx="0"/>
+    <cs:fillRef idx="0"/>
+    <cs:effectRef idx="0"/>
+    <cs:fontRef idx="major">
+      <a:schemeClr val="tx1">
+        <a:lumMod val="65000"/>
+        <a:lumOff val="35000"/>
+      </a:schemeClr>
+    </cs:fontRef>
+    <cs:defRPr sz="2000" b="0" kern="1200" cap="none" spc="0" normalizeH="0" baseline="0"/>
+  </cs:title>
+  <cs:trendline>
+    <cs:lnRef idx="0">
+      <cs:styleClr val="auto"/>
+    </cs:lnRef>
+    <cs:fillRef idx="0"/>
+    <cs:effectRef idx="0"/>
+    <cs:fontRef idx="minor">
+      <a:schemeClr val="dk1"/>
+    </cs:fontRef>
+    <cs:spPr>
+      <a:ln w="19050" cap="rnd">
+        <a:solidFill>
+          <a:schemeClr val="phClr"/>
+        </a:solidFill>
+        <a:round/>
+      </a:ln>
+    </cs:spPr>
+  </cs:trendline>
+  <cs:trendlineLabel>
+    <cs:lnRef idx="0"/>
+    <cs:fillRef idx="0"/>
+    <cs:effectRef idx="0"/>
+    <cs:fontRef idx="minor">
+      <a:schemeClr val="tx1">
+        <a:lumMod val="65000"/>
+        <a:lumOff val="35000"/>
+      </a:schemeClr>
+    </cs:fontRef>
+    <cs:defRPr sz="900" kern="1200"/>
+  </cs:trendlineLabel>
+  <cs:upBar>
+    <cs:lnRef idx="0"/>
+    <cs:fillRef idx="0"/>
+    <cs:effectRef idx="0"/>
+    <cs:fontRef idx="minor">
+      <a:schemeClr val="dk1"/>
+    </cs:fontRef>
+    <cs:spPr>
+      <a:solidFill>
+        <a:schemeClr val="lt1"/>
+      </a:solidFill>
+      <a:ln w="9525">
+        <a:solidFill>
+          <a:schemeClr val="tx1">
+            <a:lumMod val="50000"/>
+            <a:lumOff val="50000"/>
+          </a:schemeClr>
+        </a:solidFill>
+      </a:ln>
+    </cs:spPr>
+  </cs:upBar>
+  <cs:valueAxis>
+    <cs:lnRef idx="0"/>
+    <cs:fillRef idx="0"/>
+    <cs:effectRef idx="0"/>
+    <cs:fontRef idx="minor">
+      <a:schemeClr val="tx1">
+        <a:lumMod val="65000"/>
+        <a:lumOff val="35000"/>
+      </a:schemeClr>
+    </cs:fontRef>
+    <cs:defRPr sz="900" kern="1200"/>
+  </cs:valueAxis>
+  <cs:wall>
+    <cs:lnRef idx="0"/>
+    <cs:fillRef idx="0"/>
+    <cs:effectRef idx="0"/>
+    <cs:fontRef idx="minor">
+      <a:schemeClr val="dk1"/>
+    </cs:fontRef>
+  </cs:wall>
+</cs:chartStyle>
+</file>
+
 <file path=ppt/slideLayouts/slideLayout1.xml><?xml version="1.0" encoding="utf-8"?>
 <p:sldLayout xmlns:a="http://schemas.openxmlformats.org/drawingml/2006/main" xmlns:r="http://schemas.openxmlformats.org/officeDocument/2006/relationships" xmlns:p="http://schemas.openxmlformats.org/presentationml/2006/main" type="title" preserve="1">
   <p:cSld name="Title Slide">
@@ -1198,7 +2280,7 @@
           <a:p>
             <a:fld id="{75B3FFF7-FEE0-43BC-B399-9665428A1661}" type="datetimeFigureOut">
               <a:rPr lang="en-US" smtClean="0"/>
-              <a:t>9/4/2018</a:t>
+              <a:t>9/18/2018</a:t>
             </a:fld>
             <a:endParaRPr lang="en-US" dirty="0"/>
           </a:p>
@@ -1396,7 +2478,7 @@
           <a:p>
             <a:fld id="{75B3FFF7-FEE0-43BC-B399-9665428A1661}" type="datetimeFigureOut">
               <a:rPr lang="en-US" smtClean="0"/>
-              <a:t>9/4/2018</a:t>
+              <a:t>9/18/2018</a:t>
             </a:fld>
             <a:endParaRPr lang="en-US" dirty="0"/>
           </a:p>
@@ -1604,7 +2686,7 @@
           <a:p>
             <a:fld id="{75B3FFF7-FEE0-43BC-B399-9665428A1661}" type="datetimeFigureOut">
               <a:rPr lang="en-US" smtClean="0"/>
-              <a:t>9/4/2018</a:t>
+              <a:t>9/18/2018</a:t>
             </a:fld>
             <a:endParaRPr lang="en-US" dirty="0"/>
           </a:p>
@@ -1802,7 +2884,7 @@
           <a:p>
             <a:fld id="{75B3FFF7-FEE0-43BC-B399-9665428A1661}" type="datetimeFigureOut">
               <a:rPr lang="en-US" smtClean="0"/>
-              <a:t>9/4/2018</a:t>
+              <a:t>9/18/2018</a:t>
             </a:fld>
             <a:endParaRPr lang="en-US" dirty="0"/>
           </a:p>
@@ -2077,7 +3159,7 @@
           <a:p>
             <a:fld id="{75B3FFF7-FEE0-43BC-B399-9665428A1661}" type="datetimeFigureOut">
               <a:rPr lang="en-US" smtClean="0"/>
-              <a:t>9/4/2018</a:t>
+              <a:t>9/18/2018</a:t>
             </a:fld>
             <a:endParaRPr lang="en-US" dirty="0"/>
           </a:p>
@@ -2342,7 +3424,7 @@
           <a:p>
             <a:fld id="{75B3FFF7-FEE0-43BC-B399-9665428A1661}" type="datetimeFigureOut">
               <a:rPr lang="en-US" smtClean="0"/>
-              <a:t>9/4/2018</a:t>
+              <a:t>9/18/2018</a:t>
             </a:fld>
             <a:endParaRPr lang="en-US" dirty="0"/>
           </a:p>
@@ -2754,7 +3836,7 @@
           <a:p>
             <a:fld id="{75B3FFF7-FEE0-43BC-B399-9665428A1661}" type="datetimeFigureOut">
               <a:rPr lang="en-US" smtClean="0"/>
-              <a:t>9/4/2018</a:t>
+              <a:t>9/18/2018</a:t>
             </a:fld>
             <a:endParaRPr lang="en-US" dirty="0"/>
           </a:p>
@@ -2895,7 +3977,7 @@
           <a:p>
             <a:fld id="{75B3FFF7-FEE0-43BC-B399-9665428A1661}" type="datetimeFigureOut">
               <a:rPr lang="en-US" smtClean="0"/>
-              <a:t>9/4/2018</a:t>
+              <a:t>9/18/2018</a:t>
             </a:fld>
             <a:endParaRPr lang="en-US" dirty="0"/>
           </a:p>
@@ -3008,7 +4090,7 @@
           <a:p>
             <a:fld id="{75B3FFF7-FEE0-43BC-B399-9665428A1661}" type="datetimeFigureOut">
               <a:rPr lang="en-US" smtClean="0"/>
-              <a:t>9/4/2018</a:t>
+              <a:t>9/18/2018</a:t>
             </a:fld>
             <a:endParaRPr lang="en-US" dirty="0"/>
           </a:p>
@@ -3319,7 +4401,7 @@
           <a:p>
             <a:fld id="{75B3FFF7-FEE0-43BC-B399-9665428A1661}" type="datetimeFigureOut">
               <a:rPr lang="en-US" smtClean="0"/>
-              <a:t>9/4/2018</a:t>
+              <a:t>9/18/2018</a:t>
             </a:fld>
             <a:endParaRPr lang="en-US" dirty="0"/>
           </a:p>
@@ -3607,7 +4689,7 @@
           <a:p>
             <a:fld id="{75B3FFF7-FEE0-43BC-B399-9665428A1661}" type="datetimeFigureOut">
               <a:rPr lang="en-US" smtClean="0"/>
-              <a:t>9/4/2018</a:t>
+              <a:t>9/18/2018</a:t>
             </a:fld>
             <a:endParaRPr lang="en-US" dirty="0"/>
           </a:p>
@@ -3848,7 +4930,7 @@
           <a:p>
             <a:fld id="{75B3FFF7-FEE0-43BC-B399-9665428A1661}" type="datetimeFigureOut">
               <a:rPr lang="en-US" smtClean="0"/>
-              <a:t>9/4/2018</a:t>
+              <a:t>9/18/2018</a:t>
             </a:fld>
             <a:endParaRPr lang="en-US" dirty="0"/>
           </a:p>
@@ -4442,6 +5524,263 @@
 </p:sld>
 </file>
 
+<file path=ppt/slides/slide10.xml><?xml version="1.0" encoding="utf-8"?>
+<p:sld xmlns:a="http://schemas.openxmlformats.org/drawingml/2006/main" xmlns:r="http://schemas.openxmlformats.org/officeDocument/2006/relationships" xmlns:p="http://schemas.openxmlformats.org/presentationml/2006/main">
+  <p:cSld>
+    <p:bg>
+      <p:bgPr>
+        <a:solidFill>
+          <a:schemeClr val="bg1"/>
+        </a:solidFill>
+        <a:effectLst/>
+      </p:bgPr>
+    </p:bg>
+    <p:spTree>
+      <p:nvGrpSpPr>
+        <p:cNvPr id="1" name=""/>
+        <p:cNvGrpSpPr/>
+        <p:nvPr/>
+      </p:nvGrpSpPr>
+      <p:grpSpPr>
+        <a:xfrm>
+          <a:off x="0" y="0"/>
+          <a:ext cx="0" cy="0"/>
+          <a:chOff x="0" y="0"/>
+          <a:chExt cx="0" cy="0"/>
+        </a:xfrm>
+      </p:grpSpPr>
+      <p:sp>
+        <p:nvSpPr>
+          <p:cNvPr id="10" name="Rectangle 9">
+            <a:extLst>
+              <a:ext uri="{FF2B5EF4-FFF2-40B4-BE49-F238E27FC236}">
+                <a16:creationId xmlns:a16="http://schemas.microsoft.com/office/drawing/2014/main" id="{823AC064-BC96-4F32-8AE1-B2FD38754823}"/>
+              </a:ext>
+              <a:ext uri="{C183D7F6-B498-43B3-948B-1728B52AA6E4}">
+                <adec:decorative xmlns:adec="http://schemas.microsoft.com/office/drawing/2017/decorative" val="1"/>
+              </a:ext>
+            </a:extLst>
+          </p:cNvPr>
+          <p:cNvSpPr>
+            <a:spLocks noGrp="1" noRot="1" noChangeAspect="1" noMove="1" noResize="1" noEditPoints="1" noAdjustHandles="1" noChangeArrowheads="1" noChangeShapeType="1" noTextEdit="1"/>
+          </p:cNvSpPr>
+          <p:nvPr>
+            <p:extLst>
+              <p:ext uri="{386F3935-93C4-4BCD-93E2-E3B085C9AB24}">
+                <p16:designElem xmlns:p16="http://schemas.microsoft.com/office/powerpoint/2015/main" val="1"/>
+              </p:ext>
+            </p:extLst>
+          </p:nvPr>
+        </p:nvSpPr>
+        <p:spPr bwMode="ltGray">
+          <a:xfrm>
+            <a:off x="378068" y="343486"/>
+            <a:ext cx="11438793" cy="1844256"/>
+          </a:xfrm>
+          <a:prstGeom prst="rect">
+            <a:avLst/>
+          </a:prstGeom>
+          <a:solidFill>
+            <a:srgbClr val="404040"/>
+          </a:solidFill>
+          <a:ln w="127000" cap="sq" cmpd="thinThick">
+            <a:solidFill>
+              <a:srgbClr val="404040"/>
+            </a:solidFill>
+          </a:ln>
+        </p:spPr>
+        <p:style>
+          <a:lnRef idx="2">
+            <a:schemeClr val="accent1">
+              <a:shade val="50000"/>
+            </a:schemeClr>
+          </a:lnRef>
+          <a:fillRef idx="1">
+            <a:schemeClr val="accent1"/>
+          </a:fillRef>
+          <a:effectRef idx="0">
+            <a:schemeClr val="accent1"/>
+          </a:effectRef>
+          <a:fontRef idx="minor">
+            <a:schemeClr val="lt1"/>
+          </a:fontRef>
+        </p:style>
+        <p:txBody>
+          <a:bodyPr rtlCol="0" anchor="ctr"/>
+          <a:lstStyle/>
+          <a:p>
+            <a:pPr marL="0" marR="0" lvl="0" indent="0" algn="ctr" defTabSz="914400" rtl="0" eaLnBrk="1" fontAlgn="auto" latinLnBrk="0" hangingPunct="1">
+              <a:lnSpc>
+                <a:spcPct val="100000"/>
+              </a:lnSpc>
+              <a:spcBef>
+                <a:spcPts val="0"/>
+              </a:spcBef>
+              <a:spcAft>
+                <a:spcPts val="0"/>
+              </a:spcAft>
+              <a:buClrTx/>
+              <a:buSzTx/>
+              <a:buFontTx/>
+              <a:buNone/>
+              <a:tabLst/>
+              <a:defRPr/>
+            </a:pPr>
+            <a:endParaRPr kumimoji="0" lang="en-US" sz="1800" b="0" i="0" u="none" strike="noStrike" kern="1200" cap="none" spc="0" normalizeH="0" baseline="0" noProof="0">
+              <a:ln>
+                <a:noFill/>
+              </a:ln>
+              <a:solidFill>
+                <a:prstClr val="white"/>
+              </a:solidFill>
+              <a:effectLst/>
+              <a:uLnTx/>
+              <a:uFillTx/>
+              <a:latin typeface="Calibri" panose="020F0502020204030204"/>
+              <a:ea typeface="+mn-ea"/>
+              <a:cs typeface="+mn-cs"/>
+            </a:endParaRPr>
+          </a:p>
+        </p:txBody>
+      </p:sp>
+      <p:sp>
+        <p:nvSpPr>
+          <p:cNvPr id="5" name="Title 1">
+            <a:extLst>
+              <a:ext uri="{FF2B5EF4-FFF2-40B4-BE49-F238E27FC236}">
+                <a16:creationId xmlns:a16="http://schemas.microsoft.com/office/drawing/2014/main" id="{843C6E98-730A-4721-A1B7-CDDDED1BEC2B}"/>
+              </a:ext>
+            </a:extLst>
+          </p:cNvPr>
+          <p:cNvSpPr>
+            <a:spLocks noGrp="1"/>
+          </p:cNvSpPr>
+          <p:nvPr>
+            <p:ph type="title"/>
+          </p:nvPr>
+        </p:nvSpPr>
+        <p:spPr>
+          <a:xfrm>
+            <a:off x="526073" y="466578"/>
+            <a:ext cx="11139854" cy="930447"/>
+          </a:xfrm>
+        </p:spPr>
+        <p:txBody>
+          <a:bodyPr vert="horz" lIns="91440" tIns="45720" rIns="91440" bIns="45720" rtlCol="0" anchor="b">
+            <a:normAutofit/>
+          </a:bodyPr>
+          <a:lstStyle/>
+          <a:p>
+            <a:pPr algn="ctr"/>
+            <a:r>
+              <a:rPr lang="en-US" sz="5400" kern="1200" dirty="0">
+                <a:solidFill>
+                  <a:srgbClr val="FFFFFF"/>
+                </a:solidFill>
+                <a:latin typeface="+mj-lt"/>
+                <a:ea typeface="+mj-ea"/>
+                <a:cs typeface="+mj-cs"/>
+              </a:rPr>
+              <a:t>Similarity Result</a:t>
+            </a:r>
+          </a:p>
+        </p:txBody>
+      </p:sp>
+      <p:cxnSp>
+        <p:nvCxnSpPr>
+          <p:cNvPr id="12" name="Straight Connector 11">
+            <a:extLst>
+              <a:ext uri="{FF2B5EF4-FFF2-40B4-BE49-F238E27FC236}">
+                <a16:creationId xmlns:a16="http://schemas.microsoft.com/office/drawing/2014/main" id="{7E7C77BC-7138-40B1-A15B-20F57A494629}"/>
+              </a:ext>
+              <a:ext uri="{C183D7F6-B498-43B3-948B-1728B52AA6E4}">
+                <adec:decorative xmlns:adec="http://schemas.microsoft.com/office/drawing/2017/decorative" val="1"/>
+              </a:ext>
+            </a:extLst>
+          </p:cNvPr>
+          <p:cNvCxnSpPr>
+            <a:cxnSpLocks noGrp="1" noRot="1" noChangeAspect="1" noMove="1" noResize="1" noEditPoints="1" noAdjustHandles="1" noChangeArrowheads="1" noChangeShapeType="1"/>
+          </p:cNvCxnSpPr>
+          <p:nvPr>
+            <p:extLst>
+              <p:ext uri="{386F3935-93C4-4BCD-93E2-E3B085C9AB24}">
+                <p16:designElem xmlns:p16="http://schemas.microsoft.com/office/powerpoint/2015/main" val="1"/>
+              </p:ext>
+            </p:extLst>
+          </p:nvPr>
+        </p:nvCxnSpPr>
+        <p:spPr>
+          <a:xfrm>
+            <a:off x="2209800" y="1448631"/>
+            <a:ext cx="7772400" cy="0"/>
+          </a:xfrm>
+          <a:prstGeom prst="line">
+            <a:avLst/>
+          </a:prstGeom>
+          <a:ln w="22225">
+            <a:solidFill>
+              <a:srgbClr val="D9D9D9"/>
+            </a:solidFill>
+          </a:ln>
+        </p:spPr>
+        <p:style>
+          <a:lnRef idx="1">
+            <a:schemeClr val="accent1"/>
+          </a:lnRef>
+          <a:fillRef idx="0">
+            <a:schemeClr val="accent1"/>
+          </a:fillRef>
+          <a:effectRef idx="0">
+            <a:schemeClr val="accent1"/>
+          </a:effectRef>
+          <a:fontRef idx="minor">
+            <a:schemeClr val="tx1"/>
+          </a:fontRef>
+        </p:style>
+      </p:cxnSp>
+      <p:graphicFrame>
+        <p:nvGraphicFramePr>
+          <p:cNvPr id="4" name="Chart 3">
+            <a:extLst>
+              <a:ext uri="{FF2B5EF4-FFF2-40B4-BE49-F238E27FC236}">
+                <a16:creationId xmlns:a16="http://schemas.microsoft.com/office/drawing/2014/main" id="{F774A201-0819-48D4-8933-F9683EA8B98D}"/>
+              </a:ext>
+            </a:extLst>
+          </p:cNvPr>
+          <p:cNvGraphicFramePr>
+            <a:graphicFrameLocks/>
+          </p:cNvGraphicFramePr>
+          <p:nvPr>
+            <p:extLst>
+              <p:ext uri="{D42A27DB-BD31-4B8C-83A1-F6EECF244321}">
+                <p14:modId xmlns:p14="http://schemas.microsoft.com/office/powerpoint/2010/main" val="1768316018"/>
+              </p:ext>
+            </p:extLst>
+          </p:nvPr>
+        </p:nvGraphicFramePr>
+        <p:xfrm>
+          <a:off x="320040" y="2509911"/>
+          <a:ext cx="11496821" cy="3997637"/>
+        </p:xfrm>
+        <a:graphic>
+          <a:graphicData uri="http://schemas.openxmlformats.org/drawingml/2006/chart">
+            <c:chart xmlns:c="http://schemas.openxmlformats.org/drawingml/2006/chart" xmlns:r="http://schemas.openxmlformats.org/officeDocument/2006/relationships" r:id="rId2"/>
+          </a:graphicData>
+        </a:graphic>
+      </p:graphicFrame>
+    </p:spTree>
+    <p:extLst>
+      <p:ext uri="{BB962C8B-B14F-4D97-AF65-F5344CB8AC3E}">
+        <p14:creationId xmlns:p14="http://schemas.microsoft.com/office/powerpoint/2010/main" val="3132066795"/>
+      </p:ext>
+    </p:extLst>
+  </p:cSld>
+  <p:clrMapOvr>
+    <a:masterClrMapping/>
+  </p:clrMapOvr>
+</p:sld>
+</file>
+
 <file path=ppt/slides/slide2.xml><?xml version="1.0" encoding="utf-8"?>
 <p:sld xmlns:a="http://schemas.openxmlformats.org/drawingml/2006/main" xmlns:r="http://schemas.openxmlformats.org/officeDocument/2006/relationships" xmlns:p="http://schemas.openxmlformats.org/presentationml/2006/main">
   <p:cSld>
@@ -5456,14 +6795,62 @@
           <a:p>
             <a:pPr algn="ctr"/>
             <a:r>
-              <a:rPr lang="de-DE" sz="2800">
+              <a:rPr lang="de-DE" sz="2800" dirty="0" err="1">
                 <a:solidFill>
                   <a:schemeClr val="bg1"/>
                 </a:solidFill>
               </a:rPr>
-              <a:t>Results for few users</a:t>
-            </a:r>
-            <a:endParaRPr lang="en-US" sz="2800">
+              <a:t>Results</a:t>
+            </a:r>
+            <a:r>
+              <a:rPr lang="de-DE" sz="2800" dirty="0">
+                <a:solidFill>
+                  <a:schemeClr val="bg1"/>
+                </a:solidFill>
+              </a:rPr>
+              <a:t> </a:t>
+            </a:r>
+            <a:r>
+              <a:rPr lang="de-DE" sz="2800" dirty="0" err="1">
+                <a:solidFill>
+                  <a:schemeClr val="bg1"/>
+                </a:solidFill>
+              </a:rPr>
+              <a:t>for</a:t>
+            </a:r>
+            <a:r>
+              <a:rPr lang="de-DE" sz="2800" dirty="0">
+                <a:solidFill>
+                  <a:schemeClr val="bg1"/>
+                </a:solidFill>
+              </a:rPr>
+              <a:t> </a:t>
+            </a:r>
+            <a:r>
+              <a:rPr lang="de-DE" sz="2800" dirty="0" err="1">
+                <a:solidFill>
+                  <a:schemeClr val="bg1"/>
+                </a:solidFill>
+              </a:rPr>
+              <a:t>few</a:t>
+            </a:r>
+            <a:r>
+              <a:rPr lang="de-DE" sz="2800" dirty="0">
+                <a:solidFill>
+                  <a:schemeClr val="bg1"/>
+                </a:solidFill>
+              </a:rPr>
+              <a:t> </a:t>
+            </a:r>
+            <a:r>
+              <a:rPr lang="de-DE" sz="2800" dirty="0" err="1">
+                <a:solidFill>
+                  <a:schemeClr val="bg1"/>
+                </a:solidFill>
+              </a:rPr>
+              <a:t>users</a:t>
+            </a:r>
+            <a:endParaRPr lang="en-US" sz="2800" dirty="0">
               <a:solidFill>
                 <a:schemeClr val="bg1"/>
               </a:solidFill>
@@ -6035,6 +7422,558 @@
     <p:extLst>
       <p:ext uri="{BB962C8B-B14F-4D97-AF65-F5344CB8AC3E}">
         <p14:creationId xmlns:p14="http://schemas.microsoft.com/office/powerpoint/2010/main" val="609248961"/>
+      </p:ext>
+    </p:extLst>
+  </p:cSld>
+  <p:clrMapOvr>
+    <a:masterClrMapping/>
+  </p:clrMapOvr>
+</p:sld>
+</file>
+
+<file path=ppt/slides/slide9.xml><?xml version="1.0" encoding="utf-8"?>
+<p:sld xmlns:a="http://schemas.openxmlformats.org/drawingml/2006/main" xmlns:r="http://schemas.openxmlformats.org/officeDocument/2006/relationships" xmlns:p="http://schemas.openxmlformats.org/presentationml/2006/main">
+  <p:cSld>
+    <p:spTree>
+      <p:nvGrpSpPr>
+        <p:cNvPr id="1" name=""/>
+        <p:cNvGrpSpPr/>
+        <p:nvPr/>
+      </p:nvGrpSpPr>
+      <p:grpSpPr>
+        <a:xfrm>
+          <a:off x="0" y="0"/>
+          <a:ext cx="0" cy="0"/>
+          <a:chOff x="0" y="0"/>
+          <a:chExt cx="0" cy="0"/>
+        </a:xfrm>
+      </p:grpSpPr>
+      <p:sp>
+        <p:nvSpPr>
+          <p:cNvPr id="4" name="TextBox 3">
+            <a:extLst>
+              <a:ext uri="{FF2B5EF4-FFF2-40B4-BE49-F238E27FC236}">
+                <a16:creationId xmlns:a16="http://schemas.microsoft.com/office/drawing/2014/main" id="{5A3AF553-B2A3-4287-A5DC-19C1AB103E43}"/>
+              </a:ext>
+            </a:extLst>
+          </p:cNvPr>
+          <p:cNvSpPr txBox="1"/>
+          <p:nvPr/>
+        </p:nvSpPr>
+        <p:spPr>
+          <a:xfrm>
+            <a:off x="1767254" y="501160"/>
+            <a:ext cx="7622931" cy="4042132"/>
+          </a:xfrm>
+          <a:prstGeom prst="rect">
+            <a:avLst/>
+          </a:prstGeom>
+          <a:noFill/>
+        </p:spPr>
+        <p:txBody>
+          <a:bodyPr wrap="square" rtlCol="0">
+            <a:spAutoFit/>
+          </a:bodyPr>
+          <a:lstStyle/>
+          <a:p>
+            <a:pPr algn="ctr"/>
+            <a:r>
+              <a:rPr lang="en-US" altLang="zh-CN" sz="2800" b="1" u="sng" noProof="1">
+                <a:latin typeface="CMU Bright" panose="02000603000000000000" pitchFamily="2" charset="0"/>
+                <a:ea typeface="CMU Bright" panose="02000603000000000000" pitchFamily="2" charset="0"/>
+                <a:cs typeface="CMU Bright" panose="02000603000000000000" pitchFamily="2" charset="0"/>
+              </a:rPr>
+              <a:t>COSINE SIMILARITY:</a:t>
+            </a:r>
+            <a:endParaRPr lang="zh-CN" altLang="en-US" sz="2800" b="1" u="sng" noProof="1">
+              <a:latin typeface="CMU Bright" panose="02000603000000000000" pitchFamily="2" charset="0"/>
+              <a:ea typeface="CMU Bright" panose="02000603000000000000" pitchFamily="2" charset="0"/>
+              <a:cs typeface="CMU Bright" panose="02000603000000000000" pitchFamily="2" charset="0"/>
+            </a:endParaRPr>
+          </a:p>
+          <a:p>
+            <a:endParaRPr lang="zh-CN" altLang="en-US" noProof="1">
+              <a:latin typeface="CMU Bright" panose="02000603000000000000" pitchFamily="2" charset="0"/>
+              <a:ea typeface="CMU Bright" panose="02000603000000000000" pitchFamily="2" charset="0"/>
+              <a:cs typeface="CMU Bright" panose="02000603000000000000" pitchFamily="2" charset="0"/>
+            </a:endParaRPr>
+          </a:p>
+          <a:p>
+            <a:r>
+              <a:rPr lang="de-DE" altLang="zh-CN" noProof="1">
+                <a:latin typeface="CMU Bright" panose="02000603000000000000" pitchFamily="2" charset="0"/>
+                <a:ea typeface="CMU Bright" panose="02000603000000000000" pitchFamily="2" charset="0"/>
+                <a:cs typeface="CMU Bright" panose="02000603000000000000" pitchFamily="2" charset="0"/>
+              </a:rPr>
+              <a:t>F‘</a:t>
+            </a:r>
+            <a:r>
+              <a:rPr lang="zh-CN" altLang="de-DE" noProof="1">
+                <a:latin typeface="CMU Bright" panose="02000603000000000000" pitchFamily="2" charset="0"/>
+                <a:ea typeface="CMU Bright" panose="02000603000000000000" pitchFamily="2" charset="0"/>
+                <a:cs typeface="CMU Bright" panose="02000603000000000000" pitchFamily="2" charset="0"/>
+              </a:rPr>
+              <a:t> </a:t>
+            </a:r>
+            <a:r>
+              <a:rPr lang="de-DE" altLang="zh-CN" noProof="1">
+                <a:latin typeface="CMU Bright" panose="02000603000000000000" pitchFamily="2" charset="0"/>
+                <a:ea typeface="CMU Bright" panose="02000603000000000000" pitchFamily="2" charset="0"/>
+                <a:cs typeface="CMU Bright" panose="02000603000000000000" pitchFamily="2" charset="0"/>
+              </a:rPr>
+              <a:t>= [P</a:t>
+            </a:r>
+            <a:r>
+              <a:rPr lang="de-DE" altLang="zh-CN" baseline="-25000" noProof="1">
+                <a:latin typeface="CMU Bright" panose="02000603000000000000" pitchFamily="2" charset="0"/>
+                <a:ea typeface="CMU Bright" panose="02000603000000000000" pitchFamily="2" charset="0"/>
+                <a:cs typeface="CMU Bright" panose="02000603000000000000" pitchFamily="2" charset="0"/>
+              </a:rPr>
+              <a:t>1(t+1)</a:t>
+            </a:r>
+            <a:r>
+              <a:rPr lang="de-DE" altLang="zh-CN" noProof="1">
+                <a:latin typeface="CMU Bright" panose="02000603000000000000" pitchFamily="2" charset="0"/>
+                <a:ea typeface="CMU Bright" panose="02000603000000000000" pitchFamily="2" charset="0"/>
+                <a:cs typeface="CMU Bright" panose="02000603000000000000" pitchFamily="2" charset="0"/>
+              </a:rPr>
+              <a:t>´, P</a:t>
+            </a:r>
+            <a:r>
+              <a:rPr lang="de-DE" altLang="zh-CN" baseline="-25000" noProof="1">
+                <a:latin typeface="CMU Bright" panose="02000603000000000000" pitchFamily="2" charset="0"/>
+                <a:ea typeface="CMU Bright" panose="02000603000000000000" pitchFamily="2" charset="0"/>
+                <a:cs typeface="CMU Bright" panose="02000603000000000000" pitchFamily="2" charset="0"/>
+              </a:rPr>
+              <a:t>2(t+1)</a:t>
+            </a:r>
+            <a:r>
+              <a:rPr lang="de-DE" altLang="zh-CN" noProof="1">
+                <a:latin typeface="CMU Bright" panose="02000603000000000000" pitchFamily="2" charset="0"/>
+                <a:ea typeface="CMU Bright" panose="02000603000000000000" pitchFamily="2" charset="0"/>
+                <a:cs typeface="CMU Bright" panose="02000603000000000000" pitchFamily="2" charset="0"/>
+              </a:rPr>
+              <a:t>´</a:t>
+            </a:r>
+            <a:r>
+              <a:rPr lang="de-DE" altLang="zh-CN" baseline="-25000" noProof="1">
+                <a:latin typeface="CMU Bright" panose="02000603000000000000" pitchFamily="2" charset="0"/>
+                <a:ea typeface="CMU Bright" panose="02000603000000000000" pitchFamily="2" charset="0"/>
+                <a:cs typeface="CMU Bright" panose="02000603000000000000" pitchFamily="2" charset="0"/>
+              </a:rPr>
+              <a:t>, </a:t>
+            </a:r>
+            <a:r>
+              <a:rPr lang="de-DE" altLang="zh-CN" noProof="1">
+                <a:latin typeface="CMU Bright" panose="02000603000000000000" pitchFamily="2" charset="0"/>
+                <a:ea typeface="CMU Bright" panose="02000603000000000000" pitchFamily="2" charset="0"/>
+                <a:cs typeface="CMU Bright" panose="02000603000000000000" pitchFamily="2" charset="0"/>
+              </a:rPr>
+              <a:t>P</a:t>
+            </a:r>
+            <a:r>
+              <a:rPr lang="de-DE" altLang="zh-CN" baseline="-25000" noProof="1">
+                <a:latin typeface="CMU Bright" panose="02000603000000000000" pitchFamily="2" charset="0"/>
+                <a:ea typeface="CMU Bright" panose="02000603000000000000" pitchFamily="2" charset="0"/>
+                <a:cs typeface="CMU Bright" panose="02000603000000000000" pitchFamily="2" charset="0"/>
+              </a:rPr>
+              <a:t>3(t+1)</a:t>
+            </a:r>
+            <a:r>
+              <a:rPr lang="de-DE" altLang="zh-CN" noProof="1">
+                <a:latin typeface="CMU Bright" panose="02000603000000000000" pitchFamily="2" charset="0"/>
+                <a:ea typeface="CMU Bright" panose="02000603000000000000" pitchFamily="2" charset="0"/>
+                <a:cs typeface="CMU Bright" panose="02000603000000000000" pitchFamily="2" charset="0"/>
+              </a:rPr>
+              <a:t>´</a:t>
+            </a:r>
+            <a:r>
+              <a:rPr lang="de-DE" altLang="zh-CN" baseline="-25000" noProof="1">
+                <a:latin typeface="CMU Bright" panose="02000603000000000000" pitchFamily="2" charset="0"/>
+                <a:ea typeface="CMU Bright" panose="02000603000000000000" pitchFamily="2" charset="0"/>
+                <a:cs typeface="CMU Bright" panose="02000603000000000000" pitchFamily="2" charset="0"/>
+              </a:rPr>
+              <a:t>, </a:t>
+            </a:r>
+            <a:r>
+              <a:rPr lang="de-DE" altLang="zh-CN" noProof="1">
+                <a:latin typeface="CMU Bright" panose="02000603000000000000" pitchFamily="2" charset="0"/>
+                <a:ea typeface="CMU Bright" panose="02000603000000000000" pitchFamily="2" charset="0"/>
+                <a:cs typeface="CMU Bright" panose="02000603000000000000" pitchFamily="2" charset="0"/>
+              </a:rPr>
+              <a:t>P</a:t>
+            </a:r>
+            <a:r>
+              <a:rPr lang="de-DE" altLang="zh-CN" baseline="-25000" noProof="1">
+                <a:latin typeface="CMU Bright" panose="02000603000000000000" pitchFamily="2" charset="0"/>
+                <a:ea typeface="CMU Bright" panose="02000603000000000000" pitchFamily="2" charset="0"/>
+                <a:cs typeface="CMU Bright" panose="02000603000000000000" pitchFamily="2" charset="0"/>
+              </a:rPr>
+              <a:t>4(t+1)</a:t>
+            </a:r>
+            <a:r>
+              <a:rPr lang="de-DE" altLang="zh-CN" noProof="1">
+                <a:latin typeface="CMU Bright" panose="02000603000000000000" pitchFamily="2" charset="0"/>
+                <a:ea typeface="CMU Bright" panose="02000603000000000000" pitchFamily="2" charset="0"/>
+                <a:cs typeface="CMU Bright" panose="02000603000000000000" pitchFamily="2" charset="0"/>
+              </a:rPr>
+              <a:t>´</a:t>
+            </a:r>
+            <a:r>
+              <a:rPr lang="zh-CN" altLang="de-DE" baseline="-25000" noProof="1">
+                <a:latin typeface="CMU Bright" panose="02000603000000000000" pitchFamily="2" charset="0"/>
+                <a:ea typeface="CMU Bright" panose="02000603000000000000" pitchFamily="2" charset="0"/>
+                <a:cs typeface="CMU Bright" panose="02000603000000000000" pitchFamily="2" charset="0"/>
+              </a:rPr>
+              <a:t> </a:t>
+            </a:r>
+            <a:r>
+              <a:rPr lang="de-DE" altLang="zh-CN" baseline="-25000" noProof="1">
+                <a:latin typeface="CMU Bright" panose="02000603000000000000" pitchFamily="2" charset="0"/>
+                <a:ea typeface="CMU Bright" panose="02000603000000000000" pitchFamily="2" charset="0"/>
+                <a:cs typeface="CMU Bright" panose="02000603000000000000" pitchFamily="2" charset="0"/>
+              </a:rPr>
+              <a:t>….]</a:t>
+            </a:r>
+            <a:r>
+              <a:rPr lang="zh-CN" altLang="de-DE" noProof="1">
+                <a:latin typeface="CMU Bright" panose="02000603000000000000" pitchFamily="2" charset="0"/>
+                <a:ea typeface="CMU Bright" panose="02000603000000000000" pitchFamily="2" charset="0"/>
+                <a:cs typeface="CMU Bright" panose="02000603000000000000" pitchFamily="2" charset="0"/>
+              </a:rPr>
+              <a:t> * </a:t>
+            </a:r>
+            <a:r>
+              <a:rPr lang="de-DE" altLang="zh-CN" noProof="1">
+                <a:latin typeface="CMU Bright" panose="02000603000000000000" pitchFamily="2" charset="0"/>
+                <a:ea typeface="CMU Bright" panose="02000603000000000000" pitchFamily="2" charset="0"/>
+                <a:cs typeface="CMU Bright" panose="02000603000000000000" pitchFamily="2" charset="0"/>
+              </a:rPr>
+              <a:t>P</a:t>
+            </a:r>
+            <a:r>
+              <a:rPr lang="de-DE" altLang="zh-CN" baseline="-25000" noProof="1">
+                <a:latin typeface="CMU Bright" panose="02000603000000000000" pitchFamily="2" charset="0"/>
+                <a:ea typeface="CMU Bright" panose="02000603000000000000" pitchFamily="2" charset="0"/>
+                <a:cs typeface="CMU Bright" panose="02000603000000000000" pitchFamily="2" charset="0"/>
+              </a:rPr>
+              <a:t>x(t)</a:t>
+            </a:r>
+            <a:r>
+              <a:rPr lang="de-DE" altLang="zh-CN" noProof="1">
+                <a:latin typeface="CMU Bright" panose="02000603000000000000" pitchFamily="2" charset="0"/>
+                <a:ea typeface="CMU Bright" panose="02000603000000000000" pitchFamily="2" charset="0"/>
+                <a:cs typeface="CMU Bright" panose="02000603000000000000" pitchFamily="2" charset="0"/>
+              </a:rPr>
+              <a:t>´</a:t>
+            </a:r>
+            <a:endParaRPr lang="zh-CN" altLang="de-DE" noProof="1">
+              <a:latin typeface="CMU Bright" panose="02000603000000000000" pitchFamily="2" charset="0"/>
+              <a:ea typeface="CMU Bright" panose="02000603000000000000" pitchFamily="2" charset="0"/>
+              <a:cs typeface="CMU Bright" panose="02000603000000000000" pitchFamily="2" charset="0"/>
+            </a:endParaRPr>
+          </a:p>
+          <a:p>
+            <a:r>
+              <a:rPr lang="de-DE" altLang="zh-CN" noProof="1">
+                <a:latin typeface="CMU Bright" panose="02000603000000000000" pitchFamily="2" charset="0"/>
+                <a:ea typeface="CMU Bright" panose="02000603000000000000" pitchFamily="2" charset="0"/>
+                <a:cs typeface="CMU Bright" panose="02000603000000000000" pitchFamily="2" charset="0"/>
+              </a:rPr>
+              <a:t>F</a:t>
+            </a:r>
+            <a:r>
+              <a:rPr lang="zh-CN" altLang="de-DE" noProof="1">
+                <a:latin typeface="CMU Bright" panose="02000603000000000000" pitchFamily="2" charset="0"/>
+                <a:ea typeface="CMU Bright" panose="02000603000000000000" pitchFamily="2" charset="0"/>
+                <a:cs typeface="CMU Bright" panose="02000603000000000000" pitchFamily="2" charset="0"/>
+              </a:rPr>
+              <a:t> </a:t>
+            </a:r>
+            <a:r>
+              <a:rPr lang="de-DE" altLang="zh-CN" noProof="1">
+                <a:latin typeface="CMU Bright" panose="02000603000000000000" pitchFamily="2" charset="0"/>
+                <a:ea typeface="CMU Bright" panose="02000603000000000000" pitchFamily="2" charset="0"/>
+                <a:cs typeface="CMU Bright" panose="02000603000000000000" pitchFamily="2" charset="0"/>
+              </a:rPr>
+              <a:t>= [P</a:t>
+            </a:r>
+            <a:r>
+              <a:rPr lang="de-DE" altLang="zh-CN" baseline="-25000" noProof="1">
+                <a:latin typeface="CMU Bright" panose="02000603000000000000" pitchFamily="2" charset="0"/>
+                <a:ea typeface="CMU Bright" panose="02000603000000000000" pitchFamily="2" charset="0"/>
+                <a:cs typeface="CMU Bright" panose="02000603000000000000" pitchFamily="2" charset="0"/>
+              </a:rPr>
+              <a:t>1(t+1)</a:t>
+            </a:r>
+            <a:r>
+              <a:rPr lang="de-DE" altLang="zh-CN" noProof="1">
+                <a:latin typeface="CMU Bright" panose="02000603000000000000" pitchFamily="2" charset="0"/>
+                <a:ea typeface="CMU Bright" panose="02000603000000000000" pitchFamily="2" charset="0"/>
+                <a:cs typeface="CMU Bright" panose="02000603000000000000" pitchFamily="2" charset="0"/>
+              </a:rPr>
+              <a:t>, P</a:t>
+            </a:r>
+            <a:r>
+              <a:rPr lang="de-DE" altLang="zh-CN" baseline="-25000" noProof="1">
+                <a:latin typeface="CMU Bright" panose="02000603000000000000" pitchFamily="2" charset="0"/>
+                <a:ea typeface="CMU Bright" panose="02000603000000000000" pitchFamily="2" charset="0"/>
+                <a:cs typeface="CMU Bright" panose="02000603000000000000" pitchFamily="2" charset="0"/>
+              </a:rPr>
+              <a:t>2(t+1), </a:t>
+            </a:r>
+            <a:r>
+              <a:rPr lang="de-DE" altLang="zh-CN" noProof="1">
+                <a:latin typeface="CMU Bright" panose="02000603000000000000" pitchFamily="2" charset="0"/>
+                <a:ea typeface="CMU Bright" panose="02000603000000000000" pitchFamily="2" charset="0"/>
+                <a:cs typeface="CMU Bright" panose="02000603000000000000" pitchFamily="2" charset="0"/>
+              </a:rPr>
+              <a:t>P</a:t>
+            </a:r>
+            <a:r>
+              <a:rPr lang="de-DE" altLang="zh-CN" baseline="-25000" noProof="1">
+                <a:latin typeface="CMU Bright" panose="02000603000000000000" pitchFamily="2" charset="0"/>
+                <a:ea typeface="CMU Bright" panose="02000603000000000000" pitchFamily="2" charset="0"/>
+                <a:cs typeface="CMU Bright" panose="02000603000000000000" pitchFamily="2" charset="0"/>
+              </a:rPr>
+              <a:t>3(t+1), </a:t>
+            </a:r>
+            <a:r>
+              <a:rPr lang="de-DE" altLang="zh-CN" noProof="1">
+                <a:latin typeface="CMU Bright" panose="02000603000000000000" pitchFamily="2" charset="0"/>
+                <a:ea typeface="CMU Bright" panose="02000603000000000000" pitchFamily="2" charset="0"/>
+                <a:cs typeface="CMU Bright" panose="02000603000000000000" pitchFamily="2" charset="0"/>
+              </a:rPr>
+              <a:t>P</a:t>
+            </a:r>
+            <a:r>
+              <a:rPr lang="de-DE" altLang="zh-CN" baseline="-25000" noProof="1">
+                <a:latin typeface="CMU Bright" panose="02000603000000000000" pitchFamily="2" charset="0"/>
+                <a:ea typeface="CMU Bright" panose="02000603000000000000" pitchFamily="2" charset="0"/>
+                <a:cs typeface="CMU Bright" panose="02000603000000000000" pitchFamily="2" charset="0"/>
+              </a:rPr>
+              <a:t>4(t+1) ….</a:t>
+            </a:r>
+            <a:r>
+              <a:rPr lang="de-DE" altLang="zh-CN" noProof="1">
+                <a:latin typeface="CMU Bright" panose="02000603000000000000" pitchFamily="2" charset="0"/>
+                <a:ea typeface="CMU Bright" panose="02000603000000000000" pitchFamily="2" charset="0"/>
+                <a:cs typeface="CMU Bright" panose="02000603000000000000" pitchFamily="2" charset="0"/>
+              </a:rPr>
+              <a:t>] </a:t>
+            </a:r>
+            <a:r>
+              <a:rPr lang="zh-CN" altLang="de-DE" noProof="1">
+                <a:latin typeface="CMU Bright" panose="02000603000000000000" pitchFamily="2" charset="0"/>
+                <a:ea typeface="CMU Bright" panose="02000603000000000000" pitchFamily="2" charset="0"/>
+                <a:cs typeface="CMU Bright" panose="02000603000000000000" pitchFamily="2" charset="0"/>
+              </a:rPr>
+              <a:t>* </a:t>
+            </a:r>
+            <a:r>
+              <a:rPr lang="de-DE" altLang="zh-CN" noProof="1">
+                <a:latin typeface="CMU Bright" panose="02000603000000000000" pitchFamily="2" charset="0"/>
+                <a:ea typeface="CMU Bright" panose="02000603000000000000" pitchFamily="2" charset="0"/>
+                <a:cs typeface="CMU Bright" panose="02000603000000000000" pitchFamily="2" charset="0"/>
+              </a:rPr>
+              <a:t>P</a:t>
+            </a:r>
+            <a:r>
+              <a:rPr lang="de-DE" altLang="zh-CN" baseline="-25000" noProof="1">
+                <a:latin typeface="CMU Bright" panose="02000603000000000000" pitchFamily="2" charset="0"/>
+                <a:ea typeface="CMU Bright" panose="02000603000000000000" pitchFamily="2" charset="0"/>
+                <a:cs typeface="CMU Bright" panose="02000603000000000000" pitchFamily="2" charset="0"/>
+              </a:rPr>
+              <a:t>x(t)</a:t>
+            </a:r>
+            <a:endParaRPr lang="zh-CN" altLang="de-DE" baseline="-25000" noProof="1">
+              <a:latin typeface="CMU Bright" panose="02000603000000000000" pitchFamily="2" charset="0"/>
+              <a:ea typeface="CMU Bright" panose="02000603000000000000" pitchFamily="2" charset="0"/>
+              <a:cs typeface="CMU Bright" panose="02000603000000000000" pitchFamily="2" charset="0"/>
+            </a:endParaRPr>
+          </a:p>
+          <a:p>
+            <a:endParaRPr lang="zh-CN" altLang="de-DE" baseline="-25000" noProof="1">
+              <a:latin typeface="CMU Bright" panose="02000603000000000000" pitchFamily="2" charset="0"/>
+              <a:ea typeface="CMU Bright" panose="02000603000000000000" pitchFamily="2" charset="0"/>
+              <a:cs typeface="CMU Bright" panose="02000603000000000000" pitchFamily="2" charset="0"/>
+            </a:endParaRPr>
+          </a:p>
+          <a:p>
+            <a:r>
+              <a:rPr lang="de-DE" altLang="zh-CN" sz="2800" baseline="-25000" noProof="1">
+                <a:latin typeface="CMU Bright" panose="02000603000000000000" pitchFamily="2" charset="0"/>
+                <a:ea typeface="CMU Bright" panose="02000603000000000000" pitchFamily="2" charset="0"/>
+                <a:cs typeface="CMU Bright" panose="02000603000000000000" pitchFamily="2" charset="0"/>
+              </a:rPr>
+              <a:t>Cosine Similarity </a:t>
+            </a:r>
+            <a:r>
+              <a:rPr lang="de-DE" altLang="zh-CN" baseline="-25000" noProof="1">
+                <a:latin typeface="CMU Bright" panose="02000603000000000000" pitchFamily="2" charset="0"/>
+                <a:ea typeface="CMU Bright" panose="02000603000000000000" pitchFamily="2" charset="0"/>
+                <a:cs typeface="CMU Bright" panose="02000603000000000000" pitchFamily="2" charset="0"/>
+              </a:rPr>
+              <a:t>CS = [ </a:t>
+            </a:r>
+            <a:r>
+              <a:rPr lang="de-DE" altLang="zh-CN" noProof="1">
+                <a:latin typeface="CMU Bright" panose="02000603000000000000" pitchFamily="2" charset="0"/>
+                <a:ea typeface="CMU Bright" panose="02000603000000000000" pitchFamily="2" charset="0"/>
+                <a:cs typeface="CMU Bright" panose="02000603000000000000" pitchFamily="2" charset="0"/>
+              </a:rPr>
+              <a:t>F</a:t>
+            </a:r>
+            <a:r>
+              <a:rPr lang="de-DE" altLang="zh-CN" baseline="-25000" noProof="1">
+                <a:latin typeface="CMU Bright" panose="02000603000000000000" pitchFamily="2" charset="0"/>
+                <a:ea typeface="CMU Bright" panose="02000603000000000000" pitchFamily="2" charset="0"/>
+                <a:cs typeface="CMU Bright" panose="02000603000000000000" pitchFamily="2" charset="0"/>
+              </a:rPr>
+              <a:t>p, </a:t>
+            </a:r>
+            <a:r>
+              <a:rPr lang="de-DE" altLang="zh-CN" noProof="1">
+                <a:latin typeface="CMU Bright" panose="02000603000000000000" pitchFamily="2" charset="0"/>
+                <a:ea typeface="CMU Bright" panose="02000603000000000000" pitchFamily="2" charset="0"/>
+                <a:cs typeface="CMU Bright" panose="02000603000000000000" pitchFamily="2" charset="0"/>
+              </a:rPr>
+              <a:t>F</a:t>
+            </a:r>
+            <a:r>
+              <a:rPr lang="de-DE" altLang="zh-CN" baseline="-25000" noProof="1">
+                <a:latin typeface="CMU Bright" panose="02000603000000000000" pitchFamily="2" charset="0"/>
+                <a:ea typeface="CMU Bright" panose="02000603000000000000" pitchFamily="2" charset="0"/>
+                <a:cs typeface="CMU Bright" panose="02000603000000000000" pitchFamily="2" charset="0"/>
+              </a:rPr>
+              <a:t>a ]</a:t>
+            </a:r>
+          </a:p>
+          <a:p>
+            <a:r>
+              <a:rPr lang="de-DE" altLang="zh-CN" baseline="-25000" noProof="1">
+                <a:latin typeface="CMU Bright" panose="02000603000000000000" pitchFamily="2" charset="0"/>
+                <a:ea typeface="CMU Bright" panose="02000603000000000000" pitchFamily="2" charset="0"/>
+                <a:cs typeface="CMU Bright" panose="02000603000000000000" pitchFamily="2" charset="0"/>
+              </a:rPr>
+              <a:t>Where: 	</a:t>
+            </a:r>
+            <a:r>
+              <a:rPr lang="de-DE" altLang="zh-CN" noProof="1">
+                <a:latin typeface="CMU Bright" panose="02000603000000000000" pitchFamily="2" charset="0"/>
+                <a:ea typeface="CMU Bright" panose="02000603000000000000" pitchFamily="2" charset="0"/>
+                <a:cs typeface="CMU Bright" panose="02000603000000000000" pitchFamily="2" charset="0"/>
+              </a:rPr>
+              <a:t>F‘ = Predicted Vector</a:t>
+            </a:r>
+          </a:p>
+          <a:p>
+            <a:r>
+              <a:rPr lang="de-DE" altLang="zh-CN" noProof="1">
+                <a:latin typeface="CMU Bright" panose="02000603000000000000" pitchFamily="2" charset="0"/>
+                <a:ea typeface="CMU Bright" panose="02000603000000000000" pitchFamily="2" charset="0"/>
+                <a:cs typeface="CMU Bright" panose="02000603000000000000" pitchFamily="2" charset="0"/>
+              </a:rPr>
+              <a:t>	F = Actual Vector</a:t>
+            </a:r>
+          </a:p>
+          <a:p>
+            <a:r>
+              <a:rPr lang="de-DE" altLang="zh-CN" noProof="1">
+                <a:latin typeface="CMU Bright" panose="02000603000000000000" pitchFamily="2" charset="0"/>
+                <a:ea typeface="CMU Bright" panose="02000603000000000000" pitchFamily="2" charset="0"/>
+                <a:cs typeface="CMU Bright" panose="02000603000000000000" pitchFamily="2" charset="0"/>
+              </a:rPr>
+              <a:t>	t  = current hour</a:t>
+            </a:r>
+          </a:p>
+          <a:p>
+            <a:r>
+              <a:rPr lang="de-DE" altLang="zh-CN" noProof="1">
+                <a:latin typeface="CMU Bright" panose="02000603000000000000" pitchFamily="2" charset="0"/>
+                <a:ea typeface="CMU Bright" panose="02000603000000000000" pitchFamily="2" charset="0"/>
+                <a:cs typeface="CMU Bright" panose="02000603000000000000" pitchFamily="2" charset="0"/>
+              </a:rPr>
+              <a:t>	t+1 = next hour</a:t>
+            </a:r>
+          </a:p>
+          <a:p>
+            <a:r>
+              <a:rPr lang="de-DE" altLang="zh-CN" noProof="1">
+                <a:latin typeface="CMU Bright" panose="02000603000000000000" pitchFamily="2" charset="0"/>
+                <a:ea typeface="CMU Bright" panose="02000603000000000000" pitchFamily="2" charset="0"/>
+                <a:cs typeface="CMU Bright" panose="02000603000000000000" pitchFamily="2" charset="0"/>
+              </a:rPr>
+              <a:t>	x = current location</a:t>
+            </a:r>
+          </a:p>
+          <a:p>
+            <a:r>
+              <a:rPr lang="de-DE" altLang="zh-CN" noProof="1">
+                <a:latin typeface="CMU Bright" panose="02000603000000000000" pitchFamily="2" charset="0"/>
+                <a:ea typeface="CMU Bright" panose="02000603000000000000" pitchFamily="2" charset="0"/>
+                <a:cs typeface="CMU Bright" panose="02000603000000000000" pitchFamily="2" charset="0"/>
+              </a:rPr>
+              <a:t>	P</a:t>
+            </a:r>
+            <a:r>
+              <a:rPr lang="de-DE" altLang="zh-CN" baseline="-25000" noProof="1">
+                <a:latin typeface="CMU Bright" panose="02000603000000000000" pitchFamily="2" charset="0"/>
+                <a:ea typeface="CMU Bright" panose="02000603000000000000" pitchFamily="2" charset="0"/>
+                <a:cs typeface="CMU Bright" panose="02000603000000000000" pitchFamily="2" charset="0"/>
+              </a:rPr>
+              <a:t>1, </a:t>
+            </a:r>
+            <a:r>
+              <a:rPr lang="de-DE" altLang="zh-CN" noProof="1">
+                <a:latin typeface="CMU Bright" panose="02000603000000000000" pitchFamily="2" charset="0"/>
+                <a:ea typeface="CMU Bright" panose="02000603000000000000" pitchFamily="2" charset="0"/>
+                <a:cs typeface="CMU Bright" panose="02000603000000000000" pitchFamily="2" charset="0"/>
+              </a:rPr>
+              <a:t>P</a:t>
+            </a:r>
+            <a:r>
+              <a:rPr lang="de-DE" altLang="zh-CN" baseline="-25000" noProof="1">
+                <a:latin typeface="CMU Bright" panose="02000603000000000000" pitchFamily="2" charset="0"/>
+                <a:ea typeface="CMU Bright" panose="02000603000000000000" pitchFamily="2" charset="0"/>
+                <a:cs typeface="CMU Bright" panose="02000603000000000000" pitchFamily="2" charset="0"/>
+              </a:rPr>
+              <a:t>2..</a:t>
+            </a:r>
+            <a:r>
+              <a:rPr lang="de-DE" altLang="zh-CN" noProof="1">
+                <a:latin typeface="CMU Bright" panose="02000603000000000000" pitchFamily="2" charset="0"/>
+                <a:ea typeface="CMU Bright" panose="02000603000000000000" pitchFamily="2" charset="0"/>
+                <a:cs typeface="CMU Bright" panose="02000603000000000000" pitchFamily="2" charset="0"/>
+              </a:rPr>
+              <a:t> = Probabilities of location 1,2..</a:t>
+            </a:r>
+            <a:endParaRPr lang="zh-CN" altLang="de-DE" noProof="1">
+              <a:latin typeface="CMU Bright" panose="02000603000000000000" pitchFamily="2" charset="0"/>
+              <a:ea typeface="CMU Bright" panose="02000603000000000000" pitchFamily="2" charset="0"/>
+              <a:cs typeface="CMU Bright" panose="02000603000000000000" pitchFamily="2" charset="0"/>
+            </a:endParaRPr>
+          </a:p>
+          <a:p>
+            <a:endParaRPr lang="zh-CN" altLang="de-DE" b="1" u="sng" noProof="1">
+              <a:latin typeface="CMU Bright" panose="02000603000000000000" pitchFamily="2" charset="0"/>
+              <a:ea typeface="CMU Bright" panose="02000603000000000000" pitchFamily="2" charset="0"/>
+              <a:cs typeface="CMU Bright" panose="02000603000000000000" pitchFamily="2" charset="0"/>
+            </a:endParaRPr>
+          </a:p>
+          <a:p>
+            <a:endParaRPr lang="zh-CN" altLang="en-US" b="1" u="sng" noProof="1">
+              <a:latin typeface="CMU Bright" panose="02000603000000000000" pitchFamily="2" charset="0"/>
+              <a:ea typeface="CMU Bright" panose="02000603000000000000" pitchFamily="2" charset="0"/>
+              <a:cs typeface="CMU Bright" panose="02000603000000000000" pitchFamily="2" charset="0"/>
+            </a:endParaRPr>
+          </a:p>
+        </p:txBody>
+      </p:sp>
+    </p:spTree>
+    <p:extLst>
+      <p:ext uri="{BB962C8B-B14F-4D97-AF65-F5344CB8AC3E}">
+        <p14:creationId xmlns:p14="http://schemas.microsoft.com/office/powerpoint/2010/main" val="2199877654"/>
       </p:ext>
     </p:extLst>
   </p:cSld>

--- a/Writings/Predictions.pptx
+++ b/Writings/Predictions.pptx
@@ -15,6 +15,16 @@
     <p:sldId id="263" r:id="rId9"/>
     <p:sldId id="264" r:id="rId10"/>
     <p:sldId id="265" r:id="rId11"/>
+    <p:sldId id="266" r:id="rId12"/>
+    <p:sldId id="270" r:id="rId13"/>
+    <p:sldId id="273" r:id="rId14"/>
+    <p:sldId id="274" r:id="rId15"/>
+    <p:sldId id="275" r:id="rId16"/>
+    <p:sldId id="271" r:id="rId17"/>
+    <p:sldId id="272" r:id="rId18"/>
+    <p:sldId id="267" r:id="rId19"/>
+    <p:sldId id="268" r:id="rId20"/>
+    <p:sldId id="269" r:id="rId21"/>
   </p:sldIdLst>
   <p:sldSz cx="12192000" cy="6858000"/>
   <p:notesSz cx="6858000" cy="9144000"/>
@@ -494,6 +504,61 @@
     </mc:Fallback>
   </mc:AlternateContent>
   <c:chart>
+    <c:title>
+      <c:tx>
+        <c:rich>
+          <a:bodyPr rot="0" spcFirstLastPara="1" vertOverflow="ellipsis" vert="horz" wrap="square" anchor="ctr" anchorCtr="1"/>
+          <a:lstStyle/>
+          <a:p>
+            <a:pPr>
+              <a:defRPr sz="1400" b="0" i="0" u="none" strike="noStrike" kern="1200" spc="0" baseline="0">
+                <a:solidFill>
+                  <a:schemeClr val="tx1">
+                    <a:lumMod val="65000"/>
+                    <a:lumOff val="35000"/>
+                  </a:schemeClr>
+                </a:solidFill>
+                <a:latin typeface="+mn-lt"/>
+                <a:ea typeface="+mn-ea"/>
+                <a:cs typeface="+mn-cs"/>
+              </a:defRPr>
+            </a:pPr>
+            <a:r>
+              <a:rPr lang="en-US" dirty="0"/>
+              <a:t>Similarity Angle</a:t>
+            </a:r>
+          </a:p>
+        </c:rich>
+      </c:tx>
+      <c:overlay val="0"/>
+      <c:spPr>
+        <a:noFill/>
+        <a:ln>
+          <a:noFill/>
+        </a:ln>
+        <a:effectLst/>
+      </c:spPr>
+      <c:txPr>
+        <a:bodyPr rot="0" spcFirstLastPara="1" vertOverflow="ellipsis" vert="horz" wrap="square" anchor="ctr" anchorCtr="1"/>
+        <a:lstStyle/>
+        <a:p>
+          <a:pPr>
+            <a:defRPr sz="1400" b="0" i="0" u="none" strike="noStrike" kern="1200" spc="0" baseline="0">
+              <a:solidFill>
+                <a:schemeClr val="tx1">
+                  <a:lumMod val="65000"/>
+                  <a:lumOff val="35000"/>
+                </a:schemeClr>
+              </a:solidFill>
+              <a:latin typeface="+mn-lt"/>
+              <a:ea typeface="+mn-ea"/>
+              <a:cs typeface="+mn-cs"/>
+            </a:defRPr>
+          </a:pPr>
+          <a:endParaRPr lang="en-US"/>
+        </a:p>
+      </c:txPr>
+    </c:title>
     <c:autoTitleDeleted val="0"/>
     <c:plotArea>
       <c:layout/>
@@ -509,13 +574,13 @@
               <c:strCache>
                 <c:ptCount val="1"/>
                 <c:pt idx="0">
-                  <c:v>Similarity</c:v>
+                  <c:v>Similarity Angle</c:v>
                 </c:pt>
               </c:strCache>
             </c:strRef>
           </c:tx>
           <c:spPr>
-            <a:ln w="38100" cap="rnd">
+            <a:ln w="28575" cap="rnd">
               <a:solidFill>
                 <a:schemeClr val="accent1"/>
               </a:solidFill>
@@ -527,75 +592,76 @@
             <c:symbol val="none"/>
           </c:marker>
           <c:cat>
-            <c:strRef>
+            <c:numRef>
               <c:f>Sheet1!$A$2:$A$22</c:f>
-              <c:strCache>
+              <c:numCache>
+                <c:formatCode>General</c:formatCode>
                 <c:ptCount val="21"/>
                 <c:pt idx="0">
-                  <c:v>User 0</c:v>
+                  <c:v>0</c:v>
                 </c:pt>
                 <c:pt idx="1">
-                  <c:v>User 1</c:v>
+                  <c:v>1</c:v>
                 </c:pt>
                 <c:pt idx="2">
-                  <c:v>User 2</c:v>
+                  <c:v>2</c:v>
                 </c:pt>
                 <c:pt idx="3">
-                  <c:v>User 3</c:v>
+                  <c:v>3</c:v>
                 </c:pt>
                 <c:pt idx="4">
-                  <c:v>User 4</c:v>
+                  <c:v>4</c:v>
                 </c:pt>
                 <c:pt idx="5">
-                  <c:v>User 5</c:v>
+                  <c:v>5</c:v>
                 </c:pt>
                 <c:pt idx="6">
-                  <c:v>User 6</c:v>
+                  <c:v>6</c:v>
                 </c:pt>
                 <c:pt idx="7">
-                  <c:v>User 7</c:v>
+                  <c:v>7</c:v>
                 </c:pt>
                 <c:pt idx="8">
-                  <c:v>User 8</c:v>
+                  <c:v>8</c:v>
                 </c:pt>
                 <c:pt idx="9">
-                  <c:v>User 9</c:v>
+                  <c:v>9</c:v>
                 </c:pt>
                 <c:pt idx="10">
-                  <c:v>User 10</c:v>
+                  <c:v>10</c:v>
                 </c:pt>
                 <c:pt idx="11">
-                  <c:v>User 11</c:v>
+                  <c:v>11</c:v>
                 </c:pt>
                 <c:pt idx="12">
-                  <c:v>User 12</c:v>
+                  <c:v>12</c:v>
                 </c:pt>
                 <c:pt idx="13">
-                  <c:v>User 13</c:v>
+                  <c:v>13</c:v>
                 </c:pt>
                 <c:pt idx="14">
-                  <c:v>User 14</c:v>
+                  <c:v>14</c:v>
                 </c:pt>
                 <c:pt idx="15">
-                  <c:v>User 15</c:v>
+                  <c:v>15</c:v>
                 </c:pt>
                 <c:pt idx="16">
-                  <c:v>User 16</c:v>
+                  <c:v>16</c:v>
                 </c:pt>
                 <c:pt idx="17">
-                  <c:v>User 17</c:v>
+                  <c:v>17</c:v>
                 </c:pt>
                 <c:pt idx="18">
-                  <c:v>User 18</c:v>
+                  <c:v>18</c:v>
                 </c:pt>
                 <c:pt idx="19">
-                  <c:v>User 19</c:v>
+                  <c:v>19</c:v>
                 </c:pt>
                 <c:pt idx="20">
-                  <c:v>User 20</c:v>
-                </c:pt>
-              </c:strCache>
-            </c:strRef>
+                  <c:v>20</c:v>
+                </c:pt>
+              </c:numCache>
+            </c:numRef>
           </c:cat>
           <c:val>
             <c:numRef>
@@ -604,67 +670,67 @@
                 <c:formatCode>General</c:formatCode>
                 <c:ptCount val="21"/>
                 <c:pt idx="0">
-                  <c:v>0.46118975752038999</c:v>
+                  <c:v>6.3347589751522104</c:v>
                 </c:pt>
                 <c:pt idx="1">
-                  <c:v>0.62242732423636604</c:v>
+                  <c:v>4.7519434279926003</c:v>
                 </c:pt>
                 <c:pt idx="2">
-                  <c:v>0.78162467900529298</c:v>
+                  <c:v>7.4217520257948104</c:v>
                 </c:pt>
                 <c:pt idx="3">
-                  <c:v>0.53951407155717701</c:v>
+                  <c:v>12.872863984707401</c:v>
                 </c:pt>
                 <c:pt idx="4">
-                  <c:v>0.56810635865488901</c:v>
+                  <c:v>5.8391772093126102</c:v>
                 </c:pt>
                 <c:pt idx="5">
-                  <c:v>0.61192728129752405</c:v>
+                  <c:v>9.98278161019247</c:v>
                 </c:pt>
                 <c:pt idx="6">
-                  <c:v>0.36260708070015801</c:v>
+                  <c:v>11.563996726410201</c:v>
                 </c:pt>
                 <c:pt idx="7">
-                  <c:v>0.57469904509265501</c:v>
+                  <c:v>10.5784060554377</c:v>
                 </c:pt>
                 <c:pt idx="8">
-                  <c:v>0.72134514595491295</c:v>
+                  <c:v>7.8768173554950804</c:v>
                 </c:pt>
                 <c:pt idx="9">
-                  <c:v>0.75692206890606795</c:v>
+                  <c:v>3.9530580944657099</c:v>
                 </c:pt>
                 <c:pt idx="10">
-                  <c:v>0.65247820471956897</c:v>
+                  <c:v>12.740816503927199</c:v>
                 </c:pt>
                 <c:pt idx="11">
-                  <c:v>0.62278092274990604</c:v>
+                  <c:v>10.2775991672384</c:v>
                 </c:pt>
                 <c:pt idx="12">
-                  <c:v>0.70035797700615599</c:v>
+                  <c:v>5.5743038082418197</c:v>
                 </c:pt>
                 <c:pt idx="13">
-                  <c:v>0.66652473698531101</c:v>
+                  <c:v>11.0518660340759</c:v>
                 </c:pt>
                 <c:pt idx="14">
-                  <c:v>0.59429290978226201</c:v>
+                  <c:v>14.7106616767771</c:v>
                 </c:pt>
                 <c:pt idx="15">
-                  <c:v>0.46019699431940397</c:v>
+                  <c:v>10.8300270049102</c:v>
                 </c:pt>
                 <c:pt idx="16">
-                  <c:v>0.57533769673181501</c:v>
+                  <c:v>7.9115399668915698</c:v>
                 </c:pt>
                 <c:pt idx="17">
-                  <c:v>0.56772398093580101</c:v>
+                  <c:v>11.3656830405096</c:v>
                 </c:pt>
                 <c:pt idx="18">
-                  <c:v>0.48451369749940998</c:v>
+                  <c:v>11.415899797344901</c:v>
                 </c:pt>
                 <c:pt idx="19">
-                  <c:v>0.44451545291983702</c:v>
+                  <c:v>20.672560970794599</c:v>
                 </c:pt>
                 <c:pt idx="20">
-                  <c:v>0.57079032899591897</c:v>
+                  <c:v>12.8225699221074</c:v>
                 </c:pt>
               </c:numCache>
             </c:numRef>
@@ -672,7 +738,7 @@
           <c:smooth val="0"/>
           <c:extLst>
             <c:ext xmlns:c16="http://schemas.microsoft.com/office/drawing/2014/chart" uri="{C3380CC4-5D6E-409C-BE32-E72D297353CC}">
-              <c16:uniqueId val="{00000000-ACE8-4C27-B8D8-A0E16B0B0C92}"/>
+              <c16:uniqueId val="{00000000-74AE-4C89-93EE-AC6290D8CF0A}"/>
             </c:ext>
           </c:extLst>
         </c:ser>
@@ -685,13 +751,13 @@
               <c:strCache>
                 <c:ptCount val="1"/>
                 <c:pt idx="0">
-                  <c:v>Average</c:v>
+                  <c:v>Mean</c:v>
                 </c:pt>
               </c:strCache>
             </c:strRef>
           </c:tx>
           <c:spPr>
-            <a:ln w="38100" cap="rnd">
+            <a:ln w="28575" cap="rnd">
               <a:solidFill>
                 <a:schemeClr val="accent2"/>
               </a:solidFill>
@@ -703,75 +769,76 @@
             <c:symbol val="none"/>
           </c:marker>
           <c:cat>
-            <c:strRef>
+            <c:numRef>
               <c:f>Sheet1!$A$2:$A$22</c:f>
-              <c:strCache>
+              <c:numCache>
+                <c:formatCode>General</c:formatCode>
                 <c:ptCount val="21"/>
                 <c:pt idx="0">
-                  <c:v>User 0</c:v>
+                  <c:v>0</c:v>
                 </c:pt>
                 <c:pt idx="1">
-                  <c:v>User 1</c:v>
+                  <c:v>1</c:v>
                 </c:pt>
                 <c:pt idx="2">
-                  <c:v>User 2</c:v>
+                  <c:v>2</c:v>
                 </c:pt>
                 <c:pt idx="3">
-                  <c:v>User 3</c:v>
+                  <c:v>3</c:v>
                 </c:pt>
                 <c:pt idx="4">
-                  <c:v>User 4</c:v>
+                  <c:v>4</c:v>
                 </c:pt>
                 <c:pt idx="5">
-                  <c:v>User 5</c:v>
+                  <c:v>5</c:v>
                 </c:pt>
                 <c:pt idx="6">
-                  <c:v>User 6</c:v>
+                  <c:v>6</c:v>
                 </c:pt>
                 <c:pt idx="7">
-                  <c:v>User 7</c:v>
+                  <c:v>7</c:v>
                 </c:pt>
                 <c:pt idx="8">
-                  <c:v>User 8</c:v>
+                  <c:v>8</c:v>
                 </c:pt>
                 <c:pt idx="9">
-                  <c:v>User 9</c:v>
+                  <c:v>9</c:v>
                 </c:pt>
                 <c:pt idx="10">
-                  <c:v>User 10</c:v>
+                  <c:v>10</c:v>
                 </c:pt>
                 <c:pt idx="11">
-                  <c:v>User 11</c:v>
+                  <c:v>11</c:v>
                 </c:pt>
                 <c:pt idx="12">
-                  <c:v>User 12</c:v>
+                  <c:v>12</c:v>
                 </c:pt>
                 <c:pt idx="13">
-                  <c:v>User 13</c:v>
+                  <c:v>13</c:v>
                 </c:pt>
                 <c:pt idx="14">
-                  <c:v>User 14</c:v>
+                  <c:v>14</c:v>
                 </c:pt>
                 <c:pt idx="15">
-                  <c:v>User 15</c:v>
+                  <c:v>15</c:v>
                 </c:pt>
                 <c:pt idx="16">
-                  <c:v>User 16</c:v>
+                  <c:v>16</c:v>
                 </c:pt>
                 <c:pt idx="17">
-                  <c:v>User 17</c:v>
+                  <c:v>17</c:v>
                 </c:pt>
                 <c:pt idx="18">
-                  <c:v>User 18</c:v>
+                  <c:v>18</c:v>
                 </c:pt>
                 <c:pt idx="19">
-                  <c:v>User 19</c:v>
+                  <c:v>19</c:v>
                 </c:pt>
                 <c:pt idx="20">
-                  <c:v>User 20</c:v>
-                </c:pt>
-              </c:strCache>
-            </c:strRef>
+                  <c:v>20</c:v>
+                </c:pt>
+              </c:numCache>
+            </c:numRef>
           </c:cat>
           <c:val>
             <c:numRef>
@@ -780,67 +847,67 @@
                 <c:formatCode>General</c:formatCode>
                 <c:ptCount val="21"/>
                 <c:pt idx="0">
-                  <c:v>0.58761312931289633</c:v>
+                  <c:v>10.026146826560927</c:v>
                 </c:pt>
                 <c:pt idx="1">
-                  <c:v>0.58761312931289633</c:v>
+                  <c:v>10.026146826560927</c:v>
                 </c:pt>
                 <c:pt idx="2">
-                  <c:v>0.58761312931289633</c:v>
+                  <c:v>10.026146826560927</c:v>
                 </c:pt>
                 <c:pt idx="3">
-                  <c:v>0.58761312931289633</c:v>
+                  <c:v>10.026146826560927</c:v>
                 </c:pt>
                 <c:pt idx="4">
-                  <c:v>0.58761312931289633</c:v>
+                  <c:v>10.026146826560927</c:v>
                 </c:pt>
                 <c:pt idx="5">
-                  <c:v>0.58761312931289633</c:v>
+                  <c:v>10.026146826560927</c:v>
                 </c:pt>
                 <c:pt idx="6">
-                  <c:v>0.58761312931289633</c:v>
+                  <c:v>10.026146826560927</c:v>
                 </c:pt>
                 <c:pt idx="7">
-                  <c:v>0.58761312931289633</c:v>
+                  <c:v>10.026146826560927</c:v>
                 </c:pt>
                 <c:pt idx="8">
-                  <c:v>0.58761312931289633</c:v>
+                  <c:v>10.026146826560927</c:v>
                 </c:pt>
                 <c:pt idx="9">
-                  <c:v>0.58761312931289633</c:v>
+                  <c:v>10.026146826560927</c:v>
                 </c:pt>
                 <c:pt idx="10">
-                  <c:v>0.58761312931289633</c:v>
+                  <c:v>10.026146826560927</c:v>
                 </c:pt>
                 <c:pt idx="11">
-                  <c:v>0.58761312931289633</c:v>
+                  <c:v>10.026146826560927</c:v>
                 </c:pt>
                 <c:pt idx="12">
-                  <c:v>0.58761312931289633</c:v>
+                  <c:v>10.026146826560927</c:v>
                 </c:pt>
                 <c:pt idx="13">
-                  <c:v>0.58761312931289633</c:v>
+                  <c:v>10.026146826560927</c:v>
                 </c:pt>
                 <c:pt idx="14">
-                  <c:v>0.58761312931289633</c:v>
+                  <c:v>10.026146826560927</c:v>
                 </c:pt>
                 <c:pt idx="15">
-                  <c:v>0.58761312931289633</c:v>
+                  <c:v>10.026146826560927</c:v>
                 </c:pt>
                 <c:pt idx="16">
-                  <c:v>0.58761312931289633</c:v>
+                  <c:v>10.026146826560927</c:v>
                 </c:pt>
                 <c:pt idx="17">
-                  <c:v>0.58761312931289633</c:v>
+                  <c:v>10.026146826560927</c:v>
                 </c:pt>
                 <c:pt idx="18">
-                  <c:v>0.58761312931289633</c:v>
+                  <c:v>10.026146826560927</c:v>
                 </c:pt>
                 <c:pt idx="19">
-                  <c:v>0.58761312931289633</c:v>
+                  <c:v>10.026146826560927</c:v>
                 </c:pt>
                 <c:pt idx="20">
-                  <c:v>0.58761312931289633</c:v>
+                  <c:v>10.026146826560927</c:v>
                 </c:pt>
               </c:numCache>
             </c:numRef>
@@ -848,7 +915,7 @@
           <c:smooth val="0"/>
           <c:extLst>
             <c:ext xmlns:c16="http://schemas.microsoft.com/office/drawing/2014/chart" uri="{C3380CC4-5D6E-409C-BE32-E72D297353CC}">
-              <c16:uniqueId val="{00000001-ACE8-4C27-B8D8-A0E16B0B0C92}"/>
+              <c16:uniqueId val="{00000001-74AE-4C89-93EE-AC6290D8CF0A}"/>
             </c:ext>
           </c:extLst>
         </c:ser>
@@ -861,11 +928,11 @@
           <c:showBubbleSize val="0"/>
         </c:dLbls>
         <c:smooth val="0"/>
-        <c:axId val="488074232"/>
-        <c:axId val="488073272"/>
+        <c:axId val="542713144"/>
+        <c:axId val="542711864"/>
       </c:lineChart>
       <c:catAx>
-        <c:axId val="488074232"/>
+        <c:axId val="542713144"/>
         <c:scaling>
           <c:orientation val="minMax"/>
         </c:scaling>
@@ -893,7 +960,7 @@
           <a:lstStyle/>
           <a:p>
             <a:pPr>
-              <a:defRPr sz="900" b="0" i="0" u="none" strike="noStrike" kern="1200" cap="none" spc="0" normalizeH="0" baseline="0">
+              <a:defRPr sz="900" b="0" i="0" u="none" strike="noStrike" kern="1200" baseline="0">
                 <a:solidFill>
                   <a:schemeClr val="tx1">
                     <a:lumMod val="65000"/>
@@ -908,7 +975,7 @@
             <a:endParaRPr lang="en-US"/>
           </a:p>
         </c:txPr>
-        <c:crossAx val="488073272"/>
+        <c:crossAx val="542711864"/>
         <c:crosses val="autoZero"/>
         <c:auto val="1"/>
         <c:lblAlgn val="ctr"/>
@@ -916,7 +983,7 @@
         <c:noMultiLvlLbl val="0"/>
       </c:catAx>
       <c:valAx>
-        <c:axId val="488073272"/>
+        <c:axId val="542711864"/>
         <c:scaling>
           <c:orientation val="minMax"/>
         </c:scaling>
@@ -936,20 +1003,6 @@
             <a:effectLst/>
           </c:spPr>
         </c:majorGridlines>
-        <c:minorGridlines>
-          <c:spPr>
-            <a:ln w="9525" cap="flat" cmpd="sng" algn="ctr">
-              <a:solidFill>
-                <a:schemeClr val="tx1">
-                  <a:lumMod val="5000"/>
-                  <a:lumOff val="95000"/>
-                </a:schemeClr>
-              </a:solidFill>
-              <a:round/>
-            </a:ln>
-            <a:effectLst/>
-          </c:spPr>
-        </c:minorGridlines>
         <c:numFmt formatCode="General" sourceLinked="1"/>
         <c:majorTickMark val="none"/>
         <c:minorTickMark val="none"/>
@@ -981,7 +1034,7 @@
             <a:endParaRPr lang="en-US"/>
           </a:p>
         </c:txPr>
-        <c:crossAx val="488074232"/>
+        <c:crossAx val="542713144"/>
         <c:crosses val="autoZero"/>
         <c:crossBetween val="between"/>
       </c:valAx>
@@ -993,6 +1046,37 @@
         <a:effectLst/>
       </c:spPr>
     </c:plotArea>
+    <c:legend>
+      <c:legendPos val="b"/>
+      <c:overlay val="0"/>
+      <c:spPr>
+        <a:noFill/>
+        <a:ln>
+          <a:noFill/>
+        </a:ln>
+        <a:effectLst/>
+      </c:spPr>
+      <c:txPr>
+        <a:bodyPr rot="0" spcFirstLastPara="1" vertOverflow="ellipsis" vert="horz" wrap="square" anchor="ctr" anchorCtr="1"/>
+        <a:lstStyle/>
+        <a:p>
+          <a:pPr>
+            <a:defRPr sz="900" b="0" i="0" u="none" strike="noStrike" kern="1200" baseline="0">
+              <a:solidFill>
+                <a:schemeClr val="tx1">
+                  <a:lumMod val="65000"/>
+                  <a:lumOff val="35000"/>
+                </a:schemeClr>
+              </a:solidFill>
+              <a:latin typeface="+mn-lt"/>
+              <a:ea typeface="+mn-ea"/>
+              <a:cs typeface="+mn-cs"/>
+            </a:defRPr>
+          </a:pPr>
+          <a:endParaRPr lang="en-US"/>
+        </a:p>
+      </c:txPr>
+    </c:legend>
     <c:plotVisOnly val="1"/>
     <c:dispBlanksAs val="gap"/>
     <c:showDLblsOverMax val="0"/>
@@ -1634,7 +1718,7 @@
 </file>
 
 <file path=ppt/charts/style2.xml><?xml version="1.0" encoding="utf-8"?>
-<cs:chartStyle xmlns:cs="http://schemas.microsoft.com/office/drawing/2012/chartStyle" xmlns:a="http://schemas.openxmlformats.org/drawingml/2006/main" id="235">
+<cs:chartStyle xmlns:cs="http://schemas.microsoft.com/office/drawing/2012/chartStyle" xmlns:a="http://schemas.openxmlformats.org/drawingml/2006/main" id="227">
   <cs:axisTitle>
     <cs:lnRef idx="0"/>
     <cs:fillRef idx="0"/>
@@ -1645,7 +1729,7 @@
         <a:lumOff val="35000"/>
       </a:schemeClr>
     </cs:fontRef>
-    <cs:defRPr sz="900" kern="1200" cap="all"/>
+    <cs:defRPr sz="1000" kern="1200"/>
   </cs:axisTitle>
   <cs:categoryAxis>
     <cs:lnRef idx="0"/>
@@ -1668,14 +1752,14 @@
         <a:round/>
       </a:ln>
     </cs:spPr>
-    <cs:defRPr sz="900" b="0" kern="1200" cap="none" spc="0" normalizeH="0" baseline="0"/>
+    <cs:defRPr sz="900" kern="1200"/>
   </cs:categoryAxis>
   <cs:chartArea mods="allowNoFillOverride allowNoLineOverride">
     <cs:lnRef idx="0"/>
     <cs:fillRef idx="0"/>
     <cs:effectRef idx="0"/>
     <cs:fontRef idx="minor">
-      <a:schemeClr val="dk1"/>
+      <a:schemeClr val="tx1"/>
     </cs:fontRef>
     <cs:spPr>
       <a:solidFill>
@@ -1691,7 +1775,7 @@
         <a:round/>
       </a:ln>
     </cs:spPr>
-    <cs:defRPr sz="900" kern="1200"/>
+    <cs:defRPr sz="1000" kern="1200"/>
   </cs:chartArea>
   <cs:dataLabel>
     <cs:lnRef idx="0"/>
@@ -1711,17 +1795,22 @@
     <cs:effectRef idx="0"/>
     <cs:fontRef idx="minor">
       <a:schemeClr val="dk1">
-        <a:lumMod val="75000"/>
-        <a:lumOff val="25000"/>
+        <a:lumMod val="65000"/>
+        <a:lumOff val="35000"/>
       </a:schemeClr>
     </cs:fontRef>
     <cs:spPr>
       <a:solidFill>
-        <a:schemeClr val="dk1">
-          <a:lumMod val="15000"/>
-          <a:lumOff val="85000"/>
-        </a:schemeClr>
+        <a:schemeClr val="lt1"/>
       </a:solidFill>
+      <a:ln>
+        <a:solidFill>
+          <a:schemeClr val="dk1">
+            <a:lumMod val="25000"/>
+            <a:lumOff val="75000"/>
+          </a:schemeClr>
+        </a:solidFill>
+      </a:ln>
     </cs:spPr>
     <cs:defRPr sz="900" kern="1200"/>
     <cs:bodyPr rot="0" spcFirstLastPara="1" vertOverflow="clip" horzOverflow="clip" vert="horz" wrap="square" lIns="36576" tIns="18288" rIns="36576" bIns="18288" anchor="ctr" anchorCtr="1">
@@ -1730,12 +1819,12 @@
   </cs:dataLabelCallout>
   <cs:dataPoint>
     <cs:lnRef idx="0"/>
-    <cs:fillRef idx="0">
+    <cs:fillRef idx="1">
       <cs:styleClr val="auto"/>
     </cs:fillRef>
     <cs:effectRef idx="0"/>
     <cs:fontRef idx="minor">
-      <a:schemeClr val="dk1"/>
+      <a:schemeClr val="tx1"/>
     </cs:fontRef>
     <cs:spPr>
       <a:solidFill>
@@ -1745,12 +1834,12 @@
   </cs:dataPoint>
   <cs:dataPoint3D>
     <cs:lnRef idx="0"/>
-    <cs:fillRef idx="0">
+    <cs:fillRef idx="1">
       <cs:styleClr val="auto"/>
     </cs:fillRef>
     <cs:effectRef idx="0"/>
     <cs:fontRef idx="minor">
-      <a:schemeClr val="dk1"/>
+      <a:schemeClr val="tx1"/>
     </cs:fontRef>
     <cs:spPr>
       <a:solidFill>
@@ -1762,13 +1851,13 @@
     <cs:lnRef idx="0">
       <cs:styleClr val="auto"/>
     </cs:lnRef>
-    <cs:fillRef idx="0"/>
+    <cs:fillRef idx="1"/>
     <cs:effectRef idx="0"/>
     <cs:fontRef idx="minor">
-      <a:schemeClr val="dk1"/>
+      <a:schemeClr val="tx1"/>
     </cs:fontRef>
     <cs:spPr>
-      <a:ln w="38100" cap="rnd">
+      <a:ln w="28575" cap="rnd">
         <a:solidFill>
           <a:schemeClr val="phClr"/>
         </a:solidFill>
@@ -1777,29 +1866,36 @@
     </cs:spPr>
   </cs:dataPointLine>
   <cs:dataPointMarker>
-    <cs:lnRef idx="0"/>
-    <cs:fillRef idx="0">
+    <cs:lnRef idx="0">
+      <cs:styleClr val="auto"/>
+    </cs:lnRef>
+    <cs:fillRef idx="1">
       <cs:styleClr val="auto"/>
     </cs:fillRef>
     <cs:effectRef idx="0"/>
     <cs:fontRef idx="minor">
-      <a:schemeClr val="dk1"/>
+      <a:schemeClr val="tx1"/>
     </cs:fontRef>
     <cs:spPr>
       <a:solidFill>
         <a:schemeClr val="phClr"/>
       </a:solidFill>
+      <a:ln w="9525">
+        <a:solidFill>
+          <a:schemeClr val="phClr"/>
+        </a:solidFill>
+      </a:ln>
     </cs:spPr>
   </cs:dataPointMarker>
-  <cs:dataPointMarkerLayout symbol="circle" size="8"/>
+  <cs:dataPointMarkerLayout symbol="circle" size="5"/>
   <cs:dataPointWireframe>
     <cs:lnRef idx="0">
       <cs:styleClr val="auto"/>
     </cs:lnRef>
-    <cs:fillRef idx="0"/>
+    <cs:fillRef idx="1"/>
     <cs:effectRef idx="0"/>
     <cs:fontRef idx="minor">
-      <a:schemeClr val="dk1"/>
+      <a:schemeClr val="tx1"/>
     </cs:fontRef>
     <cs:spPr>
       <a:ln w="9525" cap="rnd">
@@ -1821,13 +1917,15 @@
       </a:schemeClr>
     </cs:fontRef>
     <cs:spPr>
-      <a:ln w="9525">
+      <a:noFill/>
+      <a:ln w="9525" cap="flat" cmpd="sng" algn="ctr">
         <a:solidFill>
           <a:schemeClr val="tx1">
             <a:lumMod val="15000"/>
             <a:lumOff val="85000"/>
           </a:schemeClr>
         </a:solidFill>
+        <a:round/>
       </a:ln>
     </cs:spPr>
     <cs:defRPr sz="900" kern="1200"/>
@@ -1842,15 +1940,15 @@
     <cs:spPr>
       <a:solidFill>
         <a:schemeClr val="dk1">
-          <a:lumMod val="75000"/>
-          <a:lumOff val="25000"/>
+          <a:lumMod val="65000"/>
+          <a:lumOff val="35000"/>
         </a:schemeClr>
       </a:solidFill>
       <a:ln w="9525">
         <a:solidFill>
           <a:schemeClr val="tx1">
-            <a:lumMod val="50000"/>
-            <a:lumOff val="50000"/>
+            <a:lumMod val="65000"/>
+            <a:lumOff val="35000"/>
           </a:schemeClr>
         </a:solidFill>
       </a:ln>
@@ -1861,17 +1959,17 @@
     <cs:fillRef idx="0"/>
     <cs:effectRef idx="0"/>
     <cs:fontRef idx="minor">
-      <a:schemeClr val="dk1"/>
+      <a:schemeClr val="tx1"/>
     </cs:fontRef>
     <cs:spPr>
-      <a:ln w="9525">
+      <a:ln w="9525" cap="flat" cmpd="sng" algn="ctr">
         <a:solidFill>
           <a:schemeClr val="tx1">
-            <a:lumMod val="50000"/>
-            <a:lumOff val="50000"/>
+            <a:lumMod val="35000"/>
+            <a:lumOff val="65000"/>
           </a:schemeClr>
         </a:solidFill>
-        <a:prstDash val="dash"/>
+        <a:round/>
       </a:ln>
     </cs:spPr>
   </cs:dropLine>
@@ -1880,14 +1978,14 @@
     <cs:fillRef idx="0"/>
     <cs:effectRef idx="0"/>
     <cs:fontRef idx="minor">
-      <a:schemeClr val="dk1"/>
+      <a:schemeClr val="tx1"/>
     </cs:fontRef>
     <cs:spPr>
-      <a:ln w="9525">
+      <a:ln w="9525" cap="flat" cmpd="sng" algn="ctr">
         <a:solidFill>
           <a:schemeClr val="tx1">
-            <a:lumMod val="50000"/>
-            <a:lumOff val="50000"/>
+            <a:lumMod val="65000"/>
+            <a:lumOff val="35000"/>
           </a:schemeClr>
         </a:solidFill>
         <a:round/>
@@ -1899,15 +1997,21 @@
     <cs:fillRef idx="0"/>
     <cs:effectRef idx="0"/>
     <cs:fontRef idx="minor">
-      <a:schemeClr val="dk1"/>
+      <a:schemeClr val="tx1"/>
     </cs:fontRef>
+    <cs:spPr>
+      <a:noFill/>
+      <a:ln>
+        <a:noFill/>
+      </a:ln>
+    </cs:spPr>
   </cs:floor>
   <cs:gridlineMajor>
     <cs:lnRef idx="0"/>
     <cs:fillRef idx="0"/>
     <cs:effectRef idx="0"/>
     <cs:fontRef idx="minor">
-      <a:schemeClr val="dk1"/>
+      <a:schemeClr val="tx1"/>
     </cs:fontRef>
     <cs:spPr>
       <a:ln w="9525" cap="flat" cmpd="sng" algn="ctr">
@@ -1926,7 +2030,7 @@
     <cs:fillRef idx="0"/>
     <cs:effectRef idx="0"/>
     <cs:fontRef idx="minor">
-      <a:schemeClr val="dk1"/>
+      <a:schemeClr val="tx1"/>
     </cs:fontRef>
     <cs:spPr>
       <a:ln w="9525" cap="flat" cmpd="sng" algn="ctr">
@@ -1945,17 +2049,17 @@
     <cs:fillRef idx="0"/>
     <cs:effectRef idx="0"/>
     <cs:fontRef idx="minor">
-      <a:schemeClr val="dk1"/>
+      <a:schemeClr val="tx1"/>
     </cs:fontRef>
     <cs:spPr>
-      <a:ln w="9525">
+      <a:ln w="9525" cap="flat" cmpd="sng" algn="ctr">
         <a:solidFill>
           <a:schemeClr val="tx1">
-            <a:lumMod val="50000"/>
-            <a:lumOff val="50000"/>
+            <a:lumMod val="75000"/>
+            <a:lumOff val="25000"/>
           </a:schemeClr>
         </a:solidFill>
-        <a:prstDash val="dash"/>
+        <a:round/>
       </a:ln>
     </cs:spPr>
   </cs:hiLoLine>
@@ -1964,16 +2068,17 @@
     <cs:fillRef idx="0"/>
     <cs:effectRef idx="0"/>
     <cs:fontRef idx="minor">
-      <a:schemeClr val="dk1"/>
+      <a:schemeClr val="tx1"/>
     </cs:fontRef>
     <cs:spPr>
-      <a:ln w="9525">
+      <a:ln w="9525" cap="flat" cmpd="sng" algn="ctr">
         <a:solidFill>
           <a:schemeClr val="tx1">
             <a:lumMod val="35000"/>
             <a:lumOff val="65000"/>
           </a:schemeClr>
         </a:solidFill>
+        <a:round/>
       </a:ln>
     </cs:spPr>
   </cs:leaderLine>
@@ -1994,7 +2099,7 @@
     <cs:fillRef idx="0"/>
     <cs:effectRef idx="0"/>
     <cs:fontRef idx="minor">
-      <a:schemeClr val="dk1"/>
+      <a:schemeClr val="tx1"/>
     </cs:fontRef>
   </cs:plotArea>
   <cs:plotArea3D mods="allowNoFillOverride allowNoLineOverride">
@@ -2002,7 +2107,7 @@
     <cs:fillRef idx="0"/>
     <cs:effectRef idx="0"/>
     <cs:fontRef idx="minor">
-      <a:schemeClr val="dk1"/>
+      <a:schemeClr val="tx1"/>
     </cs:fontRef>
   </cs:plotArea3D>
   <cs:seriesAxis>
@@ -2015,17 +2120,6 @@
         <a:lumOff val="35000"/>
       </a:schemeClr>
     </cs:fontRef>
-    <cs:spPr>
-      <a:ln w="9525" cap="flat" cmpd="sng" algn="ctr">
-        <a:solidFill>
-          <a:schemeClr val="tx1">
-            <a:lumMod val="15000"/>
-            <a:lumOff val="85000"/>
-          </a:schemeClr>
-        </a:solidFill>
-        <a:round/>
-      </a:ln>
-    </cs:spPr>
     <cs:defRPr sz="900" kern="1200"/>
   </cs:seriesAxis>
   <cs:seriesLine>
@@ -2033,10 +2127,10 @@
     <cs:fillRef idx="0"/>
     <cs:effectRef idx="0"/>
     <cs:fontRef idx="minor">
-      <a:schemeClr val="dk1"/>
+      <a:schemeClr val="tx1"/>
     </cs:fontRef>
     <cs:spPr>
-      <a:ln w="9525">
+      <a:ln w="9525" cap="flat" cmpd="sng" algn="ctr">
         <a:solidFill>
           <a:schemeClr val="tx1">
             <a:lumMod val="35000"/>
@@ -2051,13 +2145,13 @@
     <cs:lnRef idx="0"/>
     <cs:fillRef idx="0"/>
     <cs:effectRef idx="0"/>
-    <cs:fontRef idx="major">
+    <cs:fontRef idx="minor">
       <a:schemeClr val="tx1">
         <a:lumMod val="65000"/>
         <a:lumOff val="35000"/>
       </a:schemeClr>
     </cs:fontRef>
-    <cs:defRPr sz="2000" b="0" kern="1200" cap="none" spc="0" normalizeH="0" baseline="0"/>
+    <cs:defRPr sz="1400" b="0" kern="1200" spc="0" baseline="0"/>
   </cs:title>
   <cs:trendline>
     <cs:lnRef idx="0">
@@ -2066,14 +2160,14 @@
     <cs:fillRef idx="0"/>
     <cs:effectRef idx="0"/>
     <cs:fontRef idx="minor">
-      <a:schemeClr val="dk1"/>
+      <a:schemeClr val="tx1"/>
     </cs:fontRef>
     <cs:spPr>
       <a:ln w="19050" cap="rnd">
         <a:solidFill>
           <a:schemeClr val="phClr"/>
         </a:solidFill>
-        <a:round/>
+        <a:prstDash val="sysDot"/>
       </a:ln>
     </cs:spPr>
   </cs:trendline>
@@ -2103,8 +2197,8 @@
       <a:ln w="9525">
         <a:solidFill>
           <a:schemeClr val="tx1">
-            <a:lumMod val="50000"/>
-            <a:lumOff val="50000"/>
+            <a:lumMod val="15000"/>
+            <a:lumOff val="85000"/>
           </a:schemeClr>
         </a:solidFill>
       </a:ln>
@@ -2127,8 +2221,14 @@
     <cs:fillRef idx="0"/>
     <cs:effectRef idx="0"/>
     <cs:fontRef idx="minor">
-      <a:schemeClr val="dk1"/>
+      <a:schemeClr val="tx1"/>
     </cs:fontRef>
+    <cs:spPr>
+      <a:noFill/>
+      <a:ln>
+        <a:noFill/>
+      </a:ln>
+    </cs:spPr>
   </cs:wall>
 </cs:chartStyle>
 </file>
@@ -2280,7 +2380,7 @@
           <a:p>
             <a:fld id="{75B3FFF7-FEE0-43BC-B399-9665428A1661}" type="datetimeFigureOut">
               <a:rPr lang="en-US" smtClean="0"/>
-              <a:t>9/18/2018</a:t>
+              <a:t>10/4/2018</a:t>
             </a:fld>
             <a:endParaRPr lang="en-US" dirty="0"/>
           </a:p>
@@ -2478,7 +2578,7 @@
           <a:p>
             <a:fld id="{75B3FFF7-FEE0-43BC-B399-9665428A1661}" type="datetimeFigureOut">
               <a:rPr lang="en-US" smtClean="0"/>
-              <a:t>9/18/2018</a:t>
+              <a:t>10/4/2018</a:t>
             </a:fld>
             <a:endParaRPr lang="en-US" dirty="0"/>
           </a:p>
@@ -2686,7 +2786,7 @@
           <a:p>
             <a:fld id="{75B3FFF7-FEE0-43BC-B399-9665428A1661}" type="datetimeFigureOut">
               <a:rPr lang="en-US" smtClean="0"/>
-              <a:t>9/18/2018</a:t>
+              <a:t>10/4/2018</a:t>
             </a:fld>
             <a:endParaRPr lang="en-US" dirty="0"/>
           </a:p>
@@ -2884,7 +2984,7 @@
           <a:p>
             <a:fld id="{75B3FFF7-FEE0-43BC-B399-9665428A1661}" type="datetimeFigureOut">
               <a:rPr lang="en-US" smtClean="0"/>
-              <a:t>9/18/2018</a:t>
+              <a:t>10/4/2018</a:t>
             </a:fld>
             <a:endParaRPr lang="en-US" dirty="0"/>
           </a:p>
@@ -3159,7 +3259,7 @@
           <a:p>
             <a:fld id="{75B3FFF7-FEE0-43BC-B399-9665428A1661}" type="datetimeFigureOut">
               <a:rPr lang="en-US" smtClean="0"/>
-              <a:t>9/18/2018</a:t>
+              <a:t>10/4/2018</a:t>
             </a:fld>
             <a:endParaRPr lang="en-US" dirty="0"/>
           </a:p>
@@ -3424,7 +3524,7 @@
           <a:p>
             <a:fld id="{75B3FFF7-FEE0-43BC-B399-9665428A1661}" type="datetimeFigureOut">
               <a:rPr lang="en-US" smtClean="0"/>
-              <a:t>9/18/2018</a:t>
+              <a:t>10/4/2018</a:t>
             </a:fld>
             <a:endParaRPr lang="en-US" dirty="0"/>
           </a:p>
@@ -3836,7 +3936,7 @@
           <a:p>
             <a:fld id="{75B3FFF7-FEE0-43BC-B399-9665428A1661}" type="datetimeFigureOut">
               <a:rPr lang="en-US" smtClean="0"/>
-              <a:t>9/18/2018</a:t>
+              <a:t>10/4/2018</a:t>
             </a:fld>
             <a:endParaRPr lang="en-US" dirty="0"/>
           </a:p>
@@ -3977,7 +4077,7 @@
           <a:p>
             <a:fld id="{75B3FFF7-FEE0-43BC-B399-9665428A1661}" type="datetimeFigureOut">
               <a:rPr lang="en-US" smtClean="0"/>
-              <a:t>9/18/2018</a:t>
+              <a:t>10/4/2018</a:t>
             </a:fld>
             <a:endParaRPr lang="en-US" dirty="0"/>
           </a:p>
@@ -4090,7 +4190,7 @@
           <a:p>
             <a:fld id="{75B3FFF7-FEE0-43BC-B399-9665428A1661}" type="datetimeFigureOut">
               <a:rPr lang="en-US" smtClean="0"/>
-              <a:t>9/18/2018</a:t>
+              <a:t>10/4/2018</a:t>
             </a:fld>
             <a:endParaRPr lang="en-US" dirty="0"/>
           </a:p>
@@ -4401,7 +4501,7 @@
           <a:p>
             <a:fld id="{75B3FFF7-FEE0-43BC-B399-9665428A1661}" type="datetimeFigureOut">
               <a:rPr lang="en-US" smtClean="0"/>
-              <a:t>9/18/2018</a:t>
+              <a:t>10/4/2018</a:t>
             </a:fld>
             <a:endParaRPr lang="en-US" dirty="0"/>
           </a:p>
@@ -4689,7 +4789,7 @@
           <a:p>
             <a:fld id="{75B3FFF7-FEE0-43BC-B399-9665428A1661}" type="datetimeFigureOut">
               <a:rPr lang="en-US" smtClean="0"/>
-              <a:t>9/18/2018</a:t>
+              <a:t>10/4/2018</a:t>
             </a:fld>
             <a:endParaRPr lang="en-US" dirty="0"/>
           </a:p>
@@ -4930,7 +5030,7 @@
           <a:p>
             <a:fld id="{75B3FFF7-FEE0-43BC-B399-9665428A1661}" type="datetimeFigureOut">
               <a:rPr lang="en-US" smtClean="0"/>
-              <a:t>9/18/2018</a:t>
+              <a:t>10/4/2018</a:t>
             </a:fld>
             <a:endParaRPr lang="en-US" dirty="0"/>
           </a:p>
@@ -5740,10 +5840,10 @@
       </p:cxnSp>
       <p:graphicFrame>
         <p:nvGraphicFramePr>
-          <p:cNvPr id="4" name="Chart 3">
-            <a:extLst>
-              <a:ext uri="{FF2B5EF4-FFF2-40B4-BE49-F238E27FC236}">
-                <a16:creationId xmlns:a16="http://schemas.microsoft.com/office/drawing/2014/main" id="{F774A201-0819-48D4-8933-F9683EA8B98D}"/>
+          <p:cNvPr id="7" name="Chart 6">
+            <a:extLst>
+              <a:ext uri="{FF2B5EF4-FFF2-40B4-BE49-F238E27FC236}">
+                <a16:creationId xmlns:a16="http://schemas.microsoft.com/office/drawing/2014/main" id="{8F46886B-0A2C-4412-84F8-5D4691A4025A}"/>
               </a:ext>
             </a:extLst>
           </p:cNvPr>
@@ -5753,14 +5853,14 @@
           <p:nvPr>
             <p:extLst>
               <p:ext uri="{D42A27DB-BD31-4B8C-83A1-F6EECF244321}">
-                <p14:modId xmlns:p14="http://schemas.microsoft.com/office/powerpoint/2010/main" val="1768316018"/>
+                <p14:modId xmlns:p14="http://schemas.microsoft.com/office/powerpoint/2010/main" val="658119721"/>
               </p:ext>
             </p:extLst>
           </p:nvPr>
         </p:nvGraphicFramePr>
         <p:xfrm>
-          <a:off x="320040" y="2509911"/>
-          <a:ext cx="11496821" cy="3997637"/>
+          <a:off x="375139" y="2409825"/>
+          <a:ext cx="11438793" cy="4448173"/>
         </p:xfrm>
         <a:graphic>
           <a:graphicData uri="http://schemas.openxmlformats.org/drawingml/2006/chart">
@@ -5772,6 +5872,3089 @@
     <p:extLst>
       <p:ext uri="{BB962C8B-B14F-4D97-AF65-F5344CB8AC3E}">
         <p14:creationId xmlns:p14="http://schemas.microsoft.com/office/powerpoint/2010/main" val="3132066795"/>
+      </p:ext>
+    </p:extLst>
+  </p:cSld>
+  <p:clrMapOvr>
+    <a:masterClrMapping/>
+  </p:clrMapOvr>
+</p:sld>
+</file>
+
+<file path=ppt/slides/slide11.xml><?xml version="1.0" encoding="utf-8"?>
+<p:sld xmlns:a="http://schemas.openxmlformats.org/drawingml/2006/main" xmlns:r="http://schemas.openxmlformats.org/officeDocument/2006/relationships" xmlns:p="http://schemas.openxmlformats.org/presentationml/2006/main">
+  <p:cSld>
+    <p:bg>
+      <p:bgPr>
+        <a:solidFill>
+          <a:schemeClr val="bg1"/>
+        </a:solidFill>
+        <a:effectLst/>
+      </p:bgPr>
+    </p:bg>
+    <p:spTree>
+      <p:nvGrpSpPr>
+        <p:cNvPr id="1" name=""/>
+        <p:cNvGrpSpPr/>
+        <p:nvPr/>
+      </p:nvGrpSpPr>
+      <p:grpSpPr>
+        <a:xfrm>
+          <a:off x="0" y="0"/>
+          <a:ext cx="0" cy="0"/>
+          <a:chOff x="0" y="0"/>
+          <a:chExt cx="0" cy="0"/>
+        </a:xfrm>
+      </p:grpSpPr>
+      <p:sp>
+        <p:nvSpPr>
+          <p:cNvPr id="22" name="Rectangle 17">
+            <a:extLst>
+              <a:ext uri="{FF2B5EF4-FFF2-40B4-BE49-F238E27FC236}">
+                <a16:creationId xmlns:a16="http://schemas.microsoft.com/office/drawing/2014/main" id="{6753252F-4873-4F63-801D-CC719279A7D5}"/>
+              </a:ext>
+              <a:ext uri="{C183D7F6-B498-43B3-948B-1728B52AA6E4}">
+                <adec:decorative xmlns:adec="http://schemas.microsoft.com/office/drawing/2017/decorative" val="1"/>
+              </a:ext>
+            </a:extLst>
+          </p:cNvPr>
+          <p:cNvSpPr>
+            <a:spLocks noGrp="1" noRot="1" noChangeAspect="1" noMove="1" noResize="1" noEditPoints="1" noAdjustHandles="1" noChangeArrowheads="1" noChangeShapeType="1" noTextEdit="1"/>
+          </p:cNvSpPr>
+          <p:nvPr>
+            <p:extLst>
+              <p:ext uri="{386F3935-93C4-4BCD-93E2-E3B085C9AB24}">
+                <p16:designElem xmlns:p16="http://schemas.microsoft.com/office/powerpoint/2015/main" val="1"/>
+              </p:ext>
+            </p:extLst>
+          </p:nvPr>
+        </p:nvSpPr>
+        <p:spPr>
+          <a:xfrm>
+            <a:off x="0" y="0"/>
+            <a:ext cx="12192000" cy="6858000"/>
+          </a:xfrm>
+          <a:prstGeom prst="rect">
+            <a:avLst/>
+          </a:prstGeom>
+          <a:solidFill>
+            <a:srgbClr val="FFFFFF"/>
+          </a:solidFill>
+          <a:ln>
+            <a:noFill/>
+          </a:ln>
+        </p:spPr>
+        <p:style>
+          <a:lnRef idx="2">
+            <a:schemeClr val="accent1">
+              <a:shade val="50000"/>
+            </a:schemeClr>
+          </a:lnRef>
+          <a:fillRef idx="1">
+            <a:schemeClr val="accent1"/>
+          </a:fillRef>
+          <a:effectRef idx="0">
+            <a:schemeClr val="accent1"/>
+          </a:effectRef>
+          <a:fontRef idx="minor">
+            <a:schemeClr val="lt1"/>
+          </a:fontRef>
+        </p:style>
+        <p:txBody>
+          <a:bodyPr rtlCol="0" anchor="ctr"/>
+          <a:lstStyle/>
+          <a:p>
+            <a:pPr algn="ctr"/>
+            <a:endParaRPr lang="en-US"/>
+          </a:p>
+        </p:txBody>
+      </p:sp>
+      <p:sp>
+        <p:nvSpPr>
+          <p:cNvPr id="23" name="Rectangle 19">
+            <a:extLst>
+              <a:ext uri="{FF2B5EF4-FFF2-40B4-BE49-F238E27FC236}">
+                <a16:creationId xmlns:a16="http://schemas.microsoft.com/office/drawing/2014/main" id="{047C8CCB-F95D-4249-92DD-651249D3535A}"/>
+              </a:ext>
+              <a:ext uri="{C183D7F6-B498-43B3-948B-1728B52AA6E4}">
+                <adec:decorative xmlns:adec="http://schemas.microsoft.com/office/drawing/2017/decorative" val="1"/>
+              </a:ext>
+            </a:extLst>
+          </p:cNvPr>
+          <p:cNvSpPr>
+            <a:spLocks noGrp="1" noRot="1" noChangeAspect="1" noMove="1" noResize="1" noEditPoints="1" noAdjustHandles="1" noChangeArrowheads="1" noChangeShapeType="1" noTextEdit="1"/>
+          </p:cNvSpPr>
+          <p:nvPr>
+            <p:extLst>
+              <p:ext uri="{386F3935-93C4-4BCD-93E2-E3B085C9AB24}">
+                <p16:designElem xmlns:p16="http://schemas.microsoft.com/office/powerpoint/2015/main" val="1"/>
+              </p:ext>
+            </p:extLst>
+          </p:nvPr>
+        </p:nvSpPr>
+        <p:spPr>
+          <a:xfrm>
+            <a:off x="0" y="0"/>
+            <a:ext cx="2013557" cy="6858000"/>
+          </a:xfrm>
+          <a:prstGeom prst="rect">
+            <a:avLst/>
+          </a:prstGeom>
+          <a:solidFill>
+            <a:srgbClr val="8B3854"/>
+          </a:solidFill>
+          <a:ln>
+            <a:noFill/>
+          </a:ln>
+        </p:spPr>
+        <p:style>
+          <a:lnRef idx="2">
+            <a:schemeClr val="accent1">
+              <a:shade val="50000"/>
+            </a:schemeClr>
+          </a:lnRef>
+          <a:fillRef idx="1">
+            <a:schemeClr val="accent1"/>
+          </a:fillRef>
+          <a:effectRef idx="0">
+            <a:schemeClr val="accent1"/>
+          </a:effectRef>
+          <a:fontRef idx="minor">
+            <a:schemeClr val="lt1"/>
+          </a:fontRef>
+        </p:style>
+        <p:txBody>
+          <a:bodyPr rtlCol="0" anchor="ctr"/>
+          <a:lstStyle/>
+          <a:p>
+            <a:pPr algn="ctr"/>
+            <a:endParaRPr lang="en-US"/>
+          </a:p>
+        </p:txBody>
+      </p:sp>
+      <p:sp>
+        <p:nvSpPr>
+          <p:cNvPr id="2" name="Title 1">
+            <a:extLst>
+              <a:ext uri="{FF2B5EF4-FFF2-40B4-BE49-F238E27FC236}">
+                <a16:creationId xmlns:a16="http://schemas.microsoft.com/office/drawing/2014/main" id="{3760F8A1-A61F-4031-A50C-09202ABEA9DB}"/>
+              </a:ext>
+            </a:extLst>
+          </p:cNvPr>
+          <p:cNvSpPr>
+            <a:spLocks noGrp="1"/>
+          </p:cNvSpPr>
+          <p:nvPr>
+            <p:ph type="title"/>
+          </p:nvPr>
+        </p:nvSpPr>
+        <p:spPr>
+          <a:xfrm>
+            <a:off x="640080" y="2074363"/>
+            <a:ext cx="2752354" cy="2709275"/>
+          </a:xfrm>
+          <a:prstGeom prst="ellipse">
+            <a:avLst/>
+          </a:prstGeom>
+          <a:solidFill>
+            <a:srgbClr val="262626"/>
+          </a:solidFill>
+          <a:ln w="174625" cmpd="thinThick">
+            <a:solidFill>
+              <a:srgbClr val="262626"/>
+            </a:solidFill>
+          </a:ln>
+        </p:spPr>
+        <p:txBody>
+          <a:bodyPr vert="horz" lIns="91440" tIns="45720" rIns="91440" bIns="45720" rtlCol="0" anchor="ctr">
+            <a:normAutofit/>
+          </a:bodyPr>
+          <a:lstStyle/>
+          <a:p>
+            <a:pPr algn="ctr"/>
+            <a:r>
+              <a:rPr lang="en-US" sz="2600" kern="1200" dirty="0">
+                <a:solidFill>
+                  <a:srgbClr val="FFFFFF"/>
+                </a:solidFill>
+                <a:latin typeface="+mj-lt"/>
+                <a:ea typeface="+mj-ea"/>
+                <a:cs typeface="+mj-cs"/>
+              </a:rPr>
+              <a:t>User 1 (200811)</a:t>
+            </a:r>
+          </a:p>
+        </p:txBody>
+      </p:sp>
+      <p:pic>
+        <p:nvPicPr>
+          <p:cNvPr id="4" name="Picture 3">
+            <a:extLst>
+              <a:ext uri="{FF2B5EF4-FFF2-40B4-BE49-F238E27FC236}">
+                <a16:creationId xmlns:a16="http://schemas.microsoft.com/office/drawing/2014/main" id="{595BC3A4-4B3C-40DE-9802-84E5D5E8F2BB}"/>
+              </a:ext>
+            </a:extLst>
+          </p:cNvPr>
+          <p:cNvPicPr>
+            <a:picLocks noChangeAspect="1"/>
+          </p:cNvPicPr>
+          <p:nvPr/>
+        </p:nvPicPr>
+        <p:blipFill>
+          <a:blip r:embed="rId2">
+            <a:extLst>
+              <a:ext uri="{28A0092B-C50C-407E-A947-70E740481C1C}">
+                <a14:useLocalDpi xmlns:a14="http://schemas.microsoft.com/office/drawing/2010/main" val="0"/>
+              </a:ext>
+            </a:extLst>
+          </a:blip>
+          <a:stretch>
+            <a:fillRect/>
+          </a:stretch>
+        </p:blipFill>
+        <p:spPr>
+          <a:xfrm>
+            <a:off x="3505200" y="-497150"/>
+            <a:ext cx="8686800" cy="8229600"/>
+          </a:xfrm>
+          <a:prstGeom prst="rect">
+            <a:avLst/>
+          </a:prstGeom>
+        </p:spPr>
+      </p:pic>
+      <p:sp>
+        <p:nvSpPr>
+          <p:cNvPr id="5" name="Left Bracket 4">
+            <a:extLst>
+              <a:ext uri="{FF2B5EF4-FFF2-40B4-BE49-F238E27FC236}">
+                <a16:creationId xmlns:a16="http://schemas.microsoft.com/office/drawing/2014/main" id="{5E3668B9-351B-4BC9-9D51-EA601BE55428}"/>
+              </a:ext>
+            </a:extLst>
+          </p:cNvPr>
+          <p:cNvSpPr/>
+          <p:nvPr/>
+        </p:nvSpPr>
+        <p:spPr>
+          <a:xfrm>
+            <a:off x="3870664" y="5708339"/>
+            <a:ext cx="372862" cy="479394"/>
+          </a:xfrm>
+          <a:prstGeom prst="leftBracket">
+            <a:avLst/>
+          </a:prstGeom>
+          <a:ln>
+            <a:solidFill>
+              <a:schemeClr val="bg2">
+                <a:lumMod val="90000"/>
+              </a:schemeClr>
+            </a:solidFill>
+          </a:ln>
+        </p:spPr>
+        <p:style>
+          <a:lnRef idx="1">
+            <a:schemeClr val="accent1"/>
+          </a:lnRef>
+          <a:fillRef idx="0">
+            <a:schemeClr val="accent1"/>
+          </a:fillRef>
+          <a:effectRef idx="0">
+            <a:schemeClr val="accent1"/>
+          </a:effectRef>
+          <a:fontRef idx="minor">
+            <a:schemeClr val="tx1"/>
+          </a:fontRef>
+        </p:style>
+        <p:txBody>
+          <a:bodyPr rtlCol="0" anchor="ctr"/>
+          <a:lstStyle/>
+          <a:p>
+            <a:pPr algn="ctr"/>
+            <a:endParaRPr lang="de-DE"/>
+          </a:p>
+        </p:txBody>
+      </p:sp>
+      <p:sp>
+        <p:nvSpPr>
+          <p:cNvPr id="10" name="Left Bracket 9">
+            <a:extLst>
+              <a:ext uri="{FF2B5EF4-FFF2-40B4-BE49-F238E27FC236}">
+                <a16:creationId xmlns:a16="http://schemas.microsoft.com/office/drawing/2014/main" id="{7A64BD25-0E76-4BDD-A014-7AC8BE3D9766}"/>
+              </a:ext>
+            </a:extLst>
+          </p:cNvPr>
+          <p:cNvSpPr/>
+          <p:nvPr/>
+        </p:nvSpPr>
+        <p:spPr>
+          <a:xfrm>
+            <a:off x="3916531" y="3827757"/>
+            <a:ext cx="372862" cy="479394"/>
+          </a:xfrm>
+          <a:prstGeom prst="leftBracket">
+            <a:avLst/>
+          </a:prstGeom>
+          <a:ln>
+            <a:solidFill>
+              <a:schemeClr val="bg2">
+                <a:lumMod val="90000"/>
+              </a:schemeClr>
+            </a:solidFill>
+          </a:ln>
+        </p:spPr>
+        <p:style>
+          <a:lnRef idx="1">
+            <a:schemeClr val="accent1"/>
+          </a:lnRef>
+          <a:fillRef idx="0">
+            <a:schemeClr val="accent1"/>
+          </a:fillRef>
+          <a:effectRef idx="0">
+            <a:schemeClr val="accent1"/>
+          </a:effectRef>
+          <a:fontRef idx="minor">
+            <a:schemeClr val="tx1"/>
+          </a:fontRef>
+        </p:style>
+        <p:txBody>
+          <a:bodyPr rtlCol="0" anchor="ctr"/>
+          <a:lstStyle/>
+          <a:p>
+            <a:pPr algn="ctr"/>
+            <a:endParaRPr lang="de-DE"/>
+          </a:p>
+        </p:txBody>
+      </p:sp>
+      <p:sp>
+        <p:nvSpPr>
+          <p:cNvPr id="11" name="Left Bracket 10">
+            <a:extLst>
+              <a:ext uri="{FF2B5EF4-FFF2-40B4-BE49-F238E27FC236}">
+                <a16:creationId xmlns:a16="http://schemas.microsoft.com/office/drawing/2014/main" id="{8325BEBC-D35D-436F-91B2-C83607D98336}"/>
+              </a:ext>
+            </a:extLst>
+          </p:cNvPr>
+          <p:cNvSpPr/>
+          <p:nvPr/>
+        </p:nvSpPr>
+        <p:spPr>
+          <a:xfrm>
+            <a:off x="3918005" y="1973791"/>
+            <a:ext cx="372862" cy="479394"/>
+          </a:xfrm>
+          <a:prstGeom prst="leftBracket">
+            <a:avLst/>
+          </a:prstGeom>
+          <a:ln>
+            <a:solidFill>
+              <a:schemeClr val="bg2">
+                <a:lumMod val="90000"/>
+              </a:schemeClr>
+            </a:solidFill>
+          </a:ln>
+        </p:spPr>
+        <p:style>
+          <a:lnRef idx="1">
+            <a:schemeClr val="accent1"/>
+          </a:lnRef>
+          <a:fillRef idx="0">
+            <a:schemeClr val="accent1"/>
+          </a:fillRef>
+          <a:effectRef idx="0">
+            <a:schemeClr val="accent1"/>
+          </a:effectRef>
+          <a:fontRef idx="minor">
+            <a:schemeClr val="tx1"/>
+          </a:fontRef>
+        </p:style>
+        <p:txBody>
+          <a:bodyPr rtlCol="0" anchor="ctr"/>
+          <a:lstStyle/>
+          <a:p>
+            <a:pPr algn="ctr"/>
+            <a:endParaRPr lang="de-DE"/>
+          </a:p>
+        </p:txBody>
+      </p:sp>
+      <p:sp>
+        <p:nvSpPr>
+          <p:cNvPr id="12" name="Left Bracket 11">
+            <a:extLst>
+              <a:ext uri="{FF2B5EF4-FFF2-40B4-BE49-F238E27FC236}">
+                <a16:creationId xmlns:a16="http://schemas.microsoft.com/office/drawing/2014/main" id="{D13BE39F-7525-468C-940F-6542E8B17B04}"/>
+              </a:ext>
+            </a:extLst>
+          </p:cNvPr>
+          <p:cNvSpPr/>
+          <p:nvPr/>
+        </p:nvSpPr>
+        <p:spPr>
+          <a:xfrm>
+            <a:off x="4070405" y="510455"/>
+            <a:ext cx="372862" cy="479394"/>
+          </a:xfrm>
+          <a:prstGeom prst="leftBracket">
+            <a:avLst/>
+          </a:prstGeom>
+          <a:ln>
+            <a:solidFill>
+              <a:schemeClr val="bg2">
+                <a:lumMod val="90000"/>
+              </a:schemeClr>
+            </a:solidFill>
+          </a:ln>
+        </p:spPr>
+        <p:style>
+          <a:lnRef idx="1">
+            <a:schemeClr val="accent1"/>
+          </a:lnRef>
+          <a:fillRef idx="0">
+            <a:schemeClr val="accent1"/>
+          </a:fillRef>
+          <a:effectRef idx="0">
+            <a:schemeClr val="accent1"/>
+          </a:effectRef>
+          <a:fontRef idx="minor">
+            <a:schemeClr val="tx1"/>
+          </a:fontRef>
+        </p:style>
+        <p:txBody>
+          <a:bodyPr rtlCol="0" anchor="ctr"/>
+          <a:lstStyle/>
+          <a:p>
+            <a:pPr algn="ctr"/>
+            <a:endParaRPr lang="de-DE"/>
+          </a:p>
+        </p:txBody>
+      </p:sp>
+      <p:sp>
+        <p:nvSpPr>
+          <p:cNvPr id="6" name="TextBox 5">
+            <a:extLst>
+              <a:ext uri="{FF2B5EF4-FFF2-40B4-BE49-F238E27FC236}">
+                <a16:creationId xmlns:a16="http://schemas.microsoft.com/office/drawing/2014/main" id="{B3002C79-1379-41EE-9675-3B96B63FA587}"/>
+              </a:ext>
+            </a:extLst>
+          </p:cNvPr>
+          <p:cNvSpPr txBox="1"/>
+          <p:nvPr/>
+        </p:nvSpPr>
+        <p:spPr>
+          <a:xfrm>
+            <a:off x="4102962" y="576120"/>
+            <a:ext cx="1172116" cy="369332"/>
+          </a:xfrm>
+          <a:prstGeom prst="rect">
+            <a:avLst/>
+          </a:prstGeom>
+          <a:noFill/>
+        </p:spPr>
+        <p:txBody>
+          <a:bodyPr wrap="none" rtlCol="0">
+            <a:spAutoFit/>
+          </a:bodyPr>
+          <a:lstStyle/>
+          <a:p>
+            <a:r>
+              <a:rPr lang="de-DE" dirty="0">
+                <a:latin typeface="CMU Bright" panose="02000603000000000000" pitchFamily="2" charset="0"/>
+                <a:ea typeface="CMU Bright" panose="02000603000000000000" pitchFamily="2" charset="0"/>
+                <a:cs typeface="CMU Bright" panose="02000603000000000000" pitchFamily="2" charset="0"/>
+              </a:rPr>
+              <a:t>Weekends</a:t>
+            </a:r>
+          </a:p>
+        </p:txBody>
+      </p:sp>
+      <p:sp>
+        <p:nvSpPr>
+          <p:cNvPr id="3" name="Rectangle 2">
+            <a:extLst>
+              <a:ext uri="{FF2B5EF4-FFF2-40B4-BE49-F238E27FC236}">
+                <a16:creationId xmlns:a16="http://schemas.microsoft.com/office/drawing/2014/main" id="{F598C781-B837-4A03-A74F-C8A6E793E3E4}"/>
+              </a:ext>
+            </a:extLst>
+          </p:cNvPr>
+          <p:cNvSpPr/>
+          <p:nvPr/>
+        </p:nvSpPr>
+        <p:spPr>
+          <a:xfrm>
+            <a:off x="7406640" y="1097280"/>
+            <a:ext cx="281940" cy="5006340"/>
+          </a:xfrm>
+          <a:prstGeom prst="rect">
+            <a:avLst/>
+          </a:prstGeom>
+          <a:noFill/>
+          <a:ln w="76200"/>
+        </p:spPr>
+        <p:style>
+          <a:lnRef idx="2">
+            <a:schemeClr val="accent1"/>
+          </a:lnRef>
+          <a:fillRef idx="1">
+            <a:schemeClr val="lt1"/>
+          </a:fillRef>
+          <a:effectRef idx="0">
+            <a:schemeClr val="accent1"/>
+          </a:effectRef>
+          <a:fontRef idx="minor">
+            <a:schemeClr val="dk1"/>
+          </a:fontRef>
+        </p:style>
+        <p:txBody>
+          <a:bodyPr rtlCol="0" anchor="ctr"/>
+          <a:lstStyle/>
+          <a:p>
+            <a:pPr algn="ctr"/>
+            <a:endParaRPr lang="en-US"/>
+          </a:p>
+        </p:txBody>
+      </p:sp>
+    </p:spTree>
+    <p:extLst>
+      <p:ext uri="{BB962C8B-B14F-4D97-AF65-F5344CB8AC3E}">
+        <p14:creationId xmlns:p14="http://schemas.microsoft.com/office/powerpoint/2010/main" val="926498886"/>
+      </p:ext>
+    </p:extLst>
+  </p:cSld>
+  <p:clrMapOvr>
+    <a:masterClrMapping/>
+  </p:clrMapOvr>
+</p:sld>
+</file>
+
+<file path=ppt/slides/slide12.xml><?xml version="1.0" encoding="utf-8"?>
+<p:sld xmlns:a="http://schemas.openxmlformats.org/drawingml/2006/main" xmlns:r="http://schemas.openxmlformats.org/officeDocument/2006/relationships" xmlns:p="http://schemas.openxmlformats.org/presentationml/2006/main">
+  <p:cSld>
+    <p:spTree>
+      <p:nvGrpSpPr>
+        <p:cNvPr id="1" name=""/>
+        <p:cNvGrpSpPr/>
+        <p:nvPr/>
+      </p:nvGrpSpPr>
+      <p:grpSpPr>
+        <a:xfrm>
+          <a:off x="0" y="0"/>
+          <a:ext cx="0" cy="0"/>
+          <a:chOff x="0" y="0"/>
+          <a:chExt cx="0" cy="0"/>
+        </a:xfrm>
+      </p:grpSpPr>
+      <p:pic>
+        <p:nvPicPr>
+          <p:cNvPr id="8" name="Picture 7">
+            <a:extLst>
+              <a:ext uri="{FF2B5EF4-FFF2-40B4-BE49-F238E27FC236}">
+                <a16:creationId xmlns:a16="http://schemas.microsoft.com/office/drawing/2014/main" id="{C3683982-FEB0-4B98-863E-533276C16F58}"/>
+              </a:ext>
+            </a:extLst>
+          </p:cNvPr>
+          <p:cNvPicPr>
+            <a:picLocks noChangeAspect="1"/>
+          </p:cNvPicPr>
+          <p:nvPr/>
+        </p:nvPicPr>
+        <p:blipFill>
+          <a:blip r:embed="rId2"/>
+          <a:stretch>
+            <a:fillRect/>
+          </a:stretch>
+        </p:blipFill>
+        <p:spPr>
+          <a:xfrm>
+            <a:off x="5953125" y="150920"/>
+            <a:ext cx="5605724" cy="3089429"/>
+          </a:xfrm>
+          <a:prstGeom prst="rect">
+            <a:avLst/>
+          </a:prstGeom>
+        </p:spPr>
+      </p:pic>
+      <p:pic>
+        <p:nvPicPr>
+          <p:cNvPr id="5" name="Picture 4">
+            <a:extLst>
+              <a:ext uri="{FF2B5EF4-FFF2-40B4-BE49-F238E27FC236}">
+                <a16:creationId xmlns:a16="http://schemas.microsoft.com/office/drawing/2014/main" id="{E9590287-35A5-403E-AB12-795F093E5445}"/>
+              </a:ext>
+            </a:extLst>
+          </p:cNvPr>
+          <p:cNvPicPr>
+            <a:picLocks noChangeAspect="1"/>
+          </p:cNvPicPr>
+          <p:nvPr/>
+        </p:nvPicPr>
+        <p:blipFill>
+          <a:blip r:embed="rId3"/>
+          <a:stretch>
+            <a:fillRect/>
+          </a:stretch>
+        </p:blipFill>
+        <p:spPr>
+          <a:xfrm>
+            <a:off x="490108" y="150921"/>
+            <a:ext cx="5152710" cy="3089429"/>
+          </a:xfrm>
+          <a:prstGeom prst="rect">
+            <a:avLst/>
+          </a:prstGeom>
+        </p:spPr>
+      </p:pic>
+      <p:pic>
+        <p:nvPicPr>
+          <p:cNvPr id="6" name="Picture 5">
+            <a:extLst>
+              <a:ext uri="{FF2B5EF4-FFF2-40B4-BE49-F238E27FC236}">
+                <a16:creationId xmlns:a16="http://schemas.microsoft.com/office/drawing/2014/main" id="{13D306AB-39AC-4E2F-9ACD-E5046E9F921F}"/>
+              </a:ext>
+            </a:extLst>
+          </p:cNvPr>
+          <p:cNvPicPr>
+            <a:picLocks noChangeAspect="1"/>
+          </p:cNvPicPr>
+          <p:nvPr/>
+        </p:nvPicPr>
+        <p:blipFill>
+          <a:blip r:embed="rId4"/>
+          <a:stretch>
+            <a:fillRect/>
+          </a:stretch>
+        </p:blipFill>
+        <p:spPr>
+          <a:xfrm>
+            <a:off x="5016208" y="370783"/>
+            <a:ext cx="410104" cy="357187"/>
+          </a:xfrm>
+          <a:prstGeom prst="rect">
+            <a:avLst/>
+          </a:prstGeom>
+        </p:spPr>
+      </p:pic>
+      <p:pic>
+        <p:nvPicPr>
+          <p:cNvPr id="7" name="Picture 6">
+            <a:extLst>
+              <a:ext uri="{FF2B5EF4-FFF2-40B4-BE49-F238E27FC236}">
+                <a16:creationId xmlns:a16="http://schemas.microsoft.com/office/drawing/2014/main" id="{977F05F4-C8DD-4A1F-B8E7-69F9D356FACE}"/>
+              </a:ext>
+            </a:extLst>
+          </p:cNvPr>
+          <p:cNvPicPr>
+            <a:picLocks noChangeAspect="1"/>
+          </p:cNvPicPr>
+          <p:nvPr/>
+        </p:nvPicPr>
+        <p:blipFill>
+          <a:blip r:embed="rId5"/>
+          <a:stretch>
+            <a:fillRect/>
+          </a:stretch>
+        </p:blipFill>
+        <p:spPr>
+          <a:xfrm>
+            <a:off x="11048906" y="370782"/>
+            <a:ext cx="392596" cy="357187"/>
+          </a:xfrm>
+          <a:prstGeom prst="rect">
+            <a:avLst/>
+          </a:prstGeom>
+        </p:spPr>
+      </p:pic>
+      <p:pic>
+        <p:nvPicPr>
+          <p:cNvPr id="9" name="Picture 8">
+            <a:extLst>
+              <a:ext uri="{FF2B5EF4-FFF2-40B4-BE49-F238E27FC236}">
+                <a16:creationId xmlns:a16="http://schemas.microsoft.com/office/drawing/2014/main" id="{EE6A941C-CF57-4A7C-9A10-ECE7FFCB91D9}"/>
+              </a:ext>
+            </a:extLst>
+          </p:cNvPr>
+          <p:cNvPicPr>
+            <a:picLocks noChangeAspect="1"/>
+          </p:cNvPicPr>
+          <p:nvPr/>
+        </p:nvPicPr>
+        <p:blipFill>
+          <a:blip r:embed="rId6"/>
+          <a:stretch>
+            <a:fillRect/>
+          </a:stretch>
+        </p:blipFill>
+        <p:spPr>
+          <a:xfrm>
+            <a:off x="490109" y="3325147"/>
+            <a:ext cx="5152710" cy="3407685"/>
+          </a:xfrm>
+          <a:prstGeom prst="rect">
+            <a:avLst/>
+          </a:prstGeom>
+        </p:spPr>
+      </p:pic>
+      <p:pic>
+        <p:nvPicPr>
+          <p:cNvPr id="10" name="Picture 9">
+            <a:extLst>
+              <a:ext uri="{FF2B5EF4-FFF2-40B4-BE49-F238E27FC236}">
+                <a16:creationId xmlns:a16="http://schemas.microsoft.com/office/drawing/2014/main" id="{613B1A3B-A7EE-490F-8ADB-10735BA2FAB8}"/>
+              </a:ext>
+            </a:extLst>
+          </p:cNvPr>
+          <p:cNvPicPr>
+            <a:picLocks noChangeAspect="1"/>
+          </p:cNvPicPr>
+          <p:nvPr/>
+        </p:nvPicPr>
+        <p:blipFill>
+          <a:blip r:embed="rId7"/>
+          <a:stretch>
+            <a:fillRect/>
+          </a:stretch>
+        </p:blipFill>
+        <p:spPr>
+          <a:xfrm>
+            <a:off x="5055067" y="3752004"/>
+            <a:ext cx="371245" cy="316246"/>
+          </a:xfrm>
+          <a:prstGeom prst="rect">
+            <a:avLst/>
+          </a:prstGeom>
+        </p:spPr>
+      </p:pic>
+      <p:sp>
+        <p:nvSpPr>
+          <p:cNvPr id="11" name="TextBox 10">
+            <a:extLst>
+              <a:ext uri="{FF2B5EF4-FFF2-40B4-BE49-F238E27FC236}">
+                <a16:creationId xmlns:a16="http://schemas.microsoft.com/office/drawing/2014/main" id="{1B218905-E7F4-4073-A2EE-D1B447BEA55D}"/>
+              </a:ext>
+            </a:extLst>
+          </p:cNvPr>
+          <p:cNvSpPr txBox="1"/>
+          <p:nvPr/>
+        </p:nvSpPr>
+        <p:spPr>
+          <a:xfrm>
+            <a:off x="2485748" y="91877"/>
+            <a:ext cx="1143262" cy="369332"/>
+          </a:xfrm>
+          <a:prstGeom prst="rect">
+            <a:avLst/>
+          </a:prstGeom>
+          <a:noFill/>
+        </p:spPr>
+        <p:txBody>
+          <a:bodyPr wrap="none" rtlCol="0">
+            <a:spAutoFit/>
+          </a:bodyPr>
+          <a:lstStyle/>
+          <a:p>
+            <a:r>
+              <a:rPr lang="de-DE" b="1" dirty="0">
+                <a:latin typeface="CMU Bright" panose="02000603000000000000" pitchFamily="2" charset="0"/>
+                <a:ea typeface="CMU Bright" panose="02000603000000000000" pitchFamily="2" charset="0"/>
+                <a:cs typeface="CMU Bright" panose="02000603000000000000" pitchFamily="2" charset="0"/>
+              </a:rPr>
+              <a:t>3: HOME</a:t>
+            </a:r>
+          </a:p>
+        </p:txBody>
+      </p:sp>
+      <p:sp>
+        <p:nvSpPr>
+          <p:cNvPr id="12" name="TextBox 11">
+            <a:extLst>
+              <a:ext uri="{FF2B5EF4-FFF2-40B4-BE49-F238E27FC236}">
+                <a16:creationId xmlns:a16="http://schemas.microsoft.com/office/drawing/2014/main" id="{9607DF46-BB65-4A4E-94B9-E27E2B16378B}"/>
+              </a:ext>
+            </a:extLst>
+          </p:cNvPr>
+          <p:cNvSpPr txBox="1"/>
+          <p:nvPr/>
+        </p:nvSpPr>
+        <p:spPr>
+          <a:xfrm>
+            <a:off x="8505013" y="93212"/>
+            <a:ext cx="1172116" cy="369332"/>
+          </a:xfrm>
+          <a:prstGeom prst="rect">
+            <a:avLst/>
+          </a:prstGeom>
+          <a:noFill/>
+        </p:spPr>
+        <p:txBody>
+          <a:bodyPr wrap="none" rtlCol="0">
+            <a:spAutoFit/>
+          </a:bodyPr>
+          <a:lstStyle/>
+          <a:p>
+            <a:r>
+              <a:rPr lang="de-DE" b="1" dirty="0">
+                <a:latin typeface="CMU Bright" panose="02000603000000000000" pitchFamily="2" charset="0"/>
+                <a:ea typeface="CMU Bright" panose="02000603000000000000" pitchFamily="2" charset="0"/>
+                <a:cs typeface="CMU Bright" panose="02000603000000000000" pitchFamily="2" charset="0"/>
+              </a:rPr>
+              <a:t>6: WORK</a:t>
+            </a:r>
+          </a:p>
+        </p:txBody>
+      </p:sp>
+      <p:sp>
+        <p:nvSpPr>
+          <p:cNvPr id="13" name="TextBox 12">
+            <a:extLst>
+              <a:ext uri="{FF2B5EF4-FFF2-40B4-BE49-F238E27FC236}">
+                <a16:creationId xmlns:a16="http://schemas.microsoft.com/office/drawing/2014/main" id="{51F706ED-D253-4361-B8E3-DCDF0572767D}"/>
+              </a:ext>
+            </a:extLst>
+          </p:cNvPr>
+          <p:cNvSpPr txBox="1"/>
+          <p:nvPr/>
+        </p:nvSpPr>
+        <p:spPr>
+          <a:xfrm>
+            <a:off x="2485748" y="3325147"/>
+            <a:ext cx="2570759" cy="369332"/>
+          </a:xfrm>
+          <a:prstGeom prst="rect">
+            <a:avLst/>
+          </a:prstGeom>
+          <a:noFill/>
+        </p:spPr>
+        <p:txBody>
+          <a:bodyPr wrap="square" rtlCol="0">
+            <a:spAutoFit/>
+          </a:bodyPr>
+          <a:lstStyle/>
+          <a:p>
+            <a:r>
+              <a:rPr lang="de-DE" b="1" dirty="0">
+                <a:latin typeface="CMU Bright" panose="02000603000000000000" pitchFamily="2" charset="0"/>
+                <a:ea typeface="CMU Bright" panose="02000603000000000000" pitchFamily="2" charset="0"/>
+                <a:cs typeface="CMU Bright" panose="02000603000000000000" pitchFamily="2" charset="0"/>
+              </a:rPr>
+              <a:t>13: CLUB</a:t>
+            </a:r>
+          </a:p>
+        </p:txBody>
+      </p:sp>
+      <p:pic>
+        <p:nvPicPr>
+          <p:cNvPr id="14" name="Picture 13">
+            <a:extLst>
+              <a:ext uri="{FF2B5EF4-FFF2-40B4-BE49-F238E27FC236}">
+                <a16:creationId xmlns:a16="http://schemas.microsoft.com/office/drawing/2014/main" id="{8923AE8E-C731-4162-AA37-DBC011AD771B}"/>
+              </a:ext>
+            </a:extLst>
+          </p:cNvPr>
+          <p:cNvPicPr>
+            <a:picLocks noChangeAspect="1"/>
+          </p:cNvPicPr>
+          <p:nvPr/>
+        </p:nvPicPr>
+        <p:blipFill>
+          <a:blip r:embed="rId8"/>
+          <a:stretch>
+            <a:fillRect/>
+          </a:stretch>
+        </p:blipFill>
+        <p:spPr>
+          <a:xfrm>
+            <a:off x="5953126" y="3298057"/>
+            <a:ext cx="5605724" cy="3407685"/>
+          </a:xfrm>
+          <a:prstGeom prst="rect">
+            <a:avLst/>
+          </a:prstGeom>
+        </p:spPr>
+      </p:pic>
+      <p:pic>
+        <p:nvPicPr>
+          <p:cNvPr id="2" name="Picture 1">
+            <a:extLst>
+              <a:ext uri="{FF2B5EF4-FFF2-40B4-BE49-F238E27FC236}">
+                <a16:creationId xmlns:a16="http://schemas.microsoft.com/office/drawing/2014/main" id="{4F247592-3BA3-4C34-8DF5-13B94C7694A7}"/>
+              </a:ext>
+            </a:extLst>
+          </p:cNvPr>
+          <p:cNvPicPr>
+            <a:picLocks noChangeAspect="1"/>
+          </p:cNvPicPr>
+          <p:nvPr/>
+        </p:nvPicPr>
+        <p:blipFill>
+          <a:blip r:embed="rId9"/>
+          <a:stretch>
+            <a:fillRect/>
+          </a:stretch>
+        </p:blipFill>
+        <p:spPr>
+          <a:xfrm>
+            <a:off x="11048906" y="3772222"/>
+            <a:ext cx="392596" cy="324907"/>
+          </a:xfrm>
+          <a:prstGeom prst="rect">
+            <a:avLst/>
+          </a:prstGeom>
+        </p:spPr>
+      </p:pic>
+      <p:sp>
+        <p:nvSpPr>
+          <p:cNvPr id="15" name="TextBox 14">
+            <a:extLst>
+              <a:ext uri="{FF2B5EF4-FFF2-40B4-BE49-F238E27FC236}">
+                <a16:creationId xmlns:a16="http://schemas.microsoft.com/office/drawing/2014/main" id="{70A07F5A-B9A2-4280-824D-CE567A596091}"/>
+              </a:ext>
+            </a:extLst>
+          </p:cNvPr>
+          <p:cNvSpPr txBox="1"/>
+          <p:nvPr/>
+        </p:nvSpPr>
+        <p:spPr>
+          <a:xfrm>
+            <a:off x="7877924" y="3279113"/>
+            <a:ext cx="2570759" cy="369332"/>
+          </a:xfrm>
+          <a:prstGeom prst="rect">
+            <a:avLst/>
+          </a:prstGeom>
+          <a:noFill/>
+        </p:spPr>
+        <p:txBody>
+          <a:bodyPr wrap="square" rtlCol="0">
+            <a:spAutoFit/>
+          </a:bodyPr>
+          <a:lstStyle/>
+          <a:p>
+            <a:r>
+              <a:rPr lang="de-DE" b="1" dirty="0">
+                <a:latin typeface="CMU Bright" panose="02000603000000000000" pitchFamily="2" charset="0"/>
+                <a:ea typeface="CMU Bright" panose="02000603000000000000" pitchFamily="2" charset="0"/>
+                <a:cs typeface="CMU Bright" panose="02000603000000000000" pitchFamily="2" charset="0"/>
+              </a:rPr>
+              <a:t>16: SHOPPING MALLS</a:t>
+            </a:r>
+          </a:p>
+        </p:txBody>
+      </p:sp>
+    </p:spTree>
+    <p:extLst>
+      <p:ext uri="{BB962C8B-B14F-4D97-AF65-F5344CB8AC3E}">
+        <p14:creationId xmlns:p14="http://schemas.microsoft.com/office/powerpoint/2010/main" val="4038422381"/>
+      </p:ext>
+    </p:extLst>
+  </p:cSld>
+  <p:clrMapOvr>
+    <a:masterClrMapping/>
+  </p:clrMapOvr>
+</p:sld>
+</file>
+
+<file path=ppt/slides/slide13.xml><?xml version="1.0" encoding="utf-8"?>
+<p:sld xmlns:a="http://schemas.openxmlformats.org/drawingml/2006/main" xmlns:r="http://schemas.openxmlformats.org/officeDocument/2006/relationships" xmlns:p="http://schemas.openxmlformats.org/presentationml/2006/main">
+  <p:cSld>
+    <p:spTree>
+      <p:nvGrpSpPr>
+        <p:cNvPr id="1" name=""/>
+        <p:cNvGrpSpPr/>
+        <p:nvPr/>
+      </p:nvGrpSpPr>
+      <p:grpSpPr>
+        <a:xfrm>
+          <a:off x="0" y="0"/>
+          <a:ext cx="0" cy="0"/>
+          <a:chOff x="0" y="0"/>
+          <a:chExt cx="0" cy="0"/>
+        </a:xfrm>
+      </p:grpSpPr>
+      <p:pic>
+        <p:nvPicPr>
+          <p:cNvPr id="4" name="Picture 3">
+            <a:extLst>
+              <a:ext uri="{FF2B5EF4-FFF2-40B4-BE49-F238E27FC236}">
+                <a16:creationId xmlns:a16="http://schemas.microsoft.com/office/drawing/2014/main" id="{4CF1B81E-AAC1-49B0-AA0A-6E8C9A481E5D}"/>
+              </a:ext>
+            </a:extLst>
+          </p:cNvPr>
+          <p:cNvPicPr>
+            <a:picLocks noChangeAspect="1"/>
+          </p:cNvPicPr>
+          <p:nvPr/>
+        </p:nvPicPr>
+        <p:blipFill>
+          <a:blip r:embed="rId2"/>
+          <a:stretch>
+            <a:fillRect/>
+          </a:stretch>
+        </p:blipFill>
+        <p:spPr>
+          <a:xfrm>
+            <a:off x="6534644" y="1497183"/>
+            <a:ext cx="5174905" cy="3172975"/>
+          </a:xfrm>
+          <a:prstGeom prst="rect">
+            <a:avLst/>
+          </a:prstGeom>
+        </p:spPr>
+      </p:pic>
+      <p:pic>
+        <p:nvPicPr>
+          <p:cNvPr id="3" name="Picture 2">
+            <a:extLst>
+              <a:ext uri="{FF2B5EF4-FFF2-40B4-BE49-F238E27FC236}">
+                <a16:creationId xmlns:a16="http://schemas.microsoft.com/office/drawing/2014/main" id="{BA63577F-BA8D-4177-9E2D-9937B457E78A}"/>
+              </a:ext>
+            </a:extLst>
+          </p:cNvPr>
+          <p:cNvPicPr>
+            <a:picLocks noChangeAspect="1"/>
+          </p:cNvPicPr>
+          <p:nvPr/>
+        </p:nvPicPr>
+        <p:blipFill>
+          <a:blip r:embed="rId3"/>
+          <a:stretch>
+            <a:fillRect/>
+          </a:stretch>
+        </p:blipFill>
+        <p:spPr>
+          <a:xfrm>
+            <a:off x="441245" y="1497183"/>
+            <a:ext cx="5208782" cy="3172975"/>
+          </a:xfrm>
+          <a:prstGeom prst="rect">
+            <a:avLst/>
+          </a:prstGeom>
+        </p:spPr>
+      </p:pic>
+      <p:sp>
+        <p:nvSpPr>
+          <p:cNvPr id="11" name="TextBox 10">
+            <a:extLst>
+              <a:ext uri="{FF2B5EF4-FFF2-40B4-BE49-F238E27FC236}">
+                <a16:creationId xmlns:a16="http://schemas.microsoft.com/office/drawing/2014/main" id="{1B218905-E7F4-4073-A2EE-D1B447BEA55D}"/>
+              </a:ext>
+            </a:extLst>
+          </p:cNvPr>
+          <p:cNvSpPr txBox="1"/>
+          <p:nvPr/>
+        </p:nvSpPr>
+        <p:spPr>
+          <a:xfrm>
+            <a:off x="2127624" y="1476284"/>
+            <a:ext cx="1970411" cy="369332"/>
+          </a:xfrm>
+          <a:prstGeom prst="rect">
+            <a:avLst/>
+          </a:prstGeom>
+          <a:noFill/>
+        </p:spPr>
+        <p:txBody>
+          <a:bodyPr wrap="none" rtlCol="0">
+            <a:spAutoFit/>
+          </a:bodyPr>
+          <a:lstStyle/>
+          <a:p>
+            <a:r>
+              <a:rPr lang="de-DE" b="1" dirty="0">
+                <a:latin typeface="CMU Bright" panose="02000603000000000000" pitchFamily="2" charset="0"/>
+                <a:ea typeface="CMU Bright" panose="02000603000000000000" pitchFamily="2" charset="0"/>
+                <a:cs typeface="CMU Bright" panose="02000603000000000000" pitchFamily="2" charset="0"/>
+              </a:rPr>
+              <a:t>2: RESTAURANT</a:t>
+            </a:r>
+          </a:p>
+        </p:txBody>
+      </p:sp>
+      <p:sp>
+        <p:nvSpPr>
+          <p:cNvPr id="12" name="TextBox 11">
+            <a:extLst>
+              <a:ext uri="{FF2B5EF4-FFF2-40B4-BE49-F238E27FC236}">
+                <a16:creationId xmlns:a16="http://schemas.microsoft.com/office/drawing/2014/main" id="{9607DF46-BB65-4A4E-94B9-E27E2B16378B}"/>
+              </a:ext>
+            </a:extLst>
+          </p:cNvPr>
+          <p:cNvSpPr txBox="1"/>
+          <p:nvPr/>
+        </p:nvSpPr>
+        <p:spPr>
+          <a:xfrm>
+            <a:off x="8257179" y="1476284"/>
+            <a:ext cx="2089033" cy="369332"/>
+          </a:xfrm>
+          <a:prstGeom prst="rect">
+            <a:avLst/>
+          </a:prstGeom>
+          <a:noFill/>
+        </p:spPr>
+        <p:txBody>
+          <a:bodyPr wrap="none" rtlCol="0">
+            <a:spAutoFit/>
+          </a:bodyPr>
+          <a:lstStyle/>
+          <a:p>
+            <a:r>
+              <a:rPr lang="de-DE" b="1" dirty="0">
+                <a:latin typeface="CMU Bright" panose="02000603000000000000" pitchFamily="2" charset="0"/>
+                <a:ea typeface="CMU Bright" panose="02000603000000000000" pitchFamily="2" charset="0"/>
+                <a:cs typeface="CMU Bright" panose="02000603000000000000" pitchFamily="2" charset="0"/>
+              </a:rPr>
+              <a:t>14. RESTAURANT</a:t>
+            </a:r>
+          </a:p>
+        </p:txBody>
+      </p:sp>
+    </p:spTree>
+    <p:extLst>
+      <p:ext uri="{BB962C8B-B14F-4D97-AF65-F5344CB8AC3E}">
+        <p14:creationId xmlns:p14="http://schemas.microsoft.com/office/powerpoint/2010/main" val="2313868120"/>
+      </p:ext>
+    </p:extLst>
+  </p:cSld>
+  <p:clrMapOvr>
+    <a:masterClrMapping/>
+  </p:clrMapOvr>
+</p:sld>
+</file>
+
+<file path=ppt/slides/slide14.xml><?xml version="1.0" encoding="utf-8"?>
+<p:sld xmlns:a="http://schemas.openxmlformats.org/drawingml/2006/main" xmlns:r="http://schemas.openxmlformats.org/officeDocument/2006/relationships" xmlns:p="http://schemas.openxmlformats.org/presentationml/2006/main">
+  <p:cSld>
+    <p:spTree>
+      <p:nvGrpSpPr>
+        <p:cNvPr id="1" name=""/>
+        <p:cNvGrpSpPr/>
+        <p:nvPr/>
+      </p:nvGrpSpPr>
+      <p:grpSpPr>
+        <a:xfrm>
+          <a:off x="0" y="0"/>
+          <a:ext cx="0" cy="0"/>
+          <a:chOff x="0" y="0"/>
+          <a:chExt cx="0" cy="0"/>
+        </a:xfrm>
+      </p:grpSpPr>
+      <p:sp>
+        <p:nvSpPr>
+          <p:cNvPr id="2" name="Title 1">
+            <a:extLst>
+              <a:ext uri="{FF2B5EF4-FFF2-40B4-BE49-F238E27FC236}">
+                <a16:creationId xmlns:a16="http://schemas.microsoft.com/office/drawing/2014/main" id="{D9AA2579-C574-471E-A137-03A224B03B00}"/>
+              </a:ext>
+            </a:extLst>
+          </p:cNvPr>
+          <p:cNvSpPr>
+            <a:spLocks noGrp="1"/>
+          </p:cNvSpPr>
+          <p:nvPr>
+            <p:ph type="title"/>
+          </p:nvPr>
+        </p:nvSpPr>
+        <p:spPr/>
+        <p:txBody>
+          <a:bodyPr/>
+          <a:lstStyle/>
+          <a:p>
+            <a:endParaRPr lang="en-US"/>
+          </a:p>
+        </p:txBody>
+      </p:sp>
+      <p:sp>
+        <p:nvSpPr>
+          <p:cNvPr id="3" name="Content Placeholder 2">
+            <a:extLst>
+              <a:ext uri="{FF2B5EF4-FFF2-40B4-BE49-F238E27FC236}">
+                <a16:creationId xmlns:a16="http://schemas.microsoft.com/office/drawing/2014/main" id="{A40BE009-6387-437E-8F6A-EA79B651C28F}"/>
+              </a:ext>
+            </a:extLst>
+          </p:cNvPr>
+          <p:cNvSpPr>
+            <a:spLocks noGrp="1"/>
+          </p:cNvSpPr>
+          <p:nvPr>
+            <p:ph idx="1"/>
+          </p:nvPr>
+        </p:nvSpPr>
+        <p:spPr>
+          <a:xfrm>
+            <a:off x="491609" y="1932305"/>
+            <a:ext cx="10938392" cy="3249295"/>
+          </a:xfrm>
+        </p:spPr>
+        <p:txBody>
+          <a:bodyPr>
+            <a:normAutofit fontScale="77500" lnSpcReduction="20000"/>
+          </a:bodyPr>
+          <a:lstStyle/>
+          <a:p>
+            <a:r>
+              <a:rPr lang="en-US" dirty="0"/>
+              <a:t>user = "017"</a:t>
+            </a:r>
+          </a:p>
+          <a:p>
+            <a:r>
+              <a:rPr lang="en-US" dirty="0" err="1"/>
+              <a:t>src_path</a:t>
+            </a:r>
+            <a:r>
+              <a:rPr lang="en-US" dirty="0"/>
+              <a:t> = "C:/Users/12sha/Documents/thesislocation/code_/stay points/v0.7 results"</a:t>
+            </a:r>
+          </a:p>
+          <a:p>
+            <a:r>
+              <a:rPr lang="en-US" dirty="0" err="1"/>
+              <a:t>confidence_thrshld</a:t>
+            </a:r>
+            <a:r>
+              <a:rPr lang="en-US" dirty="0"/>
+              <a:t> = 0.1 #minimum confidence for path predictions</a:t>
+            </a:r>
+          </a:p>
+          <a:p>
+            <a:r>
+              <a:rPr lang="en-US" dirty="0"/>
+              <a:t>month = "200906" #model to be used for path predictions</a:t>
+            </a:r>
+          </a:p>
+          <a:p>
+            <a:r>
+              <a:rPr lang="en-US" dirty="0" err="1"/>
+              <a:t>d_thrhld</a:t>
+            </a:r>
+            <a:r>
+              <a:rPr lang="en-US" dirty="0"/>
+              <a:t> = 10</a:t>
+            </a:r>
+          </a:p>
+          <a:p>
+            <a:r>
+              <a:rPr lang="en-US" dirty="0"/>
+              <a:t>hour = 10#</a:t>
+            </a:r>
+          </a:p>
+          <a:p>
+            <a:pPr marL="0" indent="0">
+              <a:buNone/>
+            </a:pPr>
+            <a:r>
+              <a:rPr lang="de-DE" dirty="0" err="1"/>
+              <a:t>Why</a:t>
+            </a:r>
+            <a:r>
+              <a:rPr lang="de-DE" dirty="0"/>
+              <a:t> </a:t>
+            </a:r>
+            <a:r>
+              <a:rPr lang="de-DE" dirty="0" err="1"/>
+              <a:t>from</a:t>
+            </a:r>
+            <a:r>
+              <a:rPr lang="de-DE" dirty="0"/>
+              <a:t> 7 </a:t>
+            </a:r>
+            <a:r>
+              <a:rPr lang="de-DE" dirty="0" err="1"/>
+              <a:t>to</a:t>
+            </a:r>
+            <a:r>
+              <a:rPr lang="de-DE" dirty="0"/>
+              <a:t> 5</a:t>
+            </a:r>
+          </a:p>
+          <a:p>
+            <a:pPr marL="0" indent="0">
+              <a:buNone/>
+            </a:pPr>
+            <a:r>
+              <a:rPr lang="de-DE" dirty="0"/>
+              <a:t>Count </a:t>
+            </a:r>
+            <a:r>
+              <a:rPr lang="de-DE" dirty="0" err="1"/>
+              <a:t>how</a:t>
+            </a:r>
+            <a:r>
+              <a:rPr lang="de-DE" dirty="0"/>
+              <a:t> </a:t>
+            </a:r>
+            <a:r>
+              <a:rPr lang="de-DE" dirty="0" err="1"/>
+              <a:t>many</a:t>
+            </a:r>
+            <a:r>
+              <a:rPr lang="de-DE" dirty="0"/>
+              <a:t> </a:t>
+            </a:r>
+            <a:r>
+              <a:rPr lang="de-DE" dirty="0" err="1"/>
+              <a:t>times</a:t>
+            </a:r>
+            <a:r>
+              <a:rPr lang="de-DE" dirty="0"/>
+              <a:t> </a:t>
+            </a:r>
+            <a:r>
+              <a:rPr lang="de-DE" dirty="0" err="1"/>
+              <a:t>from</a:t>
+            </a:r>
+            <a:r>
+              <a:rPr lang="de-DE" dirty="0"/>
+              <a:t> 7-5 in </a:t>
+            </a:r>
+            <a:r>
+              <a:rPr lang="de-DE" dirty="0" err="1"/>
+              <a:t>next</a:t>
+            </a:r>
+            <a:r>
+              <a:rPr lang="de-DE" dirty="0"/>
+              <a:t> </a:t>
+            </a:r>
+            <a:r>
+              <a:rPr lang="de-DE" dirty="0" err="1"/>
+              <a:t>hour</a:t>
+            </a:r>
+            <a:endParaRPr lang="en-US" dirty="0"/>
+          </a:p>
+          <a:p>
+            <a:endParaRPr lang="en-US" dirty="0"/>
+          </a:p>
+          <a:p>
+            <a:endParaRPr lang="en-US" dirty="0"/>
+          </a:p>
+        </p:txBody>
+      </p:sp>
+      <p:pic>
+        <p:nvPicPr>
+          <p:cNvPr id="4" name="Picture 3">
+            <a:extLst>
+              <a:ext uri="{FF2B5EF4-FFF2-40B4-BE49-F238E27FC236}">
+                <a16:creationId xmlns:a16="http://schemas.microsoft.com/office/drawing/2014/main" id="{07254295-00F5-4E36-B046-FE5ECF9C6A05}"/>
+              </a:ext>
+            </a:extLst>
+          </p:cNvPr>
+          <p:cNvPicPr>
+            <a:picLocks noChangeAspect="1"/>
+          </p:cNvPicPr>
+          <p:nvPr/>
+        </p:nvPicPr>
+        <p:blipFill>
+          <a:blip r:embed="rId2"/>
+          <a:stretch>
+            <a:fillRect/>
+          </a:stretch>
+        </p:blipFill>
+        <p:spPr>
+          <a:xfrm>
+            <a:off x="5527733" y="68580"/>
+            <a:ext cx="3159792" cy="5113020"/>
+          </a:xfrm>
+          <a:prstGeom prst="rect">
+            <a:avLst/>
+          </a:prstGeom>
+        </p:spPr>
+      </p:pic>
+      <p:pic>
+        <p:nvPicPr>
+          <p:cNvPr id="1026" name="Picture 2">
+            <a:extLst>
+              <a:ext uri="{FF2B5EF4-FFF2-40B4-BE49-F238E27FC236}">
+                <a16:creationId xmlns:a16="http://schemas.microsoft.com/office/drawing/2014/main" id="{B096F7CB-4CB5-4E80-BEC3-67090F4FCEA4}"/>
+              </a:ext>
+            </a:extLst>
+          </p:cNvPr>
+          <p:cNvPicPr>
+            <a:picLocks noChangeAspect="1" noChangeArrowheads="1"/>
+          </p:cNvPicPr>
+          <p:nvPr/>
+        </p:nvPicPr>
+        <p:blipFill>
+          <a:blip r:embed="rId3">
+            <a:extLst>
+              <a:ext uri="{28A0092B-C50C-407E-A947-70E740481C1C}">
+                <a14:useLocalDpi xmlns:a14="http://schemas.microsoft.com/office/drawing/2010/main" val="0"/>
+              </a:ext>
+            </a:extLst>
+          </a:blip>
+          <a:srcRect/>
+          <a:stretch>
+            <a:fillRect/>
+          </a:stretch>
+        </p:blipFill>
+        <p:spPr bwMode="auto">
+          <a:xfrm>
+            <a:off x="182880" y="2068830"/>
+            <a:ext cx="11532870" cy="2190696"/>
+          </a:xfrm>
+          <a:prstGeom prst="rect">
+            <a:avLst/>
+          </a:prstGeom>
+          <a:noFill/>
+          <a:extLst>
+            <a:ext uri="{909E8E84-426E-40DD-AFC4-6F175D3DCCD1}">
+              <a14:hiddenFill xmlns:a14="http://schemas.microsoft.com/office/drawing/2010/main">
+                <a:solidFill>
+                  <a:srgbClr val="FFFFFF"/>
+                </a:solidFill>
+              </a14:hiddenFill>
+            </a:ext>
+          </a:extLst>
+        </p:spPr>
+      </p:pic>
+    </p:spTree>
+    <p:extLst>
+      <p:ext uri="{BB962C8B-B14F-4D97-AF65-F5344CB8AC3E}">
+        <p14:creationId xmlns:p14="http://schemas.microsoft.com/office/powerpoint/2010/main" val="654014120"/>
+      </p:ext>
+    </p:extLst>
+  </p:cSld>
+  <p:clrMapOvr>
+    <a:masterClrMapping/>
+  </p:clrMapOvr>
+</p:sld>
+</file>
+
+<file path=ppt/slides/slide15.xml><?xml version="1.0" encoding="utf-8"?>
+<p:sld xmlns:a="http://schemas.openxmlformats.org/drawingml/2006/main" xmlns:r="http://schemas.openxmlformats.org/officeDocument/2006/relationships" xmlns:p="http://schemas.openxmlformats.org/presentationml/2006/main">
+  <p:cSld>
+    <p:spTree>
+      <p:nvGrpSpPr>
+        <p:cNvPr id="1" name=""/>
+        <p:cNvGrpSpPr/>
+        <p:nvPr/>
+      </p:nvGrpSpPr>
+      <p:grpSpPr>
+        <a:xfrm>
+          <a:off x="0" y="0"/>
+          <a:ext cx="0" cy="0"/>
+          <a:chOff x="0" y="0"/>
+          <a:chExt cx="0" cy="0"/>
+        </a:xfrm>
+      </p:grpSpPr>
+      <p:sp>
+        <p:nvSpPr>
+          <p:cNvPr id="2" name="Title 1">
+            <a:extLst>
+              <a:ext uri="{FF2B5EF4-FFF2-40B4-BE49-F238E27FC236}">
+                <a16:creationId xmlns:a16="http://schemas.microsoft.com/office/drawing/2014/main" id="{88DE741C-324A-4456-A94C-1E754A348F3B}"/>
+              </a:ext>
+            </a:extLst>
+          </p:cNvPr>
+          <p:cNvSpPr>
+            <a:spLocks noGrp="1"/>
+          </p:cNvSpPr>
+          <p:nvPr>
+            <p:ph type="title"/>
+          </p:nvPr>
+        </p:nvSpPr>
+        <p:spPr/>
+        <p:txBody>
+          <a:bodyPr/>
+          <a:lstStyle/>
+          <a:p>
+            <a:endParaRPr lang="en-US"/>
+          </a:p>
+        </p:txBody>
+      </p:sp>
+      <p:sp>
+        <p:nvSpPr>
+          <p:cNvPr id="3" name="Content Placeholder 2">
+            <a:extLst>
+              <a:ext uri="{FF2B5EF4-FFF2-40B4-BE49-F238E27FC236}">
+                <a16:creationId xmlns:a16="http://schemas.microsoft.com/office/drawing/2014/main" id="{59B27B81-48A4-40FD-BE06-5132B2531F04}"/>
+              </a:ext>
+            </a:extLst>
+          </p:cNvPr>
+          <p:cNvSpPr>
+            <a:spLocks noGrp="1"/>
+          </p:cNvSpPr>
+          <p:nvPr>
+            <p:ph idx="1"/>
+          </p:nvPr>
+        </p:nvSpPr>
+        <p:spPr/>
+        <p:txBody>
+          <a:bodyPr/>
+          <a:lstStyle/>
+          <a:p>
+            <a:r>
+              <a:rPr lang="de-DE" dirty="0"/>
+              <a:t>Motivation</a:t>
+            </a:r>
+          </a:p>
+          <a:p>
+            <a:r>
+              <a:rPr lang="de-DE" dirty="0" err="1"/>
+              <a:t>Existing</a:t>
+            </a:r>
+            <a:r>
+              <a:rPr lang="de-DE" dirty="0"/>
+              <a:t> </a:t>
+            </a:r>
+            <a:r>
+              <a:rPr lang="de-DE" dirty="0" err="1"/>
+              <a:t>work</a:t>
+            </a:r>
+            <a:endParaRPr lang="de-DE" dirty="0"/>
+          </a:p>
+          <a:p>
+            <a:r>
+              <a:rPr lang="de-DE" dirty="0" err="1"/>
+              <a:t>Contributions</a:t>
+            </a:r>
+            <a:endParaRPr lang="de-DE" dirty="0"/>
+          </a:p>
+          <a:p>
+            <a:r>
+              <a:rPr lang="de-DE" dirty="0"/>
+              <a:t>10-15 </a:t>
+            </a:r>
+            <a:r>
+              <a:rPr lang="de-DE" dirty="0" err="1"/>
+              <a:t>slides</a:t>
+            </a:r>
+            <a:endParaRPr lang="de-DE" dirty="0"/>
+          </a:p>
+          <a:p>
+            <a:endParaRPr lang="en-US" dirty="0"/>
+          </a:p>
+        </p:txBody>
+      </p:sp>
+    </p:spTree>
+    <p:extLst>
+      <p:ext uri="{BB962C8B-B14F-4D97-AF65-F5344CB8AC3E}">
+        <p14:creationId xmlns:p14="http://schemas.microsoft.com/office/powerpoint/2010/main" val="4000194210"/>
+      </p:ext>
+    </p:extLst>
+  </p:cSld>
+  <p:clrMapOvr>
+    <a:masterClrMapping/>
+  </p:clrMapOvr>
+</p:sld>
+</file>
+
+<file path=ppt/slides/slide16.xml><?xml version="1.0" encoding="utf-8"?>
+<p:sld xmlns:a="http://schemas.openxmlformats.org/drawingml/2006/main" xmlns:r="http://schemas.openxmlformats.org/officeDocument/2006/relationships" xmlns:p="http://schemas.openxmlformats.org/presentationml/2006/main">
+  <p:cSld>
+    <p:bg>
+      <p:bgPr>
+        <a:solidFill>
+          <a:schemeClr val="bg1"/>
+        </a:solidFill>
+        <a:effectLst/>
+      </p:bgPr>
+    </p:bg>
+    <p:spTree>
+      <p:nvGrpSpPr>
+        <p:cNvPr id="1" name=""/>
+        <p:cNvGrpSpPr/>
+        <p:nvPr/>
+      </p:nvGrpSpPr>
+      <p:grpSpPr>
+        <a:xfrm>
+          <a:off x="0" y="0"/>
+          <a:ext cx="0" cy="0"/>
+          <a:chOff x="0" y="0"/>
+          <a:chExt cx="0" cy="0"/>
+        </a:xfrm>
+      </p:grpSpPr>
+      <p:sp>
+        <p:nvSpPr>
+          <p:cNvPr id="9" name="Rectangle 8">
+            <a:extLst>
+              <a:ext uri="{FF2B5EF4-FFF2-40B4-BE49-F238E27FC236}">
+                <a16:creationId xmlns:a16="http://schemas.microsoft.com/office/drawing/2014/main" id="{14BFA9FB-A900-4129-B383-8EAD89A91D28}"/>
+              </a:ext>
+            </a:extLst>
+          </p:cNvPr>
+          <p:cNvSpPr/>
+          <p:nvPr/>
+        </p:nvSpPr>
+        <p:spPr>
+          <a:xfrm>
+            <a:off x="585925" y="4141963"/>
+            <a:ext cx="11052699" cy="2577707"/>
+          </a:xfrm>
+          <a:prstGeom prst="rect">
+            <a:avLst/>
+          </a:prstGeom>
+          <a:solidFill>
+            <a:schemeClr val="bg1">
+              <a:lumMod val="95000"/>
+            </a:schemeClr>
+          </a:solidFill>
+          <a:ln>
+            <a:solidFill>
+              <a:schemeClr val="tx1"/>
+            </a:solidFill>
+          </a:ln>
+        </p:spPr>
+        <p:style>
+          <a:lnRef idx="2">
+            <a:schemeClr val="accent1">
+              <a:shade val="50000"/>
+            </a:schemeClr>
+          </a:lnRef>
+          <a:fillRef idx="1">
+            <a:schemeClr val="accent1"/>
+          </a:fillRef>
+          <a:effectRef idx="0">
+            <a:schemeClr val="accent1"/>
+          </a:effectRef>
+          <a:fontRef idx="minor">
+            <a:schemeClr val="lt1"/>
+          </a:fontRef>
+        </p:style>
+        <p:txBody>
+          <a:bodyPr rtlCol="0" anchor="ctr"/>
+          <a:lstStyle/>
+          <a:p>
+            <a:pPr algn="ctr"/>
+            <a:endParaRPr lang="en-US" dirty="0"/>
+          </a:p>
+        </p:txBody>
+      </p:sp>
+      <p:sp>
+        <p:nvSpPr>
+          <p:cNvPr id="6" name="Rectangle 5">
+            <a:extLst>
+              <a:ext uri="{FF2B5EF4-FFF2-40B4-BE49-F238E27FC236}">
+                <a16:creationId xmlns:a16="http://schemas.microsoft.com/office/drawing/2014/main" id="{69A79933-246F-4BF6-B8F1-527072939E76}"/>
+              </a:ext>
+            </a:extLst>
+          </p:cNvPr>
+          <p:cNvSpPr/>
+          <p:nvPr/>
+        </p:nvSpPr>
+        <p:spPr>
+          <a:xfrm>
+            <a:off x="585926" y="1464816"/>
+            <a:ext cx="11052699" cy="2577707"/>
+          </a:xfrm>
+          <a:prstGeom prst="rect">
+            <a:avLst/>
+          </a:prstGeom>
+          <a:solidFill>
+            <a:schemeClr val="bg1">
+              <a:lumMod val="95000"/>
+            </a:schemeClr>
+          </a:solidFill>
+          <a:ln>
+            <a:solidFill>
+              <a:schemeClr val="tx1"/>
+            </a:solidFill>
+          </a:ln>
+        </p:spPr>
+        <p:style>
+          <a:lnRef idx="2">
+            <a:schemeClr val="accent1">
+              <a:shade val="50000"/>
+            </a:schemeClr>
+          </a:lnRef>
+          <a:fillRef idx="1">
+            <a:schemeClr val="accent1"/>
+          </a:fillRef>
+          <a:effectRef idx="0">
+            <a:schemeClr val="accent1"/>
+          </a:effectRef>
+          <a:fontRef idx="minor">
+            <a:schemeClr val="lt1"/>
+          </a:fontRef>
+        </p:style>
+        <p:txBody>
+          <a:bodyPr rtlCol="0" anchor="ctr"/>
+          <a:lstStyle/>
+          <a:p>
+            <a:pPr algn="ctr"/>
+            <a:endParaRPr lang="en-US" dirty="0"/>
+          </a:p>
+        </p:txBody>
+      </p:sp>
+      <p:sp>
+        <p:nvSpPr>
+          <p:cNvPr id="11" name="Rectangle 8">
+            <a:extLst>
+              <a:ext uri="{FF2B5EF4-FFF2-40B4-BE49-F238E27FC236}">
+                <a16:creationId xmlns:a16="http://schemas.microsoft.com/office/drawing/2014/main" id="{96918796-2918-40D6-BE3A-4600C47FCD42}"/>
+              </a:ext>
+              <a:ext uri="{C183D7F6-B498-43B3-948B-1728B52AA6E4}">
+                <adec:decorative xmlns:adec="http://schemas.microsoft.com/office/drawing/2017/decorative" val="1"/>
+              </a:ext>
+            </a:extLst>
+          </p:cNvPr>
+          <p:cNvSpPr>
+            <a:spLocks noGrp="1" noRot="1" noChangeAspect="1" noMove="1" noResize="1" noEditPoints="1" noAdjustHandles="1" noChangeArrowheads="1" noChangeShapeType="1" noTextEdit="1"/>
+          </p:cNvSpPr>
+          <p:nvPr>
+            <p:extLst>
+              <p:ext uri="{386F3935-93C4-4BCD-93E2-E3B085C9AB24}">
+                <p16:designElem xmlns:p16="http://schemas.microsoft.com/office/powerpoint/2015/main" val="1"/>
+              </p:ext>
+            </p:extLst>
+          </p:nvPr>
+        </p:nvSpPr>
+        <p:spPr>
+          <a:xfrm>
+            <a:off x="0" y="651752"/>
+            <a:ext cx="12192000" cy="736551"/>
+          </a:xfrm>
+          <a:prstGeom prst="rect">
+            <a:avLst/>
+          </a:prstGeom>
+          <a:solidFill>
+            <a:schemeClr val="tx1"/>
+          </a:solidFill>
+          <a:ln>
+            <a:noFill/>
+          </a:ln>
+        </p:spPr>
+        <p:style>
+          <a:lnRef idx="2">
+            <a:schemeClr val="accent1">
+              <a:shade val="50000"/>
+            </a:schemeClr>
+          </a:lnRef>
+          <a:fillRef idx="1">
+            <a:schemeClr val="accent1"/>
+          </a:fillRef>
+          <a:effectRef idx="0">
+            <a:schemeClr val="accent1"/>
+          </a:effectRef>
+          <a:fontRef idx="minor">
+            <a:schemeClr val="lt1"/>
+          </a:fontRef>
+        </p:style>
+        <p:txBody>
+          <a:bodyPr rtlCol="0" anchor="ctr"/>
+          <a:lstStyle/>
+          <a:p>
+            <a:pPr marL="0" marR="0" lvl="0" indent="0" algn="ctr" defTabSz="914400" rtl="0" eaLnBrk="1" fontAlgn="auto" latinLnBrk="0" hangingPunct="1">
+              <a:lnSpc>
+                <a:spcPct val="100000"/>
+              </a:lnSpc>
+              <a:spcBef>
+                <a:spcPts val="0"/>
+              </a:spcBef>
+              <a:spcAft>
+                <a:spcPts val="0"/>
+              </a:spcAft>
+              <a:buClrTx/>
+              <a:buSzTx/>
+              <a:buFontTx/>
+              <a:buNone/>
+              <a:tabLst/>
+              <a:defRPr/>
+            </a:pPr>
+            <a:endParaRPr kumimoji="0" lang="en-US" sz="1800" b="0" i="0" u="none" strike="noStrike" kern="1200" cap="none" spc="0" normalizeH="0" baseline="0" noProof="0">
+              <a:ln>
+                <a:noFill/>
+              </a:ln>
+              <a:solidFill>
+                <a:prstClr val="white"/>
+              </a:solidFill>
+              <a:effectLst/>
+              <a:uLnTx/>
+              <a:uFillTx/>
+              <a:latin typeface="Calibri" panose="020F0502020204030204"/>
+              <a:ea typeface="+mn-ea"/>
+              <a:cs typeface="+mn-cs"/>
+            </a:endParaRPr>
+          </a:p>
+        </p:txBody>
+      </p:sp>
+      <p:sp>
+        <p:nvSpPr>
+          <p:cNvPr id="2" name="Title 1">
+            <a:extLst>
+              <a:ext uri="{FF2B5EF4-FFF2-40B4-BE49-F238E27FC236}">
+                <a16:creationId xmlns:a16="http://schemas.microsoft.com/office/drawing/2014/main" id="{0F83C61C-1751-4606-AC65-7C4DBCD56C3F}"/>
+              </a:ext>
+            </a:extLst>
+          </p:cNvPr>
+          <p:cNvSpPr>
+            <a:spLocks noGrp="1"/>
+          </p:cNvSpPr>
+          <p:nvPr>
+            <p:ph type="title"/>
+          </p:nvPr>
+        </p:nvSpPr>
+        <p:spPr>
+          <a:xfrm>
+            <a:off x="838200" y="672747"/>
+            <a:ext cx="10515600" cy="715556"/>
+          </a:xfrm>
+        </p:spPr>
+        <p:txBody>
+          <a:bodyPr>
+            <a:normAutofit/>
+          </a:bodyPr>
+          <a:lstStyle/>
+          <a:p>
+            <a:pPr algn="ctr"/>
+            <a:r>
+              <a:rPr lang="de-DE" sz="3200" dirty="0">
+                <a:solidFill>
+                  <a:schemeClr val="bg1"/>
+                </a:solidFill>
+              </a:rPr>
+              <a:t>Path </a:t>
+            </a:r>
+            <a:r>
+              <a:rPr lang="en-US" sz="3200" dirty="0">
+                <a:solidFill>
+                  <a:schemeClr val="bg1"/>
+                </a:solidFill>
+              </a:rPr>
+              <a:t>Prediction</a:t>
+            </a:r>
+          </a:p>
+        </p:txBody>
+      </p:sp>
+      <p:sp>
+        <p:nvSpPr>
+          <p:cNvPr id="3" name="Content Placeholder 2">
+            <a:extLst>
+              <a:ext uri="{FF2B5EF4-FFF2-40B4-BE49-F238E27FC236}">
+                <a16:creationId xmlns:a16="http://schemas.microsoft.com/office/drawing/2014/main" id="{B31C92A1-0600-4AE3-B715-6E30BBBD80CF}"/>
+              </a:ext>
+            </a:extLst>
+          </p:cNvPr>
+          <p:cNvSpPr>
+            <a:spLocks noGrp="1"/>
+          </p:cNvSpPr>
+          <p:nvPr>
+            <p:ph idx="1"/>
+          </p:nvPr>
+        </p:nvSpPr>
+        <p:spPr>
+          <a:xfrm>
+            <a:off x="1428750" y="1597390"/>
+            <a:ext cx="9334500" cy="870305"/>
+          </a:xfrm>
+        </p:spPr>
+        <p:txBody>
+          <a:bodyPr>
+            <a:normAutofit/>
+          </a:bodyPr>
+          <a:lstStyle/>
+          <a:p>
+            <a:pPr algn="ctr"/>
+            <a:r>
+              <a:rPr lang="en-US" sz="1600" dirty="0"/>
+              <a:t>The known state is „Home“ at  5 am</a:t>
+            </a:r>
+          </a:p>
+          <a:p>
+            <a:pPr algn="ctr"/>
+            <a:r>
+              <a:rPr lang="en-US" sz="1600" dirty="0"/>
+              <a:t>The path with 40% or more confidence can predicted as below</a:t>
+            </a:r>
+          </a:p>
+        </p:txBody>
+      </p:sp>
+      <p:pic>
+        <p:nvPicPr>
+          <p:cNvPr id="4" name="Picture 3">
+            <a:extLst>
+              <a:ext uri="{FF2B5EF4-FFF2-40B4-BE49-F238E27FC236}">
+                <a16:creationId xmlns:a16="http://schemas.microsoft.com/office/drawing/2014/main" id="{3CCB8818-3B42-4570-9A6F-C5DB0CAC6E8B}"/>
+              </a:ext>
+            </a:extLst>
+          </p:cNvPr>
+          <p:cNvPicPr>
+            <a:picLocks noChangeAspect="1"/>
+          </p:cNvPicPr>
+          <p:nvPr/>
+        </p:nvPicPr>
+        <p:blipFill>
+          <a:blip r:embed="rId2"/>
+          <a:stretch>
+            <a:fillRect/>
+          </a:stretch>
+        </p:blipFill>
+        <p:spPr>
+          <a:xfrm>
+            <a:off x="838200" y="2360028"/>
+            <a:ext cx="10515600" cy="1484003"/>
+          </a:xfrm>
+          <a:prstGeom prst="rect">
+            <a:avLst/>
+          </a:prstGeom>
+        </p:spPr>
+      </p:pic>
+      <p:pic>
+        <p:nvPicPr>
+          <p:cNvPr id="5" name="Picture 4">
+            <a:extLst>
+              <a:ext uri="{FF2B5EF4-FFF2-40B4-BE49-F238E27FC236}">
+                <a16:creationId xmlns:a16="http://schemas.microsoft.com/office/drawing/2014/main" id="{CEF62769-BC1C-467B-85BD-D3429429081D}"/>
+              </a:ext>
+            </a:extLst>
+          </p:cNvPr>
+          <p:cNvPicPr>
+            <a:picLocks noChangeAspect="1"/>
+          </p:cNvPicPr>
+          <p:nvPr/>
+        </p:nvPicPr>
+        <p:blipFill>
+          <a:blip r:embed="rId3"/>
+          <a:stretch>
+            <a:fillRect/>
+          </a:stretch>
+        </p:blipFill>
+        <p:spPr>
+          <a:xfrm>
+            <a:off x="838199" y="4813776"/>
+            <a:ext cx="10515601" cy="1783915"/>
+          </a:xfrm>
+          <a:prstGeom prst="rect">
+            <a:avLst/>
+          </a:prstGeom>
+        </p:spPr>
+      </p:pic>
+      <p:sp>
+        <p:nvSpPr>
+          <p:cNvPr id="7" name="Content Placeholder 2">
+            <a:extLst>
+              <a:ext uri="{FF2B5EF4-FFF2-40B4-BE49-F238E27FC236}">
+                <a16:creationId xmlns:a16="http://schemas.microsoft.com/office/drawing/2014/main" id="{59287B9A-FE7C-4344-8A9B-79DEDB28A1A8}"/>
+              </a:ext>
+            </a:extLst>
+          </p:cNvPr>
+          <p:cNvSpPr txBox="1">
+            <a:spLocks/>
+          </p:cNvSpPr>
+          <p:nvPr/>
+        </p:nvSpPr>
+        <p:spPr>
+          <a:xfrm>
+            <a:off x="1428749" y="4141963"/>
+            <a:ext cx="9334500" cy="671813"/>
+          </a:xfrm>
+          <a:prstGeom prst="rect">
+            <a:avLst/>
+          </a:prstGeom>
+        </p:spPr>
+        <p:txBody>
+          <a:bodyPr vert="horz" lIns="91440" tIns="45720" rIns="91440" bIns="45720" rtlCol="0">
+            <a:normAutofit/>
+          </a:bodyPr>
+          <a:lstStyle>
+            <a:lvl1pPr marL="228600" indent="-228600" algn="l" defTabSz="914400" rtl="0" eaLnBrk="1" latinLnBrk="0" hangingPunct="1">
+              <a:lnSpc>
+                <a:spcPct val="90000"/>
+              </a:lnSpc>
+              <a:spcBef>
+                <a:spcPts val="1000"/>
+              </a:spcBef>
+              <a:buFont typeface="Arial" panose="020B0604020202020204" pitchFamily="34" charset="0"/>
+              <a:buChar char="•"/>
+              <a:defRPr sz="2800" kern="1200">
+                <a:solidFill>
+                  <a:schemeClr val="tx1"/>
+                </a:solidFill>
+                <a:latin typeface="+mn-lt"/>
+                <a:ea typeface="+mn-ea"/>
+                <a:cs typeface="+mn-cs"/>
+              </a:defRPr>
+            </a:lvl1pPr>
+            <a:lvl2pPr marL="685800" indent="-228600" algn="l" defTabSz="914400" rtl="0" eaLnBrk="1" latinLnBrk="0" hangingPunct="1">
+              <a:lnSpc>
+                <a:spcPct val="90000"/>
+              </a:lnSpc>
+              <a:spcBef>
+                <a:spcPts val="500"/>
+              </a:spcBef>
+              <a:buFont typeface="Arial" panose="020B0604020202020204" pitchFamily="34" charset="0"/>
+              <a:buChar char="•"/>
+              <a:defRPr sz="2400" kern="1200">
+                <a:solidFill>
+                  <a:schemeClr val="tx1"/>
+                </a:solidFill>
+                <a:latin typeface="+mn-lt"/>
+                <a:ea typeface="+mn-ea"/>
+                <a:cs typeface="+mn-cs"/>
+              </a:defRPr>
+            </a:lvl2pPr>
+            <a:lvl3pPr marL="1143000" indent="-228600" algn="l" defTabSz="914400" rtl="0" eaLnBrk="1" latinLnBrk="0" hangingPunct="1">
+              <a:lnSpc>
+                <a:spcPct val="90000"/>
+              </a:lnSpc>
+              <a:spcBef>
+                <a:spcPts val="500"/>
+              </a:spcBef>
+              <a:buFont typeface="Arial" panose="020B0604020202020204" pitchFamily="34" charset="0"/>
+              <a:buChar char="•"/>
+              <a:defRPr sz="2000" kern="1200">
+                <a:solidFill>
+                  <a:schemeClr val="tx1"/>
+                </a:solidFill>
+                <a:latin typeface="+mn-lt"/>
+                <a:ea typeface="+mn-ea"/>
+                <a:cs typeface="+mn-cs"/>
+              </a:defRPr>
+            </a:lvl3pPr>
+            <a:lvl4pPr marL="1600200" indent="-228600" algn="l" defTabSz="914400" rtl="0" eaLnBrk="1" latinLnBrk="0" hangingPunct="1">
+              <a:lnSpc>
+                <a:spcPct val="90000"/>
+              </a:lnSpc>
+              <a:spcBef>
+                <a:spcPts val="500"/>
+              </a:spcBef>
+              <a:buFont typeface="Arial" panose="020B0604020202020204" pitchFamily="34" charset="0"/>
+              <a:buChar char="•"/>
+              <a:defRPr sz="1800" kern="1200">
+                <a:solidFill>
+                  <a:schemeClr val="tx1"/>
+                </a:solidFill>
+                <a:latin typeface="+mn-lt"/>
+                <a:ea typeface="+mn-ea"/>
+                <a:cs typeface="+mn-cs"/>
+              </a:defRPr>
+            </a:lvl4pPr>
+            <a:lvl5pPr marL="2057400" indent="-228600" algn="l" defTabSz="914400" rtl="0" eaLnBrk="1" latinLnBrk="0" hangingPunct="1">
+              <a:lnSpc>
+                <a:spcPct val="90000"/>
+              </a:lnSpc>
+              <a:spcBef>
+                <a:spcPts val="500"/>
+              </a:spcBef>
+              <a:buFont typeface="Arial" panose="020B0604020202020204" pitchFamily="34" charset="0"/>
+              <a:buChar char="•"/>
+              <a:defRPr sz="1800" kern="1200">
+                <a:solidFill>
+                  <a:schemeClr val="tx1"/>
+                </a:solidFill>
+                <a:latin typeface="+mn-lt"/>
+                <a:ea typeface="+mn-ea"/>
+                <a:cs typeface="+mn-cs"/>
+              </a:defRPr>
+            </a:lvl5pPr>
+            <a:lvl6pPr marL="2514600" indent="-228600" algn="l" defTabSz="914400" rtl="0" eaLnBrk="1" latinLnBrk="0" hangingPunct="1">
+              <a:lnSpc>
+                <a:spcPct val="90000"/>
+              </a:lnSpc>
+              <a:spcBef>
+                <a:spcPts val="500"/>
+              </a:spcBef>
+              <a:buFont typeface="Arial" panose="020B0604020202020204" pitchFamily="34" charset="0"/>
+              <a:buChar char="•"/>
+              <a:defRPr sz="1800" kern="1200">
+                <a:solidFill>
+                  <a:schemeClr val="tx1"/>
+                </a:solidFill>
+                <a:latin typeface="+mn-lt"/>
+                <a:ea typeface="+mn-ea"/>
+                <a:cs typeface="+mn-cs"/>
+              </a:defRPr>
+            </a:lvl6pPr>
+            <a:lvl7pPr marL="2971800" indent="-228600" algn="l" defTabSz="914400" rtl="0" eaLnBrk="1" latinLnBrk="0" hangingPunct="1">
+              <a:lnSpc>
+                <a:spcPct val="90000"/>
+              </a:lnSpc>
+              <a:spcBef>
+                <a:spcPts val="500"/>
+              </a:spcBef>
+              <a:buFont typeface="Arial" panose="020B0604020202020204" pitchFamily="34" charset="0"/>
+              <a:buChar char="•"/>
+              <a:defRPr sz="1800" kern="1200">
+                <a:solidFill>
+                  <a:schemeClr val="tx1"/>
+                </a:solidFill>
+                <a:latin typeface="+mn-lt"/>
+                <a:ea typeface="+mn-ea"/>
+                <a:cs typeface="+mn-cs"/>
+              </a:defRPr>
+            </a:lvl7pPr>
+            <a:lvl8pPr marL="3429000" indent="-228600" algn="l" defTabSz="914400" rtl="0" eaLnBrk="1" latinLnBrk="0" hangingPunct="1">
+              <a:lnSpc>
+                <a:spcPct val="90000"/>
+              </a:lnSpc>
+              <a:spcBef>
+                <a:spcPts val="500"/>
+              </a:spcBef>
+              <a:buFont typeface="Arial" panose="020B0604020202020204" pitchFamily="34" charset="0"/>
+              <a:buChar char="•"/>
+              <a:defRPr sz="1800" kern="1200">
+                <a:solidFill>
+                  <a:schemeClr val="tx1"/>
+                </a:solidFill>
+                <a:latin typeface="+mn-lt"/>
+                <a:ea typeface="+mn-ea"/>
+                <a:cs typeface="+mn-cs"/>
+              </a:defRPr>
+            </a:lvl8pPr>
+            <a:lvl9pPr marL="3886200" indent="-228600" algn="l" defTabSz="914400" rtl="0" eaLnBrk="1" latinLnBrk="0" hangingPunct="1">
+              <a:lnSpc>
+                <a:spcPct val="90000"/>
+              </a:lnSpc>
+              <a:spcBef>
+                <a:spcPts val="500"/>
+              </a:spcBef>
+              <a:buFont typeface="Arial" panose="020B0604020202020204" pitchFamily="34" charset="0"/>
+              <a:buChar char="•"/>
+              <a:defRPr sz="1800" kern="1200">
+                <a:solidFill>
+                  <a:schemeClr val="tx1"/>
+                </a:solidFill>
+                <a:latin typeface="+mn-lt"/>
+                <a:ea typeface="+mn-ea"/>
+                <a:cs typeface="+mn-cs"/>
+              </a:defRPr>
+            </a:lvl9pPr>
+          </a:lstStyle>
+          <a:p>
+            <a:pPr algn="ctr"/>
+            <a:r>
+              <a:rPr lang="en-US" sz="1600" dirty="0"/>
+              <a:t>The known state is „Work“ at 8 am</a:t>
+            </a:r>
+          </a:p>
+          <a:p>
+            <a:pPr algn="ctr"/>
+            <a:r>
+              <a:rPr lang="en-US" sz="1600" dirty="0"/>
+              <a:t>The path with 40% or more confidence can predicted as below</a:t>
+            </a:r>
+          </a:p>
+        </p:txBody>
+      </p:sp>
+    </p:spTree>
+    <p:extLst>
+      <p:ext uri="{BB962C8B-B14F-4D97-AF65-F5344CB8AC3E}">
+        <p14:creationId xmlns:p14="http://schemas.microsoft.com/office/powerpoint/2010/main" val="801831883"/>
+      </p:ext>
+    </p:extLst>
+  </p:cSld>
+  <p:clrMapOvr>
+    <a:masterClrMapping/>
+  </p:clrMapOvr>
+</p:sld>
+</file>
+
+<file path=ppt/slides/slide17.xml><?xml version="1.0" encoding="utf-8"?>
+<p:sld xmlns:a="http://schemas.openxmlformats.org/drawingml/2006/main" xmlns:r="http://schemas.openxmlformats.org/officeDocument/2006/relationships" xmlns:p="http://schemas.openxmlformats.org/presentationml/2006/main">
+  <p:cSld>
+    <p:spTree>
+      <p:nvGrpSpPr>
+        <p:cNvPr id="1" name=""/>
+        <p:cNvGrpSpPr/>
+        <p:nvPr/>
+      </p:nvGrpSpPr>
+      <p:grpSpPr>
+        <a:xfrm>
+          <a:off x="0" y="0"/>
+          <a:ext cx="0" cy="0"/>
+          <a:chOff x="0" y="0"/>
+          <a:chExt cx="0" cy="0"/>
+        </a:xfrm>
+      </p:grpSpPr>
+      <p:sp>
+        <p:nvSpPr>
+          <p:cNvPr id="6" name="Rectangle 5">
+            <a:extLst>
+              <a:ext uri="{FF2B5EF4-FFF2-40B4-BE49-F238E27FC236}">
+                <a16:creationId xmlns:a16="http://schemas.microsoft.com/office/drawing/2014/main" id="{69A79933-246F-4BF6-B8F1-527072939E76}"/>
+              </a:ext>
+            </a:extLst>
+          </p:cNvPr>
+          <p:cNvSpPr/>
+          <p:nvPr/>
+        </p:nvSpPr>
+        <p:spPr>
+          <a:xfrm>
+            <a:off x="569650" y="1766656"/>
+            <a:ext cx="11052699" cy="2956264"/>
+          </a:xfrm>
+          <a:prstGeom prst="rect">
+            <a:avLst/>
+          </a:prstGeom>
+          <a:solidFill>
+            <a:schemeClr val="bg1">
+              <a:lumMod val="95000"/>
+            </a:schemeClr>
+          </a:solidFill>
+          <a:ln>
+            <a:solidFill>
+              <a:schemeClr val="tx1"/>
+            </a:solidFill>
+          </a:ln>
+        </p:spPr>
+        <p:style>
+          <a:lnRef idx="2">
+            <a:schemeClr val="accent1">
+              <a:shade val="50000"/>
+            </a:schemeClr>
+          </a:lnRef>
+          <a:fillRef idx="1">
+            <a:schemeClr val="accent1"/>
+          </a:fillRef>
+          <a:effectRef idx="0">
+            <a:schemeClr val="accent1"/>
+          </a:effectRef>
+          <a:fontRef idx="minor">
+            <a:schemeClr val="lt1"/>
+          </a:fontRef>
+        </p:style>
+        <p:txBody>
+          <a:bodyPr rtlCol="0" anchor="ctr"/>
+          <a:lstStyle/>
+          <a:p>
+            <a:pPr algn="ctr"/>
+            <a:endParaRPr lang="en-US" dirty="0"/>
+          </a:p>
+        </p:txBody>
+      </p:sp>
+      <p:sp>
+        <p:nvSpPr>
+          <p:cNvPr id="2" name="Title 1">
+            <a:extLst>
+              <a:ext uri="{FF2B5EF4-FFF2-40B4-BE49-F238E27FC236}">
+                <a16:creationId xmlns:a16="http://schemas.microsoft.com/office/drawing/2014/main" id="{0F83C61C-1751-4606-AC65-7C4DBCD56C3F}"/>
+              </a:ext>
+            </a:extLst>
+          </p:cNvPr>
+          <p:cNvSpPr>
+            <a:spLocks noGrp="1"/>
+          </p:cNvSpPr>
+          <p:nvPr>
+            <p:ph type="title"/>
+          </p:nvPr>
+        </p:nvSpPr>
+        <p:spPr>
+          <a:xfrm>
+            <a:off x="0" y="529035"/>
+            <a:ext cx="12192000" cy="715556"/>
+          </a:xfrm>
+          <a:solidFill>
+            <a:schemeClr val="tx1"/>
+          </a:solidFill>
+        </p:spPr>
+        <p:txBody>
+          <a:bodyPr>
+            <a:normAutofit/>
+          </a:bodyPr>
+          <a:lstStyle/>
+          <a:p>
+            <a:pPr algn="ctr"/>
+            <a:r>
+              <a:rPr lang="de-DE" sz="3200" dirty="0">
+                <a:solidFill>
+                  <a:schemeClr val="bg1"/>
+                </a:solidFill>
+              </a:rPr>
+              <a:t>Path </a:t>
+            </a:r>
+            <a:r>
+              <a:rPr lang="en-US" sz="3200" dirty="0">
+                <a:solidFill>
+                  <a:schemeClr val="bg1"/>
+                </a:solidFill>
+              </a:rPr>
+              <a:t>Prediction</a:t>
+            </a:r>
+          </a:p>
+        </p:txBody>
+      </p:sp>
+      <p:sp>
+        <p:nvSpPr>
+          <p:cNvPr id="3" name="Content Placeholder 2">
+            <a:extLst>
+              <a:ext uri="{FF2B5EF4-FFF2-40B4-BE49-F238E27FC236}">
+                <a16:creationId xmlns:a16="http://schemas.microsoft.com/office/drawing/2014/main" id="{B31C92A1-0600-4AE3-B715-6E30BBBD80CF}"/>
+              </a:ext>
+            </a:extLst>
+          </p:cNvPr>
+          <p:cNvSpPr>
+            <a:spLocks noGrp="1"/>
+          </p:cNvSpPr>
+          <p:nvPr>
+            <p:ph idx="1"/>
+          </p:nvPr>
+        </p:nvSpPr>
+        <p:spPr>
+          <a:xfrm>
+            <a:off x="1226043" y="2151634"/>
+            <a:ext cx="9334500" cy="870305"/>
+          </a:xfrm>
+        </p:spPr>
+        <p:txBody>
+          <a:bodyPr>
+            <a:normAutofit/>
+          </a:bodyPr>
+          <a:lstStyle/>
+          <a:p>
+            <a:pPr algn="ctr"/>
+            <a:r>
+              <a:rPr lang="en-US" sz="1600" dirty="0"/>
+              <a:t>The known state is „Home“ at 8 am</a:t>
+            </a:r>
+          </a:p>
+          <a:p>
+            <a:pPr algn="ctr"/>
+            <a:r>
+              <a:rPr lang="en-US" sz="1600" dirty="0"/>
+              <a:t>The path with 40% or more confidence can predicted as below</a:t>
+            </a:r>
+          </a:p>
+        </p:txBody>
+      </p:sp>
+      <p:pic>
+        <p:nvPicPr>
+          <p:cNvPr id="8" name="Picture 7">
+            <a:extLst>
+              <a:ext uri="{FF2B5EF4-FFF2-40B4-BE49-F238E27FC236}">
+                <a16:creationId xmlns:a16="http://schemas.microsoft.com/office/drawing/2014/main" id="{6D185564-C89A-4498-B2B9-F778585D05C8}"/>
+              </a:ext>
+            </a:extLst>
+          </p:cNvPr>
+          <p:cNvPicPr>
+            <a:picLocks noChangeAspect="1"/>
+          </p:cNvPicPr>
+          <p:nvPr/>
+        </p:nvPicPr>
+        <p:blipFill>
+          <a:blip r:embed="rId2"/>
+          <a:stretch>
+            <a:fillRect/>
+          </a:stretch>
+        </p:blipFill>
+        <p:spPr>
+          <a:xfrm>
+            <a:off x="707624" y="2932313"/>
+            <a:ext cx="10744200" cy="1506522"/>
+          </a:xfrm>
+          <a:prstGeom prst="rect">
+            <a:avLst/>
+          </a:prstGeom>
+        </p:spPr>
+      </p:pic>
+      <p:sp>
+        <p:nvSpPr>
+          <p:cNvPr id="12" name="TextBox 11">
+            <a:extLst>
+              <a:ext uri="{FF2B5EF4-FFF2-40B4-BE49-F238E27FC236}">
+                <a16:creationId xmlns:a16="http://schemas.microsoft.com/office/drawing/2014/main" id="{B99ACFB9-9E4A-404C-AA45-2339A1550160}"/>
+              </a:ext>
+            </a:extLst>
+          </p:cNvPr>
+          <p:cNvSpPr txBox="1"/>
+          <p:nvPr/>
+        </p:nvSpPr>
+        <p:spPr>
+          <a:xfrm>
+            <a:off x="6361322" y="4862374"/>
+            <a:ext cx="2570759" cy="369332"/>
+          </a:xfrm>
+          <a:prstGeom prst="rect">
+            <a:avLst/>
+          </a:prstGeom>
+          <a:noFill/>
+        </p:spPr>
+        <p:txBody>
+          <a:bodyPr wrap="square" rtlCol="0">
+            <a:spAutoFit/>
+          </a:bodyPr>
+          <a:lstStyle/>
+          <a:p>
+            <a:r>
+              <a:rPr lang="de-DE" dirty="0">
+                <a:latin typeface="CMU Bright" panose="02000603000000000000" pitchFamily="2" charset="0"/>
+                <a:ea typeface="CMU Bright" panose="02000603000000000000" pitchFamily="2" charset="0"/>
+                <a:cs typeface="CMU Bright" panose="02000603000000000000" pitchFamily="2" charset="0"/>
+              </a:rPr>
+              <a:t>16: SHOPPING MALLS</a:t>
+            </a:r>
+          </a:p>
+        </p:txBody>
+      </p:sp>
+      <p:sp>
+        <p:nvSpPr>
+          <p:cNvPr id="13" name="TextBox 12">
+            <a:extLst>
+              <a:ext uri="{FF2B5EF4-FFF2-40B4-BE49-F238E27FC236}">
+                <a16:creationId xmlns:a16="http://schemas.microsoft.com/office/drawing/2014/main" id="{0B092221-C028-48AE-93E5-05BA4B25AF50}"/>
+              </a:ext>
+            </a:extLst>
+          </p:cNvPr>
+          <p:cNvSpPr txBox="1"/>
+          <p:nvPr/>
+        </p:nvSpPr>
+        <p:spPr>
+          <a:xfrm>
+            <a:off x="3076446" y="4862374"/>
+            <a:ext cx="1143262" cy="369332"/>
+          </a:xfrm>
+          <a:prstGeom prst="rect">
+            <a:avLst/>
+          </a:prstGeom>
+          <a:noFill/>
+        </p:spPr>
+        <p:txBody>
+          <a:bodyPr wrap="none" rtlCol="0">
+            <a:spAutoFit/>
+          </a:bodyPr>
+          <a:lstStyle/>
+          <a:p>
+            <a:r>
+              <a:rPr lang="de-DE" dirty="0">
+                <a:latin typeface="CMU Bright" panose="02000603000000000000" pitchFamily="2" charset="0"/>
+                <a:ea typeface="CMU Bright" panose="02000603000000000000" pitchFamily="2" charset="0"/>
+                <a:cs typeface="CMU Bright" panose="02000603000000000000" pitchFamily="2" charset="0"/>
+              </a:rPr>
+              <a:t>3: HOME</a:t>
+            </a:r>
+          </a:p>
+        </p:txBody>
+      </p:sp>
+      <p:cxnSp>
+        <p:nvCxnSpPr>
+          <p:cNvPr id="15" name="Straight Arrow Connector 14">
+            <a:extLst>
+              <a:ext uri="{FF2B5EF4-FFF2-40B4-BE49-F238E27FC236}">
+                <a16:creationId xmlns:a16="http://schemas.microsoft.com/office/drawing/2014/main" id="{E759C806-8145-49C7-94B6-CB37027619EE}"/>
+              </a:ext>
+            </a:extLst>
+          </p:cNvPr>
+          <p:cNvCxnSpPr/>
+          <p:nvPr/>
+        </p:nvCxnSpPr>
+        <p:spPr>
+          <a:xfrm flipH="1">
+            <a:off x="4023064" y="4065973"/>
+            <a:ext cx="727969" cy="796401"/>
+          </a:xfrm>
+          <a:prstGeom prst="straightConnector1">
+            <a:avLst/>
+          </a:prstGeom>
+          <a:ln>
+            <a:tailEnd type="triangle"/>
+          </a:ln>
+        </p:spPr>
+        <p:style>
+          <a:lnRef idx="1">
+            <a:schemeClr val="dk1"/>
+          </a:lnRef>
+          <a:fillRef idx="0">
+            <a:schemeClr val="dk1"/>
+          </a:fillRef>
+          <a:effectRef idx="0">
+            <a:schemeClr val="dk1"/>
+          </a:effectRef>
+          <a:fontRef idx="minor">
+            <a:schemeClr val="tx1"/>
+          </a:fontRef>
+        </p:style>
+      </p:cxnSp>
+      <p:cxnSp>
+        <p:nvCxnSpPr>
+          <p:cNvPr id="17" name="Straight Arrow Connector 16">
+            <a:extLst>
+              <a:ext uri="{FF2B5EF4-FFF2-40B4-BE49-F238E27FC236}">
+                <a16:creationId xmlns:a16="http://schemas.microsoft.com/office/drawing/2014/main" id="{4AA3947C-F426-44A3-966C-230358255B4B}"/>
+              </a:ext>
+            </a:extLst>
+          </p:cNvPr>
+          <p:cNvCxnSpPr/>
+          <p:nvPr/>
+        </p:nvCxnSpPr>
+        <p:spPr>
+          <a:xfrm>
+            <a:off x="5647677" y="3685574"/>
+            <a:ext cx="1091954" cy="1176800"/>
+          </a:xfrm>
+          <a:prstGeom prst="straightConnector1">
+            <a:avLst/>
+          </a:prstGeom>
+          <a:ln>
+            <a:tailEnd type="triangle"/>
+          </a:ln>
+        </p:spPr>
+        <p:style>
+          <a:lnRef idx="1">
+            <a:schemeClr val="dk1"/>
+          </a:lnRef>
+          <a:fillRef idx="0">
+            <a:schemeClr val="dk1"/>
+          </a:fillRef>
+          <a:effectRef idx="0">
+            <a:schemeClr val="dk1"/>
+          </a:effectRef>
+          <a:fontRef idx="minor">
+            <a:schemeClr val="tx1"/>
+          </a:fontRef>
+        </p:style>
+      </p:cxnSp>
+    </p:spTree>
+    <p:extLst>
+      <p:ext uri="{BB962C8B-B14F-4D97-AF65-F5344CB8AC3E}">
+        <p14:creationId xmlns:p14="http://schemas.microsoft.com/office/powerpoint/2010/main" val="4166370682"/>
+      </p:ext>
+    </p:extLst>
+  </p:cSld>
+  <p:clrMapOvr>
+    <a:masterClrMapping/>
+  </p:clrMapOvr>
+</p:sld>
+</file>
+
+<file path=ppt/slides/slide18.xml><?xml version="1.0" encoding="utf-8"?>
+<p:sld xmlns:a="http://schemas.openxmlformats.org/drawingml/2006/main" xmlns:r="http://schemas.openxmlformats.org/officeDocument/2006/relationships" xmlns:p="http://schemas.openxmlformats.org/presentationml/2006/main">
+  <p:cSld>
+    <p:bg>
+      <p:bgPr>
+        <a:solidFill>
+          <a:schemeClr val="bg1"/>
+        </a:solidFill>
+        <a:effectLst/>
+      </p:bgPr>
+    </p:bg>
+    <p:spTree>
+      <p:nvGrpSpPr>
+        <p:cNvPr id="1" name=""/>
+        <p:cNvGrpSpPr/>
+        <p:nvPr/>
+      </p:nvGrpSpPr>
+      <p:grpSpPr>
+        <a:xfrm>
+          <a:off x="0" y="0"/>
+          <a:ext cx="0" cy="0"/>
+          <a:chOff x="0" y="0"/>
+          <a:chExt cx="0" cy="0"/>
+        </a:xfrm>
+      </p:grpSpPr>
+      <p:sp>
+        <p:nvSpPr>
+          <p:cNvPr id="10" name="Rectangle 9">
+            <a:extLst>
+              <a:ext uri="{FF2B5EF4-FFF2-40B4-BE49-F238E27FC236}">
+                <a16:creationId xmlns:a16="http://schemas.microsoft.com/office/drawing/2014/main" id="{6753252F-4873-4F63-801D-CC719279A7D5}"/>
+              </a:ext>
+              <a:ext uri="{C183D7F6-B498-43B3-948B-1728B52AA6E4}">
+                <adec:decorative xmlns:adec="http://schemas.microsoft.com/office/drawing/2017/decorative" val="1"/>
+              </a:ext>
+            </a:extLst>
+          </p:cNvPr>
+          <p:cNvSpPr>
+            <a:spLocks noGrp="1" noRot="1" noChangeAspect="1" noMove="1" noResize="1" noEditPoints="1" noAdjustHandles="1" noChangeArrowheads="1" noChangeShapeType="1" noTextEdit="1"/>
+          </p:cNvSpPr>
+          <p:nvPr>
+            <p:extLst>
+              <p:ext uri="{386F3935-93C4-4BCD-93E2-E3B085C9AB24}">
+                <p16:designElem xmlns:p16="http://schemas.microsoft.com/office/powerpoint/2015/main" val="1"/>
+              </p:ext>
+            </p:extLst>
+          </p:nvPr>
+        </p:nvSpPr>
+        <p:spPr>
+          <a:xfrm>
+            <a:off x="0" y="0"/>
+            <a:ext cx="12192000" cy="6858000"/>
+          </a:xfrm>
+          <a:prstGeom prst="rect">
+            <a:avLst/>
+          </a:prstGeom>
+          <a:solidFill>
+            <a:srgbClr val="FFFFFF"/>
+          </a:solidFill>
+          <a:ln>
+            <a:noFill/>
+          </a:ln>
+        </p:spPr>
+        <p:style>
+          <a:lnRef idx="2">
+            <a:schemeClr val="accent1">
+              <a:shade val="50000"/>
+            </a:schemeClr>
+          </a:lnRef>
+          <a:fillRef idx="1">
+            <a:schemeClr val="accent1"/>
+          </a:fillRef>
+          <a:effectRef idx="0">
+            <a:schemeClr val="accent1"/>
+          </a:effectRef>
+          <a:fontRef idx="minor">
+            <a:schemeClr val="lt1"/>
+          </a:fontRef>
+        </p:style>
+        <p:txBody>
+          <a:bodyPr rtlCol="0" anchor="ctr"/>
+          <a:lstStyle/>
+          <a:p>
+            <a:pPr algn="ctr"/>
+            <a:endParaRPr lang="en-US"/>
+          </a:p>
+        </p:txBody>
+      </p:sp>
+      <p:sp>
+        <p:nvSpPr>
+          <p:cNvPr id="12" name="Rectangle 11">
+            <a:extLst>
+              <a:ext uri="{FF2B5EF4-FFF2-40B4-BE49-F238E27FC236}">
+                <a16:creationId xmlns:a16="http://schemas.microsoft.com/office/drawing/2014/main" id="{047C8CCB-F95D-4249-92DD-651249D3535A}"/>
+              </a:ext>
+              <a:ext uri="{C183D7F6-B498-43B3-948B-1728B52AA6E4}">
+                <adec:decorative xmlns:adec="http://schemas.microsoft.com/office/drawing/2017/decorative" val="1"/>
+              </a:ext>
+            </a:extLst>
+          </p:cNvPr>
+          <p:cNvSpPr>
+            <a:spLocks noGrp="1" noRot="1" noChangeAspect="1" noMove="1" noResize="1" noEditPoints="1" noAdjustHandles="1" noChangeArrowheads="1" noChangeShapeType="1" noTextEdit="1"/>
+          </p:cNvSpPr>
+          <p:nvPr>
+            <p:extLst>
+              <p:ext uri="{386F3935-93C4-4BCD-93E2-E3B085C9AB24}">
+                <p16:designElem xmlns:p16="http://schemas.microsoft.com/office/powerpoint/2015/main" val="1"/>
+              </p:ext>
+            </p:extLst>
+          </p:nvPr>
+        </p:nvSpPr>
+        <p:spPr>
+          <a:xfrm>
+            <a:off x="0" y="0"/>
+            <a:ext cx="2013557" cy="6858000"/>
+          </a:xfrm>
+          <a:prstGeom prst="rect">
+            <a:avLst/>
+          </a:prstGeom>
+          <a:solidFill>
+            <a:srgbClr val="51513B"/>
+          </a:solidFill>
+          <a:ln>
+            <a:noFill/>
+          </a:ln>
+        </p:spPr>
+        <p:style>
+          <a:lnRef idx="2">
+            <a:schemeClr val="accent1">
+              <a:shade val="50000"/>
+            </a:schemeClr>
+          </a:lnRef>
+          <a:fillRef idx="1">
+            <a:schemeClr val="accent1"/>
+          </a:fillRef>
+          <a:effectRef idx="0">
+            <a:schemeClr val="accent1"/>
+          </a:effectRef>
+          <a:fontRef idx="minor">
+            <a:schemeClr val="lt1"/>
+          </a:fontRef>
+        </p:style>
+        <p:txBody>
+          <a:bodyPr rtlCol="0" anchor="ctr"/>
+          <a:lstStyle/>
+          <a:p>
+            <a:pPr algn="ctr"/>
+            <a:endParaRPr lang="en-US"/>
+          </a:p>
+        </p:txBody>
+      </p:sp>
+      <p:sp>
+        <p:nvSpPr>
+          <p:cNvPr id="2" name="Title 1">
+            <a:extLst>
+              <a:ext uri="{FF2B5EF4-FFF2-40B4-BE49-F238E27FC236}">
+                <a16:creationId xmlns:a16="http://schemas.microsoft.com/office/drawing/2014/main" id="{3760F8A1-A61F-4031-A50C-09202ABEA9DB}"/>
+              </a:ext>
+            </a:extLst>
+          </p:cNvPr>
+          <p:cNvSpPr>
+            <a:spLocks noGrp="1"/>
+          </p:cNvSpPr>
+          <p:nvPr>
+            <p:ph type="title"/>
+          </p:nvPr>
+        </p:nvSpPr>
+        <p:spPr>
+          <a:xfrm>
+            <a:off x="640080" y="2074363"/>
+            <a:ext cx="2752354" cy="2709275"/>
+          </a:xfrm>
+          <a:prstGeom prst="ellipse">
+            <a:avLst/>
+          </a:prstGeom>
+          <a:solidFill>
+            <a:srgbClr val="262626"/>
+          </a:solidFill>
+          <a:ln w="174625" cmpd="thinThick">
+            <a:solidFill>
+              <a:srgbClr val="262626"/>
+            </a:solidFill>
+          </a:ln>
+        </p:spPr>
+        <p:txBody>
+          <a:bodyPr vert="horz" lIns="91440" tIns="45720" rIns="91440" bIns="45720" rtlCol="0" anchor="ctr">
+            <a:normAutofit/>
+          </a:bodyPr>
+          <a:lstStyle/>
+          <a:p>
+            <a:pPr algn="ctr"/>
+            <a:r>
+              <a:rPr lang="en-US" sz="2600" kern="1200" dirty="0">
+                <a:solidFill>
+                  <a:srgbClr val="FFFFFF"/>
+                </a:solidFill>
+                <a:latin typeface="+mj-lt"/>
+                <a:ea typeface="+mj-ea"/>
+                <a:cs typeface="+mj-cs"/>
+              </a:rPr>
+              <a:t>User </a:t>
+            </a:r>
+            <a:r>
+              <a:rPr lang="en-US" sz="2600" dirty="0">
+                <a:solidFill>
+                  <a:srgbClr val="FFFFFF"/>
+                </a:solidFill>
+              </a:rPr>
+              <a:t>2</a:t>
+            </a:r>
+            <a:r>
+              <a:rPr lang="en-US" sz="2600" kern="1200" dirty="0">
+                <a:solidFill>
+                  <a:srgbClr val="FFFFFF"/>
+                </a:solidFill>
+                <a:latin typeface="+mj-lt"/>
+                <a:ea typeface="+mj-ea"/>
+                <a:cs typeface="+mj-cs"/>
+              </a:rPr>
+              <a:t> (200811)</a:t>
+            </a:r>
+          </a:p>
+        </p:txBody>
+      </p:sp>
+      <p:pic>
+        <p:nvPicPr>
+          <p:cNvPr id="5" name="Picture 4">
+            <a:extLst>
+              <a:ext uri="{FF2B5EF4-FFF2-40B4-BE49-F238E27FC236}">
+                <a16:creationId xmlns:a16="http://schemas.microsoft.com/office/drawing/2014/main" id="{A1B10AE1-0DA9-4134-B1DA-8F272DB5AA1A}"/>
+              </a:ext>
+            </a:extLst>
+          </p:cNvPr>
+          <p:cNvPicPr>
+            <a:picLocks noChangeAspect="1"/>
+          </p:cNvPicPr>
+          <p:nvPr/>
+        </p:nvPicPr>
+        <p:blipFill>
+          <a:blip r:embed="rId2">
+            <a:extLst>
+              <a:ext uri="{28A0092B-C50C-407E-A947-70E740481C1C}">
+                <a14:useLocalDpi xmlns:a14="http://schemas.microsoft.com/office/drawing/2010/main" val="0"/>
+              </a:ext>
+            </a:extLst>
+          </a:blip>
+          <a:stretch>
+            <a:fillRect/>
+          </a:stretch>
+        </p:blipFill>
+        <p:spPr>
+          <a:xfrm>
+            <a:off x="3480047" y="0"/>
+            <a:ext cx="8711953" cy="6858000"/>
+          </a:xfrm>
+          <a:prstGeom prst="rect">
+            <a:avLst/>
+          </a:prstGeom>
+        </p:spPr>
+      </p:pic>
+      <p:pic>
+        <p:nvPicPr>
+          <p:cNvPr id="11" name="Picture 10">
+            <a:extLst>
+              <a:ext uri="{FF2B5EF4-FFF2-40B4-BE49-F238E27FC236}">
+                <a16:creationId xmlns:a16="http://schemas.microsoft.com/office/drawing/2014/main" id="{DC974DA5-E2E5-4944-8259-A2BF984562CD}"/>
+              </a:ext>
+            </a:extLst>
+          </p:cNvPr>
+          <p:cNvPicPr>
+            <a:picLocks noChangeAspect="1"/>
+          </p:cNvPicPr>
+          <p:nvPr/>
+        </p:nvPicPr>
+        <p:blipFill>
+          <a:blip r:embed="rId2">
+            <a:extLst>
+              <a:ext uri="{28A0092B-C50C-407E-A947-70E740481C1C}">
+                <a14:useLocalDpi xmlns:a14="http://schemas.microsoft.com/office/drawing/2010/main" val="0"/>
+              </a:ext>
+            </a:extLst>
+          </a:blip>
+          <a:stretch>
+            <a:fillRect/>
+          </a:stretch>
+        </p:blipFill>
+        <p:spPr>
+          <a:xfrm>
+            <a:off x="3632447" y="152400"/>
+            <a:ext cx="8711953" cy="6858000"/>
+          </a:xfrm>
+          <a:prstGeom prst="rect">
+            <a:avLst/>
+          </a:prstGeom>
+        </p:spPr>
+      </p:pic>
+    </p:spTree>
+    <p:extLst>
+      <p:ext uri="{BB962C8B-B14F-4D97-AF65-F5344CB8AC3E}">
+        <p14:creationId xmlns:p14="http://schemas.microsoft.com/office/powerpoint/2010/main" val="3035141194"/>
+      </p:ext>
+    </p:extLst>
+  </p:cSld>
+  <p:clrMapOvr>
+    <a:masterClrMapping/>
+  </p:clrMapOvr>
+</p:sld>
+</file>
+
+<file path=ppt/slides/slide19.xml><?xml version="1.0" encoding="utf-8"?>
+<p:sld xmlns:a="http://schemas.openxmlformats.org/drawingml/2006/main" xmlns:r="http://schemas.openxmlformats.org/officeDocument/2006/relationships" xmlns:p="http://schemas.openxmlformats.org/presentationml/2006/main">
+  <p:cSld>
+    <p:bg>
+      <p:bgPr>
+        <a:solidFill>
+          <a:schemeClr val="bg1"/>
+        </a:solidFill>
+        <a:effectLst/>
+      </p:bgPr>
+    </p:bg>
+    <p:spTree>
+      <p:nvGrpSpPr>
+        <p:cNvPr id="1" name=""/>
+        <p:cNvGrpSpPr/>
+        <p:nvPr/>
+      </p:nvGrpSpPr>
+      <p:grpSpPr>
+        <a:xfrm>
+          <a:off x="0" y="0"/>
+          <a:ext cx="0" cy="0"/>
+          <a:chOff x="0" y="0"/>
+          <a:chExt cx="0" cy="0"/>
+        </a:xfrm>
+      </p:grpSpPr>
+      <p:sp>
+        <p:nvSpPr>
+          <p:cNvPr id="9" name="Rectangle 8">
+            <a:extLst>
+              <a:ext uri="{FF2B5EF4-FFF2-40B4-BE49-F238E27FC236}">
+                <a16:creationId xmlns:a16="http://schemas.microsoft.com/office/drawing/2014/main" id="{6753252F-4873-4F63-801D-CC719279A7D5}"/>
+              </a:ext>
+              <a:ext uri="{C183D7F6-B498-43B3-948B-1728B52AA6E4}">
+                <adec:decorative xmlns:adec="http://schemas.microsoft.com/office/drawing/2017/decorative" val="1"/>
+              </a:ext>
+            </a:extLst>
+          </p:cNvPr>
+          <p:cNvSpPr>
+            <a:spLocks noGrp="1" noRot="1" noChangeAspect="1" noMove="1" noResize="1" noEditPoints="1" noAdjustHandles="1" noChangeArrowheads="1" noChangeShapeType="1" noTextEdit="1"/>
+          </p:cNvSpPr>
+          <p:nvPr>
+            <p:extLst>
+              <p:ext uri="{386F3935-93C4-4BCD-93E2-E3B085C9AB24}">
+                <p16:designElem xmlns:p16="http://schemas.microsoft.com/office/powerpoint/2015/main" val="1"/>
+              </p:ext>
+            </p:extLst>
+          </p:nvPr>
+        </p:nvSpPr>
+        <p:spPr>
+          <a:xfrm>
+            <a:off x="0" y="0"/>
+            <a:ext cx="12192000" cy="6858000"/>
+          </a:xfrm>
+          <a:prstGeom prst="rect">
+            <a:avLst/>
+          </a:prstGeom>
+          <a:solidFill>
+            <a:srgbClr val="FFFFFF"/>
+          </a:solidFill>
+          <a:ln>
+            <a:noFill/>
+          </a:ln>
+        </p:spPr>
+        <p:style>
+          <a:lnRef idx="2">
+            <a:schemeClr val="accent1">
+              <a:shade val="50000"/>
+            </a:schemeClr>
+          </a:lnRef>
+          <a:fillRef idx="1">
+            <a:schemeClr val="accent1"/>
+          </a:fillRef>
+          <a:effectRef idx="0">
+            <a:schemeClr val="accent1"/>
+          </a:effectRef>
+          <a:fontRef idx="minor">
+            <a:schemeClr val="lt1"/>
+          </a:fontRef>
+        </p:style>
+        <p:txBody>
+          <a:bodyPr rtlCol="0" anchor="ctr"/>
+          <a:lstStyle/>
+          <a:p>
+            <a:pPr algn="ctr"/>
+            <a:endParaRPr lang="en-US"/>
+          </a:p>
+        </p:txBody>
+      </p:sp>
+      <p:sp>
+        <p:nvSpPr>
+          <p:cNvPr id="11" name="Rectangle 10">
+            <a:extLst>
+              <a:ext uri="{FF2B5EF4-FFF2-40B4-BE49-F238E27FC236}">
+                <a16:creationId xmlns:a16="http://schemas.microsoft.com/office/drawing/2014/main" id="{047C8CCB-F95D-4249-92DD-651249D3535A}"/>
+              </a:ext>
+              <a:ext uri="{C183D7F6-B498-43B3-948B-1728B52AA6E4}">
+                <adec:decorative xmlns:adec="http://schemas.microsoft.com/office/drawing/2017/decorative" val="1"/>
+              </a:ext>
+            </a:extLst>
+          </p:cNvPr>
+          <p:cNvSpPr>
+            <a:spLocks noGrp="1" noRot="1" noChangeAspect="1" noMove="1" noResize="1" noEditPoints="1" noAdjustHandles="1" noChangeArrowheads="1" noChangeShapeType="1" noTextEdit="1"/>
+          </p:cNvSpPr>
+          <p:nvPr>
+            <p:extLst>
+              <p:ext uri="{386F3935-93C4-4BCD-93E2-E3B085C9AB24}">
+                <p16:designElem xmlns:p16="http://schemas.microsoft.com/office/powerpoint/2015/main" val="1"/>
+              </p:ext>
+            </p:extLst>
+          </p:nvPr>
+        </p:nvSpPr>
+        <p:spPr>
+          <a:xfrm>
+            <a:off x="0" y="0"/>
+            <a:ext cx="2013557" cy="6858000"/>
+          </a:xfrm>
+          <a:prstGeom prst="rect">
+            <a:avLst/>
+          </a:prstGeom>
+          <a:solidFill>
+            <a:srgbClr val="5C3F48"/>
+          </a:solidFill>
+          <a:ln>
+            <a:noFill/>
+          </a:ln>
+        </p:spPr>
+        <p:style>
+          <a:lnRef idx="2">
+            <a:schemeClr val="accent1">
+              <a:shade val="50000"/>
+            </a:schemeClr>
+          </a:lnRef>
+          <a:fillRef idx="1">
+            <a:schemeClr val="accent1"/>
+          </a:fillRef>
+          <a:effectRef idx="0">
+            <a:schemeClr val="accent1"/>
+          </a:effectRef>
+          <a:fontRef idx="minor">
+            <a:schemeClr val="lt1"/>
+          </a:fontRef>
+        </p:style>
+        <p:txBody>
+          <a:bodyPr rtlCol="0" anchor="ctr"/>
+          <a:lstStyle/>
+          <a:p>
+            <a:pPr algn="ctr"/>
+            <a:endParaRPr lang="en-US"/>
+          </a:p>
+        </p:txBody>
+      </p:sp>
+      <p:sp>
+        <p:nvSpPr>
+          <p:cNvPr id="2" name="Title 1">
+            <a:extLst>
+              <a:ext uri="{FF2B5EF4-FFF2-40B4-BE49-F238E27FC236}">
+                <a16:creationId xmlns:a16="http://schemas.microsoft.com/office/drawing/2014/main" id="{3760F8A1-A61F-4031-A50C-09202ABEA9DB}"/>
+              </a:ext>
+            </a:extLst>
+          </p:cNvPr>
+          <p:cNvSpPr>
+            <a:spLocks noGrp="1"/>
+          </p:cNvSpPr>
+          <p:nvPr>
+            <p:ph type="title"/>
+          </p:nvPr>
+        </p:nvSpPr>
+        <p:spPr>
+          <a:xfrm>
+            <a:off x="640080" y="2074363"/>
+            <a:ext cx="2752354" cy="2709275"/>
+          </a:xfrm>
+          <a:prstGeom prst="ellipse">
+            <a:avLst/>
+          </a:prstGeom>
+          <a:solidFill>
+            <a:srgbClr val="262626"/>
+          </a:solidFill>
+          <a:ln w="174625" cmpd="thinThick">
+            <a:solidFill>
+              <a:srgbClr val="262626"/>
+            </a:solidFill>
+          </a:ln>
+        </p:spPr>
+        <p:txBody>
+          <a:bodyPr vert="horz" lIns="91440" tIns="45720" rIns="91440" bIns="45720" rtlCol="0" anchor="ctr">
+            <a:normAutofit/>
+          </a:bodyPr>
+          <a:lstStyle/>
+          <a:p>
+            <a:pPr algn="ctr"/>
+            <a:r>
+              <a:rPr lang="en-US" sz="2600" kern="1200" dirty="0">
+                <a:solidFill>
+                  <a:srgbClr val="FFFFFF"/>
+                </a:solidFill>
+                <a:latin typeface="+mj-lt"/>
+                <a:ea typeface="+mj-ea"/>
+                <a:cs typeface="+mj-cs"/>
+              </a:rPr>
+              <a:t>User 12 (200811)</a:t>
+            </a:r>
+          </a:p>
+        </p:txBody>
+      </p:sp>
+      <p:pic>
+        <p:nvPicPr>
+          <p:cNvPr id="4" name="Picture 3">
+            <a:extLst>
+              <a:ext uri="{FF2B5EF4-FFF2-40B4-BE49-F238E27FC236}">
+                <a16:creationId xmlns:a16="http://schemas.microsoft.com/office/drawing/2014/main" id="{6B5617A2-1090-4DC2-9CFE-1C11B83F8945}"/>
+              </a:ext>
+            </a:extLst>
+          </p:cNvPr>
+          <p:cNvPicPr>
+            <a:picLocks noChangeAspect="1"/>
+          </p:cNvPicPr>
+          <p:nvPr/>
+        </p:nvPicPr>
+        <p:blipFill>
+          <a:blip r:embed="rId2">
+            <a:extLst>
+              <a:ext uri="{28A0092B-C50C-407E-A947-70E740481C1C}">
+                <a14:useLocalDpi xmlns:a14="http://schemas.microsoft.com/office/drawing/2010/main" val="0"/>
+              </a:ext>
+            </a:extLst>
+          </a:blip>
+          <a:stretch>
+            <a:fillRect/>
+          </a:stretch>
+        </p:blipFill>
+        <p:spPr>
+          <a:xfrm>
+            <a:off x="3600450" y="0"/>
+            <a:ext cx="8591550" cy="6858000"/>
+          </a:xfrm>
+          <a:prstGeom prst="rect">
+            <a:avLst/>
+          </a:prstGeom>
+        </p:spPr>
+      </p:pic>
+    </p:spTree>
+    <p:extLst>
+      <p:ext uri="{BB962C8B-B14F-4D97-AF65-F5344CB8AC3E}">
+        <p14:creationId xmlns:p14="http://schemas.microsoft.com/office/powerpoint/2010/main" val="2220609984"/>
       </p:ext>
     </p:extLst>
   </p:cSld>
@@ -6236,6 +9419,287 @@
 </p:sld>
 </file>
 
+<file path=ppt/slides/slide20.xml><?xml version="1.0" encoding="utf-8"?>
+<p:sld xmlns:a="http://schemas.openxmlformats.org/drawingml/2006/main" xmlns:r="http://schemas.openxmlformats.org/officeDocument/2006/relationships" xmlns:p="http://schemas.openxmlformats.org/presentationml/2006/main">
+  <p:cSld>
+    <p:bg>
+      <p:bgPr>
+        <a:solidFill>
+          <a:schemeClr val="bg1"/>
+        </a:solidFill>
+        <a:effectLst/>
+      </p:bgPr>
+    </p:bg>
+    <p:spTree>
+      <p:nvGrpSpPr>
+        <p:cNvPr id="1" name=""/>
+        <p:cNvGrpSpPr/>
+        <p:nvPr/>
+      </p:nvGrpSpPr>
+      <p:grpSpPr>
+        <a:xfrm>
+          <a:off x="0" y="0"/>
+          <a:ext cx="0" cy="0"/>
+          <a:chOff x="0" y="0"/>
+          <a:chExt cx="0" cy="0"/>
+        </a:xfrm>
+      </p:grpSpPr>
+      <p:sp>
+        <p:nvSpPr>
+          <p:cNvPr id="10" name="Rectangle 9">
+            <a:extLst>
+              <a:ext uri="{FF2B5EF4-FFF2-40B4-BE49-F238E27FC236}">
+                <a16:creationId xmlns:a16="http://schemas.microsoft.com/office/drawing/2014/main" id="{6753252F-4873-4F63-801D-CC719279A7D5}"/>
+              </a:ext>
+              <a:ext uri="{C183D7F6-B498-43B3-948B-1728B52AA6E4}">
+                <adec:decorative xmlns:adec="http://schemas.microsoft.com/office/drawing/2017/decorative" val="1"/>
+              </a:ext>
+            </a:extLst>
+          </p:cNvPr>
+          <p:cNvSpPr>
+            <a:spLocks noGrp="1" noRot="1" noChangeAspect="1" noMove="1" noResize="1" noEditPoints="1" noAdjustHandles="1" noChangeArrowheads="1" noChangeShapeType="1" noTextEdit="1"/>
+          </p:cNvSpPr>
+          <p:nvPr>
+            <p:extLst>
+              <p:ext uri="{386F3935-93C4-4BCD-93E2-E3B085C9AB24}">
+                <p16:designElem xmlns:p16="http://schemas.microsoft.com/office/powerpoint/2015/main" val="1"/>
+              </p:ext>
+            </p:extLst>
+          </p:nvPr>
+        </p:nvSpPr>
+        <p:spPr>
+          <a:xfrm>
+            <a:off x="0" y="0"/>
+            <a:ext cx="12192000" cy="6858000"/>
+          </a:xfrm>
+          <a:prstGeom prst="rect">
+            <a:avLst/>
+          </a:prstGeom>
+          <a:solidFill>
+            <a:srgbClr val="FFFFFF"/>
+          </a:solidFill>
+          <a:ln>
+            <a:noFill/>
+          </a:ln>
+        </p:spPr>
+        <p:style>
+          <a:lnRef idx="2">
+            <a:schemeClr val="accent1">
+              <a:shade val="50000"/>
+            </a:schemeClr>
+          </a:lnRef>
+          <a:fillRef idx="1">
+            <a:schemeClr val="accent1"/>
+          </a:fillRef>
+          <a:effectRef idx="0">
+            <a:schemeClr val="accent1"/>
+          </a:effectRef>
+          <a:fontRef idx="minor">
+            <a:schemeClr val="lt1"/>
+          </a:fontRef>
+        </p:style>
+        <p:txBody>
+          <a:bodyPr rtlCol="0" anchor="ctr"/>
+          <a:lstStyle/>
+          <a:p>
+            <a:pPr algn="ctr"/>
+            <a:endParaRPr lang="en-US"/>
+          </a:p>
+        </p:txBody>
+      </p:sp>
+      <p:sp>
+        <p:nvSpPr>
+          <p:cNvPr id="12" name="Rectangle 11">
+            <a:extLst>
+              <a:ext uri="{FF2B5EF4-FFF2-40B4-BE49-F238E27FC236}">
+                <a16:creationId xmlns:a16="http://schemas.microsoft.com/office/drawing/2014/main" id="{047C8CCB-F95D-4249-92DD-651249D3535A}"/>
+              </a:ext>
+              <a:ext uri="{C183D7F6-B498-43B3-948B-1728B52AA6E4}">
+                <adec:decorative xmlns:adec="http://schemas.microsoft.com/office/drawing/2017/decorative" val="1"/>
+              </a:ext>
+            </a:extLst>
+          </p:cNvPr>
+          <p:cNvSpPr>
+            <a:spLocks noGrp="1" noRot="1" noChangeAspect="1" noMove="1" noResize="1" noEditPoints="1" noAdjustHandles="1" noChangeArrowheads="1" noChangeShapeType="1" noTextEdit="1"/>
+          </p:cNvSpPr>
+          <p:nvPr>
+            <p:extLst>
+              <p:ext uri="{386F3935-93C4-4BCD-93E2-E3B085C9AB24}">
+                <p16:designElem xmlns:p16="http://schemas.microsoft.com/office/powerpoint/2015/main" val="1"/>
+              </p:ext>
+            </p:extLst>
+          </p:nvPr>
+        </p:nvSpPr>
+        <p:spPr>
+          <a:xfrm>
+            <a:off x="0" y="0"/>
+            <a:ext cx="2013557" cy="6858000"/>
+          </a:xfrm>
+          <a:prstGeom prst="rect">
+            <a:avLst/>
+          </a:prstGeom>
+          <a:solidFill>
+            <a:srgbClr val="424E5D"/>
+          </a:solidFill>
+          <a:ln>
+            <a:noFill/>
+          </a:ln>
+        </p:spPr>
+        <p:style>
+          <a:lnRef idx="2">
+            <a:schemeClr val="accent1">
+              <a:shade val="50000"/>
+            </a:schemeClr>
+          </a:lnRef>
+          <a:fillRef idx="1">
+            <a:schemeClr val="accent1"/>
+          </a:fillRef>
+          <a:effectRef idx="0">
+            <a:schemeClr val="accent1"/>
+          </a:effectRef>
+          <a:fontRef idx="minor">
+            <a:schemeClr val="lt1"/>
+          </a:fontRef>
+        </p:style>
+        <p:txBody>
+          <a:bodyPr rtlCol="0" anchor="ctr"/>
+          <a:lstStyle/>
+          <a:p>
+            <a:pPr algn="ctr"/>
+            <a:endParaRPr lang="en-US"/>
+          </a:p>
+        </p:txBody>
+      </p:sp>
+      <p:sp>
+        <p:nvSpPr>
+          <p:cNvPr id="2" name="Title 1">
+            <a:extLst>
+              <a:ext uri="{FF2B5EF4-FFF2-40B4-BE49-F238E27FC236}">
+                <a16:creationId xmlns:a16="http://schemas.microsoft.com/office/drawing/2014/main" id="{3760F8A1-A61F-4031-A50C-09202ABEA9DB}"/>
+              </a:ext>
+            </a:extLst>
+          </p:cNvPr>
+          <p:cNvSpPr>
+            <a:spLocks noGrp="1"/>
+          </p:cNvSpPr>
+          <p:nvPr>
+            <p:ph type="title"/>
+          </p:nvPr>
+        </p:nvSpPr>
+        <p:spPr>
+          <a:xfrm>
+            <a:off x="640080" y="2074363"/>
+            <a:ext cx="2752354" cy="2709275"/>
+          </a:xfrm>
+          <a:prstGeom prst="ellipse">
+            <a:avLst/>
+          </a:prstGeom>
+          <a:solidFill>
+            <a:srgbClr val="262626"/>
+          </a:solidFill>
+          <a:ln w="174625" cmpd="thinThick">
+            <a:solidFill>
+              <a:srgbClr val="262626"/>
+            </a:solidFill>
+          </a:ln>
+        </p:spPr>
+        <p:txBody>
+          <a:bodyPr vert="horz" lIns="91440" tIns="45720" rIns="91440" bIns="45720" rtlCol="0" anchor="ctr">
+            <a:normAutofit/>
+          </a:bodyPr>
+          <a:lstStyle/>
+          <a:p>
+            <a:pPr algn="ctr"/>
+            <a:r>
+              <a:rPr lang="en-US" sz="2600" kern="1200">
+                <a:solidFill>
+                  <a:srgbClr val="FFFFFF"/>
+                </a:solidFill>
+                <a:latin typeface="+mj-lt"/>
+                <a:ea typeface="+mj-ea"/>
+                <a:cs typeface="+mj-cs"/>
+              </a:rPr>
+              <a:t>User </a:t>
+            </a:r>
+            <a:r>
+              <a:rPr lang="en-US" sz="2600">
+                <a:solidFill>
+                  <a:srgbClr val="FFFFFF"/>
+                </a:solidFill>
+              </a:rPr>
+              <a:t>35</a:t>
+            </a:r>
+            <a:r>
+              <a:rPr lang="en-US" sz="2600" kern="1200">
+                <a:solidFill>
+                  <a:srgbClr val="FFFFFF"/>
+                </a:solidFill>
+                <a:latin typeface="+mj-lt"/>
+                <a:ea typeface="+mj-ea"/>
+                <a:cs typeface="+mj-cs"/>
+              </a:rPr>
+              <a:t> (200903)</a:t>
+            </a:r>
+            <a:endParaRPr lang="en-US" sz="2600" kern="1200" dirty="0">
+              <a:solidFill>
+                <a:srgbClr val="FFFFFF"/>
+              </a:solidFill>
+              <a:latin typeface="+mj-lt"/>
+              <a:ea typeface="+mj-ea"/>
+              <a:cs typeface="+mj-cs"/>
+            </a:endParaRPr>
+          </a:p>
+        </p:txBody>
+      </p:sp>
+      <p:pic>
+        <p:nvPicPr>
+          <p:cNvPr id="5" name="Picture 4">
+            <a:extLst>
+              <a:ext uri="{FF2B5EF4-FFF2-40B4-BE49-F238E27FC236}">
+                <a16:creationId xmlns:a16="http://schemas.microsoft.com/office/drawing/2014/main" id="{0B115640-1782-42E0-8834-1EDE709EBFEC}"/>
+              </a:ext>
+            </a:extLst>
+          </p:cNvPr>
+          <p:cNvPicPr>
+            <a:picLocks noChangeAspect="1"/>
+          </p:cNvPicPr>
+          <p:nvPr/>
+        </p:nvPicPr>
+        <p:blipFill>
+          <a:blip r:embed="rId2">
+            <a:extLst>
+              <a:ext uri="{28A0092B-C50C-407E-A947-70E740481C1C}">
+                <a14:useLocalDpi xmlns:a14="http://schemas.microsoft.com/office/drawing/2010/main" val="0"/>
+              </a:ext>
+            </a:extLst>
+          </a:blip>
+          <a:stretch>
+            <a:fillRect/>
+          </a:stretch>
+        </p:blipFill>
+        <p:spPr>
+          <a:xfrm>
+            <a:off x="3552825" y="66676"/>
+            <a:ext cx="8639175" cy="6791324"/>
+          </a:xfrm>
+          <a:prstGeom prst="rect">
+            <a:avLst/>
+          </a:prstGeom>
+        </p:spPr>
+      </p:pic>
+    </p:spTree>
+    <p:extLst>
+      <p:ext uri="{BB962C8B-B14F-4D97-AF65-F5344CB8AC3E}">
+        <p14:creationId xmlns:p14="http://schemas.microsoft.com/office/powerpoint/2010/main" val="3545811714"/>
+      </p:ext>
+    </p:extLst>
+  </p:cSld>
+  <p:clrMapOvr>
+    <a:masterClrMapping/>
+  </p:clrMapOvr>
+</p:sld>
+</file>
+
 <file path=ppt/slides/slide3.xml><?xml version="1.0" encoding="utf-8"?>
 <p:sld xmlns:a="http://schemas.openxmlformats.org/drawingml/2006/main" xmlns:r="http://schemas.openxmlformats.org/officeDocument/2006/relationships" xmlns:p="http://schemas.openxmlformats.org/presentationml/2006/main">
   <p:cSld>
@@ -6307,7 +9771,7 @@
           <a:lstStyle/>
           <a:p>
             <a:r>
-              <a:rPr lang="en-US">
+              <a:rPr lang="en-US" dirty="0">
                 <a:latin typeface="CMU Bright" panose="02000603000000000000" pitchFamily="2" charset="0"/>
                 <a:ea typeface="CMU Bright" panose="02000603000000000000" pitchFamily="2" charset="0"/>
                 <a:cs typeface="CMU Bright" panose="02000603000000000000" pitchFamily="2" charset="0"/>
@@ -6316,7 +9780,7 @@
             </a:r>
           </a:p>
           <a:p>
-            <a:endParaRPr lang="en-US">
+            <a:endParaRPr lang="en-US" dirty="0">
               <a:latin typeface="CMU Bright" panose="02000603000000000000" pitchFamily="2" charset="0"/>
               <a:ea typeface="CMU Bright" panose="02000603000000000000" pitchFamily="2" charset="0"/>
               <a:cs typeface="CMU Bright" panose="02000603000000000000" pitchFamily="2" charset="0"/>
@@ -6755,7 +10219,7 @@
           <a:lstStyle/>
           <a:p>
             <a:pPr algn="ctr"/>
-            <a:endParaRPr lang="en-US"/>
+            <a:endParaRPr lang="en-US" dirty="0"/>
           </a:p>
         </p:txBody>
       </p:sp>

--- a/Writings/Predictions.pptx
+++ b/Writings/Predictions.pptx
@@ -19,12 +19,13 @@
     <p:sldId id="270" r:id="rId13"/>
     <p:sldId id="273" r:id="rId14"/>
     <p:sldId id="274" r:id="rId15"/>
-    <p:sldId id="275" r:id="rId16"/>
-    <p:sldId id="271" r:id="rId17"/>
-    <p:sldId id="272" r:id="rId18"/>
-    <p:sldId id="267" r:id="rId19"/>
-    <p:sldId id="268" r:id="rId20"/>
-    <p:sldId id="269" r:id="rId21"/>
+    <p:sldId id="276" r:id="rId16"/>
+    <p:sldId id="275" r:id="rId17"/>
+    <p:sldId id="271" r:id="rId18"/>
+    <p:sldId id="272" r:id="rId19"/>
+    <p:sldId id="267" r:id="rId20"/>
+    <p:sldId id="268" r:id="rId21"/>
+    <p:sldId id="269" r:id="rId22"/>
   </p:sldIdLst>
   <p:sldSz cx="12192000" cy="6858000"/>
   <p:notesSz cx="6858000" cy="9144000"/>
@@ -524,8 +525,8 @@
               </a:defRPr>
             </a:pPr>
             <a:r>
-              <a:rPr lang="en-US" dirty="0"/>
-              <a:t>Similarity Angle</a:t>
+              <a:rPr lang="en-US"/>
+              <a:t>Cosine Similarity Angle</a:t>
             </a:r>
           </a:p>
         </c:rich>
@@ -574,7 +575,7 @@
               <c:strCache>
                 <c:ptCount val="1"/>
                 <c:pt idx="0">
-                  <c:v>Similarity Angle</c:v>
+                  <c:v>Similarity Degree</c:v>
                 </c:pt>
               </c:strCache>
             </c:strRef>
@@ -670,67 +671,67 @@
                 <c:formatCode>General</c:formatCode>
                 <c:ptCount val="21"/>
                 <c:pt idx="0">
-                  <c:v>6.3347589751522104</c:v>
+                  <c:v>6.5561999999999996</c:v>
                 </c:pt>
                 <c:pt idx="1">
-                  <c:v>4.7519434279926003</c:v>
+                  <c:v>7.7634999999999996</c:v>
                 </c:pt>
                 <c:pt idx="2">
-                  <c:v>7.4217520257948104</c:v>
+                  <c:v>8.1685999999999996</c:v>
                 </c:pt>
                 <c:pt idx="3">
-                  <c:v>12.872863984707401</c:v>
+                  <c:v>13.387</c:v>
                 </c:pt>
                 <c:pt idx="4">
-                  <c:v>5.8391772093126102</c:v>
+                  <c:v>5.9356600000000004</c:v>
                 </c:pt>
                 <c:pt idx="5">
-                  <c:v>9.98278161019247</c:v>
+                  <c:v>9.7744999999999997</c:v>
                 </c:pt>
                 <c:pt idx="6">
-                  <c:v>11.563996726410201</c:v>
+                  <c:v>11.633559999999999</c:v>
                 </c:pt>
                 <c:pt idx="7">
-                  <c:v>10.5784060554377</c:v>
+                  <c:v>16.008120000000002</c:v>
                 </c:pt>
                 <c:pt idx="8">
-                  <c:v>7.8768173554950804</c:v>
+                  <c:v>7.7397355000000001</c:v>
                 </c:pt>
                 <c:pt idx="9">
-                  <c:v>3.9530580944657099</c:v>
+                  <c:v>5.1597799999999996</c:v>
                 </c:pt>
                 <c:pt idx="10">
-                  <c:v>12.740816503927199</c:v>
+                  <c:v>16.032463</c:v>
                 </c:pt>
                 <c:pt idx="11">
-                  <c:v>10.2775991672384</c:v>
+                  <c:v>10.179949000000001</c:v>
                 </c:pt>
                 <c:pt idx="12">
-                  <c:v>5.5743038082418197</c:v>
+                  <c:v>5.1902200000000001</c:v>
                 </c:pt>
                 <c:pt idx="13">
-                  <c:v>11.0518660340759</c:v>
+                  <c:v>8.3900500000000005</c:v>
                 </c:pt>
                 <c:pt idx="14">
-                  <c:v>14.7106616767771</c:v>
+                  <c:v>12.191431</c:v>
                 </c:pt>
                 <c:pt idx="15">
-                  <c:v>10.8300270049102</c:v>
+                  <c:v>7.6580199999999996</c:v>
                 </c:pt>
                 <c:pt idx="16">
-                  <c:v>7.9115399668915698</c:v>
+                  <c:v>7.8084610000000003</c:v>
                 </c:pt>
                 <c:pt idx="17">
-                  <c:v>11.3656830405096</c:v>
+                  <c:v>21.423884999999999</c:v>
                 </c:pt>
                 <c:pt idx="18">
-                  <c:v>11.415899797344901</c:v>
+                  <c:v>13.217980000000001</c:v>
                 </c:pt>
                 <c:pt idx="19">
-                  <c:v>20.672560970794599</c:v>
+                  <c:v>22.56748</c:v>
                 </c:pt>
                 <c:pt idx="20">
-                  <c:v>12.8225699221074</c:v>
+                  <c:v>12.654927000000001</c:v>
                 </c:pt>
               </c:numCache>
             </c:numRef>
@@ -738,7 +739,7 @@
           <c:smooth val="0"/>
           <c:extLst>
             <c:ext xmlns:c16="http://schemas.microsoft.com/office/drawing/2014/chart" uri="{C3380CC4-5D6E-409C-BE32-E72D297353CC}">
-              <c16:uniqueId val="{00000000-74AE-4C89-93EE-AC6290D8CF0A}"/>
+              <c16:uniqueId val="{00000000-2FB5-4610-9B64-72FF0A67ADE1}"/>
             </c:ext>
           </c:extLst>
         </c:ser>
@@ -847,67 +848,67 @@
                 <c:formatCode>General</c:formatCode>
                 <c:ptCount val="21"/>
                 <c:pt idx="0">
-                  <c:v>10.026146826560927</c:v>
+                  <c:v>10.925786738095237</c:v>
                 </c:pt>
                 <c:pt idx="1">
-                  <c:v>10.026146826560927</c:v>
+                  <c:v>10.925786738095237</c:v>
                 </c:pt>
                 <c:pt idx="2">
-                  <c:v>10.026146826560927</c:v>
+                  <c:v>10.925786738095237</c:v>
                 </c:pt>
                 <c:pt idx="3">
-                  <c:v>10.026146826560927</c:v>
+                  <c:v>10.925786738095237</c:v>
                 </c:pt>
                 <c:pt idx="4">
-                  <c:v>10.026146826560927</c:v>
+                  <c:v>10.925786738095237</c:v>
                 </c:pt>
                 <c:pt idx="5">
-                  <c:v>10.026146826560927</c:v>
+                  <c:v>10.925786738095237</c:v>
                 </c:pt>
                 <c:pt idx="6">
-                  <c:v>10.026146826560927</c:v>
+                  <c:v>10.925786738095237</c:v>
                 </c:pt>
                 <c:pt idx="7">
-                  <c:v>10.026146826560927</c:v>
+                  <c:v>10.925786738095237</c:v>
                 </c:pt>
                 <c:pt idx="8">
-                  <c:v>10.026146826560927</c:v>
+                  <c:v>10.925786738095237</c:v>
                 </c:pt>
                 <c:pt idx="9">
-                  <c:v>10.026146826560927</c:v>
+                  <c:v>10.925786738095237</c:v>
                 </c:pt>
                 <c:pt idx="10">
-                  <c:v>10.026146826560927</c:v>
+                  <c:v>10.925786738095237</c:v>
                 </c:pt>
                 <c:pt idx="11">
-                  <c:v>10.026146826560927</c:v>
+                  <c:v>10.925786738095237</c:v>
                 </c:pt>
                 <c:pt idx="12">
-                  <c:v>10.026146826560927</c:v>
+                  <c:v>10.925786738095237</c:v>
                 </c:pt>
                 <c:pt idx="13">
-                  <c:v>10.026146826560927</c:v>
+                  <c:v>10.925786738095237</c:v>
                 </c:pt>
                 <c:pt idx="14">
-                  <c:v>10.026146826560927</c:v>
+                  <c:v>10.925786738095237</c:v>
                 </c:pt>
                 <c:pt idx="15">
-                  <c:v>10.026146826560927</c:v>
+                  <c:v>10.925786738095237</c:v>
                 </c:pt>
                 <c:pt idx="16">
-                  <c:v>10.026146826560927</c:v>
+                  <c:v>10.925786738095237</c:v>
                 </c:pt>
                 <c:pt idx="17">
-                  <c:v>10.026146826560927</c:v>
+                  <c:v>10.925786738095237</c:v>
                 </c:pt>
                 <c:pt idx="18">
-                  <c:v>10.026146826560927</c:v>
+                  <c:v>10.925786738095237</c:v>
                 </c:pt>
                 <c:pt idx="19">
-                  <c:v>10.026146826560927</c:v>
+                  <c:v>10.925786738095237</c:v>
                 </c:pt>
                 <c:pt idx="20">
-                  <c:v>10.026146826560927</c:v>
+                  <c:v>10.925786738095237</c:v>
                 </c:pt>
               </c:numCache>
             </c:numRef>
@@ -915,7 +916,7 @@
           <c:smooth val="0"/>
           <c:extLst>
             <c:ext xmlns:c16="http://schemas.microsoft.com/office/drawing/2014/chart" uri="{C3380CC4-5D6E-409C-BE32-E72D297353CC}">
-              <c16:uniqueId val="{00000001-74AE-4C89-93EE-AC6290D8CF0A}"/>
+              <c16:uniqueId val="{00000001-2FB5-4610-9B64-72FF0A67ADE1}"/>
             </c:ext>
           </c:extLst>
         </c:ser>
@@ -928,16 +929,71 @@
           <c:showBubbleSize val="0"/>
         </c:dLbls>
         <c:smooth val="0"/>
-        <c:axId val="542713144"/>
-        <c:axId val="542711864"/>
+        <c:axId val="535171192"/>
+        <c:axId val="535167672"/>
       </c:lineChart>
       <c:catAx>
-        <c:axId val="542713144"/>
+        <c:axId val="535171192"/>
         <c:scaling>
           <c:orientation val="minMax"/>
         </c:scaling>
         <c:delete val="0"/>
         <c:axPos val="b"/>
+        <c:title>
+          <c:tx>
+            <c:rich>
+              <a:bodyPr rot="0" spcFirstLastPara="1" vertOverflow="ellipsis" vert="horz" wrap="square" anchor="ctr" anchorCtr="1"/>
+              <a:lstStyle/>
+              <a:p>
+                <a:pPr>
+                  <a:defRPr sz="1000" b="0" i="0" u="none" strike="noStrike" kern="1200" baseline="0">
+                    <a:solidFill>
+                      <a:schemeClr val="tx1">
+                        <a:lumMod val="65000"/>
+                        <a:lumOff val="35000"/>
+                      </a:schemeClr>
+                    </a:solidFill>
+                    <a:latin typeface="+mn-lt"/>
+                    <a:ea typeface="+mn-ea"/>
+                    <a:cs typeface="+mn-cs"/>
+                  </a:defRPr>
+                </a:pPr>
+                <a:r>
+                  <a:rPr lang="en-US"/>
+                  <a:t>Users</a:t>
+                </a:r>
+              </a:p>
+            </c:rich>
+          </c:tx>
+          <c:overlay val="0"/>
+          <c:spPr>
+            <a:noFill/>
+            <a:ln>
+              <a:noFill/>
+            </a:ln>
+            <a:effectLst/>
+          </c:spPr>
+          <c:txPr>
+            <a:bodyPr rot="0" spcFirstLastPara="1" vertOverflow="ellipsis" vert="horz" wrap="square" anchor="ctr" anchorCtr="1"/>
+            <a:lstStyle/>
+            <a:p>
+              <a:pPr>
+                <a:defRPr sz="1000" b="0" i="0" u="none" strike="noStrike" kern="1200" baseline="0">
+                  <a:solidFill>
+                    <a:schemeClr val="tx1">
+                      <a:lumMod val="65000"/>
+                      <a:lumOff val="35000"/>
+                    </a:schemeClr>
+                  </a:solidFill>
+                  <a:latin typeface="+mn-lt"/>
+                  <a:ea typeface="+mn-ea"/>
+                  <a:cs typeface="+mn-cs"/>
+                </a:defRPr>
+              </a:pPr>
+              <a:endParaRPr lang="en-US"/>
+            </a:p>
+          </c:txPr>
+        </c:title>
         <c:numFmt formatCode="General" sourceLinked="1"/>
         <c:majorTickMark val="none"/>
         <c:minorTickMark val="none"/>
@@ -975,7 +1031,7 @@
             <a:endParaRPr lang="en-US"/>
           </a:p>
         </c:txPr>
-        <c:crossAx val="542711864"/>
+        <c:crossAx val="535167672"/>
         <c:crosses val="autoZero"/>
         <c:auto val="1"/>
         <c:lblAlgn val="ctr"/>
@@ -983,7 +1039,7 @@
         <c:noMultiLvlLbl val="0"/>
       </c:catAx>
       <c:valAx>
-        <c:axId val="542711864"/>
+        <c:axId val="535167672"/>
         <c:scaling>
           <c:orientation val="minMax"/>
         </c:scaling>
@@ -1003,6 +1059,66 @@
             <a:effectLst/>
           </c:spPr>
         </c:majorGridlines>
+        <c:title>
+          <c:tx>
+            <c:rich>
+              <a:bodyPr rot="-5400000" spcFirstLastPara="1" vertOverflow="ellipsis" vert="horz" wrap="square" anchor="ctr" anchorCtr="1"/>
+              <a:lstStyle/>
+              <a:p>
+                <a:pPr>
+                  <a:defRPr sz="1000" b="0" i="0" u="none" strike="noStrike" kern="1200" baseline="0">
+                    <a:solidFill>
+                      <a:schemeClr val="tx1">
+                        <a:lumMod val="65000"/>
+                        <a:lumOff val="35000"/>
+                      </a:schemeClr>
+                    </a:solidFill>
+                    <a:latin typeface="+mn-lt"/>
+                    <a:ea typeface="+mn-ea"/>
+                    <a:cs typeface="+mn-cs"/>
+                  </a:defRPr>
+                </a:pPr>
+                <a:r>
+                  <a:rPr lang="en-US"/>
+                  <a:t>Cosine</a:t>
+                </a:r>
+                <a:r>
+                  <a:rPr lang="en-US" baseline="0"/>
+                  <a:t> Degrees</a:t>
+                </a:r>
+                <a:endParaRPr lang="en-US"/>
+              </a:p>
+            </c:rich>
+          </c:tx>
+          <c:overlay val="0"/>
+          <c:spPr>
+            <a:noFill/>
+            <a:ln>
+              <a:noFill/>
+            </a:ln>
+            <a:effectLst/>
+          </c:spPr>
+          <c:txPr>
+            <a:bodyPr rot="-5400000" spcFirstLastPara="1" vertOverflow="ellipsis" vert="horz" wrap="square" anchor="ctr" anchorCtr="1"/>
+            <a:lstStyle/>
+            <a:p>
+              <a:pPr>
+                <a:defRPr sz="1000" b="0" i="0" u="none" strike="noStrike" kern="1200" baseline="0">
+                  <a:solidFill>
+                    <a:schemeClr val="tx1">
+                      <a:lumMod val="65000"/>
+                      <a:lumOff val="35000"/>
+                    </a:schemeClr>
+                  </a:solidFill>
+                  <a:latin typeface="+mn-lt"/>
+                  <a:ea typeface="+mn-ea"/>
+                  <a:cs typeface="+mn-cs"/>
+                </a:defRPr>
+              </a:pPr>
+              <a:endParaRPr lang="en-US"/>
+            </a:p>
+          </c:txPr>
+        </c:title>
         <c:numFmt formatCode="General" sourceLinked="1"/>
         <c:majorTickMark val="none"/>
         <c:minorTickMark val="none"/>
@@ -1034,7 +1150,7 @@
             <a:endParaRPr lang="en-US"/>
           </a:p>
         </c:txPr>
-        <c:crossAx val="542713144"/>
+        <c:crossAx val="535171192"/>
         <c:crosses val="autoZero"/>
         <c:crossBetween val="between"/>
       </c:valAx>
@@ -2380,7 +2496,7 @@
           <a:p>
             <a:fld id="{75B3FFF7-FEE0-43BC-B399-9665428A1661}" type="datetimeFigureOut">
               <a:rPr lang="en-US" smtClean="0"/>
-              <a:t>10/4/2018</a:t>
+              <a:t>10/8/2018</a:t>
             </a:fld>
             <a:endParaRPr lang="en-US" dirty="0"/>
           </a:p>
@@ -2578,7 +2694,7 @@
           <a:p>
             <a:fld id="{75B3FFF7-FEE0-43BC-B399-9665428A1661}" type="datetimeFigureOut">
               <a:rPr lang="en-US" smtClean="0"/>
-              <a:t>10/4/2018</a:t>
+              <a:t>10/8/2018</a:t>
             </a:fld>
             <a:endParaRPr lang="en-US" dirty="0"/>
           </a:p>
@@ -2786,7 +2902,7 @@
           <a:p>
             <a:fld id="{75B3FFF7-FEE0-43BC-B399-9665428A1661}" type="datetimeFigureOut">
               <a:rPr lang="en-US" smtClean="0"/>
-              <a:t>10/4/2018</a:t>
+              <a:t>10/8/2018</a:t>
             </a:fld>
             <a:endParaRPr lang="en-US" dirty="0"/>
           </a:p>
@@ -2984,7 +3100,7 @@
           <a:p>
             <a:fld id="{75B3FFF7-FEE0-43BC-B399-9665428A1661}" type="datetimeFigureOut">
               <a:rPr lang="en-US" smtClean="0"/>
-              <a:t>10/4/2018</a:t>
+              <a:t>10/8/2018</a:t>
             </a:fld>
             <a:endParaRPr lang="en-US" dirty="0"/>
           </a:p>
@@ -3259,7 +3375,7 @@
           <a:p>
             <a:fld id="{75B3FFF7-FEE0-43BC-B399-9665428A1661}" type="datetimeFigureOut">
               <a:rPr lang="en-US" smtClean="0"/>
-              <a:t>10/4/2018</a:t>
+              <a:t>10/8/2018</a:t>
             </a:fld>
             <a:endParaRPr lang="en-US" dirty="0"/>
           </a:p>
@@ -3524,7 +3640,7 @@
           <a:p>
             <a:fld id="{75B3FFF7-FEE0-43BC-B399-9665428A1661}" type="datetimeFigureOut">
               <a:rPr lang="en-US" smtClean="0"/>
-              <a:t>10/4/2018</a:t>
+              <a:t>10/8/2018</a:t>
             </a:fld>
             <a:endParaRPr lang="en-US" dirty="0"/>
           </a:p>
@@ -3936,7 +4052,7 @@
           <a:p>
             <a:fld id="{75B3FFF7-FEE0-43BC-B399-9665428A1661}" type="datetimeFigureOut">
               <a:rPr lang="en-US" smtClean="0"/>
-              <a:t>10/4/2018</a:t>
+              <a:t>10/8/2018</a:t>
             </a:fld>
             <a:endParaRPr lang="en-US" dirty="0"/>
           </a:p>
@@ -4077,7 +4193,7 @@
           <a:p>
             <a:fld id="{75B3FFF7-FEE0-43BC-B399-9665428A1661}" type="datetimeFigureOut">
               <a:rPr lang="en-US" smtClean="0"/>
-              <a:t>10/4/2018</a:t>
+              <a:t>10/8/2018</a:t>
             </a:fld>
             <a:endParaRPr lang="en-US" dirty="0"/>
           </a:p>
@@ -4190,7 +4306,7 @@
           <a:p>
             <a:fld id="{75B3FFF7-FEE0-43BC-B399-9665428A1661}" type="datetimeFigureOut">
               <a:rPr lang="en-US" smtClean="0"/>
-              <a:t>10/4/2018</a:t>
+              <a:t>10/8/2018</a:t>
             </a:fld>
             <a:endParaRPr lang="en-US" dirty="0"/>
           </a:p>
@@ -4501,7 +4617,7 @@
           <a:p>
             <a:fld id="{75B3FFF7-FEE0-43BC-B399-9665428A1661}" type="datetimeFigureOut">
               <a:rPr lang="en-US" smtClean="0"/>
-              <a:t>10/4/2018</a:t>
+              <a:t>10/8/2018</a:t>
             </a:fld>
             <a:endParaRPr lang="en-US" dirty="0"/>
           </a:p>
@@ -4789,7 +4905,7 @@
           <a:p>
             <a:fld id="{75B3FFF7-FEE0-43BC-B399-9665428A1661}" type="datetimeFigureOut">
               <a:rPr lang="en-US" smtClean="0"/>
-              <a:t>10/4/2018</a:t>
+              <a:t>10/8/2018</a:t>
             </a:fld>
             <a:endParaRPr lang="en-US" dirty="0"/>
           </a:p>
@@ -5030,7 +5146,7 @@
           <a:p>
             <a:fld id="{75B3FFF7-FEE0-43BC-B399-9665428A1661}" type="datetimeFigureOut">
               <a:rPr lang="en-US" smtClean="0"/>
-              <a:t>10/4/2018</a:t>
+              <a:t>10/8/2018</a:t>
             </a:fld>
             <a:endParaRPr lang="en-US" dirty="0"/>
           </a:p>
@@ -5840,10 +5956,10 @@
       </p:cxnSp>
       <p:graphicFrame>
         <p:nvGraphicFramePr>
-          <p:cNvPr id="7" name="Chart 6">
-            <a:extLst>
-              <a:ext uri="{FF2B5EF4-FFF2-40B4-BE49-F238E27FC236}">
-                <a16:creationId xmlns:a16="http://schemas.microsoft.com/office/drawing/2014/main" id="{8F46886B-0A2C-4412-84F8-5D4691A4025A}"/>
+          <p:cNvPr id="8" name="Chart 7">
+            <a:extLst>
+              <a:ext uri="{FF2B5EF4-FFF2-40B4-BE49-F238E27FC236}">
+                <a16:creationId xmlns:a16="http://schemas.microsoft.com/office/drawing/2014/main" id="{5BAC8B63-F6BD-4040-AF69-ED260375E0A1}"/>
               </a:ext>
             </a:extLst>
           </p:cNvPr>
@@ -5853,14 +5969,14 @@
           <p:nvPr>
             <p:extLst>
               <p:ext uri="{D42A27DB-BD31-4B8C-83A1-F6EECF244321}">
-                <p14:modId xmlns:p14="http://schemas.microsoft.com/office/powerpoint/2010/main" val="658119721"/>
+                <p14:modId xmlns:p14="http://schemas.microsoft.com/office/powerpoint/2010/main" val="2620451240"/>
               </p:ext>
             </p:extLst>
           </p:nvPr>
         </p:nvGraphicFramePr>
         <p:xfrm>
-          <a:off x="375139" y="2409825"/>
-          <a:ext cx="11438793" cy="4448173"/>
+          <a:off x="0" y="2187742"/>
+          <a:ext cx="12192000" cy="4670258"/>
         </p:xfrm>
         <a:graphic>
           <a:graphicData uri="http://schemas.openxmlformats.org/drawingml/2006/chart">
@@ -7248,59 +7364,12 @@
         </p:blipFill>
         <p:spPr>
           <a:xfrm>
-            <a:off x="5527733" y="68580"/>
+            <a:off x="7463065" y="1027906"/>
             <a:ext cx="3159792" cy="5113020"/>
           </a:xfrm>
           <a:prstGeom prst="rect">
             <a:avLst/>
           </a:prstGeom>
-        </p:spPr>
-      </p:pic>
-      <p:pic>
-        <p:nvPicPr>
-          <p:cNvPr id="1026" name="Picture 2">
-            <a:extLst>
-              <a:ext uri="{FF2B5EF4-FFF2-40B4-BE49-F238E27FC236}">
-                <a16:creationId xmlns:a16="http://schemas.microsoft.com/office/drawing/2014/main" id="{B096F7CB-4CB5-4E80-BEC3-67090F4FCEA4}"/>
-              </a:ext>
-            </a:extLst>
-          </p:cNvPr>
-          <p:cNvPicPr>
-            <a:picLocks noChangeAspect="1" noChangeArrowheads="1"/>
-          </p:cNvPicPr>
-          <p:nvPr/>
-        </p:nvPicPr>
-        <p:blipFill>
-          <a:blip r:embed="rId3">
-            <a:extLst>
-              <a:ext uri="{28A0092B-C50C-407E-A947-70E740481C1C}">
-                <a14:useLocalDpi xmlns:a14="http://schemas.microsoft.com/office/drawing/2010/main" val="0"/>
-              </a:ext>
-            </a:extLst>
-          </a:blip>
-          <a:srcRect/>
-          <a:stretch>
-            <a:fillRect/>
-          </a:stretch>
-        </p:blipFill>
-        <p:spPr bwMode="auto">
-          <a:xfrm>
-            <a:off x="182880" y="2068830"/>
-            <a:ext cx="11532870" cy="2190696"/>
-          </a:xfrm>
-          <a:prstGeom prst="rect">
-            <a:avLst/>
-          </a:prstGeom>
-          <a:noFill/>
-          <a:extLst>
-            <a:ext uri="{909E8E84-426E-40DD-AFC4-6F175D3DCCD1}">
-              <a14:hiddenFill xmlns:a14="http://schemas.microsoft.com/office/drawing/2010/main">
-                <a:solidFill>
-                  <a:srgbClr val="FFFFFF"/>
-                </a:solidFill>
-              </a14:hiddenFill>
-            </a:ext>
-          </a:extLst>
         </p:spPr>
       </p:pic>
     </p:spTree>
@@ -7333,6 +7402,148 @@
           <a:chExt cx="0" cy="0"/>
         </a:xfrm>
       </p:grpSpPr>
+      <p:pic>
+        <p:nvPicPr>
+          <p:cNvPr id="5" name="Picture 4">
+            <a:extLst>
+              <a:ext uri="{FF2B5EF4-FFF2-40B4-BE49-F238E27FC236}">
+                <a16:creationId xmlns:a16="http://schemas.microsoft.com/office/drawing/2014/main" id="{56A4E461-826D-412B-825D-9B3D28510AEE}"/>
+              </a:ext>
+            </a:extLst>
+          </p:cNvPr>
+          <p:cNvPicPr>
+            <a:picLocks noChangeAspect="1"/>
+          </p:cNvPicPr>
+          <p:nvPr/>
+        </p:nvPicPr>
+        <p:blipFill>
+          <a:blip r:embed="rId2">
+            <a:extLst>
+              <a:ext uri="{28A0092B-C50C-407E-A947-70E740481C1C}">
+                <a14:useLocalDpi xmlns:a14="http://schemas.microsoft.com/office/drawing/2010/main" val="0"/>
+              </a:ext>
+            </a:extLst>
+          </a:blip>
+          <a:stretch>
+            <a:fillRect/>
+          </a:stretch>
+        </p:blipFill>
+        <p:spPr>
+          <a:xfrm>
+            <a:off x="2750598" y="-976545"/>
+            <a:ext cx="6285391" cy="5388747"/>
+          </a:xfrm>
+          <a:prstGeom prst="rect">
+            <a:avLst/>
+          </a:prstGeom>
+        </p:spPr>
+      </p:pic>
+      <p:pic>
+        <p:nvPicPr>
+          <p:cNvPr id="6" name="Picture 5">
+            <a:extLst>
+              <a:ext uri="{FF2B5EF4-FFF2-40B4-BE49-F238E27FC236}">
+                <a16:creationId xmlns:a16="http://schemas.microsoft.com/office/drawing/2014/main" id="{82D5810C-C9AF-4469-B169-6D939757AC9C}"/>
+              </a:ext>
+            </a:extLst>
+          </p:cNvPr>
+          <p:cNvPicPr>
+            <a:picLocks noChangeAspect="1"/>
+          </p:cNvPicPr>
+          <p:nvPr/>
+        </p:nvPicPr>
+        <p:blipFill>
+          <a:blip r:embed="rId3"/>
+          <a:stretch>
+            <a:fillRect/>
+          </a:stretch>
+        </p:blipFill>
+        <p:spPr>
+          <a:xfrm>
+            <a:off x="0" y="3961247"/>
+            <a:ext cx="12192000" cy="3232298"/>
+          </a:xfrm>
+          <a:prstGeom prst="rect">
+            <a:avLst/>
+          </a:prstGeom>
+        </p:spPr>
+      </p:pic>
+      <p:sp>
+        <p:nvSpPr>
+          <p:cNvPr id="7" name="Rectangle 6">
+            <a:extLst>
+              <a:ext uri="{FF2B5EF4-FFF2-40B4-BE49-F238E27FC236}">
+                <a16:creationId xmlns:a16="http://schemas.microsoft.com/office/drawing/2014/main" id="{25E02858-3EE7-44C5-B217-36E8308A5EE0}"/>
+              </a:ext>
+            </a:extLst>
+          </p:cNvPr>
+          <p:cNvSpPr/>
+          <p:nvPr/>
+        </p:nvSpPr>
+        <p:spPr>
+          <a:xfrm>
+            <a:off x="5619565" y="-443883"/>
+            <a:ext cx="221942" cy="4199137"/>
+          </a:xfrm>
+          <a:prstGeom prst="rect">
+            <a:avLst/>
+          </a:prstGeom>
+          <a:noFill/>
+          <a:ln w="38100"/>
+        </p:spPr>
+        <p:style>
+          <a:lnRef idx="2">
+            <a:schemeClr val="accent1"/>
+          </a:lnRef>
+          <a:fillRef idx="1">
+            <a:schemeClr val="lt1"/>
+          </a:fillRef>
+          <a:effectRef idx="0">
+            <a:schemeClr val="accent1"/>
+          </a:effectRef>
+          <a:fontRef idx="minor">
+            <a:schemeClr val="dk1"/>
+          </a:fontRef>
+        </p:style>
+        <p:txBody>
+          <a:bodyPr rtlCol="0" anchor="ctr"/>
+          <a:lstStyle/>
+          <a:p>
+            <a:pPr algn="ctr"/>
+            <a:endParaRPr lang="en-US"/>
+          </a:p>
+        </p:txBody>
+      </p:sp>
+    </p:spTree>
+    <p:extLst>
+      <p:ext uri="{BB962C8B-B14F-4D97-AF65-F5344CB8AC3E}">
+        <p14:creationId xmlns:p14="http://schemas.microsoft.com/office/powerpoint/2010/main" val="2392079139"/>
+      </p:ext>
+    </p:extLst>
+  </p:cSld>
+  <p:clrMapOvr>
+    <a:masterClrMapping/>
+  </p:clrMapOvr>
+</p:sld>
+</file>
+
+<file path=ppt/slides/slide16.xml><?xml version="1.0" encoding="utf-8"?>
+<p:sld xmlns:a="http://schemas.openxmlformats.org/drawingml/2006/main" xmlns:r="http://schemas.openxmlformats.org/officeDocument/2006/relationships" xmlns:p="http://schemas.openxmlformats.org/presentationml/2006/main">
+  <p:cSld>
+    <p:spTree>
+      <p:nvGrpSpPr>
+        <p:cNvPr id="1" name=""/>
+        <p:cNvGrpSpPr/>
+        <p:nvPr/>
+      </p:nvGrpSpPr>
+      <p:grpSpPr>
+        <a:xfrm>
+          <a:off x="0" y="0"/>
+          <a:ext cx="0" cy="0"/>
+          <a:chOff x="0" y="0"/>
+          <a:chExt cx="0" cy="0"/>
+        </a:xfrm>
+      </p:grpSpPr>
       <p:sp>
         <p:nvSpPr>
           <p:cNvPr id="2" name="Title 1">
@@ -7435,7 +7646,7 @@
 </p:sld>
 </file>
 
-<file path=ppt/slides/slide16.xml><?xml version="1.0" encoding="utf-8"?>
+<file path=ppt/slides/slide17.xml><?xml version="1.0" encoding="utf-8"?>
 <p:sld xmlns:a="http://schemas.openxmlformats.org/drawingml/2006/main" xmlns:r="http://schemas.openxmlformats.org/officeDocument/2006/relationships" xmlns:p="http://schemas.openxmlformats.org/presentationml/2006/main">
   <p:cSld>
     <p:bg>
@@ -8035,7 +8246,7 @@
 </p:sld>
 </file>
 
-<file path=ppt/slides/slide17.xml><?xml version="1.0" encoding="utf-8"?>
+<file path=ppt/slides/slide18.xml><?xml version="1.0" encoding="utf-8"?>
 <p:sld xmlns:a="http://schemas.openxmlformats.org/drawingml/2006/main" xmlns:r="http://schemas.openxmlformats.org/officeDocument/2006/relationships" xmlns:p="http://schemas.openxmlformats.org/presentationml/2006/main">
   <p:cSld>
     <p:spTree>
@@ -8401,7 +8612,7 @@
 </p:sld>
 </file>
 
-<file path=ppt/slides/slide18.xml><?xml version="1.0" encoding="utf-8"?>
+<file path=ppt/slides/slide19.xml><?xml version="1.0" encoding="utf-8"?>
 <p:sld xmlns:a="http://schemas.openxmlformats.org/drawingml/2006/main" xmlns:r="http://schemas.openxmlformats.org/officeDocument/2006/relationships" xmlns:p="http://schemas.openxmlformats.org/presentationml/2006/main">
   <p:cSld>
     <p:bg>
@@ -8710,7 +8921,462 @@
 </p:sld>
 </file>
 
-<file path=ppt/slides/slide19.xml><?xml version="1.0" encoding="utf-8"?>
+<file path=ppt/slides/slide2.xml><?xml version="1.0" encoding="utf-8"?>
+<p:sld xmlns:a="http://schemas.openxmlformats.org/drawingml/2006/main" xmlns:r="http://schemas.openxmlformats.org/officeDocument/2006/relationships" xmlns:p="http://schemas.openxmlformats.org/presentationml/2006/main">
+  <p:cSld>
+    <p:spTree>
+      <p:nvGrpSpPr>
+        <p:cNvPr id="1" name=""/>
+        <p:cNvGrpSpPr/>
+        <p:nvPr/>
+      </p:nvGrpSpPr>
+      <p:grpSpPr>
+        <a:xfrm>
+          <a:off x="0" y="0"/>
+          <a:ext cx="0" cy="0"/>
+          <a:chOff x="0" y="0"/>
+          <a:chExt cx="0" cy="0"/>
+        </a:xfrm>
+      </p:grpSpPr>
+      <p:sp>
+        <p:nvSpPr>
+          <p:cNvPr id="4" name="TextBox 3">
+            <a:extLst>
+              <a:ext uri="{FF2B5EF4-FFF2-40B4-BE49-F238E27FC236}">
+                <a16:creationId xmlns:a16="http://schemas.microsoft.com/office/drawing/2014/main" id="{79402832-A96C-4330-A9A6-7D634631D7BF}"/>
+              </a:ext>
+            </a:extLst>
+          </p:cNvPr>
+          <p:cNvSpPr txBox="1"/>
+          <p:nvPr/>
+        </p:nvSpPr>
+        <p:spPr>
+          <a:xfrm>
+            <a:off x="1767254" y="501160"/>
+            <a:ext cx="7622931" cy="6093976"/>
+          </a:xfrm>
+          <a:prstGeom prst="rect">
+            <a:avLst/>
+          </a:prstGeom>
+          <a:noFill/>
+        </p:spPr>
+        <p:txBody>
+          <a:bodyPr wrap="square" rtlCol="0">
+            <a:spAutoFit/>
+          </a:bodyPr>
+          <a:lstStyle/>
+          <a:p>
+            <a:pPr algn="ctr"/>
+            <a:r>
+              <a:rPr lang="en-US" sz="2800" b="1" u="sng" dirty="0">
+                <a:latin typeface="CMU Bright" panose="02000603000000000000" pitchFamily="2" charset="0"/>
+                <a:ea typeface="CMU Bright" panose="02000603000000000000" pitchFamily="2" charset="0"/>
+                <a:cs typeface="CMU Bright" panose="02000603000000000000" pitchFamily="2" charset="0"/>
+              </a:rPr>
+              <a:t>Prediction Parameters:</a:t>
+            </a:r>
+          </a:p>
+          <a:p>
+            <a:endParaRPr lang="en-US" dirty="0">
+              <a:latin typeface="CMU Bright" panose="02000603000000000000" pitchFamily="2" charset="0"/>
+              <a:ea typeface="CMU Bright" panose="02000603000000000000" pitchFamily="2" charset="0"/>
+              <a:cs typeface="CMU Bright" panose="02000603000000000000" pitchFamily="2" charset="0"/>
+            </a:endParaRPr>
+          </a:p>
+          <a:p>
+            <a:r>
+              <a:rPr lang="en-US" b="1" u="sng" dirty="0">
+                <a:latin typeface="CMU Bright" panose="02000603000000000000" pitchFamily="2" charset="0"/>
+                <a:ea typeface="CMU Bright" panose="02000603000000000000" pitchFamily="2" charset="0"/>
+                <a:cs typeface="CMU Bright" panose="02000603000000000000" pitchFamily="2" charset="0"/>
+              </a:rPr>
+              <a:t>Total predictions: </a:t>
+            </a:r>
+            <a:r>
+              <a:rPr lang="en-US" dirty="0">
+                <a:latin typeface="CMU Bright" panose="02000603000000000000" pitchFamily="2" charset="0"/>
+                <a:ea typeface="CMU Bright" panose="02000603000000000000" pitchFamily="2" charset="0"/>
+                <a:cs typeface="CMU Bright" panose="02000603000000000000" pitchFamily="2" charset="0"/>
+              </a:rPr>
+              <a:t>Count of total predictions made (T</a:t>
+            </a:r>
+            <a:r>
+              <a:rPr lang="en-US" sz="2000" baseline="-25000" dirty="0">
+                <a:latin typeface="CMU Bright" panose="02000603000000000000" pitchFamily="2" charset="0"/>
+                <a:ea typeface="CMU Bright" panose="02000603000000000000" pitchFamily="2" charset="0"/>
+                <a:cs typeface="CMU Bright" panose="02000603000000000000" pitchFamily="2" charset="0"/>
+              </a:rPr>
+              <a:t>p</a:t>
+            </a:r>
+            <a:r>
+              <a:rPr lang="en-US" sz="2000" dirty="0">
+                <a:latin typeface="CMU Bright" panose="02000603000000000000" pitchFamily="2" charset="0"/>
+                <a:ea typeface="CMU Bright" panose="02000603000000000000" pitchFamily="2" charset="0"/>
+                <a:cs typeface="CMU Bright" panose="02000603000000000000" pitchFamily="2" charset="0"/>
+              </a:rPr>
+              <a:t>)</a:t>
+            </a:r>
+            <a:endParaRPr lang="en-US" dirty="0">
+              <a:latin typeface="CMU Bright" panose="02000603000000000000" pitchFamily="2" charset="0"/>
+              <a:ea typeface="CMU Bright" panose="02000603000000000000" pitchFamily="2" charset="0"/>
+              <a:cs typeface="CMU Bright" panose="02000603000000000000" pitchFamily="2" charset="0"/>
+            </a:endParaRPr>
+          </a:p>
+          <a:p>
+            <a:r>
+              <a:rPr lang="en-US" b="1" u="sng" dirty="0">
+                <a:latin typeface="CMU Bright" panose="02000603000000000000" pitchFamily="2" charset="0"/>
+                <a:ea typeface="CMU Bright" panose="02000603000000000000" pitchFamily="2" charset="0"/>
+                <a:cs typeface="CMU Bright" panose="02000603000000000000" pitchFamily="2" charset="0"/>
+              </a:rPr>
+              <a:t>Correct Predictions:</a:t>
+            </a:r>
+            <a:r>
+              <a:rPr lang="en-US" dirty="0">
+                <a:latin typeface="CMU Bright" panose="02000603000000000000" pitchFamily="2" charset="0"/>
+                <a:ea typeface="CMU Bright" panose="02000603000000000000" pitchFamily="2" charset="0"/>
+                <a:cs typeface="CMU Bright" panose="02000603000000000000" pitchFamily="2" charset="0"/>
+              </a:rPr>
+              <a:t> Count of when a prediction and the actual transition matches (P</a:t>
+            </a:r>
+            <a:r>
+              <a:rPr lang="en-US" baseline="-25000" dirty="0">
+                <a:latin typeface="CMU Bright" panose="02000603000000000000" pitchFamily="2" charset="0"/>
+                <a:ea typeface="CMU Bright" panose="02000603000000000000" pitchFamily="2" charset="0"/>
+                <a:cs typeface="CMU Bright" panose="02000603000000000000" pitchFamily="2" charset="0"/>
+              </a:rPr>
+              <a:t>c</a:t>
+            </a:r>
+            <a:r>
+              <a:rPr lang="en-US" dirty="0">
+                <a:latin typeface="CMU Bright" panose="02000603000000000000" pitchFamily="2" charset="0"/>
+                <a:ea typeface="CMU Bright" panose="02000603000000000000" pitchFamily="2" charset="0"/>
+                <a:cs typeface="CMU Bright" panose="02000603000000000000" pitchFamily="2" charset="0"/>
+              </a:rPr>
+              <a:t>)</a:t>
+            </a:r>
+          </a:p>
+          <a:p>
+            <a:r>
+              <a:rPr lang="en-US" b="1" u="sng" dirty="0">
+                <a:latin typeface="CMU Bright" panose="02000603000000000000" pitchFamily="2" charset="0"/>
+                <a:ea typeface="CMU Bright" panose="02000603000000000000" pitchFamily="2" charset="0"/>
+                <a:cs typeface="CMU Bright" panose="02000603000000000000" pitchFamily="2" charset="0"/>
+              </a:rPr>
+              <a:t>Incorrect Predictions: </a:t>
+            </a:r>
+            <a:r>
+              <a:rPr lang="en-US" dirty="0">
+                <a:latin typeface="CMU Bright" panose="02000603000000000000" pitchFamily="2" charset="0"/>
+                <a:ea typeface="CMU Bright" panose="02000603000000000000" pitchFamily="2" charset="0"/>
+                <a:cs typeface="CMU Bright" panose="02000603000000000000" pitchFamily="2" charset="0"/>
+              </a:rPr>
+              <a:t>Count of when prediction does not match the actual transition (P</a:t>
+            </a:r>
+            <a:r>
+              <a:rPr lang="en-US" baseline="-25000" dirty="0">
+                <a:latin typeface="CMU Bright" panose="02000603000000000000" pitchFamily="2" charset="0"/>
+                <a:ea typeface="CMU Bright" panose="02000603000000000000" pitchFamily="2" charset="0"/>
+                <a:cs typeface="CMU Bright" panose="02000603000000000000" pitchFamily="2" charset="0"/>
+              </a:rPr>
+              <a:t>i</a:t>
+            </a:r>
+            <a:r>
+              <a:rPr lang="en-US" dirty="0">
+                <a:latin typeface="CMU Bright" panose="02000603000000000000" pitchFamily="2" charset="0"/>
+                <a:ea typeface="CMU Bright" panose="02000603000000000000" pitchFamily="2" charset="0"/>
+                <a:cs typeface="CMU Bright" panose="02000603000000000000" pitchFamily="2" charset="0"/>
+              </a:rPr>
+              <a:t>)</a:t>
+            </a:r>
+          </a:p>
+          <a:p>
+            <a:r>
+              <a:rPr lang="en-US" b="1" u="sng" dirty="0">
+                <a:latin typeface="CMU Bright" panose="02000603000000000000" pitchFamily="2" charset="0"/>
+                <a:ea typeface="CMU Bright" panose="02000603000000000000" pitchFamily="2" charset="0"/>
+                <a:cs typeface="CMU Bright" panose="02000603000000000000" pitchFamily="2" charset="0"/>
+              </a:rPr>
+              <a:t>True Positives:</a:t>
+            </a:r>
+            <a:r>
+              <a:rPr lang="en-US" dirty="0">
+                <a:latin typeface="CMU Bright" panose="02000603000000000000" pitchFamily="2" charset="0"/>
+                <a:ea typeface="CMU Bright" panose="02000603000000000000" pitchFamily="2" charset="0"/>
+                <a:cs typeface="CMU Bright" panose="02000603000000000000" pitchFamily="2" charset="0"/>
+              </a:rPr>
+              <a:t> Count of transitions made and predicted. When users moves from A to B and the prediction also suggested that user moves from A to some point (TP)</a:t>
+            </a:r>
+            <a:endParaRPr lang="en-US" baseline="-25000" dirty="0">
+              <a:latin typeface="CMU Bright" panose="02000603000000000000" pitchFamily="2" charset="0"/>
+              <a:ea typeface="CMU Bright" panose="02000603000000000000" pitchFamily="2" charset="0"/>
+              <a:cs typeface="CMU Bright" panose="02000603000000000000" pitchFamily="2" charset="0"/>
+            </a:endParaRPr>
+          </a:p>
+          <a:p>
+            <a:r>
+              <a:rPr lang="en-US" b="1" u="sng" dirty="0">
+                <a:latin typeface="CMU Bright" panose="02000603000000000000" pitchFamily="2" charset="0"/>
+                <a:ea typeface="CMU Bright" panose="02000603000000000000" pitchFamily="2" charset="0"/>
+                <a:cs typeface="CMU Bright" panose="02000603000000000000" pitchFamily="2" charset="0"/>
+              </a:rPr>
+              <a:t>False Positives: </a:t>
+            </a:r>
+            <a:r>
+              <a:rPr lang="en-US" dirty="0">
+                <a:latin typeface="CMU Bright" panose="02000603000000000000" pitchFamily="2" charset="0"/>
+                <a:ea typeface="CMU Bright" panose="02000603000000000000" pitchFamily="2" charset="0"/>
+                <a:cs typeface="CMU Bright" panose="02000603000000000000" pitchFamily="2" charset="0"/>
+              </a:rPr>
+              <a:t>Count of transitions not made but predicted (FP)</a:t>
+            </a:r>
+          </a:p>
+          <a:p>
+            <a:r>
+              <a:rPr lang="en-US" b="1" u="sng" dirty="0">
+                <a:latin typeface="CMU Bright" panose="02000603000000000000" pitchFamily="2" charset="0"/>
+                <a:ea typeface="CMU Bright" panose="02000603000000000000" pitchFamily="2" charset="0"/>
+                <a:cs typeface="CMU Bright" panose="02000603000000000000" pitchFamily="2" charset="0"/>
+              </a:rPr>
+              <a:t>False Negatives: </a:t>
+            </a:r>
+            <a:r>
+              <a:rPr lang="en-US" dirty="0">
+                <a:latin typeface="CMU Bright" panose="02000603000000000000" pitchFamily="2" charset="0"/>
+                <a:ea typeface="CMU Bright" panose="02000603000000000000" pitchFamily="2" charset="0"/>
+                <a:cs typeface="CMU Bright" panose="02000603000000000000" pitchFamily="2" charset="0"/>
+              </a:rPr>
+              <a:t>Count of transition being made but not detected (FN)</a:t>
+            </a:r>
+          </a:p>
+          <a:p>
+            <a:r>
+              <a:rPr lang="en-US" b="1" u="sng" dirty="0">
+                <a:latin typeface="CMU Bright" panose="02000603000000000000" pitchFamily="2" charset="0"/>
+                <a:ea typeface="CMU Bright" panose="02000603000000000000" pitchFamily="2" charset="0"/>
+                <a:cs typeface="CMU Bright" panose="02000603000000000000" pitchFamily="2" charset="0"/>
+              </a:rPr>
+              <a:t>True Negative: </a:t>
+            </a:r>
+            <a:r>
+              <a:rPr lang="en-US" dirty="0">
+                <a:latin typeface="CMU Bright" panose="02000603000000000000" pitchFamily="2" charset="0"/>
+                <a:ea typeface="CMU Bright" panose="02000603000000000000" pitchFamily="2" charset="0"/>
+                <a:cs typeface="CMU Bright" panose="02000603000000000000" pitchFamily="2" charset="0"/>
+              </a:rPr>
+              <a:t>Count of transitions not made and not predicted (TN)</a:t>
+            </a:r>
+          </a:p>
+          <a:p>
+            <a:endParaRPr lang="en-US" b="1" u="sng" dirty="0">
+              <a:latin typeface="CMU Bright" panose="02000603000000000000" pitchFamily="2" charset="0"/>
+              <a:ea typeface="CMU Bright" panose="02000603000000000000" pitchFamily="2" charset="0"/>
+              <a:cs typeface="CMU Bright" panose="02000603000000000000" pitchFamily="2" charset="0"/>
+            </a:endParaRPr>
+          </a:p>
+          <a:p>
+            <a:r>
+              <a:rPr lang="en-US" i="1" dirty="0">
+                <a:solidFill>
+                  <a:schemeClr val="tx1">
+                    <a:lumMod val="50000"/>
+                    <a:lumOff val="50000"/>
+                  </a:schemeClr>
+                </a:solidFill>
+                <a:latin typeface="CMU Bright" panose="02000603000000000000" pitchFamily="2" charset="0"/>
+                <a:ea typeface="CMU Bright" panose="02000603000000000000" pitchFamily="2" charset="0"/>
+                <a:cs typeface="CMU Bright" panose="02000603000000000000" pitchFamily="2" charset="0"/>
+              </a:rPr>
+              <a:t>Accuracy(%) = P</a:t>
+            </a:r>
+            <a:r>
+              <a:rPr lang="en-US" i="1" baseline="-25000" dirty="0">
+                <a:solidFill>
+                  <a:schemeClr val="tx1">
+                    <a:lumMod val="50000"/>
+                    <a:lumOff val="50000"/>
+                  </a:schemeClr>
+                </a:solidFill>
+                <a:latin typeface="CMU Bright" panose="02000603000000000000" pitchFamily="2" charset="0"/>
+                <a:ea typeface="CMU Bright" panose="02000603000000000000" pitchFamily="2" charset="0"/>
+                <a:cs typeface="CMU Bright" panose="02000603000000000000" pitchFamily="2" charset="0"/>
+              </a:rPr>
+              <a:t>c</a:t>
+            </a:r>
+            <a:r>
+              <a:rPr lang="en-US" i="1" dirty="0">
+                <a:solidFill>
+                  <a:schemeClr val="tx1">
+                    <a:lumMod val="50000"/>
+                    <a:lumOff val="50000"/>
+                  </a:schemeClr>
+                </a:solidFill>
+                <a:latin typeface="CMU Bright" panose="02000603000000000000" pitchFamily="2" charset="0"/>
+                <a:ea typeface="CMU Bright" panose="02000603000000000000" pitchFamily="2" charset="0"/>
+                <a:cs typeface="CMU Bright" panose="02000603000000000000" pitchFamily="2" charset="0"/>
+              </a:rPr>
+              <a:t> / T</a:t>
+            </a:r>
+            <a:r>
+              <a:rPr lang="en-US" i="1" baseline="-25000" dirty="0">
+                <a:solidFill>
+                  <a:schemeClr val="tx1">
+                    <a:lumMod val="50000"/>
+                    <a:lumOff val="50000"/>
+                  </a:schemeClr>
+                </a:solidFill>
+                <a:latin typeface="CMU Bright" panose="02000603000000000000" pitchFamily="2" charset="0"/>
+                <a:ea typeface="CMU Bright" panose="02000603000000000000" pitchFamily="2" charset="0"/>
+                <a:cs typeface="CMU Bright" panose="02000603000000000000" pitchFamily="2" charset="0"/>
+              </a:rPr>
+              <a:t>p</a:t>
+            </a:r>
+            <a:r>
+              <a:rPr lang="en-US" i="1" dirty="0">
+                <a:solidFill>
+                  <a:schemeClr val="tx1">
+                    <a:lumMod val="50000"/>
+                    <a:lumOff val="50000"/>
+                  </a:schemeClr>
+                </a:solidFill>
+                <a:latin typeface="CMU Bright" panose="02000603000000000000" pitchFamily="2" charset="0"/>
+                <a:ea typeface="CMU Bright" panose="02000603000000000000" pitchFamily="2" charset="0"/>
+                <a:cs typeface="CMU Bright" panose="02000603000000000000" pitchFamily="2" charset="0"/>
+              </a:rPr>
+              <a:t> * 100</a:t>
+            </a:r>
+          </a:p>
+          <a:p>
+            <a:r>
+              <a:rPr lang="en-US" i="1" dirty="0">
+                <a:solidFill>
+                  <a:schemeClr val="tx1">
+                    <a:lumMod val="50000"/>
+                    <a:lumOff val="50000"/>
+                  </a:schemeClr>
+                </a:solidFill>
+                <a:latin typeface="CMU Bright" panose="02000603000000000000" pitchFamily="2" charset="0"/>
+                <a:ea typeface="CMU Bright" panose="02000603000000000000" pitchFamily="2" charset="0"/>
+                <a:cs typeface="CMU Bright" panose="02000603000000000000" pitchFamily="2" charset="0"/>
+              </a:rPr>
+              <a:t>True Positive Rate(%) = TP/(TP+FN) * 100</a:t>
+            </a:r>
+          </a:p>
+          <a:p>
+            <a:r>
+              <a:rPr lang="en-US" i="1" dirty="0">
+                <a:solidFill>
+                  <a:schemeClr val="tx1">
+                    <a:lumMod val="50000"/>
+                    <a:lumOff val="50000"/>
+                  </a:schemeClr>
+                </a:solidFill>
+                <a:latin typeface="CMU Bright" panose="02000603000000000000" pitchFamily="2" charset="0"/>
+                <a:ea typeface="CMU Bright" panose="02000603000000000000" pitchFamily="2" charset="0"/>
+                <a:cs typeface="CMU Bright" panose="02000603000000000000" pitchFamily="2" charset="0"/>
+              </a:rPr>
+              <a:t>False Positive Rate(%) = FP/(FP+TN) * 100</a:t>
+            </a:r>
+          </a:p>
+          <a:p>
+            <a:r>
+              <a:rPr lang="en-US" i="1" dirty="0">
+                <a:solidFill>
+                  <a:schemeClr val="tx1">
+                    <a:lumMod val="50000"/>
+                    <a:lumOff val="50000"/>
+                  </a:schemeClr>
+                </a:solidFill>
+                <a:latin typeface="CMU Bright" panose="02000603000000000000" pitchFamily="2" charset="0"/>
+                <a:ea typeface="CMU Bright" panose="02000603000000000000" pitchFamily="2" charset="0"/>
+                <a:cs typeface="CMU Bright" panose="02000603000000000000" pitchFamily="2" charset="0"/>
+              </a:rPr>
+              <a:t>Accuracy Positives(%) = (TP+TN)/T</a:t>
+            </a:r>
+            <a:r>
+              <a:rPr lang="en-US" i="1" baseline="-25000" dirty="0">
+                <a:solidFill>
+                  <a:schemeClr val="tx1">
+                    <a:lumMod val="50000"/>
+                    <a:lumOff val="50000"/>
+                  </a:schemeClr>
+                </a:solidFill>
+                <a:latin typeface="CMU Bright" panose="02000603000000000000" pitchFamily="2" charset="0"/>
+                <a:ea typeface="CMU Bright" panose="02000603000000000000" pitchFamily="2" charset="0"/>
+                <a:cs typeface="CMU Bright" panose="02000603000000000000" pitchFamily="2" charset="0"/>
+              </a:rPr>
+              <a:t>p </a:t>
+            </a:r>
+            <a:r>
+              <a:rPr lang="en-US" i="1" dirty="0">
+                <a:solidFill>
+                  <a:schemeClr val="tx1">
+                    <a:lumMod val="50000"/>
+                    <a:lumOff val="50000"/>
+                  </a:schemeClr>
+                </a:solidFill>
+                <a:latin typeface="CMU Bright" panose="02000603000000000000" pitchFamily="2" charset="0"/>
+                <a:ea typeface="CMU Bright" panose="02000603000000000000" pitchFamily="2" charset="0"/>
+                <a:cs typeface="CMU Bright" panose="02000603000000000000" pitchFamily="2" charset="0"/>
+              </a:rPr>
+              <a:t> * 100</a:t>
+            </a:r>
+          </a:p>
+          <a:p>
+            <a:r>
+              <a:rPr lang="en-US" i="1" dirty="0">
+                <a:solidFill>
+                  <a:schemeClr val="tx1">
+                    <a:lumMod val="50000"/>
+                    <a:lumOff val="50000"/>
+                  </a:schemeClr>
+                </a:solidFill>
+                <a:latin typeface="CMU Bright" panose="02000603000000000000" pitchFamily="2" charset="0"/>
+                <a:ea typeface="CMU Bright" panose="02000603000000000000" pitchFamily="2" charset="0"/>
+                <a:cs typeface="CMU Bright" panose="02000603000000000000" pitchFamily="2" charset="0"/>
+              </a:rPr>
+              <a:t>Positive Predictive Value = TP/(TP+FP) * 100</a:t>
+            </a:r>
+          </a:p>
+          <a:p>
+            <a:r>
+              <a:rPr lang="en-US" i="1" dirty="0">
+                <a:solidFill>
+                  <a:schemeClr val="tx1">
+                    <a:lumMod val="50000"/>
+                    <a:lumOff val="50000"/>
+                  </a:schemeClr>
+                </a:solidFill>
+                <a:latin typeface="CMU Bright" panose="02000603000000000000" pitchFamily="2" charset="0"/>
+                <a:ea typeface="CMU Bright" panose="02000603000000000000" pitchFamily="2" charset="0"/>
+                <a:cs typeface="CMU Bright" panose="02000603000000000000" pitchFamily="2" charset="0"/>
+              </a:rPr>
+              <a:t>False Discovery Rate(%) = FP/(TP+FP) * 100</a:t>
+            </a:r>
+          </a:p>
+          <a:p>
+            <a:endParaRPr lang="en-US" b="1" u="sng" dirty="0">
+              <a:latin typeface="CMU Bright" panose="02000603000000000000" pitchFamily="2" charset="0"/>
+              <a:ea typeface="CMU Bright" panose="02000603000000000000" pitchFamily="2" charset="0"/>
+              <a:cs typeface="CMU Bright" panose="02000603000000000000" pitchFamily="2" charset="0"/>
+            </a:endParaRPr>
+          </a:p>
+        </p:txBody>
+      </p:sp>
+    </p:spTree>
+    <p:extLst>
+      <p:ext uri="{BB962C8B-B14F-4D97-AF65-F5344CB8AC3E}">
+        <p14:creationId xmlns:p14="http://schemas.microsoft.com/office/powerpoint/2010/main" val="3808173032"/>
+      </p:ext>
+    </p:extLst>
+  </p:cSld>
+  <p:clrMapOvr>
+    <a:masterClrMapping/>
+  </p:clrMapOvr>
+</p:sld>
+</file>
+
+<file path=ppt/slides/slide20.xml><?xml version="1.0" encoding="utf-8"?>
 <p:sld xmlns:a="http://schemas.openxmlformats.org/drawingml/2006/main" xmlns:r="http://schemas.openxmlformats.org/officeDocument/2006/relationships" xmlns:p="http://schemas.openxmlformats.org/presentationml/2006/main">
   <p:cSld>
     <p:bg>
@@ -8964,462 +9630,7 @@
 </p:sld>
 </file>
 
-<file path=ppt/slides/slide2.xml><?xml version="1.0" encoding="utf-8"?>
-<p:sld xmlns:a="http://schemas.openxmlformats.org/drawingml/2006/main" xmlns:r="http://schemas.openxmlformats.org/officeDocument/2006/relationships" xmlns:p="http://schemas.openxmlformats.org/presentationml/2006/main">
-  <p:cSld>
-    <p:spTree>
-      <p:nvGrpSpPr>
-        <p:cNvPr id="1" name=""/>
-        <p:cNvGrpSpPr/>
-        <p:nvPr/>
-      </p:nvGrpSpPr>
-      <p:grpSpPr>
-        <a:xfrm>
-          <a:off x="0" y="0"/>
-          <a:ext cx="0" cy="0"/>
-          <a:chOff x="0" y="0"/>
-          <a:chExt cx="0" cy="0"/>
-        </a:xfrm>
-      </p:grpSpPr>
-      <p:sp>
-        <p:nvSpPr>
-          <p:cNvPr id="4" name="TextBox 3">
-            <a:extLst>
-              <a:ext uri="{FF2B5EF4-FFF2-40B4-BE49-F238E27FC236}">
-                <a16:creationId xmlns:a16="http://schemas.microsoft.com/office/drawing/2014/main" id="{79402832-A96C-4330-A9A6-7D634631D7BF}"/>
-              </a:ext>
-            </a:extLst>
-          </p:cNvPr>
-          <p:cNvSpPr txBox="1"/>
-          <p:nvPr/>
-        </p:nvSpPr>
-        <p:spPr>
-          <a:xfrm>
-            <a:off x="1767254" y="501160"/>
-            <a:ext cx="7622931" cy="6093976"/>
-          </a:xfrm>
-          <a:prstGeom prst="rect">
-            <a:avLst/>
-          </a:prstGeom>
-          <a:noFill/>
-        </p:spPr>
-        <p:txBody>
-          <a:bodyPr wrap="square" rtlCol="0">
-            <a:spAutoFit/>
-          </a:bodyPr>
-          <a:lstStyle/>
-          <a:p>
-            <a:pPr algn="ctr"/>
-            <a:r>
-              <a:rPr lang="en-US" sz="2800" b="1" u="sng" dirty="0">
-                <a:latin typeface="CMU Bright" panose="02000603000000000000" pitchFamily="2" charset="0"/>
-                <a:ea typeface="CMU Bright" panose="02000603000000000000" pitchFamily="2" charset="0"/>
-                <a:cs typeface="CMU Bright" panose="02000603000000000000" pitchFamily="2" charset="0"/>
-              </a:rPr>
-              <a:t>Prediction Parameters:</a:t>
-            </a:r>
-          </a:p>
-          <a:p>
-            <a:endParaRPr lang="en-US" dirty="0">
-              <a:latin typeface="CMU Bright" panose="02000603000000000000" pitchFamily="2" charset="0"/>
-              <a:ea typeface="CMU Bright" panose="02000603000000000000" pitchFamily="2" charset="0"/>
-              <a:cs typeface="CMU Bright" panose="02000603000000000000" pitchFamily="2" charset="0"/>
-            </a:endParaRPr>
-          </a:p>
-          <a:p>
-            <a:r>
-              <a:rPr lang="en-US" b="1" u="sng" dirty="0">
-                <a:latin typeface="CMU Bright" panose="02000603000000000000" pitchFamily="2" charset="0"/>
-                <a:ea typeface="CMU Bright" panose="02000603000000000000" pitchFamily="2" charset="0"/>
-                <a:cs typeface="CMU Bright" panose="02000603000000000000" pitchFamily="2" charset="0"/>
-              </a:rPr>
-              <a:t>Total predictions: </a:t>
-            </a:r>
-            <a:r>
-              <a:rPr lang="en-US" dirty="0">
-                <a:latin typeface="CMU Bright" panose="02000603000000000000" pitchFamily="2" charset="0"/>
-                <a:ea typeface="CMU Bright" panose="02000603000000000000" pitchFamily="2" charset="0"/>
-                <a:cs typeface="CMU Bright" panose="02000603000000000000" pitchFamily="2" charset="0"/>
-              </a:rPr>
-              <a:t>Count of total predictions made (T</a:t>
-            </a:r>
-            <a:r>
-              <a:rPr lang="en-US" sz="2000" baseline="-25000" dirty="0">
-                <a:latin typeface="CMU Bright" panose="02000603000000000000" pitchFamily="2" charset="0"/>
-                <a:ea typeface="CMU Bright" panose="02000603000000000000" pitchFamily="2" charset="0"/>
-                <a:cs typeface="CMU Bright" panose="02000603000000000000" pitchFamily="2" charset="0"/>
-              </a:rPr>
-              <a:t>p</a:t>
-            </a:r>
-            <a:r>
-              <a:rPr lang="en-US" sz="2000" dirty="0">
-                <a:latin typeface="CMU Bright" panose="02000603000000000000" pitchFamily="2" charset="0"/>
-                <a:ea typeface="CMU Bright" panose="02000603000000000000" pitchFamily="2" charset="0"/>
-                <a:cs typeface="CMU Bright" panose="02000603000000000000" pitchFamily="2" charset="0"/>
-              </a:rPr>
-              <a:t>)</a:t>
-            </a:r>
-            <a:endParaRPr lang="en-US" dirty="0">
-              <a:latin typeface="CMU Bright" panose="02000603000000000000" pitchFamily="2" charset="0"/>
-              <a:ea typeface="CMU Bright" panose="02000603000000000000" pitchFamily="2" charset="0"/>
-              <a:cs typeface="CMU Bright" panose="02000603000000000000" pitchFamily="2" charset="0"/>
-            </a:endParaRPr>
-          </a:p>
-          <a:p>
-            <a:r>
-              <a:rPr lang="en-US" b="1" u="sng" dirty="0">
-                <a:latin typeface="CMU Bright" panose="02000603000000000000" pitchFamily="2" charset="0"/>
-                <a:ea typeface="CMU Bright" panose="02000603000000000000" pitchFamily="2" charset="0"/>
-                <a:cs typeface="CMU Bright" panose="02000603000000000000" pitchFamily="2" charset="0"/>
-              </a:rPr>
-              <a:t>Correct Predictions:</a:t>
-            </a:r>
-            <a:r>
-              <a:rPr lang="en-US" dirty="0">
-                <a:latin typeface="CMU Bright" panose="02000603000000000000" pitchFamily="2" charset="0"/>
-                <a:ea typeface="CMU Bright" panose="02000603000000000000" pitchFamily="2" charset="0"/>
-                <a:cs typeface="CMU Bright" panose="02000603000000000000" pitchFamily="2" charset="0"/>
-              </a:rPr>
-              <a:t> Count of when a prediction and the actual transition matches (P</a:t>
-            </a:r>
-            <a:r>
-              <a:rPr lang="en-US" baseline="-25000" dirty="0">
-                <a:latin typeface="CMU Bright" panose="02000603000000000000" pitchFamily="2" charset="0"/>
-                <a:ea typeface="CMU Bright" panose="02000603000000000000" pitchFamily="2" charset="0"/>
-                <a:cs typeface="CMU Bright" panose="02000603000000000000" pitchFamily="2" charset="0"/>
-              </a:rPr>
-              <a:t>c</a:t>
-            </a:r>
-            <a:r>
-              <a:rPr lang="en-US" dirty="0">
-                <a:latin typeface="CMU Bright" panose="02000603000000000000" pitchFamily="2" charset="0"/>
-                <a:ea typeface="CMU Bright" panose="02000603000000000000" pitchFamily="2" charset="0"/>
-                <a:cs typeface="CMU Bright" panose="02000603000000000000" pitchFamily="2" charset="0"/>
-              </a:rPr>
-              <a:t>)</a:t>
-            </a:r>
-          </a:p>
-          <a:p>
-            <a:r>
-              <a:rPr lang="en-US" b="1" u="sng" dirty="0">
-                <a:latin typeface="CMU Bright" panose="02000603000000000000" pitchFamily="2" charset="0"/>
-                <a:ea typeface="CMU Bright" panose="02000603000000000000" pitchFamily="2" charset="0"/>
-                <a:cs typeface="CMU Bright" panose="02000603000000000000" pitchFamily="2" charset="0"/>
-              </a:rPr>
-              <a:t>Incorrect Predictions: </a:t>
-            </a:r>
-            <a:r>
-              <a:rPr lang="en-US" dirty="0">
-                <a:latin typeface="CMU Bright" panose="02000603000000000000" pitchFamily="2" charset="0"/>
-                <a:ea typeface="CMU Bright" panose="02000603000000000000" pitchFamily="2" charset="0"/>
-                <a:cs typeface="CMU Bright" panose="02000603000000000000" pitchFamily="2" charset="0"/>
-              </a:rPr>
-              <a:t>Count of when prediction does not match the actual transition (P</a:t>
-            </a:r>
-            <a:r>
-              <a:rPr lang="en-US" baseline="-25000" dirty="0">
-                <a:latin typeface="CMU Bright" panose="02000603000000000000" pitchFamily="2" charset="0"/>
-                <a:ea typeface="CMU Bright" panose="02000603000000000000" pitchFamily="2" charset="0"/>
-                <a:cs typeface="CMU Bright" panose="02000603000000000000" pitchFamily="2" charset="0"/>
-              </a:rPr>
-              <a:t>i</a:t>
-            </a:r>
-            <a:r>
-              <a:rPr lang="en-US" dirty="0">
-                <a:latin typeface="CMU Bright" panose="02000603000000000000" pitchFamily="2" charset="0"/>
-                <a:ea typeface="CMU Bright" panose="02000603000000000000" pitchFamily="2" charset="0"/>
-                <a:cs typeface="CMU Bright" panose="02000603000000000000" pitchFamily="2" charset="0"/>
-              </a:rPr>
-              <a:t>)</a:t>
-            </a:r>
-          </a:p>
-          <a:p>
-            <a:r>
-              <a:rPr lang="en-US" b="1" u="sng" dirty="0">
-                <a:latin typeface="CMU Bright" panose="02000603000000000000" pitchFamily="2" charset="0"/>
-                <a:ea typeface="CMU Bright" panose="02000603000000000000" pitchFamily="2" charset="0"/>
-                <a:cs typeface="CMU Bright" panose="02000603000000000000" pitchFamily="2" charset="0"/>
-              </a:rPr>
-              <a:t>True Positives:</a:t>
-            </a:r>
-            <a:r>
-              <a:rPr lang="en-US" dirty="0">
-                <a:latin typeface="CMU Bright" panose="02000603000000000000" pitchFamily="2" charset="0"/>
-                <a:ea typeface="CMU Bright" panose="02000603000000000000" pitchFamily="2" charset="0"/>
-                <a:cs typeface="CMU Bright" panose="02000603000000000000" pitchFamily="2" charset="0"/>
-              </a:rPr>
-              <a:t> Count of transitions made and predicted. When users moves from A to B and the prediction also suggested that user moves from A to some point (TP)</a:t>
-            </a:r>
-            <a:endParaRPr lang="en-US" baseline="-25000" dirty="0">
-              <a:latin typeface="CMU Bright" panose="02000603000000000000" pitchFamily="2" charset="0"/>
-              <a:ea typeface="CMU Bright" panose="02000603000000000000" pitchFamily="2" charset="0"/>
-              <a:cs typeface="CMU Bright" panose="02000603000000000000" pitchFamily="2" charset="0"/>
-            </a:endParaRPr>
-          </a:p>
-          <a:p>
-            <a:r>
-              <a:rPr lang="en-US" b="1" u="sng" dirty="0">
-                <a:latin typeface="CMU Bright" panose="02000603000000000000" pitchFamily="2" charset="0"/>
-                <a:ea typeface="CMU Bright" panose="02000603000000000000" pitchFamily="2" charset="0"/>
-                <a:cs typeface="CMU Bright" panose="02000603000000000000" pitchFamily="2" charset="0"/>
-              </a:rPr>
-              <a:t>False Positives: </a:t>
-            </a:r>
-            <a:r>
-              <a:rPr lang="en-US" dirty="0">
-                <a:latin typeface="CMU Bright" panose="02000603000000000000" pitchFamily="2" charset="0"/>
-                <a:ea typeface="CMU Bright" panose="02000603000000000000" pitchFamily="2" charset="0"/>
-                <a:cs typeface="CMU Bright" panose="02000603000000000000" pitchFamily="2" charset="0"/>
-              </a:rPr>
-              <a:t>Count of transitions not made but predicted (FP)</a:t>
-            </a:r>
-          </a:p>
-          <a:p>
-            <a:r>
-              <a:rPr lang="en-US" b="1" u="sng" dirty="0">
-                <a:latin typeface="CMU Bright" panose="02000603000000000000" pitchFamily="2" charset="0"/>
-                <a:ea typeface="CMU Bright" panose="02000603000000000000" pitchFamily="2" charset="0"/>
-                <a:cs typeface="CMU Bright" panose="02000603000000000000" pitchFamily="2" charset="0"/>
-              </a:rPr>
-              <a:t>False Negatives: </a:t>
-            </a:r>
-            <a:r>
-              <a:rPr lang="en-US" dirty="0">
-                <a:latin typeface="CMU Bright" panose="02000603000000000000" pitchFamily="2" charset="0"/>
-                <a:ea typeface="CMU Bright" panose="02000603000000000000" pitchFamily="2" charset="0"/>
-                <a:cs typeface="CMU Bright" panose="02000603000000000000" pitchFamily="2" charset="0"/>
-              </a:rPr>
-              <a:t>Count of transition being made but not detected (FN)</a:t>
-            </a:r>
-          </a:p>
-          <a:p>
-            <a:r>
-              <a:rPr lang="en-US" b="1" u="sng" dirty="0">
-                <a:latin typeface="CMU Bright" panose="02000603000000000000" pitchFamily="2" charset="0"/>
-                <a:ea typeface="CMU Bright" panose="02000603000000000000" pitchFamily="2" charset="0"/>
-                <a:cs typeface="CMU Bright" panose="02000603000000000000" pitchFamily="2" charset="0"/>
-              </a:rPr>
-              <a:t>True Negative: </a:t>
-            </a:r>
-            <a:r>
-              <a:rPr lang="en-US" dirty="0">
-                <a:latin typeface="CMU Bright" panose="02000603000000000000" pitchFamily="2" charset="0"/>
-                <a:ea typeface="CMU Bright" panose="02000603000000000000" pitchFamily="2" charset="0"/>
-                <a:cs typeface="CMU Bright" panose="02000603000000000000" pitchFamily="2" charset="0"/>
-              </a:rPr>
-              <a:t>Count of transitions not made and not predicted (TN)</a:t>
-            </a:r>
-          </a:p>
-          <a:p>
-            <a:endParaRPr lang="en-US" b="1" u="sng" dirty="0">
-              <a:latin typeface="CMU Bright" panose="02000603000000000000" pitchFamily="2" charset="0"/>
-              <a:ea typeface="CMU Bright" panose="02000603000000000000" pitchFamily="2" charset="0"/>
-              <a:cs typeface="CMU Bright" panose="02000603000000000000" pitchFamily="2" charset="0"/>
-            </a:endParaRPr>
-          </a:p>
-          <a:p>
-            <a:r>
-              <a:rPr lang="en-US" i="1" dirty="0">
-                <a:solidFill>
-                  <a:schemeClr val="tx1">
-                    <a:lumMod val="50000"/>
-                    <a:lumOff val="50000"/>
-                  </a:schemeClr>
-                </a:solidFill>
-                <a:latin typeface="CMU Bright" panose="02000603000000000000" pitchFamily="2" charset="0"/>
-                <a:ea typeface="CMU Bright" panose="02000603000000000000" pitchFamily="2" charset="0"/>
-                <a:cs typeface="CMU Bright" panose="02000603000000000000" pitchFamily="2" charset="0"/>
-              </a:rPr>
-              <a:t>Accuracy(%) = P</a:t>
-            </a:r>
-            <a:r>
-              <a:rPr lang="en-US" i="1" baseline="-25000" dirty="0">
-                <a:solidFill>
-                  <a:schemeClr val="tx1">
-                    <a:lumMod val="50000"/>
-                    <a:lumOff val="50000"/>
-                  </a:schemeClr>
-                </a:solidFill>
-                <a:latin typeface="CMU Bright" panose="02000603000000000000" pitchFamily="2" charset="0"/>
-                <a:ea typeface="CMU Bright" panose="02000603000000000000" pitchFamily="2" charset="0"/>
-                <a:cs typeface="CMU Bright" panose="02000603000000000000" pitchFamily="2" charset="0"/>
-              </a:rPr>
-              <a:t>c</a:t>
-            </a:r>
-            <a:r>
-              <a:rPr lang="en-US" i="1" dirty="0">
-                <a:solidFill>
-                  <a:schemeClr val="tx1">
-                    <a:lumMod val="50000"/>
-                    <a:lumOff val="50000"/>
-                  </a:schemeClr>
-                </a:solidFill>
-                <a:latin typeface="CMU Bright" panose="02000603000000000000" pitchFamily="2" charset="0"/>
-                <a:ea typeface="CMU Bright" panose="02000603000000000000" pitchFamily="2" charset="0"/>
-                <a:cs typeface="CMU Bright" panose="02000603000000000000" pitchFamily="2" charset="0"/>
-              </a:rPr>
-              <a:t> / T</a:t>
-            </a:r>
-            <a:r>
-              <a:rPr lang="en-US" i="1" baseline="-25000" dirty="0">
-                <a:solidFill>
-                  <a:schemeClr val="tx1">
-                    <a:lumMod val="50000"/>
-                    <a:lumOff val="50000"/>
-                  </a:schemeClr>
-                </a:solidFill>
-                <a:latin typeface="CMU Bright" panose="02000603000000000000" pitchFamily="2" charset="0"/>
-                <a:ea typeface="CMU Bright" panose="02000603000000000000" pitchFamily="2" charset="0"/>
-                <a:cs typeface="CMU Bright" panose="02000603000000000000" pitchFamily="2" charset="0"/>
-              </a:rPr>
-              <a:t>p</a:t>
-            </a:r>
-            <a:r>
-              <a:rPr lang="en-US" i="1" dirty="0">
-                <a:solidFill>
-                  <a:schemeClr val="tx1">
-                    <a:lumMod val="50000"/>
-                    <a:lumOff val="50000"/>
-                  </a:schemeClr>
-                </a:solidFill>
-                <a:latin typeface="CMU Bright" panose="02000603000000000000" pitchFamily="2" charset="0"/>
-                <a:ea typeface="CMU Bright" panose="02000603000000000000" pitchFamily="2" charset="0"/>
-                <a:cs typeface="CMU Bright" panose="02000603000000000000" pitchFamily="2" charset="0"/>
-              </a:rPr>
-              <a:t> * 100</a:t>
-            </a:r>
-          </a:p>
-          <a:p>
-            <a:r>
-              <a:rPr lang="en-US" i="1" dirty="0">
-                <a:solidFill>
-                  <a:schemeClr val="tx1">
-                    <a:lumMod val="50000"/>
-                    <a:lumOff val="50000"/>
-                  </a:schemeClr>
-                </a:solidFill>
-                <a:latin typeface="CMU Bright" panose="02000603000000000000" pitchFamily="2" charset="0"/>
-                <a:ea typeface="CMU Bright" panose="02000603000000000000" pitchFamily="2" charset="0"/>
-                <a:cs typeface="CMU Bright" panose="02000603000000000000" pitchFamily="2" charset="0"/>
-              </a:rPr>
-              <a:t>True Positive Rate(%) = TP/(TP+FN) * 100</a:t>
-            </a:r>
-          </a:p>
-          <a:p>
-            <a:r>
-              <a:rPr lang="en-US" i="1" dirty="0">
-                <a:solidFill>
-                  <a:schemeClr val="tx1">
-                    <a:lumMod val="50000"/>
-                    <a:lumOff val="50000"/>
-                  </a:schemeClr>
-                </a:solidFill>
-                <a:latin typeface="CMU Bright" panose="02000603000000000000" pitchFamily="2" charset="0"/>
-                <a:ea typeface="CMU Bright" panose="02000603000000000000" pitchFamily="2" charset="0"/>
-                <a:cs typeface="CMU Bright" panose="02000603000000000000" pitchFamily="2" charset="0"/>
-              </a:rPr>
-              <a:t>False Positive Rate(%) = FP/(FP+TN) * 100</a:t>
-            </a:r>
-          </a:p>
-          <a:p>
-            <a:r>
-              <a:rPr lang="en-US" i="1" dirty="0">
-                <a:solidFill>
-                  <a:schemeClr val="tx1">
-                    <a:lumMod val="50000"/>
-                    <a:lumOff val="50000"/>
-                  </a:schemeClr>
-                </a:solidFill>
-                <a:latin typeface="CMU Bright" panose="02000603000000000000" pitchFamily="2" charset="0"/>
-                <a:ea typeface="CMU Bright" panose="02000603000000000000" pitchFamily="2" charset="0"/>
-                <a:cs typeface="CMU Bright" panose="02000603000000000000" pitchFamily="2" charset="0"/>
-              </a:rPr>
-              <a:t>Accuracy Positives(%) = (TP+TN)/T</a:t>
-            </a:r>
-            <a:r>
-              <a:rPr lang="en-US" i="1" baseline="-25000" dirty="0">
-                <a:solidFill>
-                  <a:schemeClr val="tx1">
-                    <a:lumMod val="50000"/>
-                    <a:lumOff val="50000"/>
-                  </a:schemeClr>
-                </a:solidFill>
-                <a:latin typeface="CMU Bright" panose="02000603000000000000" pitchFamily="2" charset="0"/>
-                <a:ea typeface="CMU Bright" panose="02000603000000000000" pitchFamily="2" charset="0"/>
-                <a:cs typeface="CMU Bright" panose="02000603000000000000" pitchFamily="2" charset="0"/>
-              </a:rPr>
-              <a:t>p </a:t>
-            </a:r>
-            <a:r>
-              <a:rPr lang="en-US" i="1" dirty="0">
-                <a:solidFill>
-                  <a:schemeClr val="tx1">
-                    <a:lumMod val="50000"/>
-                    <a:lumOff val="50000"/>
-                  </a:schemeClr>
-                </a:solidFill>
-                <a:latin typeface="CMU Bright" panose="02000603000000000000" pitchFamily="2" charset="0"/>
-                <a:ea typeface="CMU Bright" panose="02000603000000000000" pitchFamily="2" charset="0"/>
-                <a:cs typeface="CMU Bright" panose="02000603000000000000" pitchFamily="2" charset="0"/>
-              </a:rPr>
-              <a:t> * 100</a:t>
-            </a:r>
-          </a:p>
-          <a:p>
-            <a:r>
-              <a:rPr lang="en-US" i="1" dirty="0">
-                <a:solidFill>
-                  <a:schemeClr val="tx1">
-                    <a:lumMod val="50000"/>
-                    <a:lumOff val="50000"/>
-                  </a:schemeClr>
-                </a:solidFill>
-                <a:latin typeface="CMU Bright" panose="02000603000000000000" pitchFamily="2" charset="0"/>
-                <a:ea typeface="CMU Bright" panose="02000603000000000000" pitchFamily="2" charset="0"/>
-                <a:cs typeface="CMU Bright" panose="02000603000000000000" pitchFamily="2" charset="0"/>
-              </a:rPr>
-              <a:t>Positive Predictive Value = TP/(TP+FP) * 100</a:t>
-            </a:r>
-          </a:p>
-          <a:p>
-            <a:r>
-              <a:rPr lang="en-US" i="1" dirty="0">
-                <a:solidFill>
-                  <a:schemeClr val="tx1">
-                    <a:lumMod val="50000"/>
-                    <a:lumOff val="50000"/>
-                  </a:schemeClr>
-                </a:solidFill>
-                <a:latin typeface="CMU Bright" panose="02000603000000000000" pitchFamily="2" charset="0"/>
-                <a:ea typeface="CMU Bright" panose="02000603000000000000" pitchFamily="2" charset="0"/>
-                <a:cs typeface="CMU Bright" panose="02000603000000000000" pitchFamily="2" charset="0"/>
-              </a:rPr>
-              <a:t>False Discovery Rate(%) = FP/(TP+FP) * 100</a:t>
-            </a:r>
-          </a:p>
-          <a:p>
-            <a:endParaRPr lang="en-US" b="1" u="sng" dirty="0">
-              <a:latin typeface="CMU Bright" panose="02000603000000000000" pitchFamily="2" charset="0"/>
-              <a:ea typeface="CMU Bright" panose="02000603000000000000" pitchFamily="2" charset="0"/>
-              <a:cs typeface="CMU Bright" panose="02000603000000000000" pitchFamily="2" charset="0"/>
-            </a:endParaRPr>
-          </a:p>
-        </p:txBody>
-      </p:sp>
-    </p:spTree>
-    <p:extLst>
-      <p:ext uri="{BB962C8B-B14F-4D97-AF65-F5344CB8AC3E}">
-        <p14:creationId xmlns:p14="http://schemas.microsoft.com/office/powerpoint/2010/main" val="3808173032"/>
-      </p:ext>
-    </p:extLst>
-  </p:cSld>
-  <p:clrMapOvr>
-    <a:masterClrMapping/>
-  </p:clrMapOvr>
-</p:sld>
-</file>
-
-<file path=ppt/slides/slide20.xml><?xml version="1.0" encoding="utf-8"?>
+<file path=ppt/slides/slide21.xml><?xml version="1.0" encoding="utf-8"?>
 <p:sld xmlns:a="http://schemas.openxmlformats.org/drawingml/2006/main" xmlns:r="http://schemas.openxmlformats.org/officeDocument/2006/relationships" xmlns:p="http://schemas.openxmlformats.org/presentationml/2006/main">
   <p:cSld>
     <p:bg>

--- a/Writings/Predictions.pptx
+++ b/Writings/Predictions.pptx
@@ -20,12 +20,13 @@
     <p:sldId id="273" r:id="rId14"/>
     <p:sldId id="274" r:id="rId15"/>
     <p:sldId id="276" r:id="rId16"/>
-    <p:sldId id="275" r:id="rId17"/>
-    <p:sldId id="271" r:id="rId18"/>
-    <p:sldId id="272" r:id="rId19"/>
-    <p:sldId id="267" r:id="rId20"/>
-    <p:sldId id="268" r:id="rId21"/>
-    <p:sldId id="269" r:id="rId22"/>
+    <p:sldId id="277" r:id="rId17"/>
+    <p:sldId id="275" r:id="rId18"/>
+    <p:sldId id="271" r:id="rId19"/>
+    <p:sldId id="272" r:id="rId20"/>
+    <p:sldId id="267" r:id="rId21"/>
+    <p:sldId id="268" r:id="rId22"/>
+    <p:sldId id="269" r:id="rId23"/>
   </p:sldIdLst>
   <p:sldSz cx="12192000" cy="6858000"/>
   <p:notesSz cx="6858000" cy="9144000"/>
@@ -7549,6 +7550,116 @@
           <p:cNvPr id="2" name="Title 1">
             <a:extLst>
               <a:ext uri="{FF2B5EF4-FFF2-40B4-BE49-F238E27FC236}">
+                <a16:creationId xmlns:a16="http://schemas.microsoft.com/office/drawing/2014/main" id="{A511EB2B-BF4C-43E8-9731-F90BCA3CA689}"/>
+              </a:ext>
+            </a:extLst>
+          </p:cNvPr>
+          <p:cNvSpPr>
+            <a:spLocks noGrp="1"/>
+          </p:cNvSpPr>
+          <p:nvPr>
+            <p:ph type="title"/>
+          </p:nvPr>
+        </p:nvSpPr>
+        <p:spPr/>
+        <p:txBody>
+          <a:bodyPr/>
+          <a:lstStyle/>
+          <a:p>
+            <a:endParaRPr lang="en-US"/>
+          </a:p>
+        </p:txBody>
+      </p:sp>
+      <p:sp>
+        <p:nvSpPr>
+          <p:cNvPr id="3" name="Content Placeholder 2">
+            <a:extLst>
+              <a:ext uri="{FF2B5EF4-FFF2-40B4-BE49-F238E27FC236}">
+                <a16:creationId xmlns:a16="http://schemas.microsoft.com/office/drawing/2014/main" id="{F4FB3747-9A32-461C-8562-A5170D21999C}"/>
+              </a:ext>
+            </a:extLst>
+          </p:cNvPr>
+          <p:cNvSpPr>
+            <a:spLocks noGrp="1"/>
+          </p:cNvSpPr>
+          <p:nvPr>
+            <p:ph idx="1"/>
+          </p:nvPr>
+        </p:nvSpPr>
+        <p:spPr/>
+        <p:txBody>
+          <a:bodyPr/>
+          <a:lstStyle/>
+          <a:p>
+            <a:endParaRPr lang="en-US"/>
+          </a:p>
+        </p:txBody>
+      </p:sp>
+      <p:pic>
+        <p:nvPicPr>
+          <p:cNvPr id="4" name="Picture 3">
+            <a:extLst>
+              <a:ext uri="{FF2B5EF4-FFF2-40B4-BE49-F238E27FC236}">
+                <a16:creationId xmlns:a16="http://schemas.microsoft.com/office/drawing/2014/main" id="{C1D29F15-8260-46A0-A272-9897CC06B2E8}"/>
+              </a:ext>
+            </a:extLst>
+          </p:cNvPr>
+          <p:cNvPicPr>
+            <a:picLocks noChangeAspect="1"/>
+          </p:cNvPicPr>
+          <p:nvPr/>
+        </p:nvPicPr>
+        <p:blipFill>
+          <a:blip r:embed="rId2"/>
+          <a:stretch>
+            <a:fillRect/>
+          </a:stretch>
+        </p:blipFill>
+        <p:spPr>
+          <a:xfrm>
+            <a:off x="3082212" y="0"/>
+            <a:ext cx="6027576" cy="6858000"/>
+          </a:xfrm>
+          <a:prstGeom prst="rect">
+            <a:avLst/>
+          </a:prstGeom>
+        </p:spPr>
+      </p:pic>
+    </p:spTree>
+    <p:extLst>
+      <p:ext uri="{BB962C8B-B14F-4D97-AF65-F5344CB8AC3E}">
+        <p14:creationId xmlns:p14="http://schemas.microsoft.com/office/powerpoint/2010/main" val="4232610760"/>
+      </p:ext>
+    </p:extLst>
+  </p:cSld>
+  <p:clrMapOvr>
+    <a:masterClrMapping/>
+  </p:clrMapOvr>
+</p:sld>
+</file>
+
+<file path=ppt/slides/slide17.xml><?xml version="1.0" encoding="utf-8"?>
+<p:sld xmlns:a="http://schemas.openxmlformats.org/drawingml/2006/main" xmlns:r="http://schemas.openxmlformats.org/officeDocument/2006/relationships" xmlns:p="http://schemas.openxmlformats.org/presentationml/2006/main">
+  <p:cSld>
+    <p:spTree>
+      <p:nvGrpSpPr>
+        <p:cNvPr id="1" name=""/>
+        <p:cNvGrpSpPr/>
+        <p:nvPr/>
+      </p:nvGrpSpPr>
+      <p:grpSpPr>
+        <a:xfrm>
+          <a:off x="0" y="0"/>
+          <a:ext cx="0" cy="0"/>
+          <a:chOff x="0" y="0"/>
+          <a:chExt cx="0" cy="0"/>
+        </a:xfrm>
+      </p:grpSpPr>
+      <p:sp>
+        <p:nvSpPr>
+          <p:cNvPr id="2" name="Title 1">
+            <a:extLst>
+              <a:ext uri="{FF2B5EF4-FFF2-40B4-BE49-F238E27FC236}">
                 <a16:creationId xmlns:a16="http://schemas.microsoft.com/office/drawing/2014/main" id="{88DE741C-324A-4456-A94C-1E754A348F3B}"/>
               </a:ext>
             </a:extLst>
@@ -7646,7 +7757,7 @@
 </p:sld>
 </file>
 
-<file path=ppt/slides/slide17.xml><?xml version="1.0" encoding="utf-8"?>
+<file path=ppt/slides/slide18.xml><?xml version="1.0" encoding="utf-8"?>
 <p:sld xmlns:a="http://schemas.openxmlformats.org/drawingml/2006/main" xmlns:r="http://schemas.openxmlformats.org/officeDocument/2006/relationships" xmlns:p="http://schemas.openxmlformats.org/presentationml/2006/main">
   <p:cSld>
     <p:bg>
@@ -8246,7 +8357,7 @@
 </p:sld>
 </file>
 
-<file path=ppt/slides/slide18.xml><?xml version="1.0" encoding="utf-8"?>
+<file path=ppt/slides/slide19.xml><?xml version="1.0" encoding="utf-8"?>
 <p:sld xmlns:a="http://schemas.openxmlformats.org/drawingml/2006/main" xmlns:r="http://schemas.openxmlformats.org/officeDocument/2006/relationships" xmlns:p="http://schemas.openxmlformats.org/presentationml/2006/main">
   <p:cSld>
     <p:spTree>
@@ -8612,315 +8723,6 @@
 </p:sld>
 </file>
 
-<file path=ppt/slides/slide19.xml><?xml version="1.0" encoding="utf-8"?>
-<p:sld xmlns:a="http://schemas.openxmlformats.org/drawingml/2006/main" xmlns:r="http://schemas.openxmlformats.org/officeDocument/2006/relationships" xmlns:p="http://schemas.openxmlformats.org/presentationml/2006/main">
-  <p:cSld>
-    <p:bg>
-      <p:bgPr>
-        <a:solidFill>
-          <a:schemeClr val="bg1"/>
-        </a:solidFill>
-        <a:effectLst/>
-      </p:bgPr>
-    </p:bg>
-    <p:spTree>
-      <p:nvGrpSpPr>
-        <p:cNvPr id="1" name=""/>
-        <p:cNvGrpSpPr/>
-        <p:nvPr/>
-      </p:nvGrpSpPr>
-      <p:grpSpPr>
-        <a:xfrm>
-          <a:off x="0" y="0"/>
-          <a:ext cx="0" cy="0"/>
-          <a:chOff x="0" y="0"/>
-          <a:chExt cx="0" cy="0"/>
-        </a:xfrm>
-      </p:grpSpPr>
-      <p:sp>
-        <p:nvSpPr>
-          <p:cNvPr id="10" name="Rectangle 9">
-            <a:extLst>
-              <a:ext uri="{FF2B5EF4-FFF2-40B4-BE49-F238E27FC236}">
-                <a16:creationId xmlns:a16="http://schemas.microsoft.com/office/drawing/2014/main" id="{6753252F-4873-4F63-801D-CC719279A7D5}"/>
-              </a:ext>
-              <a:ext uri="{C183D7F6-B498-43B3-948B-1728B52AA6E4}">
-                <adec:decorative xmlns:adec="http://schemas.microsoft.com/office/drawing/2017/decorative" val="1"/>
-              </a:ext>
-            </a:extLst>
-          </p:cNvPr>
-          <p:cNvSpPr>
-            <a:spLocks noGrp="1" noRot="1" noChangeAspect="1" noMove="1" noResize="1" noEditPoints="1" noAdjustHandles="1" noChangeArrowheads="1" noChangeShapeType="1" noTextEdit="1"/>
-          </p:cNvSpPr>
-          <p:nvPr>
-            <p:extLst>
-              <p:ext uri="{386F3935-93C4-4BCD-93E2-E3B085C9AB24}">
-                <p16:designElem xmlns:p16="http://schemas.microsoft.com/office/powerpoint/2015/main" val="1"/>
-              </p:ext>
-            </p:extLst>
-          </p:nvPr>
-        </p:nvSpPr>
-        <p:spPr>
-          <a:xfrm>
-            <a:off x="0" y="0"/>
-            <a:ext cx="12192000" cy="6858000"/>
-          </a:xfrm>
-          <a:prstGeom prst="rect">
-            <a:avLst/>
-          </a:prstGeom>
-          <a:solidFill>
-            <a:srgbClr val="FFFFFF"/>
-          </a:solidFill>
-          <a:ln>
-            <a:noFill/>
-          </a:ln>
-        </p:spPr>
-        <p:style>
-          <a:lnRef idx="2">
-            <a:schemeClr val="accent1">
-              <a:shade val="50000"/>
-            </a:schemeClr>
-          </a:lnRef>
-          <a:fillRef idx="1">
-            <a:schemeClr val="accent1"/>
-          </a:fillRef>
-          <a:effectRef idx="0">
-            <a:schemeClr val="accent1"/>
-          </a:effectRef>
-          <a:fontRef idx="minor">
-            <a:schemeClr val="lt1"/>
-          </a:fontRef>
-        </p:style>
-        <p:txBody>
-          <a:bodyPr rtlCol="0" anchor="ctr"/>
-          <a:lstStyle/>
-          <a:p>
-            <a:pPr algn="ctr"/>
-            <a:endParaRPr lang="en-US"/>
-          </a:p>
-        </p:txBody>
-      </p:sp>
-      <p:sp>
-        <p:nvSpPr>
-          <p:cNvPr id="12" name="Rectangle 11">
-            <a:extLst>
-              <a:ext uri="{FF2B5EF4-FFF2-40B4-BE49-F238E27FC236}">
-                <a16:creationId xmlns:a16="http://schemas.microsoft.com/office/drawing/2014/main" id="{047C8CCB-F95D-4249-92DD-651249D3535A}"/>
-              </a:ext>
-              <a:ext uri="{C183D7F6-B498-43B3-948B-1728B52AA6E4}">
-                <adec:decorative xmlns:adec="http://schemas.microsoft.com/office/drawing/2017/decorative" val="1"/>
-              </a:ext>
-            </a:extLst>
-          </p:cNvPr>
-          <p:cNvSpPr>
-            <a:spLocks noGrp="1" noRot="1" noChangeAspect="1" noMove="1" noResize="1" noEditPoints="1" noAdjustHandles="1" noChangeArrowheads="1" noChangeShapeType="1" noTextEdit="1"/>
-          </p:cNvSpPr>
-          <p:nvPr>
-            <p:extLst>
-              <p:ext uri="{386F3935-93C4-4BCD-93E2-E3B085C9AB24}">
-                <p16:designElem xmlns:p16="http://schemas.microsoft.com/office/powerpoint/2015/main" val="1"/>
-              </p:ext>
-            </p:extLst>
-          </p:nvPr>
-        </p:nvSpPr>
-        <p:spPr>
-          <a:xfrm>
-            <a:off x="0" y="0"/>
-            <a:ext cx="2013557" cy="6858000"/>
-          </a:xfrm>
-          <a:prstGeom prst="rect">
-            <a:avLst/>
-          </a:prstGeom>
-          <a:solidFill>
-            <a:srgbClr val="51513B"/>
-          </a:solidFill>
-          <a:ln>
-            <a:noFill/>
-          </a:ln>
-        </p:spPr>
-        <p:style>
-          <a:lnRef idx="2">
-            <a:schemeClr val="accent1">
-              <a:shade val="50000"/>
-            </a:schemeClr>
-          </a:lnRef>
-          <a:fillRef idx="1">
-            <a:schemeClr val="accent1"/>
-          </a:fillRef>
-          <a:effectRef idx="0">
-            <a:schemeClr val="accent1"/>
-          </a:effectRef>
-          <a:fontRef idx="minor">
-            <a:schemeClr val="lt1"/>
-          </a:fontRef>
-        </p:style>
-        <p:txBody>
-          <a:bodyPr rtlCol="0" anchor="ctr"/>
-          <a:lstStyle/>
-          <a:p>
-            <a:pPr algn="ctr"/>
-            <a:endParaRPr lang="en-US"/>
-          </a:p>
-        </p:txBody>
-      </p:sp>
-      <p:sp>
-        <p:nvSpPr>
-          <p:cNvPr id="2" name="Title 1">
-            <a:extLst>
-              <a:ext uri="{FF2B5EF4-FFF2-40B4-BE49-F238E27FC236}">
-                <a16:creationId xmlns:a16="http://schemas.microsoft.com/office/drawing/2014/main" id="{3760F8A1-A61F-4031-A50C-09202ABEA9DB}"/>
-              </a:ext>
-            </a:extLst>
-          </p:cNvPr>
-          <p:cNvSpPr>
-            <a:spLocks noGrp="1"/>
-          </p:cNvSpPr>
-          <p:nvPr>
-            <p:ph type="title"/>
-          </p:nvPr>
-        </p:nvSpPr>
-        <p:spPr>
-          <a:xfrm>
-            <a:off x="640080" y="2074363"/>
-            <a:ext cx="2752354" cy="2709275"/>
-          </a:xfrm>
-          <a:prstGeom prst="ellipse">
-            <a:avLst/>
-          </a:prstGeom>
-          <a:solidFill>
-            <a:srgbClr val="262626"/>
-          </a:solidFill>
-          <a:ln w="174625" cmpd="thinThick">
-            <a:solidFill>
-              <a:srgbClr val="262626"/>
-            </a:solidFill>
-          </a:ln>
-        </p:spPr>
-        <p:txBody>
-          <a:bodyPr vert="horz" lIns="91440" tIns="45720" rIns="91440" bIns="45720" rtlCol="0" anchor="ctr">
-            <a:normAutofit/>
-          </a:bodyPr>
-          <a:lstStyle/>
-          <a:p>
-            <a:pPr algn="ctr"/>
-            <a:r>
-              <a:rPr lang="en-US" sz="2600" kern="1200" dirty="0">
-                <a:solidFill>
-                  <a:srgbClr val="FFFFFF"/>
-                </a:solidFill>
-                <a:latin typeface="+mj-lt"/>
-                <a:ea typeface="+mj-ea"/>
-                <a:cs typeface="+mj-cs"/>
-              </a:rPr>
-              <a:t>User </a:t>
-            </a:r>
-            <a:r>
-              <a:rPr lang="en-US" sz="2600" dirty="0">
-                <a:solidFill>
-                  <a:srgbClr val="FFFFFF"/>
-                </a:solidFill>
-              </a:rPr>
-              <a:t>2</a:t>
-            </a:r>
-            <a:r>
-              <a:rPr lang="en-US" sz="2600" kern="1200" dirty="0">
-                <a:solidFill>
-                  <a:srgbClr val="FFFFFF"/>
-                </a:solidFill>
-                <a:latin typeface="+mj-lt"/>
-                <a:ea typeface="+mj-ea"/>
-                <a:cs typeface="+mj-cs"/>
-              </a:rPr>
-              <a:t> (200811)</a:t>
-            </a:r>
-          </a:p>
-        </p:txBody>
-      </p:sp>
-      <p:pic>
-        <p:nvPicPr>
-          <p:cNvPr id="5" name="Picture 4">
-            <a:extLst>
-              <a:ext uri="{FF2B5EF4-FFF2-40B4-BE49-F238E27FC236}">
-                <a16:creationId xmlns:a16="http://schemas.microsoft.com/office/drawing/2014/main" id="{A1B10AE1-0DA9-4134-B1DA-8F272DB5AA1A}"/>
-              </a:ext>
-            </a:extLst>
-          </p:cNvPr>
-          <p:cNvPicPr>
-            <a:picLocks noChangeAspect="1"/>
-          </p:cNvPicPr>
-          <p:nvPr/>
-        </p:nvPicPr>
-        <p:blipFill>
-          <a:blip r:embed="rId2">
-            <a:extLst>
-              <a:ext uri="{28A0092B-C50C-407E-A947-70E740481C1C}">
-                <a14:useLocalDpi xmlns:a14="http://schemas.microsoft.com/office/drawing/2010/main" val="0"/>
-              </a:ext>
-            </a:extLst>
-          </a:blip>
-          <a:stretch>
-            <a:fillRect/>
-          </a:stretch>
-        </p:blipFill>
-        <p:spPr>
-          <a:xfrm>
-            <a:off x="3480047" y="0"/>
-            <a:ext cx="8711953" cy="6858000"/>
-          </a:xfrm>
-          <a:prstGeom prst="rect">
-            <a:avLst/>
-          </a:prstGeom>
-        </p:spPr>
-      </p:pic>
-      <p:pic>
-        <p:nvPicPr>
-          <p:cNvPr id="11" name="Picture 10">
-            <a:extLst>
-              <a:ext uri="{FF2B5EF4-FFF2-40B4-BE49-F238E27FC236}">
-                <a16:creationId xmlns:a16="http://schemas.microsoft.com/office/drawing/2014/main" id="{DC974DA5-E2E5-4944-8259-A2BF984562CD}"/>
-              </a:ext>
-            </a:extLst>
-          </p:cNvPr>
-          <p:cNvPicPr>
-            <a:picLocks noChangeAspect="1"/>
-          </p:cNvPicPr>
-          <p:nvPr/>
-        </p:nvPicPr>
-        <p:blipFill>
-          <a:blip r:embed="rId2">
-            <a:extLst>
-              <a:ext uri="{28A0092B-C50C-407E-A947-70E740481C1C}">
-                <a14:useLocalDpi xmlns:a14="http://schemas.microsoft.com/office/drawing/2010/main" val="0"/>
-              </a:ext>
-            </a:extLst>
-          </a:blip>
-          <a:stretch>
-            <a:fillRect/>
-          </a:stretch>
-        </p:blipFill>
-        <p:spPr>
-          <a:xfrm>
-            <a:off x="3632447" y="152400"/>
-            <a:ext cx="8711953" cy="6858000"/>
-          </a:xfrm>
-          <a:prstGeom prst="rect">
-            <a:avLst/>
-          </a:prstGeom>
-        </p:spPr>
-      </p:pic>
-    </p:spTree>
-    <p:extLst>
-      <p:ext uri="{BB962C8B-B14F-4D97-AF65-F5344CB8AC3E}">
-        <p14:creationId xmlns:p14="http://schemas.microsoft.com/office/powerpoint/2010/main" val="3035141194"/>
-      </p:ext>
-    </p:extLst>
-  </p:cSld>
-  <p:clrMapOvr>
-    <a:masterClrMapping/>
-  </p:clrMapOvr>
-</p:sld>
-</file>
-
 <file path=ppt/slides/slide2.xml><?xml version="1.0" encoding="utf-8"?>
 <p:sld xmlns:a="http://schemas.openxmlformats.org/drawingml/2006/main" xmlns:r="http://schemas.openxmlformats.org/officeDocument/2006/relationships" xmlns:p="http://schemas.openxmlformats.org/presentationml/2006/main">
   <p:cSld>
@@ -9403,7 +9205,7 @@
       </p:grpSpPr>
       <p:sp>
         <p:nvSpPr>
-          <p:cNvPr id="9" name="Rectangle 8">
+          <p:cNvPr id="10" name="Rectangle 9">
             <a:extLst>
               <a:ext uri="{FF2B5EF4-FFF2-40B4-BE49-F238E27FC236}">
                 <a16:creationId xmlns:a16="http://schemas.microsoft.com/office/drawing/2014/main" id="{6753252F-4873-4F63-801D-CC719279A7D5}"/>
@@ -9466,6 +9268,315 @@
       </p:sp>
       <p:sp>
         <p:nvSpPr>
+          <p:cNvPr id="12" name="Rectangle 11">
+            <a:extLst>
+              <a:ext uri="{FF2B5EF4-FFF2-40B4-BE49-F238E27FC236}">
+                <a16:creationId xmlns:a16="http://schemas.microsoft.com/office/drawing/2014/main" id="{047C8CCB-F95D-4249-92DD-651249D3535A}"/>
+              </a:ext>
+              <a:ext uri="{C183D7F6-B498-43B3-948B-1728B52AA6E4}">
+                <adec:decorative xmlns:adec="http://schemas.microsoft.com/office/drawing/2017/decorative" val="1"/>
+              </a:ext>
+            </a:extLst>
+          </p:cNvPr>
+          <p:cNvSpPr>
+            <a:spLocks noGrp="1" noRot="1" noChangeAspect="1" noMove="1" noResize="1" noEditPoints="1" noAdjustHandles="1" noChangeArrowheads="1" noChangeShapeType="1" noTextEdit="1"/>
+          </p:cNvSpPr>
+          <p:nvPr>
+            <p:extLst>
+              <p:ext uri="{386F3935-93C4-4BCD-93E2-E3B085C9AB24}">
+                <p16:designElem xmlns:p16="http://schemas.microsoft.com/office/powerpoint/2015/main" val="1"/>
+              </p:ext>
+            </p:extLst>
+          </p:nvPr>
+        </p:nvSpPr>
+        <p:spPr>
+          <a:xfrm>
+            <a:off x="0" y="0"/>
+            <a:ext cx="2013557" cy="6858000"/>
+          </a:xfrm>
+          <a:prstGeom prst="rect">
+            <a:avLst/>
+          </a:prstGeom>
+          <a:solidFill>
+            <a:srgbClr val="51513B"/>
+          </a:solidFill>
+          <a:ln>
+            <a:noFill/>
+          </a:ln>
+        </p:spPr>
+        <p:style>
+          <a:lnRef idx="2">
+            <a:schemeClr val="accent1">
+              <a:shade val="50000"/>
+            </a:schemeClr>
+          </a:lnRef>
+          <a:fillRef idx="1">
+            <a:schemeClr val="accent1"/>
+          </a:fillRef>
+          <a:effectRef idx="0">
+            <a:schemeClr val="accent1"/>
+          </a:effectRef>
+          <a:fontRef idx="minor">
+            <a:schemeClr val="lt1"/>
+          </a:fontRef>
+        </p:style>
+        <p:txBody>
+          <a:bodyPr rtlCol="0" anchor="ctr"/>
+          <a:lstStyle/>
+          <a:p>
+            <a:pPr algn="ctr"/>
+            <a:endParaRPr lang="en-US"/>
+          </a:p>
+        </p:txBody>
+      </p:sp>
+      <p:sp>
+        <p:nvSpPr>
+          <p:cNvPr id="2" name="Title 1">
+            <a:extLst>
+              <a:ext uri="{FF2B5EF4-FFF2-40B4-BE49-F238E27FC236}">
+                <a16:creationId xmlns:a16="http://schemas.microsoft.com/office/drawing/2014/main" id="{3760F8A1-A61F-4031-A50C-09202ABEA9DB}"/>
+              </a:ext>
+            </a:extLst>
+          </p:cNvPr>
+          <p:cNvSpPr>
+            <a:spLocks noGrp="1"/>
+          </p:cNvSpPr>
+          <p:nvPr>
+            <p:ph type="title"/>
+          </p:nvPr>
+        </p:nvSpPr>
+        <p:spPr>
+          <a:xfrm>
+            <a:off x="640080" y="2074363"/>
+            <a:ext cx="2752354" cy="2709275"/>
+          </a:xfrm>
+          <a:prstGeom prst="ellipse">
+            <a:avLst/>
+          </a:prstGeom>
+          <a:solidFill>
+            <a:srgbClr val="262626"/>
+          </a:solidFill>
+          <a:ln w="174625" cmpd="thinThick">
+            <a:solidFill>
+              <a:srgbClr val="262626"/>
+            </a:solidFill>
+          </a:ln>
+        </p:spPr>
+        <p:txBody>
+          <a:bodyPr vert="horz" lIns="91440" tIns="45720" rIns="91440" bIns="45720" rtlCol="0" anchor="ctr">
+            <a:normAutofit/>
+          </a:bodyPr>
+          <a:lstStyle/>
+          <a:p>
+            <a:pPr algn="ctr"/>
+            <a:r>
+              <a:rPr lang="en-US" sz="2600" kern="1200" dirty="0">
+                <a:solidFill>
+                  <a:srgbClr val="FFFFFF"/>
+                </a:solidFill>
+                <a:latin typeface="+mj-lt"/>
+                <a:ea typeface="+mj-ea"/>
+                <a:cs typeface="+mj-cs"/>
+              </a:rPr>
+              <a:t>User </a:t>
+            </a:r>
+            <a:r>
+              <a:rPr lang="en-US" sz="2600" dirty="0">
+                <a:solidFill>
+                  <a:srgbClr val="FFFFFF"/>
+                </a:solidFill>
+              </a:rPr>
+              <a:t>2</a:t>
+            </a:r>
+            <a:r>
+              <a:rPr lang="en-US" sz="2600" kern="1200" dirty="0">
+                <a:solidFill>
+                  <a:srgbClr val="FFFFFF"/>
+                </a:solidFill>
+                <a:latin typeface="+mj-lt"/>
+                <a:ea typeface="+mj-ea"/>
+                <a:cs typeface="+mj-cs"/>
+              </a:rPr>
+              <a:t> (200811)</a:t>
+            </a:r>
+          </a:p>
+        </p:txBody>
+      </p:sp>
+      <p:pic>
+        <p:nvPicPr>
+          <p:cNvPr id="5" name="Picture 4">
+            <a:extLst>
+              <a:ext uri="{FF2B5EF4-FFF2-40B4-BE49-F238E27FC236}">
+                <a16:creationId xmlns:a16="http://schemas.microsoft.com/office/drawing/2014/main" id="{A1B10AE1-0DA9-4134-B1DA-8F272DB5AA1A}"/>
+              </a:ext>
+            </a:extLst>
+          </p:cNvPr>
+          <p:cNvPicPr>
+            <a:picLocks noChangeAspect="1"/>
+          </p:cNvPicPr>
+          <p:nvPr/>
+        </p:nvPicPr>
+        <p:blipFill>
+          <a:blip r:embed="rId2">
+            <a:extLst>
+              <a:ext uri="{28A0092B-C50C-407E-A947-70E740481C1C}">
+                <a14:useLocalDpi xmlns:a14="http://schemas.microsoft.com/office/drawing/2010/main" val="0"/>
+              </a:ext>
+            </a:extLst>
+          </a:blip>
+          <a:stretch>
+            <a:fillRect/>
+          </a:stretch>
+        </p:blipFill>
+        <p:spPr>
+          <a:xfrm>
+            <a:off x="3480047" y="0"/>
+            <a:ext cx="8711953" cy="6858000"/>
+          </a:xfrm>
+          <a:prstGeom prst="rect">
+            <a:avLst/>
+          </a:prstGeom>
+        </p:spPr>
+      </p:pic>
+      <p:pic>
+        <p:nvPicPr>
+          <p:cNvPr id="11" name="Picture 10">
+            <a:extLst>
+              <a:ext uri="{FF2B5EF4-FFF2-40B4-BE49-F238E27FC236}">
+                <a16:creationId xmlns:a16="http://schemas.microsoft.com/office/drawing/2014/main" id="{DC974DA5-E2E5-4944-8259-A2BF984562CD}"/>
+              </a:ext>
+            </a:extLst>
+          </p:cNvPr>
+          <p:cNvPicPr>
+            <a:picLocks noChangeAspect="1"/>
+          </p:cNvPicPr>
+          <p:nvPr/>
+        </p:nvPicPr>
+        <p:blipFill>
+          <a:blip r:embed="rId2">
+            <a:extLst>
+              <a:ext uri="{28A0092B-C50C-407E-A947-70E740481C1C}">
+                <a14:useLocalDpi xmlns:a14="http://schemas.microsoft.com/office/drawing/2010/main" val="0"/>
+              </a:ext>
+            </a:extLst>
+          </a:blip>
+          <a:stretch>
+            <a:fillRect/>
+          </a:stretch>
+        </p:blipFill>
+        <p:spPr>
+          <a:xfrm>
+            <a:off x="3632447" y="152400"/>
+            <a:ext cx="8711953" cy="6858000"/>
+          </a:xfrm>
+          <a:prstGeom prst="rect">
+            <a:avLst/>
+          </a:prstGeom>
+        </p:spPr>
+      </p:pic>
+    </p:spTree>
+    <p:extLst>
+      <p:ext uri="{BB962C8B-B14F-4D97-AF65-F5344CB8AC3E}">
+        <p14:creationId xmlns:p14="http://schemas.microsoft.com/office/powerpoint/2010/main" val="3035141194"/>
+      </p:ext>
+    </p:extLst>
+  </p:cSld>
+  <p:clrMapOvr>
+    <a:masterClrMapping/>
+  </p:clrMapOvr>
+</p:sld>
+</file>
+
+<file path=ppt/slides/slide21.xml><?xml version="1.0" encoding="utf-8"?>
+<p:sld xmlns:a="http://schemas.openxmlformats.org/drawingml/2006/main" xmlns:r="http://schemas.openxmlformats.org/officeDocument/2006/relationships" xmlns:p="http://schemas.openxmlformats.org/presentationml/2006/main">
+  <p:cSld>
+    <p:bg>
+      <p:bgPr>
+        <a:solidFill>
+          <a:schemeClr val="bg1"/>
+        </a:solidFill>
+        <a:effectLst/>
+      </p:bgPr>
+    </p:bg>
+    <p:spTree>
+      <p:nvGrpSpPr>
+        <p:cNvPr id="1" name=""/>
+        <p:cNvGrpSpPr/>
+        <p:nvPr/>
+      </p:nvGrpSpPr>
+      <p:grpSpPr>
+        <a:xfrm>
+          <a:off x="0" y="0"/>
+          <a:ext cx="0" cy="0"/>
+          <a:chOff x="0" y="0"/>
+          <a:chExt cx="0" cy="0"/>
+        </a:xfrm>
+      </p:grpSpPr>
+      <p:sp>
+        <p:nvSpPr>
+          <p:cNvPr id="9" name="Rectangle 8">
+            <a:extLst>
+              <a:ext uri="{FF2B5EF4-FFF2-40B4-BE49-F238E27FC236}">
+                <a16:creationId xmlns:a16="http://schemas.microsoft.com/office/drawing/2014/main" id="{6753252F-4873-4F63-801D-CC719279A7D5}"/>
+              </a:ext>
+              <a:ext uri="{C183D7F6-B498-43B3-948B-1728B52AA6E4}">
+                <adec:decorative xmlns:adec="http://schemas.microsoft.com/office/drawing/2017/decorative" val="1"/>
+              </a:ext>
+            </a:extLst>
+          </p:cNvPr>
+          <p:cNvSpPr>
+            <a:spLocks noGrp="1" noRot="1" noChangeAspect="1" noMove="1" noResize="1" noEditPoints="1" noAdjustHandles="1" noChangeArrowheads="1" noChangeShapeType="1" noTextEdit="1"/>
+          </p:cNvSpPr>
+          <p:nvPr>
+            <p:extLst>
+              <p:ext uri="{386F3935-93C4-4BCD-93E2-E3B085C9AB24}">
+                <p16:designElem xmlns:p16="http://schemas.microsoft.com/office/powerpoint/2015/main" val="1"/>
+              </p:ext>
+            </p:extLst>
+          </p:nvPr>
+        </p:nvSpPr>
+        <p:spPr>
+          <a:xfrm>
+            <a:off x="0" y="0"/>
+            <a:ext cx="12192000" cy="6858000"/>
+          </a:xfrm>
+          <a:prstGeom prst="rect">
+            <a:avLst/>
+          </a:prstGeom>
+          <a:solidFill>
+            <a:srgbClr val="FFFFFF"/>
+          </a:solidFill>
+          <a:ln>
+            <a:noFill/>
+          </a:ln>
+        </p:spPr>
+        <p:style>
+          <a:lnRef idx="2">
+            <a:schemeClr val="accent1">
+              <a:shade val="50000"/>
+            </a:schemeClr>
+          </a:lnRef>
+          <a:fillRef idx="1">
+            <a:schemeClr val="accent1"/>
+          </a:fillRef>
+          <a:effectRef idx="0">
+            <a:schemeClr val="accent1"/>
+          </a:effectRef>
+          <a:fontRef idx="minor">
+            <a:schemeClr val="lt1"/>
+          </a:fontRef>
+        </p:style>
+        <p:txBody>
+          <a:bodyPr rtlCol="0" anchor="ctr"/>
+          <a:lstStyle/>
+          <a:p>
+            <a:pPr algn="ctr"/>
+            <a:endParaRPr lang="en-US"/>
+          </a:p>
+        </p:txBody>
+      </p:sp>
+      <p:sp>
+        <p:nvSpPr>
           <p:cNvPr id="11" name="Rectangle 10">
             <a:extLst>
               <a:ext uri="{FF2B5EF4-FFF2-40B4-BE49-F238E27FC236}">
@@ -9630,7 +9741,7 @@
 </p:sld>
 </file>
 
-<file path=ppt/slides/slide21.xml><?xml version="1.0" encoding="utf-8"?>
+<file path=ppt/slides/slide22.xml><?xml version="1.0" encoding="utf-8"?>
 <p:sld xmlns:a="http://schemas.openxmlformats.org/drawingml/2006/main" xmlns:r="http://schemas.openxmlformats.org/officeDocument/2006/relationships" xmlns:p="http://schemas.openxmlformats.org/presentationml/2006/main">
   <p:cSld>
     <p:bg>

--- a/Writings/Predictions.pptx
+++ b/Writings/Predictions.pptx
@@ -2497,7 +2497,7 @@
           <a:p>
             <a:fld id="{75B3FFF7-FEE0-43BC-B399-9665428A1661}" type="datetimeFigureOut">
               <a:rPr lang="en-US" smtClean="0"/>
-              <a:t>10/8/2018</a:t>
+              <a:t>10/21/2018</a:t>
             </a:fld>
             <a:endParaRPr lang="en-US" dirty="0"/>
           </a:p>
@@ -2695,7 +2695,7 @@
           <a:p>
             <a:fld id="{75B3FFF7-FEE0-43BC-B399-9665428A1661}" type="datetimeFigureOut">
               <a:rPr lang="en-US" smtClean="0"/>
-              <a:t>10/8/2018</a:t>
+              <a:t>10/21/2018</a:t>
             </a:fld>
             <a:endParaRPr lang="en-US" dirty="0"/>
           </a:p>
@@ -2903,7 +2903,7 @@
           <a:p>
             <a:fld id="{75B3FFF7-FEE0-43BC-B399-9665428A1661}" type="datetimeFigureOut">
               <a:rPr lang="en-US" smtClean="0"/>
-              <a:t>10/8/2018</a:t>
+              <a:t>10/21/2018</a:t>
             </a:fld>
             <a:endParaRPr lang="en-US" dirty="0"/>
           </a:p>
@@ -3101,7 +3101,7 @@
           <a:p>
             <a:fld id="{75B3FFF7-FEE0-43BC-B399-9665428A1661}" type="datetimeFigureOut">
               <a:rPr lang="en-US" smtClean="0"/>
-              <a:t>10/8/2018</a:t>
+              <a:t>10/21/2018</a:t>
             </a:fld>
             <a:endParaRPr lang="en-US" dirty="0"/>
           </a:p>
@@ -3376,7 +3376,7 @@
           <a:p>
             <a:fld id="{75B3FFF7-FEE0-43BC-B399-9665428A1661}" type="datetimeFigureOut">
               <a:rPr lang="en-US" smtClean="0"/>
-              <a:t>10/8/2018</a:t>
+              <a:t>10/21/2018</a:t>
             </a:fld>
             <a:endParaRPr lang="en-US" dirty="0"/>
           </a:p>
@@ -3641,7 +3641,7 @@
           <a:p>
             <a:fld id="{75B3FFF7-FEE0-43BC-B399-9665428A1661}" type="datetimeFigureOut">
               <a:rPr lang="en-US" smtClean="0"/>
-              <a:t>10/8/2018</a:t>
+              <a:t>10/21/2018</a:t>
             </a:fld>
             <a:endParaRPr lang="en-US" dirty="0"/>
           </a:p>
@@ -4053,7 +4053,7 @@
           <a:p>
             <a:fld id="{75B3FFF7-FEE0-43BC-B399-9665428A1661}" type="datetimeFigureOut">
               <a:rPr lang="en-US" smtClean="0"/>
-              <a:t>10/8/2018</a:t>
+              <a:t>10/21/2018</a:t>
             </a:fld>
             <a:endParaRPr lang="en-US" dirty="0"/>
           </a:p>
@@ -4194,7 +4194,7 @@
           <a:p>
             <a:fld id="{75B3FFF7-FEE0-43BC-B399-9665428A1661}" type="datetimeFigureOut">
               <a:rPr lang="en-US" smtClean="0"/>
-              <a:t>10/8/2018</a:t>
+              <a:t>10/21/2018</a:t>
             </a:fld>
             <a:endParaRPr lang="en-US" dirty="0"/>
           </a:p>
@@ -4307,7 +4307,7 @@
           <a:p>
             <a:fld id="{75B3FFF7-FEE0-43BC-B399-9665428A1661}" type="datetimeFigureOut">
               <a:rPr lang="en-US" smtClean="0"/>
-              <a:t>10/8/2018</a:t>
+              <a:t>10/21/2018</a:t>
             </a:fld>
             <a:endParaRPr lang="en-US" dirty="0"/>
           </a:p>
@@ -4618,7 +4618,7 @@
           <a:p>
             <a:fld id="{75B3FFF7-FEE0-43BC-B399-9665428A1661}" type="datetimeFigureOut">
               <a:rPr lang="en-US" smtClean="0"/>
-              <a:t>10/8/2018</a:t>
+              <a:t>10/21/2018</a:t>
             </a:fld>
             <a:endParaRPr lang="en-US" dirty="0"/>
           </a:p>
@@ -4906,7 +4906,7 @@
           <a:p>
             <a:fld id="{75B3FFF7-FEE0-43BC-B399-9665428A1661}" type="datetimeFigureOut">
               <a:rPr lang="en-US" smtClean="0"/>
-              <a:t>10/8/2018</a:t>
+              <a:t>10/21/2018</a:t>
             </a:fld>
             <a:endParaRPr lang="en-US" dirty="0"/>
           </a:p>
@@ -5147,7 +5147,7 @@
           <a:p>
             <a:fld id="{75B3FFF7-FEE0-43BC-B399-9665428A1661}" type="datetimeFigureOut">
               <a:rPr lang="en-US" smtClean="0"/>
-              <a:t>10/8/2018</a:t>
+              <a:t>10/21/2018</a:t>
             </a:fld>
             <a:endParaRPr lang="en-US" dirty="0"/>
           </a:p>
@@ -6482,52 +6482,6 @@
           </a:p>
         </p:txBody>
       </p:sp>
-      <p:sp>
-        <p:nvSpPr>
-          <p:cNvPr id="3" name="Rectangle 2">
-            <a:extLst>
-              <a:ext uri="{FF2B5EF4-FFF2-40B4-BE49-F238E27FC236}">
-                <a16:creationId xmlns:a16="http://schemas.microsoft.com/office/drawing/2014/main" id="{F598C781-B837-4A03-A74F-C8A6E793E3E4}"/>
-              </a:ext>
-            </a:extLst>
-          </p:cNvPr>
-          <p:cNvSpPr/>
-          <p:nvPr/>
-        </p:nvSpPr>
-        <p:spPr>
-          <a:xfrm>
-            <a:off x="7406640" y="1097280"/>
-            <a:ext cx="281940" cy="5006340"/>
-          </a:xfrm>
-          <a:prstGeom prst="rect">
-            <a:avLst/>
-          </a:prstGeom>
-          <a:noFill/>
-          <a:ln w="76200"/>
-        </p:spPr>
-        <p:style>
-          <a:lnRef idx="2">
-            <a:schemeClr val="accent1"/>
-          </a:lnRef>
-          <a:fillRef idx="1">
-            <a:schemeClr val="lt1"/>
-          </a:fillRef>
-          <a:effectRef idx="0">
-            <a:schemeClr val="accent1"/>
-          </a:effectRef>
-          <a:fontRef idx="minor">
-            <a:schemeClr val="dk1"/>
-          </a:fontRef>
-        </p:style>
-        <p:txBody>
-          <a:bodyPr rtlCol="0" anchor="ctr"/>
-          <a:lstStyle/>
-          <a:p>
-            <a:pPr algn="ctr"/>
-            <a:endParaRPr lang="en-US"/>
-          </a:p>
-        </p:txBody>
-      </p:sp>
     </p:spTree>
     <p:extLst>
       <p:ext uri="{BB962C8B-B14F-4D97-AF65-F5344CB8AC3E}">
